--- a/use cases/use_case_diagram_system.pptx
+++ b/use cases/use_case_diagram_system.pptx
@@ -3759,10 +3759,9 @@
           </a:bodyPr>
           <a:lstStyle/>
           <a:p>
-            <a:pPr algn="ctr"/>
             <a:r>
               <a:rPr lang="he-IL" dirty="0"/>
-              <a:t>מנהלת הרשת</a:t>
+              <a:t>מנהלות חניונים</a:t>
             </a:r>
           </a:p>
         </p:txBody>
@@ -3834,10 +3833,9 @@
           </a:bodyPr>
           <a:lstStyle/>
           <a:p>
-            <a:pPr marL="0" algn="r" defTabSz="914400" rtl="1" eaLnBrk="1" latinLnBrk="0" hangingPunct="1"/>
             <a:r>
               <a:rPr lang="he-IL" dirty="0"/>
-              <a:t>פקידות</a:t>
+              <a:t>עובדות</a:t>
             </a:r>
           </a:p>
         </p:txBody>
@@ -3903,7 +3901,7 @@
         </p:nvSpPr>
         <p:spPr>
           <a:xfrm>
-            <a:off x="9849115" y="797784"/>
+            <a:off x="8822685" y="797784"/>
             <a:ext cx="1212219" cy="737438"/>
           </a:xfrm>
           <a:prstGeom prst="roundRect">
@@ -3962,7 +3960,7 @@
         <p:spPr>
           <a:xfrm flipV="1">
             <a:off x="6654800" y="1166503"/>
-            <a:ext cx="3194315" cy="1"/>
+            <a:ext cx="2167885" cy="1"/>
           </a:xfrm>
           <a:prstGeom prst="line">
             <a:avLst/>
@@ -4081,6 +4079,14 @@
           <a:p>
             <a:pPr algn="ctr"/>
             <a:r>
+              <a:rPr lang="en-US" dirty="0">
+                <a:solidFill>
+                  <a:schemeClr val="tx1"/>
+                </a:solidFill>
+              </a:rPr>
+              <a:t> 🤖 </a:t>
+            </a:r>
+            <a:r>
               <a:rPr lang="he-IL" dirty="0">
                 <a:solidFill>
                   <a:schemeClr val="tx1"/>
@@ -4239,7 +4245,7 @@
         </p:nvSpPr>
         <p:spPr>
           <a:xfrm>
-            <a:off x="6410630" y="2986951"/>
+            <a:off x="6048690" y="3029334"/>
             <a:ext cx="1212219" cy="737438"/>
           </a:xfrm>
           <a:prstGeom prst="roundRect">
@@ -4297,8 +4303,8 @@
         </p:nvCxnSpPr>
         <p:spPr>
           <a:xfrm flipV="1">
-            <a:off x="5618744" y="3724389"/>
-            <a:ext cx="1397996" cy="1667167"/>
+            <a:off x="5618744" y="3766772"/>
+            <a:ext cx="1036056" cy="1624784"/>
           </a:xfrm>
           <a:prstGeom prst="line">
             <a:avLst/>
@@ -4363,18 +4369,13 @@
           <a:p>
             <a:pPr algn="ctr"/>
             <a:r>
-              <a:rPr lang="he" dirty="0">
+              <a:rPr lang="he-IL" dirty="0">
                 <a:solidFill>
                   <a:schemeClr val="tx1"/>
                 </a:solidFill>
               </a:rPr>
-              <a:t>ניהול פרטי המידע האישיים של העובדות</a:t>
-            </a:r>
-            <a:endParaRPr lang="he-IL" dirty="0">
-              <a:solidFill>
-                <a:schemeClr val="tx1"/>
-              </a:solidFill>
-            </a:endParaRPr>
+              <a:t>מערכת ניהול פרטי עובדות</a:t>
+            </a:r>
           </a:p>
         </p:txBody>
       </p:sp>

--- a/use cases/use_case_diagram_system.pptx
+++ b/use cases/use_case_diagram_system.pptx
@@ -3995,7 +3995,7 @@
         </p:nvSpPr>
         <p:spPr>
           <a:xfrm>
-            <a:off x="4904511" y="5391556"/>
+            <a:off x="3630683" y="5322028"/>
             <a:ext cx="1428466" cy="737438"/>
           </a:xfrm>
           <a:prstGeom prst="roundRect">
@@ -4030,7 +4030,7 @@
                   <a:schemeClr val="tx1"/>
                 </a:solidFill>
               </a:rPr>
-              <a:t>בסיס נתונים</a:t>
+              <a:t>בסיס נתונים </a:t>
             </a:r>
           </a:p>
         </p:txBody>
@@ -4049,7 +4049,7 @@
         </p:nvSpPr>
         <p:spPr>
           <a:xfrm>
-            <a:off x="6801214" y="4164356"/>
+            <a:off x="6521698" y="4104981"/>
             <a:ext cx="1212219" cy="737438"/>
           </a:xfrm>
           <a:prstGeom prst="roundRect">
@@ -4109,14 +4109,14 @@
           <p:cNvCxnSpPr>
             <a:cxnSpLocks/>
             <a:stCxn id="36" idx="0"/>
-            <a:endCxn id="37" idx="2"/>
+            <a:endCxn id="37" idx="1"/>
           </p:cNvCxnSpPr>
           <p:nvPr/>
         </p:nvCxnSpPr>
         <p:spPr>
           <a:xfrm flipV="1">
-            <a:off x="5618744" y="4901794"/>
-            <a:ext cx="1788580" cy="489762"/>
+            <a:off x="4344916" y="4473700"/>
+            <a:ext cx="2176782" cy="848328"/>
           </a:xfrm>
           <a:prstGeom prst="line">
             <a:avLst/>
@@ -4151,7 +4151,7 @@
         </p:nvSpPr>
         <p:spPr>
           <a:xfrm>
-            <a:off x="3440453" y="4106626"/>
+            <a:off x="3446960" y="3291362"/>
             <a:ext cx="1796565" cy="737438"/>
           </a:xfrm>
           <a:prstGeom prst="roundRect">
@@ -4208,9 +4208,9 @@
           <p:nvPr/>
         </p:nvCxnSpPr>
         <p:spPr>
-          <a:xfrm flipH="1" flipV="1">
-            <a:off x="4338736" y="4844064"/>
-            <a:ext cx="1280008" cy="547492"/>
+          <a:xfrm flipV="1">
+            <a:off x="4344916" y="4028800"/>
+            <a:ext cx="327" cy="1293228"/>
           </a:xfrm>
           <a:prstGeom prst="line">
             <a:avLst/>
@@ -4245,7 +4245,7 @@
         </p:nvSpPr>
         <p:spPr>
           <a:xfrm>
-            <a:off x="6048690" y="3029334"/>
+            <a:off x="5753996" y="3042336"/>
             <a:ext cx="1212219" cy="737438"/>
           </a:xfrm>
           <a:prstGeom prst="roundRect">
@@ -4303,8 +4303,8 @@
         </p:nvCxnSpPr>
         <p:spPr>
           <a:xfrm flipV="1">
-            <a:off x="5618744" y="3766772"/>
-            <a:ext cx="1036056" cy="1624784"/>
+            <a:off x="4344916" y="3779774"/>
+            <a:ext cx="2015190" cy="1542254"/>
           </a:xfrm>
           <a:prstGeom prst="line">
             <a:avLst/>
@@ -4399,6 +4399,140 @@
           <a:xfrm flipH="1">
             <a:off x="2750272" y="1166504"/>
             <a:ext cx="2045248" cy="887124"/>
+          </a:xfrm>
+          <a:prstGeom prst="line">
+            <a:avLst/>
+          </a:prstGeom>
+        </p:spPr>
+        <p:style>
+          <a:lnRef idx="1">
+            <a:schemeClr val="accent1"/>
+          </a:lnRef>
+          <a:fillRef idx="0">
+            <a:schemeClr val="accent1"/>
+          </a:fillRef>
+          <a:effectRef idx="0">
+            <a:schemeClr val="accent1"/>
+          </a:effectRef>
+          <a:fontRef idx="minor">
+            <a:schemeClr val="tx1"/>
+          </a:fontRef>
+        </p:style>
+      </p:cxnSp>
+      <p:sp>
+        <p:nvSpPr>
+          <p:cNvPr id="87" name="Rectangle: Rounded Corners 10">
+            <a:extLst>
+              <a:ext uri="{FF2B5EF4-FFF2-40B4-BE49-F238E27FC236}">
+                <a16:creationId xmlns:a16="http://schemas.microsoft.com/office/drawing/2014/main" id="{244BA848-0E00-9D4B-A84D-AA65FE365F31}"/>
+              </a:ext>
+            </a:extLst>
+          </p:cNvPr>
+          <p:cNvSpPr/>
+          <p:nvPr/>
+        </p:nvSpPr>
+        <p:spPr>
+          <a:xfrm>
+            <a:off x="6299451" y="5491351"/>
+            <a:ext cx="1653586" cy="737438"/>
+          </a:xfrm>
+          <a:prstGeom prst="roundRect">
+            <a:avLst/>
+          </a:prstGeom>
+          <a:noFill/>
+        </p:spPr>
+        <p:style>
+          <a:lnRef idx="2">
+            <a:schemeClr val="accent1">
+              <a:shade val="50000"/>
+            </a:schemeClr>
+          </a:lnRef>
+          <a:fillRef idx="1">
+            <a:schemeClr val="accent1"/>
+          </a:fillRef>
+          <a:effectRef idx="0">
+            <a:schemeClr val="accent1"/>
+          </a:effectRef>
+          <a:fontRef idx="minor">
+            <a:schemeClr val="lt1"/>
+          </a:fontRef>
+        </p:style>
+        <p:txBody>
+          <a:bodyPr rtlCol="0" anchor="ctr"/>
+          <a:lstStyle/>
+          <a:p>
+            <a:pPr marL="0" algn="ctr" defTabSz="914400" rtl="1" eaLnBrk="1" latinLnBrk="0" hangingPunct="1"/>
+            <a:r>
+              <a:rPr lang="he-IL" dirty="0">
+                <a:solidFill>
+                  <a:schemeClr val="tx1"/>
+                </a:solidFill>
+              </a:rPr>
+              <a:t>הכנסת / הוצאת רכב מהחניון</a:t>
+            </a:r>
+          </a:p>
+        </p:txBody>
+      </p:sp>
+      <p:cxnSp>
+        <p:nvCxnSpPr>
+          <p:cNvPr id="89" name="Straight Connector 88">
+            <a:extLst>
+              <a:ext uri="{FF2B5EF4-FFF2-40B4-BE49-F238E27FC236}">
+                <a16:creationId xmlns:a16="http://schemas.microsoft.com/office/drawing/2014/main" id="{E0EF8CB1-1798-094F-B7F5-E8E714FAF898}"/>
+              </a:ext>
+            </a:extLst>
+          </p:cNvPr>
+          <p:cNvCxnSpPr>
+            <a:cxnSpLocks/>
+            <a:stCxn id="36" idx="3"/>
+            <a:endCxn id="87" idx="1"/>
+          </p:cNvCxnSpPr>
+          <p:nvPr/>
+        </p:nvCxnSpPr>
+        <p:spPr>
+          <a:xfrm>
+            <a:off x="5059149" y="5690747"/>
+            <a:ext cx="1240302" cy="169323"/>
+          </a:xfrm>
+          <a:prstGeom prst="line">
+            <a:avLst/>
+          </a:prstGeom>
+        </p:spPr>
+        <p:style>
+          <a:lnRef idx="1">
+            <a:schemeClr val="accent1"/>
+          </a:lnRef>
+          <a:fillRef idx="0">
+            <a:schemeClr val="accent1"/>
+          </a:fillRef>
+          <a:effectRef idx="0">
+            <a:schemeClr val="accent1"/>
+          </a:effectRef>
+          <a:fontRef idx="minor">
+            <a:schemeClr val="tx1"/>
+          </a:fontRef>
+        </p:style>
+      </p:cxnSp>
+      <p:cxnSp>
+        <p:nvCxnSpPr>
+          <p:cNvPr id="96" name="Straight Connector 95">
+            <a:extLst>
+              <a:ext uri="{FF2B5EF4-FFF2-40B4-BE49-F238E27FC236}">
+                <a16:creationId xmlns:a16="http://schemas.microsoft.com/office/drawing/2014/main" id="{9D94AD0C-2CAA-894A-95D2-73EA08095726}"/>
+              </a:ext>
+            </a:extLst>
+          </p:cNvPr>
+          <p:cNvCxnSpPr>
+            <a:cxnSpLocks/>
+            <a:stCxn id="37" idx="2"/>
+            <a:endCxn id="87" idx="0"/>
+          </p:cNvCxnSpPr>
+          <p:nvPr/>
+        </p:nvCxnSpPr>
+        <p:spPr>
+          <a:xfrm flipH="1">
+            <a:off x="7126244" y="4842419"/>
+            <a:ext cx="1564" cy="648932"/>
           </a:xfrm>
           <a:prstGeom prst="line">
             <a:avLst/>

--- a/use cases/use_case_diagram_system.pptx
+++ b/use cases/use_case_diagram_system.pptx
@@ -7,6 +7,7 @@
   <p:sldIdLst>
     <p:sldId id="257" r:id="rId2"/>
     <p:sldId id="256" r:id="rId3"/>
+    <p:sldId id="258" r:id="rId4"/>
   </p:sldIdLst>
   <p:sldSz cx="12192000" cy="6858000"/>
   <p:notesSz cx="6858000" cy="9144000"/>
@@ -113,6 +114,10 @@
 </p:presentation>
 </file>
 
+<file path=ppt/revisionInfo.xml><?xml version="1.0" encoding="utf-8"?>
+<p1510:revInfo xmlns:a="http://schemas.openxmlformats.org/drawingml/2006/main" xmlns:r="http://schemas.openxmlformats.org/officeDocument/2006/relationships" xmlns:p1510="http://schemas.microsoft.com/office/powerpoint/2015/10/main"/>
+</file>
+
 <file path=ppt/slideLayouts/slideLayout1.xml><?xml version="1.0" encoding="utf-8"?>
 <p:sldLayout xmlns:a="http://schemas.openxmlformats.org/drawingml/2006/main" xmlns:r="http://schemas.openxmlformats.org/officeDocument/2006/relationships" xmlns:p="http://schemas.openxmlformats.org/presentationml/2006/main" type="title" preserve="1">
   <p:cSld name="Title Slide">
@@ -260,7 +265,7 @@
           <a:p>
             <a:fld id="{808C3DBF-4E85-4432-AFC9-4C85C7D0F8E2}" type="datetimeFigureOut">
               <a:rPr lang="en-US" smtClean="0"/>
-              <a:t>3/31/18</a:t>
+              <a:t>4/11/2018</a:t>
             </a:fld>
             <a:endParaRPr lang="en-US"/>
           </a:p>
@@ -458,7 +463,7 @@
           <a:p>
             <a:fld id="{808C3DBF-4E85-4432-AFC9-4C85C7D0F8E2}" type="datetimeFigureOut">
               <a:rPr lang="en-US" smtClean="0"/>
-              <a:t>3/31/18</a:t>
+              <a:t>4/11/2018</a:t>
             </a:fld>
             <a:endParaRPr lang="en-US"/>
           </a:p>
@@ -666,7 +671,7 @@
           <a:p>
             <a:fld id="{808C3DBF-4E85-4432-AFC9-4C85C7D0F8E2}" type="datetimeFigureOut">
               <a:rPr lang="en-US" smtClean="0"/>
-              <a:t>3/31/18</a:t>
+              <a:t>4/11/2018</a:t>
             </a:fld>
             <a:endParaRPr lang="en-US"/>
           </a:p>
@@ -864,7 +869,7 @@
           <a:p>
             <a:fld id="{808C3DBF-4E85-4432-AFC9-4C85C7D0F8E2}" type="datetimeFigureOut">
               <a:rPr lang="en-US" smtClean="0"/>
-              <a:t>3/31/18</a:t>
+              <a:t>4/11/2018</a:t>
             </a:fld>
             <a:endParaRPr lang="en-US"/>
           </a:p>
@@ -1139,7 +1144,7 @@
           <a:p>
             <a:fld id="{808C3DBF-4E85-4432-AFC9-4C85C7D0F8E2}" type="datetimeFigureOut">
               <a:rPr lang="en-US" smtClean="0"/>
-              <a:t>3/31/18</a:t>
+              <a:t>4/11/2018</a:t>
             </a:fld>
             <a:endParaRPr lang="en-US"/>
           </a:p>
@@ -1404,7 +1409,7 @@
           <a:p>
             <a:fld id="{808C3DBF-4E85-4432-AFC9-4C85C7D0F8E2}" type="datetimeFigureOut">
               <a:rPr lang="en-US" smtClean="0"/>
-              <a:t>3/31/18</a:t>
+              <a:t>4/11/2018</a:t>
             </a:fld>
             <a:endParaRPr lang="en-US"/>
           </a:p>
@@ -1816,7 +1821,7 @@
           <a:p>
             <a:fld id="{808C3DBF-4E85-4432-AFC9-4C85C7D0F8E2}" type="datetimeFigureOut">
               <a:rPr lang="en-US" smtClean="0"/>
-              <a:t>3/31/18</a:t>
+              <a:t>4/11/2018</a:t>
             </a:fld>
             <a:endParaRPr lang="en-US"/>
           </a:p>
@@ -1957,7 +1962,7 @@
           <a:p>
             <a:fld id="{808C3DBF-4E85-4432-AFC9-4C85C7D0F8E2}" type="datetimeFigureOut">
               <a:rPr lang="en-US" smtClean="0"/>
-              <a:t>3/31/18</a:t>
+              <a:t>4/11/2018</a:t>
             </a:fld>
             <a:endParaRPr lang="en-US"/>
           </a:p>
@@ -2070,7 +2075,7 @@
           <a:p>
             <a:fld id="{808C3DBF-4E85-4432-AFC9-4C85C7D0F8E2}" type="datetimeFigureOut">
               <a:rPr lang="en-US" smtClean="0"/>
-              <a:t>3/31/18</a:t>
+              <a:t>4/11/2018</a:t>
             </a:fld>
             <a:endParaRPr lang="en-US"/>
           </a:p>
@@ -2381,7 +2386,7 @@
           <a:p>
             <a:fld id="{808C3DBF-4E85-4432-AFC9-4C85C7D0F8E2}" type="datetimeFigureOut">
               <a:rPr lang="en-US" smtClean="0"/>
-              <a:t>3/31/18</a:t>
+              <a:t>4/11/2018</a:t>
             </a:fld>
             <a:endParaRPr lang="en-US"/>
           </a:p>
@@ -2669,7 +2674,7 @@
           <a:p>
             <a:fld id="{808C3DBF-4E85-4432-AFC9-4C85C7D0F8E2}" type="datetimeFigureOut">
               <a:rPr lang="en-US" smtClean="0"/>
-              <a:t>3/31/18</a:t>
+              <a:t>4/11/2018</a:t>
             </a:fld>
             <a:endParaRPr lang="en-US"/>
           </a:p>
@@ -2910,7 +2915,7 @@
           <a:p>
             <a:fld id="{808C3DBF-4E85-4432-AFC9-4C85C7D0F8E2}" type="datetimeFigureOut">
               <a:rPr lang="en-US" smtClean="0"/>
-              <a:t>3/31/18</a:t>
+              <a:t>4/11/2018</a:t>
             </a:fld>
             <a:endParaRPr lang="en-US"/>
           </a:p>
@@ -3329,6 +3334,118 @@
       </p:grpSpPr>
       <p:sp>
         <p:nvSpPr>
+          <p:cNvPr id="75" name="Rectangle: Rounded Corners 74">
+            <a:extLst>
+              <a:ext uri="{FF2B5EF4-FFF2-40B4-BE49-F238E27FC236}">
+                <a16:creationId xmlns:a16="http://schemas.microsoft.com/office/drawing/2014/main" id="{0CA1D288-C0A8-44FE-8FEA-38AE183BD19D}"/>
+              </a:ext>
+            </a:extLst>
+          </p:cNvPr>
+          <p:cNvSpPr/>
+          <p:nvPr/>
+        </p:nvSpPr>
+        <p:spPr>
+          <a:xfrm>
+            <a:off x="7528543" y="542457"/>
+            <a:ext cx="1212219" cy="475623"/>
+          </a:xfrm>
+          <a:prstGeom prst="roundRect">
+            <a:avLst/>
+          </a:prstGeom>
+          <a:solidFill>
+            <a:schemeClr val="bg1"/>
+          </a:solidFill>
+        </p:spPr>
+        <p:style>
+          <a:lnRef idx="2">
+            <a:schemeClr val="accent1">
+              <a:shade val="50000"/>
+            </a:schemeClr>
+          </a:lnRef>
+          <a:fillRef idx="1">
+            <a:schemeClr val="accent1"/>
+          </a:fillRef>
+          <a:effectRef idx="0">
+            <a:schemeClr val="accent1"/>
+          </a:effectRef>
+          <a:fontRef idx="minor">
+            <a:schemeClr val="lt1"/>
+          </a:fontRef>
+        </p:style>
+        <p:txBody>
+          <a:bodyPr rtlCol="0" anchor="ctr"/>
+          <a:lstStyle/>
+          <a:p>
+            <a:pPr algn="ctr"/>
+            <a:r>
+              <a:rPr lang="he-IL" dirty="0">
+                <a:solidFill>
+                  <a:schemeClr val="tx1"/>
+                </a:solidFill>
+              </a:rPr>
+              <a:t>חניונים</a:t>
+            </a:r>
+          </a:p>
+        </p:txBody>
+      </p:sp>
+      <p:sp>
+        <p:nvSpPr>
+          <p:cNvPr id="74" name="Rectangle: Rounded Corners 73">
+            <a:extLst>
+              <a:ext uri="{FF2B5EF4-FFF2-40B4-BE49-F238E27FC236}">
+                <a16:creationId xmlns:a16="http://schemas.microsoft.com/office/drawing/2014/main" id="{4F7EEAA5-BB86-4BF9-AA43-32CC07E2ABF9}"/>
+              </a:ext>
+            </a:extLst>
+          </p:cNvPr>
+          <p:cNvSpPr/>
+          <p:nvPr/>
+        </p:nvSpPr>
+        <p:spPr>
+          <a:xfrm>
+            <a:off x="7436792" y="616669"/>
+            <a:ext cx="1212219" cy="475623"/>
+          </a:xfrm>
+          <a:prstGeom prst="roundRect">
+            <a:avLst/>
+          </a:prstGeom>
+          <a:solidFill>
+            <a:schemeClr val="bg1"/>
+          </a:solidFill>
+        </p:spPr>
+        <p:style>
+          <a:lnRef idx="2">
+            <a:schemeClr val="accent1">
+              <a:shade val="50000"/>
+            </a:schemeClr>
+          </a:lnRef>
+          <a:fillRef idx="1">
+            <a:schemeClr val="accent1"/>
+          </a:fillRef>
+          <a:effectRef idx="0">
+            <a:schemeClr val="accent1"/>
+          </a:effectRef>
+          <a:fontRef idx="minor">
+            <a:schemeClr val="lt1"/>
+          </a:fontRef>
+        </p:style>
+        <p:txBody>
+          <a:bodyPr rtlCol="0" anchor="ctr"/>
+          <a:lstStyle/>
+          <a:p>
+            <a:pPr algn="ctr"/>
+            <a:r>
+              <a:rPr lang="he-IL" dirty="0">
+                <a:solidFill>
+                  <a:schemeClr val="tx1"/>
+                </a:solidFill>
+              </a:rPr>
+              <a:t>חניונים</a:t>
+            </a:r>
+          </a:p>
+        </p:txBody>
+      </p:sp>
+      <p:sp>
+        <p:nvSpPr>
           <p:cNvPr id="4" name="Rectangle 3">
             <a:extLst>
               <a:ext uri="{FF2B5EF4-FFF2-40B4-BE49-F238E27FC236}">
@@ -3376,17 +3493,9 @@
                   <a:schemeClr val="tx1"/>
                 </a:solidFill>
               </a:rPr>
-              <a:t>מערכת </a:t>
-            </a:r>
-            <a:r>
-              <a:rPr lang="en-US" dirty="0">
-                <a:solidFill>
-                  <a:schemeClr val="tx1"/>
-                </a:solidFill>
-              </a:rPr>
-              <a:t> CPS</a:t>
-            </a:r>
-            <a:endParaRPr lang="he-IL" dirty="0">
+              <a:t>חניה בעיר</a:t>
+            </a:r>
+            <a:endParaRPr lang="en-US" dirty="0">
               <a:solidFill>
                 <a:schemeClr val="tx1"/>
               </a:solidFill>
@@ -3445,6 +3554,276 @@
           </a:p>
         </p:txBody>
       </p:sp>
+      <p:sp>
+        <p:nvSpPr>
+          <p:cNvPr id="9" name="Rectangle: Rounded Corners 8">
+            <a:extLst>
+              <a:ext uri="{FF2B5EF4-FFF2-40B4-BE49-F238E27FC236}">
+                <a16:creationId xmlns:a16="http://schemas.microsoft.com/office/drawing/2014/main" id="{017879C7-B5FD-49F0-BBF8-A20D2B076983}"/>
+              </a:ext>
+            </a:extLst>
+          </p:cNvPr>
+          <p:cNvSpPr/>
+          <p:nvPr/>
+        </p:nvSpPr>
+        <p:spPr>
+          <a:xfrm>
+            <a:off x="7352661" y="690880"/>
+            <a:ext cx="1212219" cy="475623"/>
+          </a:xfrm>
+          <a:prstGeom prst="roundRect">
+            <a:avLst/>
+          </a:prstGeom>
+          <a:solidFill>
+            <a:schemeClr val="bg1"/>
+          </a:solidFill>
+        </p:spPr>
+        <p:style>
+          <a:lnRef idx="2">
+            <a:schemeClr val="accent1">
+              <a:shade val="50000"/>
+            </a:schemeClr>
+          </a:lnRef>
+          <a:fillRef idx="1">
+            <a:schemeClr val="accent1"/>
+          </a:fillRef>
+          <a:effectRef idx="0">
+            <a:schemeClr val="accent1"/>
+          </a:effectRef>
+          <a:fontRef idx="minor">
+            <a:schemeClr val="lt1"/>
+          </a:fontRef>
+        </p:style>
+        <p:txBody>
+          <a:bodyPr rtlCol="0" anchor="ctr"/>
+          <a:lstStyle/>
+          <a:p>
+            <a:pPr algn="ctr"/>
+            <a:r>
+              <a:rPr lang="he-IL" dirty="0">
+                <a:solidFill>
+                  <a:schemeClr val="tx1"/>
+                </a:solidFill>
+              </a:rPr>
+              <a:t>חניונים</a:t>
+            </a:r>
+          </a:p>
+        </p:txBody>
+      </p:sp>
+      <p:sp>
+        <p:nvSpPr>
+          <p:cNvPr id="10" name="Rectangle: Rounded Corners 9">
+            <a:extLst>
+              <a:ext uri="{FF2B5EF4-FFF2-40B4-BE49-F238E27FC236}">
+                <a16:creationId xmlns:a16="http://schemas.microsoft.com/office/drawing/2014/main" id="{1D30CD7D-6707-4BFD-B1D5-D6804C2E8D3E}"/>
+              </a:ext>
+            </a:extLst>
+          </p:cNvPr>
+          <p:cNvSpPr/>
+          <p:nvPr/>
+        </p:nvSpPr>
+        <p:spPr>
+          <a:xfrm>
+            <a:off x="4673600" y="3180914"/>
+            <a:ext cx="1212219" cy="737438"/>
+          </a:xfrm>
+          <a:prstGeom prst="roundRect">
+            <a:avLst/>
+          </a:prstGeom>
+          <a:noFill/>
+        </p:spPr>
+        <p:style>
+          <a:lnRef idx="2">
+            <a:schemeClr val="accent1">
+              <a:shade val="50000"/>
+            </a:schemeClr>
+          </a:lnRef>
+          <a:fillRef idx="1">
+            <a:schemeClr val="accent1"/>
+          </a:fillRef>
+          <a:effectRef idx="0">
+            <a:schemeClr val="accent1"/>
+          </a:effectRef>
+          <a:fontRef idx="minor">
+            <a:schemeClr val="lt1"/>
+          </a:fontRef>
+        </p:style>
+        <p:txBody>
+          <a:bodyPr rtlCol="0" anchor="ctr"/>
+          <a:lstStyle/>
+          <a:p>
+            <a:pPr algn="ctr"/>
+            <a:r>
+              <a:rPr lang="he-IL" dirty="0">
+                <a:solidFill>
+                  <a:schemeClr val="tx1"/>
+                </a:solidFill>
+              </a:rPr>
+              <a:t>מערכת </a:t>
+            </a:r>
+            <a:r>
+              <a:rPr lang="en-US" dirty="0">
+                <a:solidFill>
+                  <a:schemeClr val="tx1"/>
+                </a:solidFill>
+              </a:rPr>
+              <a:t>CPS</a:t>
+            </a:r>
+            <a:endParaRPr lang="he-IL" dirty="0">
+              <a:solidFill>
+                <a:schemeClr val="tx1"/>
+              </a:solidFill>
+            </a:endParaRPr>
+          </a:p>
+        </p:txBody>
+      </p:sp>
+      <p:sp>
+        <p:nvSpPr>
+          <p:cNvPr id="11" name="Rectangle: Rounded Corners 10">
+            <a:extLst>
+              <a:ext uri="{FF2B5EF4-FFF2-40B4-BE49-F238E27FC236}">
+                <a16:creationId xmlns:a16="http://schemas.microsoft.com/office/drawing/2014/main" id="{1F8306F2-DD6D-4DA6-ADE8-EF1E141064BC}"/>
+              </a:ext>
+            </a:extLst>
+          </p:cNvPr>
+          <p:cNvSpPr/>
+          <p:nvPr/>
+        </p:nvSpPr>
+        <p:spPr>
+          <a:xfrm>
+            <a:off x="6739759" y="3180914"/>
+            <a:ext cx="1212219" cy="737438"/>
+          </a:xfrm>
+          <a:prstGeom prst="roundRect">
+            <a:avLst/>
+          </a:prstGeom>
+          <a:noFill/>
+        </p:spPr>
+        <p:style>
+          <a:lnRef idx="2">
+            <a:schemeClr val="accent1">
+              <a:shade val="50000"/>
+            </a:schemeClr>
+          </a:lnRef>
+          <a:fillRef idx="1">
+            <a:schemeClr val="accent1"/>
+          </a:fillRef>
+          <a:effectRef idx="0">
+            <a:schemeClr val="accent1"/>
+          </a:effectRef>
+          <a:fontRef idx="minor">
+            <a:schemeClr val="lt1"/>
+          </a:fontRef>
+        </p:style>
+        <p:txBody>
+          <a:bodyPr rtlCol="0" anchor="ctr"/>
+          <a:lstStyle/>
+          <a:p>
+            <a:pPr algn="ctr"/>
+            <a:r>
+              <a:rPr lang="he-IL" dirty="0">
+                <a:solidFill>
+                  <a:schemeClr val="tx1"/>
+                </a:solidFill>
+              </a:rPr>
+              <a:t>אתר אינטרנט</a:t>
+            </a:r>
+          </a:p>
+        </p:txBody>
+      </p:sp>
+      <p:sp>
+        <p:nvSpPr>
+          <p:cNvPr id="15" name="Rectangle: Rounded Corners 14">
+            <a:extLst>
+              <a:ext uri="{FF2B5EF4-FFF2-40B4-BE49-F238E27FC236}">
+                <a16:creationId xmlns:a16="http://schemas.microsoft.com/office/drawing/2014/main" id="{19053A62-B285-448B-A506-876338916E8C}"/>
+              </a:ext>
+            </a:extLst>
+          </p:cNvPr>
+          <p:cNvSpPr/>
+          <p:nvPr/>
+        </p:nvSpPr>
+        <p:spPr>
+          <a:xfrm>
+            <a:off x="4453414" y="5126363"/>
+            <a:ext cx="1652590" cy="876356"/>
+          </a:xfrm>
+          <a:prstGeom prst="roundRect">
+            <a:avLst/>
+          </a:prstGeom>
+          <a:noFill/>
+        </p:spPr>
+        <p:style>
+          <a:lnRef idx="2">
+            <a:schemeClr val="accent1">
+              <a:shade val="50000"/>
+            </a:schemeClr>
+          </a:lnRef>
+          <a:fillRef idx="1">
+            <a:schemeClr val="accent1"/>
+          </a:fillRef>
+          <a:effectRef idx="0">
+            <a:schemeClr val="accent1"/>
+          </a:effectRef>
+          <a:fontRef idx="minor">
+            <a:schemeClr val="lt1"/>
+          </a:fontRef>
+        </p:style>
+        <p:txBody>
+          <a:bodyPr rtlCol="0" anchor="ctr"/>
+          <a:lstStyle/>
+          <a:p>
+            <a:pPr algn="ctr"/>
+            <a:r>
+              <a:rPr lang="he-IL" dirty="0">
+                <a:solidFill>
+                  <a:schemeClr val="tx1"/>
+                </a:solidFill>
+              </a:rPr>
+              <a:t>מערכת ניהול פרטי עובדות</a:t>
+            </a:r>
+          </a:p>
+        </p:txBody>
+      </p:sp>
+      <p:cxnSp>
+        <p:nvCxnSpPr>
+          <p:cNvPr id="21" name="Straight Connector 20">
+            <a:extLst>
+              <a:ext uri="{FF2B5EF4-FFF2-40B4-BE49-F238E27FC236}">
+                <a16:creationId xmlns:a16="http://schemas.microsoft.com/office/drawing/2014/main" id="{7B544733-7C60-478A-87F9-19C15751F4DA}"/>
+              </a:ext>
+            </a:extLst>
+          </p:cNvPr>
+          <p:cNvCxnSpPr>
+            <a:stCxn id="4" idx="3"/>
+            <a:endCxn id="9" idx="1"/>
+          </p:cNvCxnSpPr>
+          <p:nvPr/>
+        </p:nvCxnSpPr>
+        <p:spPr>
+          <a:xfrm flipV="1">
+            <a:off x="6654800" y="928692"/>
+            <a:ext cx="697861" cy="237812"/>
+          </a:xfrm>
+          <a:prstGeom prst="line">
+            <a:avLst/>
+          </a:prstGeom>
+        </p:spPr>
+        <p:style>
+          <a:lnRef idx="1">
+            <a:schemeClr val="accent1"/>
+          </a:lnRef>
+          <a:fillRef idx="0">
+            <a:schemeClr val="accent1"/>
+          </a:fillRef>
+          <a:effectRef idx="0">
+            <a:schemeClr val="accent1"/>
+          </a:effectRef>
+          <a:fontRef idx="minor">
+            <a:schemeClr val="tx1"/>
+          </a:fontRef>
+        </p:style>
+      </p:cxnSp>
       <p:cxnSp>
         <p:nvCxnSpPr>
           <p:cNvPr id="23" name="Straight Connector 22">
@@ -3455,16 +3834,14 @@
             </a:extLst>
           </p:cNvPr>
           <p:cNvCxnSpPr>
-            <a:cxnSpLocks/>
             <a:stCxn id="4" idx="1"/>
-            <a:endCxn id="1031" idx="3"/>
           </p:cNvCxnSpPr>
           <p:nvPr/>
         </p:nvCxnSpPr>
         <p:spPr>
           <a:xfrm flipH="1" flipV="1">
-            <a:off x="4041316" y="628207"/>
-            <a:ext cx="754204" cy="538297"/>
+            <a:off x="4348101" y="1166503"/>
+            <a:ext cx="447419" cy="1"/>
           </a:xfrm>
           <a:prstGeom prst="line">
             <a:avLst/>
@@ -3602,6 +3979,241 @@
           </a:fontRef>
         </p:style>
       </p:cxnSp>
+      <p:cxnSp>
+        <p:nvCxnSpPr>
+          <p:cNvPr id="82" name="Straight Connector 81">
+            <a:extLst>
+              <a:ext uri="{FF2B5EF4-FFF2-40B4-BE49-F238E27FC236}">
+                <a16:creationId xmlns:a16="http://schemas.microsoft.com/office/drawing/2014/main" id="{106C8F6A-D7F6-4A76-B27A-1C1E29C1F8C7}"/>
+              </a:ext>
+            </a:extLst>
+          </p:cNvPr>
+          <p:cNvCxnSpPr>
+            <a:cxnSpLocks/>
+            <a:stCxn id="10" idx="3"/>
+            <a:endCxn id="11" idx="1"/>
+          </p:cNvCxnSpPr>
+          <p:nvPr/>
+        </p:nvCxnSpPr>
+        <p:spPr>
+          <a:xfrm>
+            <a:off x="5885819" y="3549633"/>
+            <a:ext cx="853940" cy="0"/>
+          </a:xfrm>
+          <a:prstGeom prst="line">
+            <a:avLst/>
+          </a:prstGeom>
+        </p:spPr>
+        <p:style>
+          <a:lnRef idx="1">
+            <a:schemeClr val="accent1"/>
+          </a:lnRef>
+          <a:fillRef idx="0">
+            <a:schemeClr val="accent1"/>
+          </a:fillRef>
+          <a:effectRef idx="0">
+            <a:schemeClr val="accent1"/>
+          </a:effectRef>
+          <a:fontRef idx="minor">
+            <a:schemeClr val="tx1"/>
+          </a:fontRef>
+        </p:style>
+      </p:cxnSp>
+      <p:cxnSp>
+        <p:nvCxnSpPr>
+          <p:cNvPr id="86" name="Straight Connector 85">
+            <a:extLst>
+              <a:ext uri="{FF2B5EF4-FFF2-40B4-BE49-F238E27FC236}">
+                <a16:creationId xmlns:a16="http://schemas.microsoft.com/office/drawing/2014/main" id="{3BDCE5BD-9078-4841-9826-B52AF3E22E9B}"/>
+              </a:ext>
+            </a:extLst>
+          </p:cNvPr>
+          <p:cNvCxnSpPr>
+            <a:cxnSpLocks/>
+            <a:stCxn id="15" idx="3"/>
+          </p:cNvCxnSpPr>
+          <p:nvPr/>
+        </p:nvCxnSpPr>
+        <p:spPr>
+          <a:xfrm flipV="1">
+            <a:off x="6106004" y="4757600"/>
+            <a:ext cx="539810" cy="806941"/>
+          </a:xfrm>
+          <a:prstGeom prst="line">
+            <a:avLst/>
+          </a:prstGeom>
+        </p:spPr>
+        <p:style>
+          <a:lnRef idx="1">
+            <a:schemeClr val="accent1"/>
+          </a:lnRef>
+          <a:fillRef idx="0">
+            <a:schemeClr val="accent1"/>
+          </a:fillRef>
+          <a:effectRef idx="0">
+            <a:schemeClr val="accent1"/>
+          </a:effectRef>
+          <a:fontRef idx="minor">
+            <a:schemeClr val="tx1"/>
+          </a:fontRef>
+        </p:style>
+      </p:cxnSp>
+      <p:cxnSp>
+        <p:nvCxnSpPr>
+          <p:cNvPr id="88" name="Straight Connector 87">
+            <a:extLst>
+              <a:ext uri="{FF2B5EF4-FFF2-40B4-BE49-F238E27FC236}">
+                <a16:creationId xmlns:a16="http://schemas.microsoft.com/office/drawing/2014/main" id="{E18A69A8-E424-4E3D-ABEB-6B81578C0925}"/>
+              </a:ext>
+            </a:extLst>
+          </p:cNvPr>
+          <p:cNvCxnSpPr>
+            <a:stCxn id="10" idx="2"/>
+            <a:endCxn id="15" idx="0"/>
+          </p:cNvCxnSpPr>
+          <p:nvPr/>
+        </p:nvCxnSpPr>
+        <p:spPr>
+          <a:xfrm flipH="1">
+            <a:off x="5279709" y="3918352"/>
+            <a:ext cx="1" cy="1208011"/>
+          </a:xfrm>
+          <a:prstGeom prst="line">
+            <a:avLst/>
+          </a:prstGeom>
+        </p:spPr>
+        <p:style>
+          <a:lnRef idx="1">
+            <a:schemeClr val="accent1"/>
+          </a:lnRef>
+          <a:fillRef idx="0">
+            <a:schemeClr val="accent1"/>
+          </a:fillRef>
+          <a:effectRef idx="0">
+            <a:schemeClr val="accent1"/>
+          </a:effectRef>
+          <a:fontRef idx="minor">
+            <a:schemeClr val="tx1"/>
+          </a:fontRef>
+        </p:style>
+      </p:cxnSp>
+      <p:cxnSp>
+        <p:nvCxnSpPr>
+          <p:cNvPr id="103" name="Straight Connector 102">
+            <a:extLst>
+              <a:ext uri="{FF2B5EF4-FFF2-40B4-BE49-F238E27FC236}">
+                <a16:creationId xmlns:a16="http://schemas.microsoft.com/office/drawing/2014/main" id="{7FAC8785-4BB1-4259-A7F3-7AF70C333B93}"/>
+              </a:ext>
+            </a:extLst>
+          </p:cNvPr>
+          <p:cNvCxnSpPr>
+            <a:cxnSpLocks/>
+            <a:stCxn id="10" idx="1"/>
+          </p:cNvCxnSpPr>
+          <p:nvPr/>
+        </p:nvCxnSpPr>
+        <p:spPr>
+          <a:xfrm flipH="1">
+            <a:off x="3819660" y="3549633"/>
+            <a:ext cx="853940" cy="850626"/>
+          </a:xfrm>
+          <a:prstGeom prst="line">
+            <a:avLst/>
+          </a:prstGeom>
+        </p:spPr>
+        <p:style>
+          <a:lnRef idx="1">
+            <a:schemeClr val="accent1"/>
+          </a:lnRef>
+          <a:fillRef idx="0">
+            <a:schemeClr val="accent1"/>
+          </a:fillRef>
+          <a:effectRef idx="0">
+            <a:schemeClr val="accent1"/>
+          </a:effectRef>
+          <a:fontRef idx="minor">
+            <a:schemeClr val="tx1"/>
+          </a:fontRef>
+        </p:style>
+      </p:cxnSp>
+      <p:cxnSp>
+        <p:nvCxnSpPr>
+          <p:cNvPr id="105" name="Straight Connector 104">
+            <a:extLst>
+              <a:ext uri="{FF2B5EF4-FFF2-40B4-BE49-F238E27FC236}">
+                <a16:creationId xmlns:a16="http://schemas.microsoft.com/office/drawing/2014/main" id="{8380589A-8278-4EF2-98CD-6656D893F935}"/>
+              </a:ext>
+            </a:extLst>
+          </p:cNvPr>
+          <p:cNvCxnSpPr>
+            <a:cxnSpLocks/>
+            <a:endCxn id="15" idx="1"/>
+          </p:cNvCxnSpPr>
+          <p:nvPr/>
+        </p:nvCxnSpPr>
+        <p:spPr>
+          <a:xfrm>
+            <a:off x="3819660" y="4769591"/>
+            <a:ext cx="633754" cy="794950"/>
+          </a:xfrm>
+          <a:prstGeom prst="line">
+            <a:avLst/>
+          </a:prstGeom>
+        </p:spPr>
+        <p:style>
+          <a:lnRef idx="1">
+            <a:schemeClr val="accent1"/>
+          </a:lnRef>
+          <a:fillRef idx="0">
+            <a:schemeClr val="accent1"/>
+          </a:fillRef>
+          <a:effectRef idx="0">
+            <a:schemeClr val="accent1"/>
+          </a:effectRef>
+          <a:fontRef idx="minor">
+            <a:schemeClr val="tx1"/>
+          </a:fontRef>
+        </p:style>
+      </p:cxnSp>
+      <p:cxnSp>
+        <p:nvCxnSpPr>
+          <p:cNvPr id="107" name="Straight Connector 106">
+            <a:extLst>
+              <a:ext uri="{FF2B5EF4-FFF2-40B4-BE49-F238E27FC236}">
+                <a16:creationId xmlns:a16="http://schemas.microsoft.com/office/drawing/2014/main" id="{F8758519-E254-4655-AAB9-D6591C336F19}"/>
+              </a:ext>
+            </a:extLst>
+          </p:cNvPr>
+          <p:cNvCxnSpPr>
+            <a:cxnSpLocks/>
+            <a:stCxn id="10" idx="3"/>
+          </p:cNvCxnSpPr>
+          <p:nvPr/>
+        </p:nvCxnSpPr>
+        <p:spPr>
+          <a:xfrm>
+            <a:off x="5885819" y="3549633"/>
+            <a:ext cx="759995" cy="838635"/>
+          </a:xfrm>
+          <a:prstGeom prst="line">
+            <a:avLst/>
+          </a:prstGeom>
+        </p:spPr>
+        <p:style>
+          <a:lnRef idx="1">
+            <a:schemeClr val="accent1"/>
+          </a:lnRef>
+          <a:fillRef idx="0">
+            <a:schemeClr val="accent1"/>
+          </a:fillRef>
+          <a:effectRef idx="0">
+            <a:schemeClr val="accent1"/>
+          </a:effectRef>
+          <a:fontRef idx="minor">
+            <a:schemeClr val="tx1"/>
+          </a:fontRef>
+        </p:style>
+      </p:cxnSp>
       <p:sp>
         <p:nvSpPr>
           <p:cNvPr id="124" name="TextBox 123">
@@ -3633,6 +4245,170 @@
             <a:r>
               <a:rPr lang="he-IL" dirty="0"/>
               <a:t>לקוחות</a:t>
+            </a:r>
+          </a:p>
+        </p:txBody>
+      </p:sp>
+      <p:pic>
+        <p:nvPicPr>
+          <p:cNvPr id="125" name="Picture 2" descr="Image result for users">
+            <a:extLst>
+              <a:ext uri="{FF2B5EF4-FFF2-40B4-BE49-F238E27FC236}">
+                <a16:creationId xmlns:a16="http://schemas.microsoft.com/office/drawing/2014/main" id="{B29C895E-E5F6-457C-8933-2531BF8CA9C3}"/>
+              </a:ext>
+            </a:extLst>
+          </p:cNvPr>
+          <p:cNvPicPr>
+            <a:picLocks noChangeAspect="1" noChangeArrowheads="1"/>
+          </p:cNvPicPr>
+          <p:nvPr/>
+        </p:nvPicPr>
+        <p:blipFill>
+          <a:blip r:embed="rId2">
+            <a:extLst>
+              <a:ext uri="{28A0092B-C50C-407E-A947-70E740481C1C}">
+                <a14:useLocalDpi xmlns:a14="http://schemas.microsoft.com/office/drawing/2010/main" val="0"/>
+              </a:ext>
+            </a:extLst>
+          </a:blip>
+          <a:srcRect/>
+          <a:stretch>
+            <a:fillRect/>
+          </a:stretch>
+        </p:blipFill>
+        <p:spPr bwMode="auto">
+          <a:xfrm>
+            <a:off x="6379009" y="4269508"/>
+            <a:ext cx="551581" cy="630831"/>
+          </a:xfrm>
+          <a:prstGeom prst="rect">
+            <a:avLst/>
+          </a:prstGeom>
+          <a:noFill/>
+          <a:extLst>
+            <a:ext uri="{909E8E84-426E-40DD-AFC4-6F175D3DCCD1}">
+              <a14:hiddenFill xmlns:a14="http://schemas.microsoft.com/office/drawing/2010/main">
+                <a:solidFill>
+                  <a:srgbClr val="FFFFFF"/>
+                </a:solidFill>
+              </a14:hiddenFill>
+            </a:ext>
+          </a:extLst>
+        </p:spPr>
+      </p:pic>
+      <p:sp>
+        <p:nvSpPr>
+          <p:cNvPr id="129" name="TextBox 128">
+            <a:extLst>
+              <a:ext uri="{FF2B5EF4-FFF2-40B4-BE49-F238E27FC236}">
+                <a16:creationId xmlns:a16="http://schemas.microsoft.com/office/drawing/2014/main" id="{1EF8C442-78BA-49CA-A9A5-984871E90A08}"/>
+              </a:ext>
+            </a:extLst>
+          </p:cNvPr>
+          <p:cNvSpPr txBox="1"/>
+          <p:nvPr/>
+        </p:nvSpPr>
+        <p:spPr>
+          <a:xfrm>
+            <a:off x="6912618" y="4254008"/>
+            <a:ext cx="965356" cy="646331"/>
+          </a:xfrm>
+          <a:prstGeom prst="rect">
+            <a:avLst/>
+          </a:prstGeom>
+          <a:noFill/>
+        </p:spPr>
+        <p:txBody>
+          <a:bodyPr wrap="square" rtlCol="0">
+            <a:spAutoFit/>
+          </a:bodyPr>
+          <a:lstStyle/>
+          <a:p>
+            <a:r>
+              <a:rPr lang="he-IL" dirty="0"/>
+              <a:t>מנהלות חניונים</a:t>
+            </a:r>
+          </a:p>
+        </p:txBody>
+      </p:sp>
+      <p:pic>
+        <p:nvPicPr>
+          <p:cNvPr id="130" name="Picture 2" descr="Image result for users">
+            <a:extLst>
+              <a:ext uri="{FF2B5EF4-FFF2-40B4-BE49-F238E27FC236}">
+                <a16:creationId xmlns:a16="http://schemas.microsoft.com/office/drawing/2014/main" id="{9C392B1B-CA6D-42BA-8003-45CE425ED166}"/>
+              </a:ext>
+            </a:extLst>
+          </p:cNvPr>
+          <p:cNvPicPr>
+            <a:picLocks noChangeAspect="1" noChangeArrowheads="1"/>
+          </p:cNvPicPr>
+          <p:nvPr/>
+        </p:nvPicPr>
+        <p:blipFill>
+          <a:blip r:embed="rId2">
+            <a:extLst>
+              <a:ext uri="{28A0092B-C50C-407E-A947-70E740481C1C}">
+                <a14:useLocalDpi xmlns:a14="http://schemas.microsoft.com/office/drawing/2010/main" val="0"/>
+              </a:ext>
+            </a:extLst>
+          </a:blip>
+          <a:srcRect/>
+          <a:stretch>
+            <a:fillRect/>
+          </a:stretch>
+        </p:blipFill>
+        <p:spPr bwMode="auto">
+          <a:xfrm>
+            <a:off x="3556342" y="4269508"/>
+            <a:ext cx="551581" cy="630831"/>
+          </a:xfrm>
+          <a:prstGeom prst="rect">
+            <a:avLst/>
+          </a:prstGeom>
+          <a:noFill/>
+          <a:extLst>
+            <a:ext uri="{909E8E84-426E-40DD-AFC4-6F175D3DCCD1}">
+              <a14:hiddenFill xmlns:a14="http://schemas.microsoft.com/office/drawing/2010/main">
+                <a:solidFill>
+                  <a:srgbClr val="FFFFFF"/>
+                </a:solidFill>
+              </a14:hiddenFill>
+            </a:ext>
+          </a:extLst>
+        </p:spPr>
+      </p:pic>
+      <p:sp>
+        <p:nvSpPr>
+          <p:cNvPr id="131" name="TextBox 130">
+            <a:extLst>
+              <a:ext uri="{FF2B5EF4-FFF2-40B4-BE49-F238E27FC236}">
+                <a16:creationId xmlns:a16="http://schemas.microsoft.com/office/drawing/2014/main" id="{3A593558-F10C-49E3-9ADA-277CDA594BC1}"/>
+              </a:ext>
+            </a:extLst>
+          </p:cNvPr>
+          <p:cNvSpPr txBox="1"/>
+          <p:nvPr/>
+        </p:nvSpPr>
+        <p:spPr>
+          <a:xfrm>
+            <a:off x="4098643" y="4388268"/>
+            <a:ext cx="813043" cy="369332"/>
+          </a:xfrm>
+          <a:prstGeom prst="rect">
+            <a:avLst/>
+          </a:prstGeom>
+          <a:noFill/>
+        </p:spPr>
+        <p:txBody>
+          <a:bodyPr wrap="none" rtlCol="0">
+            <a:spAutoFit/>
+          </a:bodyPr>
+          <a:lstStyle/>
+          <a:p>
+            <a:r>
+              <a:rPr lang="he-IL" dirty="0"/>
+              <a:t>עובדות</a:t>
             </a:r>
           </a:p>
         </p:txBody>
@@ -3713,7 +4489,7 @@
         </p:blipFill>
         <p:spPr bwMode="auto">
           <a:xfrm>
-            <a:off x="3654433" y="330992"/>
+            <a:off x="4011014" y="866683"/>
             <a:ext cx="386883" cy="594429"/>
           </a:xfrm>
           <a:prstGeom prst="rect">
@@ -3745,7 +4521,7 @@
         </p:nvSpPr>
         <p:spPr>
           <a:xfrm>
-            <a:off x="2730657" y="305040"/>
+            <a:off x="3087238" y="840731"/>
             <a:ext cx="948822" cy="646331"/>
           </a:xfrm>
           <a:prstGeom prst="rect">
@@ -3759,800 +4535,14 @@
           </a:bodyPr>
           <a:lstStyle/>
           <a:p>
+            <a:pPr algn="ctr"/>
             <a:r>
               <a:rPr lang="he-IL" dirty="0"/>
-              <a:t>מנהלות חניונים</a:t>
-            </a:r>
-          </a:p>
-        </p:txBody>
-      </p:sp>
-      <p:cxnSp>
-        <p:nvCxnSpPr>
-          <p:cNvPr id="29" name="Straight Connector 28">
-            <a:extLst>
-              <a:ext uri="{FF2B5EF4-FFF2-40B4-BE49-F238E27FC236}">
-                <a16:creationId xmlns:a16="http://schemas.microsoft.com/office/drawing/2014/main" id="{741BDB54-668D-4340-8638-65A9E29E4FEA}"/>
-              </a:ext>
-            </a:extLst>
-          </p:cNvPr>
-          <p:cNvCxnSpPr>
-            <a:cxnSpLocks/>
-            <a:stCxn id="4" idx="3"/>
-          </p:cNvCxnSpPr>
-          <p:nvPr/>
-        </p:nvCxnSpPr>
-        <p:spPr>
-          <a:xfrm flipV="1">
-            <a:off x="6654800" y="646600"/>
-            <a:ext cx="1045840" cy="519904"/>
-          </a:xfrm>
-          <a:prstGeom prst="line">
-            <a:avLst/>
-          </a:prstGeom>
-        </p:spPr>
-        <p:style>
-          <a:lnRef idx="1">
-            <a:schemeClr val="accent1"/>
-          </a:lnRef>
-          <a:fillRef idx="0">
-            <a:schemeClr val="accent1"/>
-          </a:fillRef>
-          <a:effectRef idx="0">
-            <a:schemeClr val="accent1"/>
-          </a:effectRef>
-          <a:fontRef idx="minor">
-            <a:schemeClr val="tx1"/>
-          </a:fontRef>
-        </p:style>
-      </p:cxnSp>
-      <p:sp>
-        <p:nvSpPr>
-          <p:cNvPr id="30" name="TextBox 29">
-            <a:extLst>
-              <a:ext uri="{FF2B5EF4-FFF2-40B4-BE49-F238E27FC236}">
-                <a16:creationId xmlns:a16="http://schemas.microsoft.com/office/drawing/2014/main" id="{137A3CEE-2874-CA47-BC45-2BA728178E04}"/>
-              </a:ext>
-            </a:extLst>
-          </p:cNvPr>
-          <p:cNvSpPr txBox="1"/>
-          <p:nvPr/>
-        </p:nvSpPr>
-        <p:spPr>
-          <a:xfrm>
-            <a:off x="8139763" y="497351"/>
-            <a:ext cx="816249" cy="369332"/>
-          </a:xfrm>
-          <a:prstGeom prst="rect">
-            <a:avLst/>
-          </a:prstGeom>
-          <a:noFill/>
-        </p:spPr>
-        <p:txBody>
-          <a:bodyPr wrap="none" rtlCol="0">
-            <a:spAutoFit/>
-          </a:bodyPr>
-          <a:lstStyle/>
-          <a:p>
-            <a:r>
-              <a:rPr lang="he-IL" dirty="0"/>
-              <a:t>עובדות</a:t>
-            </a:r>
-          </a:p>
-        </p:txBody>
-      </p:sp>
-      <p:pic>
-        <p:nvPicPr>
-          <p:cNvPr id="31" name="Picture 2" descr="Image result for users">
-            <a:extLst>
-              <a:ext uri="{FF2B5EF4-FFF2-40B4-BE49-F238E27FC236}">
-                <a16:creationId xmlns:a16="http://schemas.microsoft.com/office/drawing/2014/main" id="{8A56CC60-9759-A04F-9E65-2C780EF18B26}"/>
-              </a:ext>
-            </a:extLst>
-          </p:cNvPr>
-          <p:cNvPicPr>
-            <a:picLocks noChangeAspect="1" noChangeArrowheads="1"/>
-          </p:cNvPicPr>
-          <p:nvPr/>
-        </p:nvPicPr>
-        <p:blipFill>
-          <a:blip r:embed="rId2">
-            <a:extLst>
-              <a:ext uri="{28A0092B-C50C-407E-A947-70E740481C1C}">
-                <a14:useLocalDpi xmlns:a14="http://schemas.microsoft.com/office/drawing/2010/main" val="0"/>
-              </a:ext>
-            </a:extLst>
-          </a:blip>
-          <a:srcRect/>
-          <a:stretch>
-            <a:fillRect/>
-          </a:stretch>
-        </p:blipFill>
-        <p:spPr bwMode="auto">
-          <a:xfrm>
-            <a:off x="7602445" y="405397"/>
-            <a:ext cx="551581" cy="630831"/>
-          </a:xfrm>
-          <a:prstGeom prst="rect">
-            <a:avLst/>
-          </a:prstGeom>
-          <a:noFill/>
-          <a:extLst>
-            <a:ext uri="{909E8E84-426E-40DD-AFC4-6F175D3DCCD1}">
-              <a14:hiddenFill xmlns:a14="http://schemas.microsoft.com/office/drawing/2010/main">
-                <a:solidFill>
-                  <a:srgbClr val="FFFFFF"/>
-                </a:solidFill>
-              </a14:hiddenFill>
-            </a:ext>
-          </a:extLst>
-        </p:spPr>
-      </p:pic>
-      <p:sp>
-        <p:nvSpPr>
-          <p:cNvPr id="33" name="Rectangle: Rounded Corners 10">
-            <a:extLst>
-              <a:ext uri="{FF2B5EF4-FFF2-40B4-BE49-F238E27FC236}">
-                <a16:creationId xmlns:a16="http://schemas.microsoft.com/office/drawing/2014/main" id="{B2896827-EADC-854F-9C24-4D54342D92AA}"/>
-              </a:ext>
-            </a:extLst>
-          </p:cNvPr>
-          <p:cNvSpPr/>
-          <p:nvPr/>
-        </p:nvSpPr>
-        <p:spPr>
-          <a:xfrm>
-            <a:off x="8822685" y="797784"/>
-            <a:ext cx="1212219" cy="737438"/>
-          </a:xfrm>
-          <a:prstGeom prst="roundRect">
-            <a:avLst/>
-          </a:prstGeom>
-          <a:noFill/>
-        </p:spPr>
-        <p:style>
-          <a:lnRef idx="2">
-            <a:schemeClr val="accent1">
-              <a:shade val="50000"/>
-            </a:schemeClr>
-          </a:lnRef>
-          <a:fillRef idx="1">
-            <a:schemeClr val="accent1"/>
-          </a:fillRef>
-          <a:effectRef idx="0">
-            <a:schemeClr val="accent1"/>
-          </a:effectRef>
-          <a:fontRef idx="minor">
-            <a:schemeClr val="lt1"/>
-          </a:fontRef>
-        </p:style>
-        <p:txBody>
-          <a:bodyPr rtlCol="0" anchor="ctr"/>
-          <a:lstStyle/>
-          <a:p>
-            <a:pPr algn="ctr"/>
-            <a:r>
-              <a:rPr lang="he-IL" dirty="0">
-                <a:solidFill>
-                  <a:schemeClr val="tx1"/>
-                </a:solidFill>
-              </a:rPr>
-              <a:t>שרת אינטרנט</a:t>
-            </a:r>
-          </a:p>
-        </p:txBody>
-      </p:sp>
-      <p:cxnSp>
-        <p:nvCxnSpPr>
-          <p:cNvPr id="34" name="Straight Connector 33">
-            <a:extLst>
-              <a:ext uri="{FF2B5EF4-FFF2-40B4-BE49-F238E27FC236}">
-                <a16:creationId xmlns:a16="http://schemas.microsoft.com/office/drawing/2014/main" id="{BF07E8FC-4B75-BE4F-90FE-935692712CB4}"/>
-              </a:ext>
-            </a:extLst>
-          </p:cNvPr>
-          <p:cNvCxnSpPr>
-            <a:cxnSpLocks/>
-            <a:stCxn id="4" idx="3"/>
-            <a:endCxn id="33" idx="1"/>
-          </p:cNvCxnSpPr>
-          <p:nvPr/>
-        </p:nvCxnSpPr>
-        <p:spPr>
-          <a:xfrm flipV="1">
-            <a:off x="6654800" y="1166503"/>
-            <a:ext cx="2167885" cy="1"/>
-          </a:xfrm>
-          <a:prstGeom prst="line">
-            <a:avLst/>
-          </a:prstGeom>
-        </p:spPr>
-        <p:style>
-          <a:lnRef idx="1">
-            <a:schemeClr val="accent1"/>
-          </a:lnRef>
-          <a:fillRef idx="0">
-            <a:schemeClr val="accent1"/>
-          </a:fillRef>
-          <a:effectRef idx="0">
-            <a:schemeClr val="accent1"/>
-          </a:effectRef>
-          <a:fontRef idx="minor">
-            <a:schemeClr val="tx1"/>
-          </a:fontRef>
-        </p:style>
-      </p:cxnSp>
-      <p:sp>
-        <p:nvSpPr>
-          <p:cNvPr id="36" name="Rectangle: Rounded Corners 10">
-            <a:extLst>
-              <a:ext uri="{FF2B5EF4-FFF2-40B4-BE49-F238E27FC236}">
-                <a16:creationId xmlns:a16="http://schemas.microsoft.com/office/drawing/2014/main" id="{D8D16480-8FCE-724F-B3CD-936EB7A772CA}"/>
-              </a:ext>
-            </a:extLst>
-          </p:cNvPr>
-          <p:cNvSpPr/>
-          <p:nvPr/>
-        </p:nvSpPr>
-        <p:spPr>
-          <a:xfrm>
-            <a:off x="3630683" y="5322028"/>
-            <a:ext cx="1428466" cy="737438"/>
-          </a:xfrm>
-          <a:prstGeom prst="roundRect">
-            <a:avLst/>
-          </a:prstGeom>
-          <a:noFill/>
-        </p:spPr>
-        <p:style>
-          <a:lnRef idx="2">
-            <a:schemeClr val="accent1">
-              <a:shade val="50000"/>
-            </a:schemeClr>
-          </a:lnRef>
-          <a:fillRef idx="1">
-            <a:schemeClr val="accent1"/>
-          </a:fillRef>
-          <a:effectRef idx="0">
-            <a:schemeClr val="accent1"/>
-          </a:effectRef>
-          <a:fontRef idx="minor">
-            <a:schemeClr val="lt1"/>
-          </a:fontRef>
-        </p:style>
-        <p:txBody>
-          <a:bodyPr rtlCol="0" anchor="ctr"/>
-          <a:lstStyle/>
-          <a:p>
-            <a:pPr algn="ctr"/>
-            <a:r>
-              <a:rPr lang="he-IL" dirty="0">
-                <a:solidFill>
-                  <a:schemeClr val="tx1"/>
-                </a:solidFill>
-              </a:rPr>
-              <a:t>בסיס נתונים </a:t>
-            </a:r>
-          </a:p>
-        </p:txBody>
-      </p:sp>
-      <p:sp>
-        <p:nvSpPr>
-          <p:cNvPr id="37" name="Rectangle: Rounded Corners 10">
-            <a:extLst>
-              <a:ext uri="{FF2B5EF4-FFF2-40B4-BE49-F238E27FC236}">
-                <a16:creationId xmlns:a16="http://schemas.microsoft.com/office/drawing/2014/main" id="{1EF63BD0-658E-AD4D-A22D-3F5A03081B3F}"/>
-              </a:ext>
-            </a:extLst>
-          </p:cNvPr>
-          <p:cNvSpPr/>
-          <p:nvPr/>
-        </p:nvSpPr>
-        <p:spPr>
-          <a:xfrm>
-            <a:off x="6521698" y="4104981"/>
-            <a:ext cx="1212219" cy="737438"/>
-          </a:xfrm>
-          <a:prstGeom prst="roundRect">
-            <a:avLst/>
-          </a:prstGeom>
-          <a:noFill/>
-        </p:spPr>
-        <p:style>
-          <a:lnRef idx="2">
-            <a:schemeClr val="accent1">
-              <a:shade val="50000"/>
-            </a:schemeClr>
-          </a:lnRef>
-          <a:fillRef idx="1">
-            <a:schemeClr val="accent1"/>
-          </a:fillRef>
-          <a:effectRef idx="0">
-            <a:schemeClr val="accent1"/>
-          </a:effectRef>
-          <a:fontRef idx="minor">
-            <a:schemeClr val="lt1"/>
-          </a:fontRef>
-        </p:style>
-        <p:txBody>
-          <a:bodyPr rtlCol="0" anchor="ctr"/>
-          <a:lstStyle/>
-          <a:p>
-            <a:pPr algn="ctr"/>
-            <a:r>
-              <a:rPr lang="en-US" dirty="0">
-                <a:solidFill>
-                  <a:schemeClr val="tx1"/>
-                </a:solidFill>
-              </a:rPr>
-              <a:t> 🤖 </a:t>
-            </a:r>
-            <a:r>
-              <a:rPr lang="he-IL" dirty="0">
-                <a:solidFill>
-                  <a:schemeClr val="tx1"/>
-                </a:solidFill>
-              </a:rPr>
-              <a:t>רובוט</a:t>
-            </a:r>
-          </a:p>
-        </p:txBody>
-      </p:sp>
-      <p:cxnSp>
-        <p:nvCxnSpPr>
-          <p:cNvPr id="38" name="Straight Connector 37">
-            <a:extLst>
-              <a:ext uri="{FF2B5EF4-FFF2-40B4-BE49-F238E27FC236}">
-                <a16:creationId xmlns:a16="http://schemas.microsoft.com/office/drawing/2014/main" id="{F891A40D-8A7E-8441-BB08-D5C65F3DE523}"/>
-              </a:ext>
-            </a:extLst>
-          </p:cNvPr>
-          <p:cNvCxnSpPr>
-            <a:cxnSpLocks/>
-            <a:stCxn id="36" idx="0"/>
-            <a:endCxn id="37" idx="1"/>
-          </p:cNvCxnSpPr>
-          <p:nvPr/>
-        </p:nvCxnSpPr>
-        <p:spPr>
-          <a:xfrm flipV="1">
-            <a:off x="4344916" y="4473700"/>
-            <a:ext cx="2176782" cy="848328"/>
-          </a:xfrm>
-          <a:prstGeom prst="line">
-            <a:avLst/>
-          </a:prstGeom>
-        </p:spPr>
-        <p:style>
-          <a:lnRef idx="1">
-            <a:schemeClr val="accent1"/>
-          </a:lnRef>
-          <a:fillRef idx="0">
-            <a:schemeClr val="accent1"/>
-          </a:fillRef>
-          <a:effectRef idx="0">
-            <a:schemeClr val="accent1"/>
-          </a:effectRef>
-          <a:fontRef idx="minor">
-            <a:schemeClr val="tx1"/>
-          </a:fontRef>
-        </p:style>
-      </p:cxnSp>
-      <p:sp>
-        <p:nvSpPr>
-          <p:cNvPr id="41" name="Rectangle: Rounded Corners 10">
-            <a:extLst>
-              <a:ext uri="{FF2B5EF4-FFF2-40B4-BE49-F238E27FC236}">
-                <a16:creationId xmlns:a16="http://schemas.microsoft.com/office/drawing/2014/main" id="{471ACBB7-7923-5642-A844-C5A0119E93F6}"/>
-              </a:ext>
-            </a:extLst>
-          </p:cNvPr>
-          <p:cNvSpPr/>
-          <p:nvPr/>
-        </p:nvSpPr>
-        <p:spPr>
-          <a:xfrm>
-            <a:off x="3446960" y="3291362"/>
-            <a:ext cx="1796565" cy="737438"/>
-          </a:xfrm>
-          <a:prstGeom prst="roundRect">
-            <a:avLst/>
-          </a:prstGeom>
-          <a:noFill/>
-        </p:spPr>
-        <p:style>
-          <a:lnRef idx="2">
-            <a:schemeClr val="accent1">
-              <a:shade val="50000"/>
-            </a:schemeClr>
-          </a:lnRef>
-          <a:fillRef idx="1">
-            <a:schemeClr val="accent1"/>
-          </a:fillRef>
-          <a:effectRef idx="0">
-            <a:schemeClr val="accent1"/>
-          </a:effectRef>
-          <a:fontRef idx="minor">
-            <a:schemeClr val="lt1"/>
-          </a:fontRef>
-        </p:style>
-        <p:txBody>
-          <a:bodyPr rtlCol="0" anchor="ctr"/>
-          <a:lstStyle/>
-          <a:p>
-            <a:pPr algn="ctr"/>
-            <a:r>
-              <a:rPr lang="he-IL" dirty="0">
-                <a:solidFill>
-                  <a:schemeClr val="tx1"/>
-                </a:solidFill>
-              </a:rPr>
-              <a:t>ניהול משתמשים</a:t>
-            </a:r>
-          </a:p>
-        </p:txBody>
-      </p:sp>
-      <p:cxnSp>
-        <p:nvCxnSpPr>
-          <p:cNvPr id="43" name="Straight Connector 42">
-            <a:extLst>
-              <a:ext uri="{FF2B5EF4-FFF2-40B4-BE49-F238E27FC236}">
-                <a16:creationId xmlns:a16="http://schemas.microsoft.com/office/drawing/2014/main" id="{1692DE2B-B0D8-C343-9A32-F926A971A088}"/>
-              </a:ext>
-            </a:extLst>
-          </p:cNvPr>
-          <p:cNvCxnSpPr>
-            <a:cxnSpLocks/>
-            <a:stCxn id="36" idx="0"/>
-            <a:endCxn id="41" idx="2"/>
-          </p:cNvCxnSpPr>
-          <p:nvPr/>
-        </p:nvCxnSpPr>
-        <p:spPr>
-          <a:xfrm flipV="1">
-            <a:off x="4344916" y="4028800"/>
-            <a:ext cx="327" cy="1293228"/>
-          </a:xfrm>
-          <a:prstGeom prst="line">
-            <a:avLst/>
-          </a:prstGeom>
-        </p:spPr>
-        <p:style>
-          <a:lnRef idx="1">
-            <a:schemeClr val="accent1"/>
-          </a:lnRef>
-          <a:fillRef idx="0">
-            <a:schemeClr val="accent1"/>
-          </a:fillRef>
-          <a:effectRef idx="0">
-            <a:schemeClr val="accent1"/>
-          </a:effectRef>
-          <a:fontRef idx="minor">
-            <a:schemeClr val="tx1"/>
-          </a:fontRef>
-        </p:style>
-      </p:cxnSp>
-      <p:sp>
-        <p:nvSpPr>
-          <p:cNvPr id="47" name="Rectangle: Rounded Corners 10">
-            <a:extLst>
-              <a:ext uri="{FF2B5EF4-FFF2-40B4-BE49-F238E27FC236}">
-                <a16:creationId xmlns:a16="http://schemas.microsoft.com/office/drawing/2014/main" id="{F886428B-3C1C-5F4E-B174-1A76C36676F0}"/>
-              </a:ext>
-            </a:extLst>
-          </p:cNvPr>
-          <p:cNvSpPr/>
-          <p:nvPr/>
-        </p:nvSpPr>
-        <p:spPr>
-          <a:xfrm>
-            <a:off x="5753996" y="3042336"/>
-            <a:ext cx="1212219" cy="737438"/>
-          </a:xfrm>
-          <a:prstGeom prst="roundRect">
-            <a:avLst/>
-          </a:prstGeom>
-          <a:noFill/>
-        </p:spPr>
-        <p:style>
-          <a:lnRef idx="2">
-            <a:schemeClr val="accent1">
-              <a:shade val="50000"/>
-            </a:schemeClr>
-          </a:lnRef>
-          <a:fillRef idx="1">
-            <a:schemeClr val="accent1"/>
-          </a:fillRef>
-          <a:effectRef idx="0">
-            <a:schemeClr val="accent1"/>
-          </a:effectRef>
-          <a:fontRef idx="minor">
-            <a:schemeClr val="lt1"/>
-          </a:fontRef>
-        </p:style>
-        <p:txBody>
-          <a:bodyPr rtlCol="0" anchor="ctr"/>
-          <a:lstStyle/>
-          <a:p>
-            <a:pPr marL="0" algn="ctr" defTabSz="914400" rtl="1" eaLnBrk="1" latinLnBrk="0" hangingPunct="1"/>
-            <a:r>
-              <a:rPr lang="he-IL" dirty="0">
-                <a:solidFill>
-                  <a:schemeClr val="tx1"/>
-                </a:solidFill>
-              </a:rPr>
-              <a:t>קיוסק</a:t>
-            </a:r>
-          </a:p>
-        </p:txBody>
-      </p:sp>
-      <p:cxnSp>
-        <p:nvCxnSpPr>
-          <p:cNvPr id="48" name="Straight Connector 47">
-            <a:extLst>
-              <a:ext uri="{FF2B5EF4-FFF2-40B4-BE49-F238E27FC236}">
-                <a16:creationId xmlns:a16="http://schemas.microsoft.com/office/drawing/2014/main" id="{16781B6D-0B28-CC43-9E69-94A9645B511C}"/>
-              </a:ext>
-            </a:extLst>
-          </p:cNvPr>
-          <p:cNvCxnSpPr>
-            <a:cxnSpLocks/>
-            <a:stCxn id="36" idx="0"/>
-            <a:endCxn id="47" idx="2"/>
-          </p:cNvCxnSpPr>
-          <p:nvPr/>
-        </p:nvCxnSpPr>
-        <p:spPr>
-          <a:xfrm flipV="1">
-            <a:off x="4344916" y="3779774"/>
-            <a:ext cx="2015190" cy="1542254"/>
-          </a:xfrm>
-          <a:prstGeom prst="line">
-            <a:avLst/>
-          </a:prstGeom>
-        </p:spPr>
-        <p:style>
-          <a:lnRef idx="1">
-            <a:schemeClr val="accent1"/>
-          </a:lnRef>
-          <a:fillRef idx="0">
-            <a:schemeClr val="accent1"/>
-          </a:fillRef>
-          <a:effectRef idx="0">
-            <a:schemeClr val="accent1"/>
-          </a:effectRef>
-          <a:fontRef idx="minor">
-            <a:schemeClr val="tx1"/>
-          </a:fontRef>
-        </p:style>
-      </p:cxnSp>
-      <p:sp>
-        <p:nvSpPr>
-          <p:cNvPr id="52" name="Rectangle: Rounded Corners 10">
-            <a:extLst>
-              <a:ext uri="{FF2B5EF4-FFF2-40B4-BE49-F238E27FC236}">
-                <a16:creationId xmlns:a16="http://schemas.microsoft.com/office/drawing/2014/main" id="{1011BBD3-F55D-CD4C-98AF-8A4F7F3EB925}"/>
-              </a:ext>
-            </a:extLst>
-          </p:cNvPr>
-          <p:cNvSpPr/>
-          <p:nvPr/>
-        </p:nvSpPr>
-        <p:spPr>
-          <a:xfrm>
-            <a:off x="953707" y="1684909"/>
-            <a:ext cx="1796565" cy="737438"/>
-          </a:xfrm>
-          <a:prstGeom prst="roundRect">
-            <a:avLst/>
-          </a:prstGeom>
-          <a:noFill/>
-        </p:spPr>
-        <p:style>
-          <a:lnRef idx="2">
-            <a:schemeClr val="accent1">
-              <a:shade val="50000"/>
-            </a:schemeClr>
-          </a:lnRef>
-          <a:fillRef idx="1">
-            <a:schemeClr val="accent1"/>
-          </a:fillRef>
-          <a:effectRef idx="0">
-            <a:schemeClr val="accent1"/>
-          </a:effectRef>
-          <a:fontRef idx="minor">
-            <a:schemeClr val="lt1"/>
-          </a:fontRef>
-        </p:style>
-        <p:txBody>
-          <a:bodyPr rtlCol="0" anchor="ctr"/>
-          <a:lstStyle/>
-          <a:p>
-            <a:pPr algn="ctr"/>
-            <a:r>
-              <a:rPr lang="he-IL" dirty="0">
-                <a:solidFill>
-                  <a:schemeClr val="tx1"/>
-                </a:solidFill>
-              </a:rPr>
-              <a:t>מערכת ניהול פרטי עובדות</a:t>
-            </a:r>
-          </a:p>
-        </p:txBody>
-      </p:sp>
-      <p:cxnSp>
-        <p:nvCxnSpPr>
-          <p:cNvPr id="53" name="Straight Connector 52">
-            <a:extLst>
-              <a:ext uri="{FF2B5EF4-FFF2-40B4-BE49-F238E27FC236}">
-                <a16:creationId xmlns:a16="http://schemas.microsoft.com/office/drawing/2014/main" id="{E76301B2-528C-AD4A-BC50-CD21885DADD2}"/>
-              </a:ext>
-            </a:extLst>
-          </p:cNvPr>
-          <p:cNvCxnSpPr>
-            <a:cxnSpLocks/>
-            <a:stCxn id="4" idx="1"/>
-            <a:endCxn id="52" idx="3"/>
-          </p:cNvCxnSpPr>
-          <p:nvPr/>
-        </p:nvCxnSpPr>
-        <p:spPr>
-          <a:xfrm flipH="1">
-            <a:off x="2750272" y="1166504"/>
-            <a:ext cx="2045248" cy="887124"/>
-          </a:xfrm>
-          <a:prstGeom prst="line">
-            <a:avLst/>
-          </a:prstGeom>
-        </p:spPr>
-        <p:style>
-          <a:lnRef idx="1">
-            <a:schemeClr val="accent1"/>
-          </a:lnRef>
-          <a:fillRef idx="0">
-            <a:schemeClr val="accent1"/>
-          </a:fillRef>
-          <a:effectRef idx="0">
-            <a:schemeClr val="accent1"/>
-          </a:effectRef>
-          <a:fontRef idx="minor">
-            <a:schemeClr val="tx1"/>
-          </a:fontRef>
-        </p:style>
-      </p:cxnSp>
-      <p:sp>
-        <p:nvSpPr>
-          <p:cNvPr id="87" name="Rectangle: Rounded Corners 10">
-            <a:extLst>
-              <a:ext uri="{FF2B5EF4-FFF2-40B4-BE49-F238E27FC236}">
-                <a16:creationId xmlns:a16="http://schemas.microsoft.com/office/drawing/2014/main" id="{244BA848-0E00-9D4B-A84D-AA65FE365F31}"/>
-              </a:ext>
-            </a:extLst>
-          </p:cNvPr>
-          <p:cNvSpPr/>
-          <p:nvPr/>
-        </p:nvSpPr>
-        <p:spPr>
-          <a:xfrm>
-            <a:off x="6299451" y="5491351"/>
-            <a:ext cx="1653586" cy="737438"/>
-          </a:xfrm>
-          <a:prstGeom prst="roundRect">
-            <a:avLst/>
-          </a:prstGeom>
-          <a:noFill/>
-        </p:spPr>
-        <p:style>
-          <a:lnRef idx="2">
-            <a:schemeClr val="accent1">
-              <a:shade val="50000"/>
-            </a:schemeClr>
-          </a:lnRef>
-          <a:fillRef idx="1">
-            <a:schemeClr val="accent1"/>
-          </a:fillRef>
-          <a:effectRef idx="0">
-            <a:schemeClr val="accent1"/>
-          </a:effectRef>
-          <a:fontRef idx="minor">
-            <a:schemeClr val="lt1"/>
-          </a:fontRef>
-        </p:style>
-        <p:txBody>
-          <a:bodyPr rtlCol="0" anchor="ctr"/>
-          <a:lstStyle/>
-          <a:p>
-            <a:pPr marL="0" algn="ctr" defTabSz="914400" rtl="1" eaLnBrk="1" latinLnBrk="0" hangingPunct="1"/>
-            <a:r>
-              <a:rPr lang="he-IL" dirty="0">
-                <a:solidFill>
-                  <a:schemeClr val="tx1"/>
-                </a:solidFill>
-              </a:rPr>
-              <a:t>הכנסת / הוצאת רכב מהחניון</a:t>
-            </a:r>
-          </a:p>
-        </p:txBody>
-      </p:sp>
-      <p:cxnSp>
-        <p:nvCxnSpPr>
-          <p:cNvPr id="89" name="Straight Connector 88">
-            <a:extLst>
-              <a:ext uri="{FF2B5EF4-FFF2-40B4-BE49-F238E27FC236}">
-                <a16:creationId xmlns:a16="http://schemas.microsoft.com/office/drawing/2014/main" id="{E0EF8CB1-1798-094F-B7F5-E8E714FAF898}"/>
-              </a:ext>
-            </a:extLst>
-          </p:cNvPr>
-          <p:cNvCxnSpPr>
-            <a:cxnSpLocks/>
-            <a:stCxn id="36" idx="3"/>
-            <a:endCxn id="87" idx="1"/>
-          </p:cNvCxnSpPr>
-          <p:nvPr/>
-        </p:nvCxnSpPr>
-        <p:spPr>
-          <a:xfrm>
-            <a:off x="5059149" y="5690747"/>
-            <a:ext cx="1240302" cy="169323"/>
-          </a:xfrm>
-          <a:prstGeom prst="line">
-            <a:avLst/>
-          </a:prstGeom>
-        </p:spPr>
-        <p:style>
-          <a:lnRef idx="1">
-            <a:schemeClr val="accent1"/>
-          </a:lnRef>
-          <a:fillRef idx="0">
-            <a:schemeClr val="accent1"/>
-          </a:fillRef>
-          <a:effectRef idx="0">
-            <a:schemeClr val="accent1"/>
-          </a:effectRef>
-          <a:fontRef idx="minor">
-            <a:schemeClr val="tx1"/>
-          </a:fontRef>
-        </p:style>
-      </p:cxnSp>
-      <p:cxnSp>
-        <p:nvCxnSpPr>
-          <p:cNvPr id="96" name="Straight Connector 95">
-            <a:extLst>
-              <a:ext uri="{FF2B5EF4-FFF2-40B4-BE49-F238E27FC236}">
-                <a16:creationId xmlns:a16="http://schemas.microsoft.com/office/drawing/2014/main" id="{9D94AD0C-2CAA-894A-95D2-73EA08095726}"/>
-              </a:ext>
-            </a:extLst>
-          </p:cNvPr>
-          <p:cNvCxnSpPr>
-            <a:cxnSpLocks/>
-            <a:stCxn id="37" idx="2"/>
-            <a:endCxn id="87" idx="0"/>
-          </p:cNvCxnSpPr>
-          <p:nvPr/>
-        </p:nvCxnSpPr>
-        <p:spPr>
-          <a:xfrm flipH="1">
-            <a:off x="7126244" y="4842419"/>
-            <a:ext cx="1564" cy="648932"/>
-          </a:xfrm>
-          <a:prstGeom prst="line">
-            <a:avLst/>
-          </a:prstGeom>
-        </p:spPr>
-        <p:style>
-          <a:lnRef idx="1">
-            <a:schemeClr val="accent1"/>
-          </a:lnRef>
-          <a:fillRef idx="0">
-            <a:schemeClr val="accent1"/>
-          </a:fillRef>
-          <a:effectRef idx="0">
-            <a:schemeClr val="accent1"/>
-          </a:effectRef>
-          <a:fontRef idx="minor">
-            <a:schemeClr val="tx1"/>
-          </a:fontRef>
-        </p:style>
-      </p:cxnSp>
+              <a:t>מנהלת הרשת</a:t>
+            </a:r>
+          </a:p>
+        </p:txBody>
+      </p:sp>
     </p:spTree>
     <p:extLst>
       <p:ext uri="{BB962C8B-B14F-4D97-AF65-F5344CB8AC3E}">
@@ -6205,6 +6195,2577 @@
     <p:extLst>
       <p:ext uri="{BB962C8B-B14F-4D97-AF65-F5344CB8AC3E}">
         <p14:creationId xmlns:p14="http://schemas.microsoft.com/office/powerpoint/2010/main" val="2922493363"/>
+      </p:ext>
+    </p:extLst>
+  </p:cSld>
+  <p:clrMapOvr>
+    <a:masterClrMapping/>
+  </p:clrMapOvr>
+</p:sld>
+</file>
+
+<file path=ppt/slides/slide3.xml><?xml version="1.0" encoding="utf-8"?>
+<p:sld xmlns:a="http://schemas.openxmlformats.org/drawingml/2006/main" xmlns:r="http://schemas.openxmlformats.org/officeDocument/2006/relationships" xmlns:p="http://schemas.openxmlformats.org/presentationml/2006/main">
+  <p:cSld>
+    <p:spTree>
+      <p:nvGrpSpPr>
+        <p:cNvPr id="1" name=""/>
+        <p:cNvGrpSpPr/>
+        <p:nvPr/>
+      </p:nvGrpSpPr>
+      <p:grpSpPr>
+        <a:xfrm>
+          <a:off x="0" y="0"/>
+          <a:ext cx="0" cy="0"/>
+          <a:chOff x="0" y="0"/>
+          <a:chExt cx="0" cy="0"/>
+        </a:xfrm>
+      </p:grpSpPr>
+      <p:sp>
+        <p:nvSpPr>
+          <p:cNvPr id="4" name="Rectangle 3">
+            <a:extLst>
+              <a:ext uri="{FF2B5EF4-FFF2-40B4-BE49-F238E27FC236}">
+                <a16:creationId xmlns:a16="http://schemas.microsoft.com/office/drawing/2014/main" id="{85221335-6918-47FB-A893-5790A1B77B83}"/>
+              </a:ext>
+            </a:extLst>
+          </p:cNvPr>
+          <p:cNvSpPr/>
+          <p:nvPr/>
+        </p:nvSpPr>
+        <p:spPr>
+          <a:xfrm>
+            <a:off x="1353280" y="491827"/>
+            <a:ext cx="10611892" cy="6244253"/>
+          </a:xfrm>
+          <a:prstGeom prst="rect">
+            <a:avLst/>
+          </a:prstGeom>
+          <a:noFill/>
+        </p:spPr>
+        <p:style>
+          <a:lnRef idx="2">
+            <a:schemeClr val="accent1">
+              <a:shade val="50000"/>
+            </a:schemeClr>
+          </a:lnRef>
+          <a:fillRef idx="1">
+            <a:schemeClr val="accent1"/>
+          </a:fillRef>
+          <a:effectRef idx="0">
+            <a:schemeClr val="accent1"/>
+          </a:effectRef>
+          <a:fontRef idx="minor">
+            <a:schemeClr val="lt1"/>
+          </a:fontRef>
+        </p:style>
+        <p:txBody>
+          <a:bodyPr rtlCol="0" anchor="ctr"/>
+          <a:lstStyle/>
+          <a:p>
+            <a:pPr algn="ctr"/>
+            <a:endParaRPr lang="en-US"/>
+          </a:p>
+        </p:txBody>
+      </p:sp>
+      <p:sp>
+        <p:nvSpPr>
+          <p:cNvPr id="5" name="Rectangle 4">
+            <a:extLst>
+              <a:ext uri="{FF2B5EF4-FFF2-40B4-BE49-F238E27FC236}">
+                <a16:creationId xmlns:a16="http://schemas.microsoft.com/office/drawing/2014/main" id="{0E4EEA44-4B0C-496F-9DDF-D91DC53FD1C8}"/>
+              </a:ext>
+            </a:extLst>
+          </p:cNvPr>
+          <p:cNvSpPr/>
+          <p:nvPr/>
+        </p:nvSpPr>
+        <p:spPr>
+          <a:xfrm>
+            <a:off x="2389462" y="1126679"/>
+            <a:ext cx="8575474" cy="5399221"/>
+          </a:xfrm>
+          <a:prstGeom prst="rect">
+            <a:avLst/>
+          </a:prstGeom>
+          <a:noFill/>
+        </p:spPr>
+        <p:style>
+          <a:lnRef idx="2">
+            <a:schemeClr val="accent1">
+              <a:shade val="50000"/>
+            </a:schemeClr>
+          </a:lnRef>
+          <a:fillRef idx="1">
+            <a:schemeClr val="accent1"/>
+          </a:fillRef>
+          <a:effectRef idx="0">
+            <a:schemeClr val="accent1"/>
+          </a:effectRef>
+          <a:fontRef idx="minor">
+            <a:schemeClr val="lt1"/>
+          </a:fontRef>
+        </p:style>
+        <p:txBody>
+          <a:bodyPr rtlCol="0" anchor="ctr"/>
+          <a:lstStyle/>
+          <a:p>
+            <a:pPr algn="ctr"/>
+            <a:endParaRPr lang="en-US"/>
+          </a:p>
+        </p:txBody>
+      </p:sp>
+      <p:grpSp>
+        <p:nvGrpSpPr>
+          <p:cNvPr id="13" name="Group 12">
+            <a:extLst>
+              <a:ext uri="{FF2B5EF4-FFF2-40B4-BE49-F238E27FC236}">
+                <a16:creationId xmlns:a16="http://schemas.microsoft.com/office/drawing/2014/main" id="{09C280B3-D823-4047-B863-BC37CA82E582}"/>
+              </a:ext>
+            </a:extLst>
+          </p:cNvPr>
+          <p:cNvGrpSpPr/>
+          <p:nvPr/>
+        </p:nvGrpSpPr>
+        <p:grpSpPr>
+          <a:xfrm>
+            <a:off x="435167" y="1956141"/>
+            <a:ext cx="878757" cy="1318492"/>
+            <a:chOff x="166889" y="2680448"/>
+            <a:chExt cx="1064478" cy="1597149"/>
+          </a:xfrm>
+        </p:grpSpPr>
+        <p:grpSp>
+          <p:nvGrpSpPr>
+            <p:cNvPr id="6" name="Group 5">
+              <a:extLst>
+                <a:ext uri="{FF2B5EF4-FFF2-40B4-BE49-F238E27FC236}">
+                  <a16:creationId xmlns:a16="http://schemas.microsoft.com/office/drawing/2014/main" id="{87E0BA4E-D3E8-45F5-9187-DE16E097D0E5}"/>
+                </a:ext>
+              </a:extLst>
+            </p:cNvPr>
+            <p:cNvGrpSpPr/>
+            <p:nvPr/>
+          </p:nvGrpSpPr>
+          <p:grpSpPr>
+            <a:xfrm>
+              <a:off x="401999" y="2680448"/>
+              <a:ext cx="594257" cy="1320150"/>
+              <a:chOff x="1763484" y="989045"/>
+              <a:chExt cx="1474239" cy="3275045"/>
+            </a:xfrm>
+          </p:grpSpPr>
+          <p:sp>
+            <p:nvSpPr>
+              <p:cNvPr id="7" name="Oval 6">
+                <a:extLst>
+                  <a:ext uri="{FF2B5EF4-FFF2-40B4-BE49-F238E27FC236}">
+                    <a16:creationId xmlns:a16="http://schemas.microsoft.com/office/drawing/2014/main" id="{CCA234BC-5FE2-4C5D-84C3-DCC8319DB442}"/>
+                  </a:ext>
+                </a:extLst>
+              </p:cNvPr>
+              <p:cNvSpPr/>
+              <p:nvPr/>
+            </p:nvSpPr>
+            <p:spPr>
+              <a:xfrm>
+                <a:off x="2034074" y="989045"/>
+                <a:ext cx="933061" cy="933061"/>
+              </a:xfrm>
+              <a:prstGeom prst="ellipse">
+                <a:avLst/>
+              </a:prstGeom>
+              <a:noFill/>
+              <a:ln w="19050"/>
+            </p:spPr>
+            <p:style>
+              <a:lnRef idx="2">
+                <a:schemeClr val="accent1">
+                  <a:shade val="50000"/>
+                </a:schemeClr>
+              </a:lnRef>
+              <a:fillRef idx="1">
+                <a:schemeClr val="accent1"/>
+              </a:fillRef>
+              <a:effectRef idx="0">
+                <a:schemeClr val="accent1"/>
+              </a:effectRef>
+              <a:fontRef idx="minor">
+                <a:schemeClr val="lt1"/>
+              </a:fontRef>
+            </p:style>
+            <p:txBody>
+              <a:bodyPr rtlCol="0" anchor="ctr"/>
+              <a:lstStyle/>
+              <a:p>
+                <a:pPr algn="ctr"/>
+                <a:endParaRPr lang="en-US">
+                  <a:solidFill>
+                    <a:schemeClr val="tx1"/>
+                  </a:solidFill>
+                </a:endParaRPr>
+              </a:p>
+            </p:txBody>
+          </p:sp>
+          <p:cxnSp>
+            <p:nvCxnSpPr>
+              <p:cNvPr id="8" name="Straight Connector 7">
+                <a:extLst>
+                  <a:ext uri="{FF2B5EF4-FFF2-40B4-BE49-F238E27FC236}">
+                    <a16:creationId xmlns:a16="http://schemas.microsoft.com/office/drawing/2014/main" id="{B2580A1B-4C0F-4187-B955-4D19BC2DCF71}"/>
+                  </a:ext>
+                </a:extLst>
+              </p:cNvPr>
+              <p:cNvCxnSpPr>
+                <a:cxnSpLocks/>
+                <a:stCxn id="7" idx="4"/>
+              </p:cNvCxnSpPr>
+              <p:nvPr/>
+            </p:nvCxnSpPr>
+            <p:spPr>
+              <a:xfrm>
+                <a:off x="2500605" y="1922106"/>
+                <a:ext cx="0" cy="1306286"/>
+              </a:xfrm>
+              <a:prstGeom prst="line">
+                <a:avLst/>
+              </a:prstGeom>
+              <a:ln w="19050"/>
+            </p:spPr>
+            <p:style>
+              <a:lnRef idx="1">
+                <a:schemeClr val="accent1"/>
+              </a:lnRef>
+              <a:fillRef idx="0">
+                <a:schemeClr val="accent1"/>
+              </a:fillRef>
+              <a:effectRef idx="0">
+                <a:schemeClr val="accent1"/>
+              </a:effectRef>
+              <a:fontRef idx="minor">
+                <a:schemeClr val="tx1"/>
+              </a:fontRef>
+            </p:style>
+          </p:cxnSp>
+          <p:cxnSp>
+            <p:nvCxnSpPr>
+              <p:cNvPr id="9" name="Straight Connector 8">
+                <a:extLst>
+                  <a:ext uri="{FF2B5EF4-FFF2-40B4-BE49-F238E27FC236}">
+                    <a16:creationId xmlns:a16="http://schemas.microsoft.com/office/drawing/2014/main" id="{D6C39813-E831-4337-BC23-9B868089B68D}"/>
+                  </a:ext>
+                </a:extLst>
+              </p:cNvPr>
+              <p:cNvCxnSpPr>
+                <a:cxnSpLocks/>
+              </p:cNvCxnSpPr>
+              <p:nvPr/>
+            </p:nvCxnSpPr>
+            <p:spPr>
+              <a:xfrm flipH="1">
+                <a:off x="1763485" y="3228392"/>
+                <a:ext cx="737118" cy="1035698"/>
+              </a:xfrm>
+              <a:prstGeom prst="line">
+                <a:avLst/>
+              </a:prstGeom>
+              <a:ln w="19050"/>
+            </p:spPr>
+            <p:style>
+              <a:lnRef idx="1">
+                <a:schemeClr val="accent1"/>
+              </a:lnRef>
+              <a:fillRef idx="0">
+                <a:schemeClr val="accent1"/>
+              </a:fillRef>
+              <a:effectRef idx="0">
+                <a:schemeClr val="accent1"/>
+              </a:effectRef>
+              <a:fontRef idx="minor">
+                <a:schemeClr val="tx1"/>
+              </a:fontRef>
+            </p:style>
+          </p:cxnSp>
+          <p:cxnSp>
+            <p:nvCxnSpPr>
+              <p:cNvPr id="10" name="Straight Connector 9">
+                <a:extLst>
+                  <a:ext uri="{FF2B5EF4-FFF2-40B4-BE49-F238E27FC236}">
+                    <a16:creationId xmlns:a16="http://schemas.microsoft.com/office/drawing/2014/main" id="{76646537-E53E-4D40-A7E5-1971C7BE21A2}"/>
+                  </a:ext>
+                </a:extLst>
+              </p:cNvPr>
+              <p:cNvCxnSpPr>
+                <a:cxnSpLocks/>
+              </p:cNvCxnSpPr>
+              <p:nvPr/>
+            </p:nvCxnSpPr>
+            <p:spPr>
+              <a:xfrm>
+                <a:off x="2500603" y="3228392"/>
+                <a:ext cx="737120" cy="1035698"/>
+              </a:xfrm>
+              <a:prstGeom prst="line">
+                <a:avLst/>
+              </a:prstGeom>
+              <a:ln w="19050"/>
+            </p:spPr>
+            <p:style>
+              <a:lnRef idx="1">
+                <a:schemeClr val="accent1"/>
+              </a:lnRef>
+              <a:fillRef idx="0">
+                <a:schemeClr val="accent1"/>
+              </a:fillRef>
+              <a:effectRef idx="0">
+                <a:schemeClr val="accent1"/>
+              </a:effectRef>
+              <a:fontRef idx="minor">
+                <a:schemeClr val="tx1"/>
+              </a:fontRef>
+            </p:style>
+          </p:cxnSp>
+          <p:cxnSp>
+            <p:nvCxnSpPr>
+              <p:cNvPr id="11" name="Straight Connector 10">
+                <a:extLst>
+                  <a:ext uri="{FF2B5EF4-FFF2-40B4-BE49-F238E27FC236}">
+                    <a16:creationId xmlns:a16="http://schemas.microsoft.com/office/drawing/2014/main" id="{A07AC3EA-B889-4544-B68A-AAE246D8A0F9}"/>
+                  </a:ext>
+                </a:extLst>
+              </p:cNvPr>
+              <p:cNvCxnSpPr>
+                <a:cxnSpLocks/>
+              </p:cNvCxnSpPr>
+              <p:nvPr/>
+            </p:nvCxnSpPr>
+            <p:spPr>
+              <a:xfrm>
+                <a:off x="1763484" y="2416623"/>
+                <a:ext cx="1474239" cy="0"/>
+              </a:xfrm>
+              <a:prstGeom prst="line">
+                <a:avLst/>
+              </a:prstGeom>
+              <a:ln w="19050"/>
+            </p:spPr>
+            <p:style>
+              <a:lnRef idx="1">
+                <a:schemeClr val="accent1"/>
+              </a:lnRef>
+              <a:fillRef idx="0">
+                <a:schemeClr val="accent1"/>
+              </a:fillRef>
+              <a:effectRef idx="0">
+                <a:schemeClr val="accent1"/>
+              </a:effectRef>
+              <a:fontRef idx="minor">
+                <a:schemeClr val="tx1"/>
+              </a:fontRef>
+            </p:style>
+          </p:cxnSp>
+        </p:grpSp>
+        <p:sp>
+          <p:nvSpPr>
+            <p:cNvPr id="12" name="TextBox 11">
+              <a:extLst>
+                <a:ext uri="{FF2B5EF4-FFF2-40B4-BE49-F238E27FC236}">
+                  <a16:creationId xmlns:a16="http://schemas.microsoft.com/office/drawing/2014/main" id="{D28488A5-961E-4C97-BB8C-08D0F5EC8452}"/>
+                </a:ext>
+              </a:extLst>
+            </p:cNvPr>
+            <p:cNvSpPr txBox="1"/>
+            <p:nvPr/>
+          </p:nvSpPr>
+          <p:spPr>
+            <a:xfrm>
+              <a:off x="166889" y="4000598"/>
+              <a:ext cx="1064478" cy="276999"/>
+            </a:xfrm>
+            <a:prstGeom prst="rect">
+              <a:avLst/>
+            </a:prstGeom>
+            <a:noFill/>
+          </p:spPr>
+          <p:txBody>
+            <a:bodyPr wrap="square" rtlCol="0">
+              <a:spAutoFit/>
+            </a:bodyPr>
+            <a:lstStyle/>
+            <a:p>
+              <a:pPr algn="ctr"/>
+              <a:r>
+                <a:rPr lang="he-IL" sz="1200" dirty="0"/>
+                <a:t>לקוחות</a:t>
+              </a:r>
+              <a:endParaRPr lang="en-US" dirty="0"/>
+            </a:p>
+          </p:txBody>
+        </p:sp>
+      </p:grpSp>
+      <p:sp>
+        <p:nvSpPr>
+          <p:cNvPr id="14" name="TextBox 13">
+            <a:extLst>
+              <a:ext uri="{FF2B5EF4-FFF2-40B4-BE49-F238E27FC236}">
+                <a16:creationId xmlns:a16="http://schemas.microsoft.com/office/drawing/2014/main" id="{599FF9A6-239A-4C9C-97C4-DBE8E9A3572E}"/>
+              </a:ext>
+            </a:extLst>
+          </p:cNvPr>
+          <p:cNvSpPr txBox="1"/>
+          <p:nvPr/>
+        </p:nvSpPr>
+        <p:spPr>
+          <a:xfrm>
+            <a:off x="5997868" y="532278"/>
+            <a:ext cx="4133461" cy="276999"/>
+          </a:xfrm>
+          <a:prstGeom prst="rect">
+            <a:avLst/>
+          </a:prstGeom>
+          <a:noFill/>
+        </p:spPr>
+        <p:txBody>
+          <a:bodyPr wrap="square" rtlCol="0">
+            <a:spAutoFit/>
+          </a:bodyPr>
+          <a:lstStyle/>
+          <a:p>
+            <a:pPr algn="r" rtl="1"/>
+            <a:r>
+              <a:rPr lang="he-IL" sz="1200" dirty="0"/>
+              <a:t>חניה בעיר – שירותי חניה למשתמשים ולבעלי עניין נוספים</a:t>
+            </a:r>
+            <a:endParaRPr lang="en-US" sz="1200" dirty="0"/>
+          </a:p>
+        </p:txBody>
+      </p:sp>
+      <p:sp>
+        <p:nvSpPr>
+          <p:cNvPr id="22" name="TextBox 21">
+            <a:extLst>
+              <a:ext uri="{FF2B5EF4-FFF2-40B4-BE49-F238E27FC236}">
+                <a16:creationId xmlns:a16="http://schemas.microsoft.com/office/drawing/2014/main" id="{2C33509C-542C-4B27-966E-FA7DBF6CA75D}"/>
+              </a:ext>
+            </a:extLst>
+          </p:cNvPr>
+          <p:cNvSpPr txBox="1"/>
+          <p:nvPr/>
+        </p:nvSpPr>
+        <p:spPr>
+          <a:xfrm>
+            <a:off x="2389462" y="1142721"/>
+            <a:ext cx="4133461" cy="276999"/>
+          </a:xfrm>
+          <a:prstGeom prst="rect">
+            <a:avLst/>
+          </a:prstGeom>
+          <a:noFill/>
+        </p:spPr>
+        <p:txBody>
+          <a:bodyPr wrap="square" rtlCol="0">
+            <a:spAutoFit/>
+          </a:bodyPr>
+          <a:lstStyle/>
+          <a:p>
+            <a:pPr algn="l"/>
+            <a:r>
+              <a:rPr lang="en-US" sz="1200" dirty="0"/>
+              <a:t>CPS System</a:t>
+            </a:r>
+          </a:p>
+        </p:txBody>
+      </p:sp>
+      <p:grpSp>
+        <p:nvGrpSpPr>
+          <p:cNvPr id="23" name="Group 22">
+            <a:extLst>
+              <a:ext uri="{FF2B5EF4-FFF2-40B4-BE49-F238E27FC236}">
+                <a16:creationId xmlns:a16="http://schemas.microsoft.com/office/drawing/2014/main" id="{FD4F7540-1908-47CC-A01C-07E64D290CB8}"/>
+              </a:ext>
+            </a:extLst>
+          </p:cNvPr>
+          <p:cNvGrpSpPr/>
+          <p:nvPr/>
+        </p:nvGrpSpPr>
+        <p:grpSpPr>
+          <a:xfrm>
+            <a:off x="423325" y="3527867"/>
+            <a:ext cx="878757" cy="1470939"/>
+            <a:chOff x="166889" y="2680448"/>
+            <a:chExt cx="1064478" cy="1781815"/>
+          </a:xfrm>
+        </p:grpSpPr>
+        <p:grpSp>
+          <p:nvGrpSpPr>
+            <p:cNvPr id="24" name="Group 23">
+              <a:extLst>
+                <a:ext uri="{FF2B5EF4-FFF2-40B4-BE49-F238E27FC236}">
+                  <a16:creationId xmlns:a16="http://schemas.microsoft.com/office/drawing/2014/main" id="{99E4F5D8-716E-45E4-A8E5-31E555082776}"/>
+                </a:ext>
+              </a:extLst>
+            </p:cNvPr>
+            <p:cNvGrpSpPr/>
+            <p:nvPr/>
+          </p:nvGrpSpPr>
+          <p:grpSpPr>
+            <a:xfrm>
+              <a:off x="401999" y="2680448"/>
+              <a:ext cx="594257" cy="1320150"/>
+              <a:chOff x="1763484" y="989045"/>
+              <a:chExt cx="1474239" cy="3275045"/>
+            </a:xfrm>
+          </p:grpSpPr>
+          <p:sp>
+            <p:nvSpPr>
+              <p:cNvPr id="26" name="Oval 25">
+                <a:extLst>
+                  <a:ext uri="{FF2B5EF4-FFF2-40B4-BE49-F238E27FC236}">
+                    <a16:creationId xmlns:a16="http://schemas.microsoft.com/office/drawing/2014/main" id="{26105136-99B9-457E-BCF1-C497D9957198}"/>
+                  </a:ext>
+                </a:extLst>
+              </p:cNvPr>
+              <p:cNvSpPr/>
+              <p:nvPr/>
+            </p:nvSpPr>
+            <p:spPr>
+              <a:xfrm>
+                <a:off x="2034074" y="989045"/>
+                <a:ext cx="933061" cy="933061"/>
+              </a:xfrm>
+              <a:prstGeom prst="ellipse">
+                <a:avLst/>
+              </a:prstGeom>
+              <a:noFill/>
+              <a:ln w="19050"/>
+            </p:spPr>
+            <p:style>
+              <a:lnRef idx="2">
+                <a:schemeClr val="accent1">
+                  <a:shade val="50000"/>
+                </a:schemeClr>
+              </a:lnRef>
+              <a:fillRef idx="1">
+                <a:schemeClr val="accent1"/>
+              </a:fillRef>
+              <a:effectRef idx="0">
+                <a:schemeClr val="accent1"/>
+              </a:effectRef>
+              <a:fontRef idx="minor">
+                <a:schemeClr val="lt1"/>
+              </a:fontRef>
+            </p:style>
+            <p:txBody>
+              <a:bodyPr rtlCol="0" anchor="ctr"/>
+              <a:lstStyle/>
+              <a:p>
+                <a:pPr algn="ctr"/>
+                <a:endParaRPr lang="en-US">
+                  <a:solidFill>
+                    <a:schemeClr val="tx1"/>
+                  </a:solidFill>
+                </a:endParaRPr>
+              </a:p>
+            </p:txBody>
+          </p:sp>
+          <p:cxnSp>
+            <p:nvCxnSpPr>
+              <p:cNvPr id="27" name="Straight Connector 26">
+                <a:extLst>
+                  <a:ext uri="{FF2B5EF4-FFF2-40B4-BE49-F238E27FC236}">
+                    <a16:creationId xmlns:a16="http://schemas.microsoft.com/office/drawing/2014/main" id="{C9C3293E-4878-491A-AF5C-B224BFC739AA}"/>
+                  </a:ext>
+                </a:extLst>
+              </p:cNvPr>
+              <p:cNvCxnSpPr>
+                <a:cxnSpLocks/>
+                <a:stCxn id="26" idx="4"/>
+              </p:cNvCxnSpPr>
+              <p:nvPr/>
+            </p:nvCxnSpPr>
+            <p:spPr>
+              <a:xfrm>
+                <a:off x="2500605" y="1922106"/>
+                <a:ext cx="0" cy="1306286"/>
+              </a:xfrm>
+              <a:prstGeom prst="line">
+                <a:avLst/>
+              </a:prstGeom>
+              <a:ln w="19050"/>
+            </p:spPr>
+            <p:style>
+              <a:lnRef idx="1">
+                <a:schemeClr val="accent1"/>
+              </a:lnRef>
+              <a:fillRef idx="0">
+                <a:schemeClr val="accent1"/>
+              </a:fillRef>
+              <a:effectRef idx="0">
+                <a:schemeClr val="accent1"/>
+              </a:effectRef>
+              <a:fontRef idx="minor">
+                <a:schemeClr val="tx1"/>
+              </a:fontRef>
+            </p:style>
+          </p:cxnSp>
+          <p:cxnSp>
+            <p:nvCxnSpPr>
+              <p:cNvPr id="28" name="Straight Connector 27">
+                <a:extLst>
+                  <a:ext uri="{FF2B5EF4-FFF2-40B4-BE49-F238E27FC236}">
+                    <a16:creationId xmlns:a16="http://schemas.microsoft.com/office/drawing/2014/main" id="{5FD3520A-AD2D-417D-96B1-D778EDB5E4C2}"/>
+                  </a:ext>
+                </a:extLst>
+              </p:cNvPr>
+              <p:cNvCxnSpPr>
+                <a:cxnSpLocks/>
+              </p:cNvCxnSpPr>
+              <p:nvPr/>
+            </p:nvCxnSpPr>
+            <p:spPr>
+              <a:xfrm flipH="1">
+                <a:off x="1763485" y="3228392"/>
+                <a:ext cx="737118" cy="1035698"/>
+              </a:xfrm>
+              <a:prstGeom prst="line">
+                <a:avLst/>
+              </a:prstGeom>
+              <a:ln w="19050"/>
+            </p:spPr>
+            <p:style>
+              <a:lnRef idx="1">
+                <a:schemeClr val="accent1"/>
+              </a:lnRef>
+              <a:fillRef idx="0">
+                <a:schemeClr val="accent1"/>
+              </a:fillRef>
+              <a:effectRef idx="0">
+                <a:schemeClr val="accent1"/>
+              </a:effectRef>
+              <a:fontRef idx="minor">
+                <a:schemeClr val="tx1"/>
+              </a:fontRef>
+            </p:style>
+          </p:cxnSp>
+          <p:cxnSp>
+            <p:nvCxnSpPr>
+              <p:cNvPr id="29" name="Straight Connector 28">
+                <a:extLst>
+                  <a:ext uri="{FF2B5EF4-FFF2-40B4-BE49-F238E27FC236}">
+                    <a16:creationId xmlns:a16="http://schemas.microsoft.com/office/drawing/2014/main" id="{E756D745-46F1-476F-B9DA-48A1A975ECCA}"/>
+                  </a:ext>
+                </a:extLst>
+              </p:cNvPr>
+              <p:cNvCxnSpPr>
+                <a:cxnSpLocks/>
+              </p:cNvCxnSpPr>
+              <p:nvPr/>
+            </p:nvCxnSpPr>
+            <p:spPr>
+              <a:xfrm>
+                <a:off x="2500603" y="3228392"/>
+                <a:ext cx="737120" cy="1035698"/>
+              </a:xfrm>
+              <a:prstGeom prst="line">
+                <a:avLst/>
+              </a:prstGeom>
+              <a:ln w="19050"/>
+            </p:spPr>
+            <p:style>
+              <a:lnRef idx="1">
+                <a:schemeClr val="accent1"/>
+              </a:lnRef>
+              <a:fillRef idx="0">
+                <a:schemeClr val="accent1"/>
+              </a:fillRef>
+              <a:effectRef idx="0">
+                <a:schemeClr val="accent1"/>
+              </a:effectRef>
+              <a:fontRef idx="minor">
+                <a:schemeClr val="tx1"/>
+              </a:fontRef>
+            </p:style>
+          </p:cxnSp>
+          <p:cxnSp>
+            <p:nvCxnSpPr>
+              <p:cNvPr id="30" name="Straight Connector 29">
+                <a:extLst>
+                  <a:ext uri="{FF2B5EF4-FFF2-40B4-BE49-F238E27FC236}">
+                    <a16:creationId xmlns:a16="http://schemas.microsoft.com/office/drawing/2014/main" id="{BA4B07A5-144D-4BDE-BFFF-88A11BCD4598}"/>
+                  </a:ext>
+                </a:extLst>
+              </p:cNvPr>
+              <p:cNvCxnSpPr>
+                <a:cxnSpLocks/>
+              </p:cNvCxnSpPr>
+              <p:nvPr/>
+            </p:nvCxnSpPr>
+            <p:spPr>
+              <a:xfrm>
+                <a:off x="1763484" y="2416623"/>
+                <a:ext cx="1474239" cy="0"/>
+              </a:xfrm>
+              <a:prstGeom prst="line">
+                <a:avLst/>
+              </a:prstGeom>
+              <a:ln w="19050"/>
+            </p:spPr>
+            <p:style>
+              <a:lnRef idx="1">
+                <a:schemeClr val="accent1"/>
+              </a:lnRef>
+              <a:fillRef idx="0">
+                <a:schemeClr val="accent1"/>
+              </a:fillRef>
+              <a:effectRef idx="0">
+                <a:schemeClr val="accent1"/>
+              </a:effectRef>
+              <a:fontRef idx="minor">
+                <a:schemeClr val="tx1"/>
+              </a:fontRef>
+            </p:style>
+          </p:cxnSp>
+        </p:grpSp>
+        <p:sp>
+          <p:nvSpPr>
+            <p:cNvPr id="25" name="TextBox 24">
+              <a:extLst>
+                <a:ext uri="{FF2B5EF4-FFF2-40B4-BE49-F238E27FC236}">
+                  <a16:creationId xmlns:a16="http://schemas.microsoft.com/office/drawing/2014/main" id="{23F6418F-317B-404D-8309-019CAE7BDEDA}"/>
+                </a:ext>
+              </a:extLst>
+            </p:cNvPr>
+            <p:cNvSpPr txBox="1"/>
+            <p:nvPr/>
+          </p:nvSpPr>
+          <p:spPr>
+            <a:xfrm>
+              <a:off x="166889" y="4000598"/>
+              <a:ext cx="1064478" cy="461665"/>
+            </a:xfrm>
+            <a:prstGeom prst="rect">
+              <a:avLst/>
+            </a:prstGeom>
+            <a:noFill/>
+          </p:spPr>
+          <p:txBody>
+            <a:bodyPr wrap="square" rtlCol="0">
+              <a:spAutoFit/>
+            </a:bodyPr>
+            <a:lstStyle/>
+            <a:p>
+              <a:pPr algn="ctr"/>
+              <a:r>
+                <a:rPr lang="he-IL" sz="1200" dirty="0"/>
+                <a:t>מערכת ניהול פרטי עובדות</a:t>
+              </a:r>
+              <a:endParaRPr lang="en-US" dirty="0"/>
+            </a:p>
+          </p:txBody>
+        </p:sp>
+      </p:grpSp>
+      <p:grpSp>
+        <p:nvGrpSpPr>
+          <p:cNvPr id="31" name="Group 30">
+            <a:extLst>
+              <a:ext uri="{FF2B5EF4-FFF2-40B4-BE49-F238E27FC236}">
+                <a16:creationId xmlns:a16="http://schemas.microsoft.com/office/drawing/2014/main" id="{C26BED51-F760-48CD-A1F7-683429FFB647}"/>
+              </a:ext>
+            </a:extLst>
+          </p:cNvPr>
+          <p:cNvGrpSpPr/>
+          <p:nvPr/>
+        </p:nvGrpSpPr>
+        <p:grpSpPr>
+          <a:xfrm>
+            <a:off x="10987545" y="1572416"/>
+            <a:ext cx="878757" cy="1318492"/>
+            <a:chOff x="166889" y="2680448"/>
+            <a:chExt cx="1064478" cy="1597149"/>
+          </a:xfrm>
+        </p:grpSpPr>
+        <p:grpSp>
+          <p:nvGrpSpPr>
+            <p:cNvPr id="32" name="Group 31">
+              <a:extLst>
+                <a:ext uri="{FF2B5EF4-FFF2-40B4-BE49-F238E27FC236}">
+                  <a16:creationId xmlns:a16="http://schemas.microsoft.com/office/drawing/2014/main" id="{5A86D77B-C42B-4151-9C86-85F73DA580FF}"/>
+                </a:ext>
+              </a:extLst>
+            </p:cNvPr>
+            <p:cNvGrpSpPr/>
+            <p:nvPr/>
+          </p:nvGrpSpPr>
+          <p:grpSpPr>
+            <a:xfrm>
+              <a:off x="401999" y="2680448"/>
+              <a:ext cx="594257" cy="1320150"/>
+              <a:chOff x="1763484" y="989045"/>
+              <a:chExt cx="1474239" cy="3275045"/>
+            </a:xfrm>
+          </p:grpSpPr>
+          <p:sp>
+            <p:nvSpPr>
+              <p:cNvPr id="34" name="Oval 33">
+                <a:extLst>
+                  <a:ext uri="{FF2B5EF4-FFF2-40B4-BE49-F238E27FC236}">
+                    <a16:creationId xmlns:a16="http://schemas.microsoft.com/office/drawing/2014/main" id="{FA9A556C-FB8F-4A0A-9A82-7B9D39D2789F}"/>
+                  </a:ext>
+                </a:extLst>
+              </p:cNvPr>
+              <p:cNvSpPr/>
+              <p:nvPr/>
+            </p:nvSpPr>
+            <p:spPr>
+              <a:xfrm>
+                <a:off x="2034074" y="989045"/>
+                <a:ext cx="933061" cy="933061"/>
+              </a:xfrm>
+              <a:prstGeom prst="ellipse">
+                <a:avLst/>
+              </a:prstGeom>
+              <a:noFill/>
+              <a:ln w="19050"/>
+            </p:spPr>
+            <p:style>
+              <a:lnRef idx="2">
+                <a:schemeClr val="accent1">
+                  <a:shade val="50000"/>
+                </a:schemeClr>
+              </a:lnRef>
+              <a:fillRef idx="1">
+                <a:schemeClr val="accent1"/>
+              </a:fillRef>
+              <a:effectRef idx="0">
+                <a:schemeClr val="accent1"/>
+              </a:effectRef>
+              <a:fontRef idx="minor">
+                <a:schemeClr val="lt1"/>
+              </a:fontRef>
+            </p:style>
+            <p:txBody>
+              <a:bodyPr rtlCol="0" anchor="ctr"/>
+              <a:lstStyle/>
+              <a:p>
+                <a:pPr algn="ctr"/>
+                <a:endParaRPr lang="en-US">
+                  <a:solidFill>
+                    <a:schemeClr val="tx1"/>
+                  </a:solidFill>
+                </a:endParaRPr>
+              </a:p>
+            </p:txBody>
+          </p:sp>
+          <p:cxnSp>
+            <p:nvCxnSpPr>
+              <p:cNvPr id="35" name="Straight Connector 34">
+                <a:extLst>
+                  <a:ext uri="{FF2B5EF4-FFF2-40B4-BE49-F238E27FC236}">
+                    <a16:creationId xmlns:a16="http://schemas.microsoft.com/office/drawing/2014/main" id="{C78F646D-E1DA-4BEE-9185-601FF830A914}"/>
+                  </a:ext>
+                </a:extLst>
+              </p:cNvPr>
+              <p:cNvCxnSpPr>
+                <a:cxnSpLocks/>
+                <a:stCxn id="34" idx="4"/>
+              </p:cNvCxnSpPr>
+              <p:nvPr/>
+            </p:nvCxnSpPr>
+            <p:spPr>
+              <a:xfrm>
+                <a:off x="2500605" y="1922106"/>
+                <a:ext cx="0" cy="1306286"/>
+              </a:xfrm>
+              <a:prstGeom prst="line">
+                <a:avLst/>
+              </a:prstGeom>
+              <a:ln w="19050"/>
+            </p:spPr>
+            <p:style>
+              <a:lnRef idx="1">
+                <a:schemeClr val="accent1"/>
+              </a:lnRef>
+              <a:fillRef idx="0">
+                <a:schemeClr val="accent1"/>
+              </a:fillRef>
+              <a:effectRef idx="0">
+                <a:schemeClr val="accent1"/>
+              </a:effectRef>
+              <a:fontRef idx="minor">
+                <a:schemeClr val="tx1"/>
+              </a:fontRef>
+            </p:style>
+          </p:cxnSp>
+          <p:cxnSp>
+            <p:nvCxnSpPr>
+              <p:cNvPr id="36" name="Straight Connector 35">
+                <a:extLst>
+                  <a:ext uri="{FF2B5EF4-FFF2-40B4-BE49-F238E27FC236}">
+                    <a16:creationId xmlns:a16="http://schemas.microsoft.com/office/drawing/2014/main" id="{A0A5688A-D3FD-4A44-B4CE-C41F2BB4C8CC}"/>
+                  </a:ext>
+                </a:extLst>
+              </p:cNvPr>
+              <p:cNvCxnSpPr>
+                <a:cxnSpLocks/>
+              </p:cNvCxnSpPr>
+              <p:nvPr/>
+            </p:nvCxnSpPr>
+            <p:spPr>
+              <a:xfrm flipH="1">
+                <a:off x="1763485" y="3228392"/>
+                <a:ext cx="737118" cy="1035698"/>
+              </a:xfrm>
+              <a:prstGeom prst="line">
+                <a:avLst/>
+              </a:prstGeom>
+              <a:ln w="19050"/>
+            </p:spPr>
+            <p:style>
+              <a:lnRef idx="1">
+                <a:schemeClr val="accent1"/>
+              </a:lnRef>
+              <a:fillRef idx="0">
+                <a:schemeClr val="accent1"/>
+              </a:fillRef>
+              <a:effectRef idx="0">
+                <a:schemeClr val="accent1"/>
+              </a:effectRef>
+              <a:fontRef idx="minor">
+                <a:schemeClr val="tx1"/>
+              </a:fontRef>
+            </p:style>
+          </p:cxnSp>
+          <p:cxnSp>
+            <p:nvCxnSpPr>
+              <p:cNvPr id="37" name="Straight Connector 36">
+                <a:extLst>
+                  <a:ext uri="{FF2B5EF4-FFF2-40B4-BE49-F238E27FC236}">
+                    <a16:creationId xmlns:a16="http://schemas.microsoft.com/office/drawing/2014/main" id="{FF575F00-E503-45DE-A7C9-DD63C8E77B09}"/>
+                  </a:ext>
+                </a:extLst>
+              </p:cNvPr>
+              <p:cNvCxnSpPr>
+                <a:cxnSpLocks/>
+              </p:cNvCxnSpPr>
+              <p:nvPr/>
+            </p:nvCxnSpPr>
+            <p:spPr>
+              <a:xfrm>
+                <a:off x="2500603" y="3228392"/>
+                <a:ext cx="737120" cy="1035698"/>
+              </a:xfrm>
+              <a:prstGeom prst="line">
+                <a:avLst/>
+              </a:prstGeom>
+              <a:ln w="19050"/>
+            </p:spPr>
+            <p:style>
+              <a:lnRef idx="1">
+                <a:schemeClr val="accent1"/>
+              </a:lnRef>
+              <a:fillRef idx="0">
+                <a:schemeClr val="accent1"/>
+              </a:fillRef>
+              <a:effectRef idx="0">
+                <a:schemeClr val="accent1"/>
+              </a:effectRef>
+              <a:fontRef idx="minor">
+                <a:schemeClr val="tx1"/>
+              </a:fontRef>
+            </p:style>
+          </p:cxnSp>
+          <p:cxnSp>
+            <p:nvCxnSpPr>
+              <p:cNvPr id="38" name="Straight Connector 37">
+                <a:extLst>
+                  <a:ext uri="{FF2B5EF4-FFF2-40B4-BE49-F238E27FC236}">
+                    <a16:creationId xmlns:a16="http://schemas.microsoft.com/office/drawing/2014/main" id="{8F3FCAAA-08E2-44FD-BB37-2C6BB4D6B840}"/>
+                  </a:ext>
+                </a:extLst>
+              </p:cNvPr>
+              <p:cNvCxnSpPr>
+                <a:cxnSpLocks/>
+              </p:cNvCxnSpPr>
+              <p:nvPr/>
+            </p:nvCxnSpPr>
+            <p:spPr>
+              <a:xfrm>
+                <a:off x="1763484" y="2416623"/>
+                <a:ext cx="1474239" cy="0"/>
+              </a:xfrm>
+              <a:prstGeom prst="line">
+                <a:avLst/>
+              </a:prstGeom>
+              <a:ln w="19050"/>
+            </p:spPr>
+            <p:style>
+              <a:lnRef idx="1">
+                <a:schemeClr val="accent1"/>
+              </a:lnRef>
+              <a:fillRef idx="0">
+                <a:schemeClr val="accent1"/>
+              </a:fillRef>
+              <a:effectRef idx="0">
+                <a:schemeClr val="accent1"/>
+              </a:effectRef>
+              <a:fontRef idx="minor">
+                <a:schemeClr val="tx1"/>
+              </a:fontRef>
+            </p:style>
+          </p:cxnSp>
+        </p:grpSp>
+        <p:sp>
+          <p:nvSpPr>
+            <p:cNvPr id="33" name="TextBox 32">
+              <a:extLst>
+                <a:ext uri="{FF2B5EF4-FFF2-40B4-BE49-F238E27FC236}">
+                  <a16:creationId xmlns:a16="http://schemas.microsoft.com/office/drawing/2014/main" id="{3D8B18E2-9586-434F-B7F5-7F9C90238DC3}"/>
+                </a:ext>
+              </a:extLst>
+            </p:cNvPr>
+            <p:cNvSpPr txBox="1"/>
+            <p:nvPr/>
+          </p:nvSpPr>
+          <p:spPr>
+            <a:xfrm>
+              <a:off x="166889" y="4000598"/>
+              <a:ext cx="1064478" cy="276999"/>
+            </a:xfrm>
+            <a:prstGeom prst="rect">
+              <a:avLst/>
+            </a:prstGeom>
+            <a:noFill/>
+          </p:spPr>
+          <p:txBody>
+            <a:bodyPr wrap="square" rtlCol="0">
+              <a:spAutoFit/>
+            </a:bodyPr>
+            <a:lstStyle/>
+            <a:p>
+              <a:pPr algn="ctr"/>
+              <a:r>
+                <a:rPr lang="he-IL" sz="1200" dirty="0"/>
+                <a:t>עובדות</a:t>
+              </a:r>
+              <a:endParaRPr lang="en-US" dirty="0"/>
+            </a:p>
+          </p:txBody>
+        </p:sp>
+      </p:grpSp>
+      <p:grpSp>
+        <p:nvGrpSpPr>
+          <p:cNvPr id="39" name="Group 38">
+            <a:extLst>
+              <a:ext uri="{FF2B5EF4-FFF2-40B4-BE49-F238E27FC236}">
+                <a16:creationId xmlns:a16="http://schemas.microsoft.com/office/drawing/2014/main" id="{5C59D32F-B654-4489-8B99-59F5465E72FC}"/>
+              </a:ext>
+            </a:extLst>
+          </p:cNvPr>
+          <p:cNvGrpSpPr/>
+          <p:nvPr/>
+        </p:nvGrpSpPr>
+        <p:grpSpPr>
+          <a:xfrm>
+            <a:off x="11001320" y="4972121"/>
+            <a:ext cx="878757" cy="1551486"/>
+            <a:chOff x="166889" y="2680448"/>
+            <a:chExt cx="1064478" cy="1879385"/>
+          </a:xfrm>
+        </p:grpSpPr>
+        <p:grpSp>
+          <p:nvGrpSpPr>
+            <p:cNvPr id="40" name="Group 39">
+              <a:extLst>
+                <a:ext uri="{FF2B5EF4-FFF2-40B4-BE49-F238E27FC236}">
+                  <a16:creationId xmlns:a16="http://schemas.microsoft.com/office/drawing/2014/main" id="{B98A87B8-396B-4C91-ABF0-9161F6347037}"/>
+                </a:ext>
+              </a:extLst>
+            </p:cNvPr>
+            <p:cNvGrpSpPr/>
+            <p:nvPr/>
+          </p:nvGrpSpPr>
+          <p:grpSpPr>
+            <a:xfrm>
+              <a:off x="401999" y="2680448"/>
+              <a:ext cx="594257" cy="1320150"/>
+              <a:chOff x="1763484" y="989045"/>
+              <a:chExt cx="1474239" cy="3275045"/>
+            </a:xfrm>
+          </p:grpSpPr>
+          <p:sp>
+            <p:nvSpPr>
+              <p:cNvPr id="42" name="Oval 41">
+                <a:extLst>
+                  <a:ext uri="{FF2B5EF4-FFF2-40B4-BE49-F238E27FC236}">
+                    <a16:creationId xmlns:a16="http://schemas.microsoft.com/office/drawing/2014/main" id="{35ADA6BD-BED1-429F-8A29-0CC19745F0F9}"/>
+                  </a:ext>
+                </a:extLst>
+              </p:cNvPr>
+              <p:cNvSpPr/>
+              <p:nvPr/>
+            </p:nvSpPr>
+            <p:spPr>
+              <a:xfrm>
+                <a:off x="2034074" y="989045"/>
+                <a:ext cx="933061" cy="933061"/>
+              </a:xfrm>
+              <a:prstGeom prst="ellipse">
+                <a:avLst/>
+              </a:prstGeom>
+              <a:noFill/>
+              <a:ln w="19050"/>
+            </p:spPr>
+            <p:style>
+              <a:lnRef idx="2">
+                <a:schemeClr val="accent1">
+                  <a:shade val="50000"/>
+                </a:schemeClr>
+              </a:lnRef>
+              <a:fillRef idx="1">
+                <a:schemeClr val="accent1"/>
+              </a:fillRef>
+              <a:effectRef idx="0">
+                <a:schemeClr val="accent1"/>
+              </a:effectRef>
+              <a:fontRef idx="minor">
+                <a:schemeClr val="lt1"/>
+              </a:fontRef>
+            </p:style>
+            <p:txBody>
+              <a:bodyPr rtlCol="0" anchor="ctr"/>
+              <a:lstStyle/>
+              <a:p>
+                <a:pPr algn="ctr"/>
+                <a:endParaRPr lang="en-US">
+                  <a:solidFill>
+                    <a:schemeClr val="tx1"/>
+                  </a:solidFill>
+                </a:endParaRPr>
+              </a:p>
+            </p:txBody>
+          </p:sp>
+          <p:cxnSp>
+            <p:nvCxnSpPr>
+              <p:cNvPr id="43" name="Straight Connector 42">
+                <a:extLst>
+                  <a:ext uri="{FF2B5EF4-FFF2-40B4-BE49-F238E27FC236}">
+                    <a16:creationId xmlns:a16="http://schemas.microsoft.com/office/drawing/2014/main" id="{78B8F5AD-FF26-45F8-A1B1-B302BA90F90A}"/>
+                  </a:ext>
+                </a:extLst>
+              </p:cNvPr>
+              <p:cNvCxnSpPr>
+                <a:cxnSpLocks/>
+                <a:stCxn id="42" idx="4"/>
+              </p:cNvCxnSpPr>
+              <p:nvPr/>
+            </p:nvCxnSpPr>
+            <p:spPr>
+              <a:xfrm>
+                <a:off x="2500605" y="1922106"/>
+                <a:ext cx="0" cy="1306286"/>
+              </a:xfrm>
+              <a:prstGeom prst="line">
+                <a:avLst/>
+              </a:prstGeom>
+              <a:ln w="19050"/>
+            </p:spPr>
+            <p:style>
+              <a:lnRef idx="1">
+                <a:schemeClr val="accent1"/>
+              </a:lnRef>
+              <a:fillRef idx="0">
+                <a:schemeClr val="accent1"/>
+              </a:fillRef>
+              <a:effectRef idx="0">
+                <a:schemeClr val="accent1"/>
+              </a:effectRef>
+              <a:fontRef idx="minor">
+                <a:schemeClr val="tx1"/>
+              </a:fontRef>
+            </p:style>
+          </p:cxnSp>
+          <p:cxnSp>
+            <p:nvCxnSpPr>
+              <p:cNvPr id="44" name="Straight Connector 43">
+                <a:extLst>
+                  <a:ext uri="{FF2B5EF4-FFF2-40B4-BE49-F238E27FC236}">
+                    <a16:creationId xmlns:a16="http://schemas.microsoft.com/office/drawing/2014/main" id="{F4142EB5-1F29-47CF-B127-541C0F3E6978}"/>
+                  </a:ext>
+                </a:extLst>
+              </p:cNvPr>
+              <p:cNvCxnSpPr>
+                <a:cxnSpLocks/>
+              </p:cNvCxnSpPr>
+              <p:nvPr/>
+            </p:nvCxnSpPr>
+            <p:spPr>
+              <a:xfrm flipH="1">
+                <a:off x="1763485" y="3228392"/>
+                <a:ext cx="737118" cy="1035698"/>
+              </a:xfrm>
+              <a:prstGeom prst="line">
+                <a:avLst/>
+              </a:prstGeom>
+              <a:ln w="19050"/>
+            </p:spPr>
+            <p:style>
+              <a:lnRef idx="1">
+                <a:schemeClr val="accent1"/>
+              </a:lnRef>
+              <a:fillRef idx="0">
+                <a:schemeClr val="accent1"/>
+              </a:fillRef>
+              <a:effectRef idx="0">
+                <a:schemeClr val="accent1"/>
+              </a:effectRef>
+              <a:fontRef idx="minor">
+                <a:schemeClr val="tx1"/>
+              </a:fontRef>
+            </p:style>
+          </p:cxnSp>
+          <p:cxnSp>
+            <p:nvCxnSpPr>
+              <p:cNvPr id="45" name="Straight Connector 44">
+                <a:extLst>
+                  <a:ext uri="{FF2B5EF4-FFF2-40B4-BE49-F238E27FC236}">
+                    <a16:creationId xmlns:a16="http://schemas.microsoft.com/office/drawing/2014/main" id="{AB654C60-87CC-4320-A42D-065260B79400}"/>
+                  </a:ext>
+                </a:extLst>
+              </p:cNvPr>
+              <p:cNvCxnSpPr>
+                <a:cxnSpLocks/>
+              </p:cNvCxnSpPr>
+              <p:nvPr/>
+            </p:nvCxnSpPr>
+            <p:spPr>
+              <a:xfrm>
+                <a:off x="2500603" y="3228392"/>
+                <a:ext cx="737120" cy="1035698"/>
+              </a:xfrm>
+              <a:prstGeom prst="line">
+                <a:avLst/>
+              </a:prstGeom>
+              <a:ln w="19050"/>
+            </p:spPr>
+            <p:style>
+              <a:lnRef idx="1">
+                <a:schemeClr val="accent1"/>
+              </a:lnRef>
+              <a:fillRef idx="0">
+                <a:schemeClr val="accent1"/>
+              </a:fillRef>
+              <a:effectRef idx="0">
+                <a:schemeClr val="accent1"/>
+              </a:effectRef>
+              <a:fontRef idx="minor">
+                <a:schemeClr val="tx1"/>
+              </a:fontRef>
+            </p:style>
+          </p:cxnSp>
+          <p:cxnSp>
+            <p:nvCxnSpPr>
+              <p:cNvPr id="46" name="Straight Connector 45">
+                <a:extLst>
+                  <a:ext uri="{FF2B5EF4-FFF2-40B4-BE49-F238E27FC236}">
+                    <a16:creationId xmlns:a16="http://schemas.microsoft.com/office/drawing/2014/main" id="{F962BF40-ECEA-41F0-898C-DA0CEE9591CD}"/>
+                  </a:ext>
+                </a:extLst>
+              </p:cNvPr>
+              <p:cNvCxnSpPr>
+                <a:cxnSpLocks/>
+              </p:cNvCxnSpPr>
+              <p:nvPr/>
+            </p:nvCxnSpPr>
+            <p:spPr>
+              <a:xfrm>
+                <a:off x="1763484" y="2416623"/>
+                <a:ext cx="1474239" cy="0"/>
+              </a:xfrm>
+              <a:prstGeom prst="line">
+                <a:avLst/>
+              </a:prstGeom>
+              <a:ln w="19050"/>
+            </p:spPr>
+            <p:style>
+              <a:lnRef idx="1">
+                <a:schemeClr val="accent1"/>
+              </a:lnRef>
+              <a:fillRef idx="0">
+                <a:schemeClr val="accent1"/>
+              </a:fillRef>
+              <a:effectRef idx="0">
+                <a:schemeClr val="accent1"/>
+              </a:effectRef>
+              <a:fontRef idx="minor">
+                <a:schemeClr val="tx1"/>
+              </a:fontRef>
+            </p:style>
+          </p:cxnSp>
+        </p:grpSp>
+        <p:sp>
+          <p:nvSpPr>
+            <p:cNvPr id="41" name="TextBox 40">
+              <a:extLst>
+                <a:ext uri="{FF2B5EF4-FFF2-40B4-BE49-F238E27FC236}">
+                  <a16:creationId xmlns:a16="http://schemas.microsoft.com/office/drawing/2014/main" id="{915BBD18-C57C-4C3C-9908-7411880279AA}"/>
+                </a:ext>
+              </a:extLst>
+            </p:cNvPr>
+            <p:cNvSpPr txBox="1"/>
+            <p:nvPr/>
+          </p:nvSpPr>
+          <p:spPr>
+            <a:xfrm>
+              <a:off x="166889" y="4000597"/>
+              <a:ext cx="1064478" cy="559236"/>
+            </a:xfrm>
+            <a:prstGeom prst="rect">
+              <a:avLst/>
+            </a:prstGeom>
+            <a:noFill/>
+          </p:spPr>
+          <p:txBody>
+            <a:bodyPr wrap="square" rtlCol="0">
+              <a:spAutoFit/>
+            </a:bodyPr>
+            <a:lstStyle/>
+            <a:p>
+              <a:pPr algn="ctr"/>
+              <a:r>
+                <a:rPr lang="he-IL" sz="1200" dirty="0"/>
+                <a:t>מנהלות</a:t>
+              </a:r>
+            </a:p>
+            <a:p>
+              <a:pPr algn="ctr"/>
+              <a:r>
+                <a:rPr lang="he-IL" sz="1200" dirty="0"/>
+                <a:t>חניונים</a:t>
+              </a:r>
+              <a:endParaRPr lang="en-US" dirty="0"/>
+            </a:p>
+          </p:txBody>
+        </p:sp>
+      </p:grpSp>
+      <p:grpSp>
+        <p:nvGrpSpPr>
+          <p:cNvPr id="47" name="Group 46">
+            <a:extLst>
+              <a:ext uri="{FF2B5EF4-FFF2-40B4-BE49-F238E27FC236}">
+                <a16:creationId xmlns:a16="http://schemas.microsoft.com/office/drawing/2014/main" id="{72F708DD-53B4-4C7E-B6FB-D73816112EEA}"/>
+              </a:ext>
+            </a:extLst>
+          </p:cNvPr>
+          <p:cNvGrpSpPr/>
+          <p:nvPr/>
+        </p:nvGrpSpPr>
+        <p:grpSpPr>
+          <a:xfrm>
+            <a:off x="11025676" y="3277009"/>
+            <a:ext cx="878757" cy="1318492"/>
+            <a:chOff x="166889" y="2680448"/>
+            <a:chExt cx="1064478" cy="1597149"/>
+          </a:xfrm>
+        </p:grpSpPr>
+        <p:grpSp>
+          <p:nvGrpSpPr>
+            <p:cNvPr id="48" name="Group 47">
+              <a:extLst>
+                <a:ext uri="{FF2B5EF4-FFF2-40B4-BE49-F238E27FC236}">
+                  <a16:creationId xmlns:a16="http://schemas.microsoft.com/office/drawing/2014/main" id="{BC38161D-D6F9-4D94-9722-90ECCA056B6F}"/>
+                </a:ext>
+              </a:extLst>
+            </p:cNvPr>
+            <p:cNvGrpSpPr/>
+            <p:nvPr/>
+          </p:nvGrpSpPr>
+          <p:grpSpPr>
+            <a:xfrm>
+              <a:off x="401999" y="2680448"/>
+              <a:ext cx="594257" cy="1320150"/>
+              <a:chOff x="1763484" y="989045"/>
+              <a:chExt cx="1474239" cy="3275045"/>
+            </a:xfrm>
+          </p:grpSpPr>
+          <p:sp>
+            <p:nvSpPr>
+              <p:cNvPr id="50" name="Oval 49">
+                <a:extLst>
+                  <a:ext uri="{FF2B5EF4-FFF2-40B4-BE49-F238E27FC236}">
+                    <a16:creationId xmlns:a16="http://schemas.microsoft.com/office/drawing/2014/main" id="{0A9C2BD1-BB27-4624-8518-2B0CC4B9A16F}"/>
+                  </a:ext>
+                </a:extLst>
+              </p:cNvPr>
+              <p:cNvSpPr/>
+              <p:nvPr/>
+            </p:nvSpPr>
+            <p:spPr>
+              <a:xfrm>
+                <a:off x="2034074" y="989045"/>
+                <a:ext cx="933061" cy="933061"/>
+              </a:xfrm>
+              <a:prstGeom prst="ellipse">
+                <a:avLst/>
+              </a:prstGeom>
+              <a:noFill/>
+              <a:ln w="19050"/>
+            </p:spPr>
+            <p:style>
+              <a:lnRef idx="2">
+                <a:schemeClr val="accent1">
+                  <a:shade val="50000"/>
+                </a:schemeClr>
+              </a:lnRef>
+              <a:fillRef idx="1">
+                <a:schemeClr val="accent1"/>
+              </a:fillRef>
+              <a:effectRef idx="0">
+                <a:schemeClr val="accent1"/>
+              </a:effectRef>
+              <a:fontRef idx="minor">
+                <a:schemeClr val="lt1"/>
+              </a:fontRef>
+            </p:style>
+            <p:txBody>
+              <a:bodyPr rtlCol="0" anchor="ctr"/>
+              <a:lstStyle/>
+              <a:p>
+                <a:pPr algn="ctr"/>
+                <a:endParaRPr lang="en-US">
+                  <a:solidFill>
+                    <a:schemeClr val="tx1"/>
+                  </a:solidFill>
+                </a:endParaRPr>
+              </a:p>
+            </p:txBody>
+          </p:sp>
+          <p:cxnSp>
+            <p:nvCxnSpPr>
+              <p:cNvPr id="51" name="Straight Connector 50">
+                <a:extLst>
+                  <a:ext uri="{FF2B5EF4-FFF2-40B4-BE49-F238E27FC236}">
+                    <a16:creationId xmlns:a16="http://schemas.microsoft.com/office/drawing/2014/main" id="{4062D858-9B52-4321-BDEC-F11A6B1D03E9}"/>
+                  </a:ext>
+                </a:extLst>
+              </p:cNvPr>
+              <p:cNvCxnSpPr>
+                <a:cxnSpLocks/>
+                <a:stCxn id="50" idx="4"/>
+              </p:cNvCxnSpPr>
+              <p:nvPr/>
+            </p:nvCxnSpPr>
+            <p:spPr>
+              <a:xfrm>
+                <a:off x="2500605" y="1922106"/>
+                <a:ext cx="0" cy="1306286"/>
+              </a:xfrm>
+              <a:prstGeom prst="line">
+                <a:avLst/>
+              </a:prstGeom>
+              <a:ln w="19050"/>
+            </p:spPr>
+            <p:style>
+              <a:lnRef idx="1">
+                <a:schemeClr val="accent1"/>
+              </a:lnRef>
+              <a:fillRef idx="0">
+                <a:schemeClr val="accent1"/>
+              </a:fillRef>
+              <a:effectRef idx="0">
+                <a:schemeClr val="accent1"/>
+              </a:effectRef>
+              <a:fontRef idx="minor">
+                <a:schemeClr val="tx1"/>
+              </a:fontRef>
+            </p:style>
+          </p:cxnSp>
+          <p:cxnSp>
+            <p:nvCxnSpPr>
+              <p:cNvPr id="52" name="Straight Connector 51">
+                <a:extLst>
+                  <a:ext uri="{FF2B5EF4-FFF2-40B4-BE49-F238E27FC236}">
+                    <a16:creationId xmlns:a16="http://schemas.microsoft.com/office/drawing/2014/main" id="{3DC6450F-5324-4394-AA3A-B4372D145CC5}"/>
+                  </a:ext>
+                </a:extLst>
+              </p:cNvPr>
+              <p:cNvCxnSpPr>
+                <a:cxnSpLocks/>
+              </p:cNvCxnSpPr>
+              <p:nvPr/>
+            </p:nvCxnSpPr>
+            <p:spPr>
+              <a:xfrm flipH="1">
+                <a:off x="1763485" y="3228392"/>
+                <a:ext cx="737118" cy="1035698"/>
+              </a:xfrm>
+              <a:prstGeom prst="line">
+                <a:avLst/>
+              </a:prstGeom>
+              <a:ln w="19050"/>
+            </p:spPr>
+            <p:style>
+              <a:lnRef idx="1">
+                <a:schemeClr val="accent1"/>
+              </a:lnRef>
+              <a:fillRef idx="0">
+                <a:schemeClr val="accent1"/>
+              </a:fillRef>
+              <a:effectRef idx="0">
+                <a:schemeClr val="accent1"/>
+              </a:effectRef>
+              <a:fontRef idx="minor">
+                <a:schemeClr val="tx1"/>
+              </a:fontRef>
+            </p:style>
+          </p:cxnSp>
+          <p:cxnSp>
+            <p:nvCxnSpPr>
+              <p:cNvPr id="53" name="Straight Connector 52">
+                <a:extLst>
+                  <a:ext uri="{FF2B5EF4-FFF2-40B4-BE49-F238E27FC236}">
+                    <a16:creationId xmlns:a16="http://schemas.microsoft.com/office/drawing/2014/main" id="{6B491ED4-40B0-4E9E-8E60-A31C9543D935}"/>
+                  </a:ext>
+                </a:extLst>
+              </p:cNvPr>
+              <p:cNvCxnSpPr>
+                <a:cxnSpLocks/>
+              </p:cNvCxnSpPr>
+              <p:nvPr/>
+            </p:nvCxnSpPr>
+            <p:spPr>
+              <a:xfrm>
+                <a:off x="2500603" y="3228392"/>
+                <a:ext cx="737120" cy="1035698"/>
+              </a:xfrm>
+              <a:prstGeom prst="line">
+                <a:avLst/>
+              </a:prstGeom>
+              <a:ln w="19050"/>
+            </p:spPr>
+            <p:style>
+              <a:lnRef idx="1">
+                <a:schemeClr val="accent1"/>
+              </a:lnRef>
+              <a:fillRef idx="0">
+                <a:schemeClr val="accent1"/>
+              </a:fillRef>
+              <a:effectRef idx="0">
+                <a:schemeClr val="accent1"/>
+              </a:effectRef>
+              <a:fontRef idx="minor">
+                <a:schemeClr val="tx1"/>
+              </a:fontRef>
+            </p:style>
+          </p:cxnSp>
+          <p:cxnSp>
+            <p:nvCxnSpPr>
+              <p:cNvPr id="54" name="Straight Connector 53">
+                <a:extLst>
+                  <a:ext uri="{FF2B5EF4-FFF2-40B4-BE49-F238E27FC236}">
+                    <a16:creationId xmlns:a16="http://schemas.microsoft.com/office/drawing/2014/main" id="{293CF1C2-1B57-406C-A6BD-697F88F6B76E}"/>
+                  </a:ext>
+                </a:extLst>
+              </p:cNvPr>
+              <p:cNvCxnSpPr>
+                <a:cxnSpLocks/>
+              </p:cNvCxnSpPr>
+              <p:nvPr/>
+            </p:nvCxnSpPr>
+            <p:spPr>
+              <a:xfrm>
+                <a:off x="1763484" y="2416623"/>
+                <a:ext cx="1474239" cy="0"/>
+              </a:xfrm>
+              <a:prstGeom prst="line">
+                <a:avLst/>
+              </a:prstGeom>
+              <a:ln w="19050"/>
+            </p:spPr>
+            <p:style>
+              <a:lnRef idx="1">
+                <a:schemeClr val="accent1"/>
+              </a:lnRef>
+              <a:fillRef idx="0">
+                <a:schemeClr val="accent1"/>
+              </a:fillRef>
+              <a:effectRef idx="0">
+                <a:schemeClr val="accent1"/>
+              </a:effectRef>
+              <a:fontRef idx="minor">
+                <a:schemeClr val="tx1"/>
+              </a:fontRef>
+            </p:style>
+          </p:cxnSp>
+        </p:grpSp>
+        <p:sp>
+          <p:nvSpPr>
+            <p:cNvPr id="49" name="TextBox 48">
+              <a:extLst>
+                <a:ext uri="{FF2B5EF4-FFF2-40B4-BE49-F238E27FC236}">
+                  <a16:creationId xmlns:a16="http://schemas.microsoft.com/office/drawing/2014/main" id="{F38656AF-A7C7-4A59-96CD-68C5033B6794}"/>
+                </a:ext>
+              </a:extLst>
+            </p:cNvPr>
+            <p:cNvSpPr txBox="1"/>
+            <p:nvPr/>
+          </p:nvSpPr>
+          <p:spPr>
+            <a:xfrm>
+              <a:off x="166889" y="4000598"/>
+              <a:ext cx="1064478" cy="276999"/>
+            </a:xfrm>
+            <a:prstGeom prst="rect">
+              <a:avLst/>
+            </a:prstGeom>
+            <a:noFill/>
+          </p:spPr>
+          <p:txBody>
+            <a:bodyPr wrap="square" rtlCol="0">
+              <a:spAutoFit/>
+            </a:bodyPr>
+            <a:lstStyle/>
+            <a:p>
+              <a:pPr algn="ctr"/>
+              <a:r>
+                <a:rPr lang="he-IL" sz="1200" dirty="0"/>
+                <a:t>רובוט</a:t>
+              </a:r>
+              <a:endParaRPr lang="en-US" dirty="0"/>
+            </a:p>
+          </p:txBody>
+        </p:sp>
+      </p:grpSp>
+      <p:grpSp>
+        <p:nvGrpSpPr>
+          <p:cNvPr id="55" name="Group 54">
+            <a:extLst>
+              <a:ext uri="{FF2B5EF4-FFF2-40B4-BE49-F238E27FC236}">
+                <a16:creationId xmlns:a16="http://schemas.microsoft.com/office/drawing/2014/main" id="{0E2ACA5B-6DE1-43C6-9BF1-2E076DE8E0EA}"/>
+              </a:ext>
+            </a:extLst>
+          </p:cNvPr>
+          <p:cNvGrpSpPr/>
+          <p:nvPr/>
+        </p:nvGrpSpPr>
+        <p:grpSpPr>
+          <a:xfrm>
+            <a:off x="1431993" y="5056118"/>
+            <a:ext cx="878757" cy="1318492"/>
+            <a:chOff x="166889" y="2680448"/>
+            <a:chExt cx="1064478" cy="1597149"/>
+          </a:xfrm>
+        </p:grpSpPr>
+        <p:grpSp>
+          <p:nvGrpSpPr>
+            <p:cNvPr id="56" name="Group 55">
+              <a:extLst>
+                <a:ext uri="{FF2B5EF4-FFF2-40B4-BE49-F238E27FC236}">
+                  <a16:creationId xmlns:a16="http://schemas.microsoft.com/office/drawing/2014/main" id="{AE926A4F-FDD2-4661-8941-463D3F0A720C}"/>
+                </a:ext>
+              </a:extLst>
+            </p:cNvPr>
+            <p:cNvGrpSpPr/>
+            <p:nvPr/>
+          </p:nvGrpSpPr>
+          <p:grpSpPr>
+            <a:xfrm>
+              <a:off x="401999" y="2680448"/>
+              <a:ext cx="594257" cy="1320150"/>
+              <a:chOff x="1763484" y="989045"/>
+              <a:chExt cx="1474239" cy="3275045"/>
+            </a:xfrm>
+          </p:grpSpPr>
+          <p:sp>
+            <p:nvSpPr>
+              <p:cNvPr id="58" name="Oval 57">
+                <a:extLst>
+                  <a:ext uri="{FF2B5EF4-FFF2-40B4-BE49-F238E27FC236}">
+                    <a16:creationId xmlns:a16="http://schemas.microsoft.com/office/drawing/2014/main" id="{E6F01563-C018-45B8-99B6-AA3C768CCFCD}"/>
+                  </a:ext>
+                </a:extLst>
+              </p:cNvPr>
+              <p:cNvSpPr/>
+              <p:nvPr/>
+            </p:nvSpPr>
+            <p:spPr>
+              <a:xfrm>
+                <a:off x="2034074" y="989045"/>
+                <a:ext cx="933061" cy="933061"/>
+              </a:xfrm>
+              <a:prstGeom prst="ellipse">
+                <a:avLst/>
+              </a:prstGeom>
+              <a:noFill/>
+              <a:ln w="19050"/>
+            </p:spPr>
+            <p:style>
+              <a:lnRef idx="2">
+                <a:schemeClr val="accent1">
+                  <a:shade val="50000"/>
+                </a:schemeClr>
+              </a:lnRef>
+              <a:fillRef idx="1">
+                <a:schemeClr val="accent1"/>
+              </a:fillRef>
+              <a:effectRef idx="0">
+                <a:schemeClr val="accent1"/>
+              </a:effectRef>
+              <a:fontRef idx="minor">
+                <a:schemeClr val="lt1"/>
+              </a:fontRef>
+            </p:style>
+            <p:txBody>
+              <a:bodyPr rtlCol="0" anchor="ctr"/>
+              <a:lstStyle/>
+              <a:p>
+                <a:pPr algn="ctr"/>
+                <a:endParaRPr lang="en-US">
+                  <a:solidFill>
+                    <a:schemeClr val="tx1"/>
+                  </a:solidFill>
+                </a:endParaRPr>
+              </a:p>
+            </p:txBody>
+          </p:sp>
+          <p:cxnSp>
+            <p:nvCxnSpPr>
+              <p:cNvPr id="59" name="Straight Connector 58">
+                <a:extLst>
+                  <a:ext uri="{FF2B5EF4-FFF2-40B4-BE49-F238E27FC236}">
+                    <a16:creationId xmlns:a16="http://schemas.microsoft.com/office/drawing/2014/main" id="{798EE561-216D-4425-93E2-3DCD452C5BC0}"/>
+                  </a:ext>
+                </a:extLst>
+              </p:cNvPr>
+              <p:cNvCxnSpPr>
+                <a:cxnSpLocks/>
+                <a:stCxn id="58" idx="4"/>
+              </p:cNvCxnSpPr>
+              <p:nvPr/>
+            </p:nvCxnSpPr>
+            <p:spPr>
+              <a:xfrm>
+                <a:off x="2500605" y="1922106"/>
+                <a:ext cx="0" cy="1306286"/>
+              </a:xfrm>
+              <a:prstGeom prst="line">
+                <a:avLst/>
+              </a:prstGeom>
+              <a:ln w="19050"/>
+            </p:spPr>
+            <p:style>
+              <a:lnRef idx="1">
+                <a:schemeClr val="accent1"/>
+              </a:lnRef>
+              <a:fillRef idx="0">
+                <a:schemeClr val="accent1"/>
+              </a:fillRef>
+              <a:effectRef idx="0">
+                <a:schemeClr val="accent1"/>
+              </a:effectRef>
+              <a:fontRef idx="minor">
+                <a:schemeClr val="tx1"/>
+              </a:fontRef>
+            </p:style>
+          </p:cxnSp>
+          <p:cxnSp>
+            <p:nvCxnSpPr>
+              <p:cNvPr id="60" name="Straight Connector 59">
+                <a:extLst>
+                  <a:ext uri="{FF2B5EF4-FFF2-40B4-BE49-F238E27FC236}">
+                    <a16:creationId xmlns:a16="http://schemas.microsoft.com/office/drawing/2014/main" id="{C11F8827-B53B-4EB4-B0B4-CA953B67511F}"/>
+                  </a:ext>
+                </a:extLst>
+              </p:cNvPr>
+              <p:cNvCxnSpPr>
+                <a:cxnSpLocks/>
+              </p:cNvCxnSpPr>
+              <p:nvPr/>
+            </p:nvCxnSpPr>
+            <p:spPr>
+              <a:xfrm flipH="1">
+                <a:off x="1763485" y="3228392"/>
+                <a:ext cx="737118" cy="1035698"/>
+              </a:xfrm>
+              <a:prstGeom prst="line">
+                <a:avLst/>
+              </a:prstGeom>
+              <a:ln w="19050"/>
+            </p:spPr>
+            <p:style>
+              <a:lnRef idx="1">
+                <a:schemeClr val="accent1"/>
+              </a:lnRef>
+              <a:fillRef idx="0">
+                <a:schemeClr val="accent1"/>
+              </a:fillRef>
+              <a:effectRef idx="0">
+                <a:schemeClr val="accent1"/>
+              </a:effectRef>
+              <a:fontRef idx="minor">
+                <a:schemeClr val="tx1"/>
+              </a:fontRef>
+            </p:style>
+          </p:cxnSp>
+          <p:cxnSp>
+            <p:nvCxnSpPr>
+              <p:cNvPr id="61" name="Straight Connector 60">
+                <a:extLst>
+                  <a:ext uri="{FF2B5EF4-FFF2-40B4-BE49-F238E27FC236}">
+                    <a16:creationId xmlns:a16="http://schemas.microsoft.com/office/drawing/2014/main" id="{3D72DBC9-EF5D-40A3-9087-D8B39513CAA8}"/>
+                  </a:ext>
+                </a:extLst>
+              </p:cNvPr>
+              <p:cNvCxnSpPr>
+                <a:cxnSpLocks/>
+              </p:cNvCxnSpPr>
+              <p:nvPr/>
+            </p:nvCxnSpPr>
+            <p:spPr>
+              <a:xfrm>
+                <a:off x="2500603" y="3228392"/>
+                <a:ext cx="737120" cy="1035698"/>
+              </a:xfrm>
+              <a:prstGeom prst="line">
+                <a:avLst/>
+              </a:prstGeom>
+              <a:ln w="19050"/>
+            </p:spPr>
+            <p:style>
+              <a:lnRef idx="1">
+                <a:schemeClr val="accent1"/>
+              </a:lnRef>
+              <a:fillRef idx="0">
+                <a:schemeClr val="accent1"/>
+              </a:fillRef>
+              <a:effectRef idx="0">
+                <a:schemeClr val="accent1"/>
+              </a:effectRef>
+              <a:fontRef idx="minor">
+                <a:schemeClr val="tx1"/>
+              </a:fontRef>
+            </p:style>
+          </p:cxnSp>
+          <p:cxnSp>
+            <p:nvCxnSpPr>
+              <p:cNvPr id="62" name="Straight Connector 61">
+                <a:extLst>
+                  <a:ext uri="{FF2B5EF4-FFF2-40B4-BE49-F238E27FC236}">
+                    <a16:creationId xmlns:a16="http://schemas.microsoft.com/office/drawing/2014/main" id="{52A08A04-C550-4F3B-9D73-D4D42D345922}"/>
+                  </a:ext>
+                </a:extLst>
+              </p:cNvPr>
+              <p:cNvCxnSpPr>
+                <a:cxnSpLocks/>
+              </p:cNvCxnSpPr>
+              <p:nvPr/>
+            </p:nvCxnSpPr>
+            <p:spPr>
+              <a:xfrm>
+                <a:off x="1763484" y="2416623"/>
+                <a:ext cx="1474239" cy="0"/>
+              </a:xfrm>
+              <a:prstGeom prst="line">
+                <a:avLst/>
+              </a:prstGeom>
+              <a:ln w="19050"/>
+            </p:spPr>
+            <p:style>
+              <a:lnRef idx="1">
+                <a:schemeClr val="accent1"/>
+              </a:lnRef>
+              <a:fillRef idx="0">
+                <a:schemeClr val="accent1"/>
+              </a:fillRef>
+              <a:effectRef idx="0">
+                <a:schemeClr val="accent1"/>
+              </a:effectRef>
+              <a:fontRef idx="minor">
+                <a:schemeClr val="tx1"/>
+              </a:fontRef>
+            </p:style>
+          </p:cxnSp>
+        </p:grpSp>
+        <p:sp>
+          <p:nvSpPr>
+            <p:cNvPr id="57" name="TextBox 56">
+              <a:extLst>
+                <a:ext uri="{FF2B5EF4-FFF2-40B4-BE49-F238E27FC236}">
+                  <a16:creationId xmlns:a16="http://schemas.microsoft.com/office/drawing/2014/main" id="{CC6F5D37-4565-4870-B29E-0A3CE7E6163D}"/>
+                </a:ext>
+              </a:extLst>
+            </p:cNvPr>
+            <p:cNvSpPr txBox="1"/>
+            <p:nvPr/>
+          </p:nvSpPr>
+          <p:spPr>
+            <a:xfrm>
+              <a:off x="166889" y="4000598"/>
+              <a:ext cx="1064478" cy="276999"/>
+            </a:xfrm>
+            <a:prstGeom prst="rect">
+              <a:avLst/>
+            </a:prstGeom>
+            <a:noFill/>
+          </p:spPr>
+          <p:txBody>
+            <a:bodyPr wrap="square" rtlCol="0">
+              <a:spAutoFit/>
+            </a:bodyPr>
+            <a:lstStyle/>
+            <a:p>
+              <a:pPr algn="ctr"/>
+              <a:r>
+                <a:rPr lang="he-IL" sz="1200" dirty="0"/>
+                <a:t>שירות לקוחות</a:t>
+              </a:r>
+              <a:endParaRPr lang="en-US" dirty="0"/>
+            </a:p>
+          </p:txBody>
+        </p:sp>
+      </p:grpSp>
+      <p:sp>
+        <p:nvSpPr>
+          <p:cNvPr id="63" name="Rectangle 62">
+            <a:extLst>
+              <a:ext uri="{FF2B5EF4-FFF2-40B4-BE49-F238E27FC236}">
+                <a16:creationId xmlns:a16="http://schemas.microsoft.com/office/drawing/2014/main" id="{3FE93B7F-D221-4865-BDC4-37C779C2F5E6}"/>
+              </a:ext>
+            </a:extLst>
+          </p:cNvPr>
+          <p:cNvSpPr/>
+          <p:nvPr/>
+        </p:nvSpPr>
+        <p:spPr>
+          <a:xfrm>
+            <a:off x="165481" y="74344"/>
+            <a:ext cx="3262303" cy="369332"/>
+          </a:xfrm>
+          <a:prstGeom prst="rect">
+            <a:avLst/>
+          </a:prstGeom>
+        </p:spPr>
+        <p:txBody>
+          <a:bodyPr wrap="none">
+            <a:spAutoFit/>
+          </a:bodyPr>
+          <a:lstStyle/>
+          <a:p>
+            <a:r>
+              <a:rPr lang="en-US" dirty="0"/>
+              <a:t>Business Level Use Case Diagram</a:t>
+            </a:r>
+          </a:p>
+        </p:txBody>
+      </p:sp>
+      <p:sp>
+        <p:nvSpPr>
+          <p:cNvPr id="65" name="Oval 64">
+            <a:extLst>
+              <a:ext uri="{FF2B5EF4-FFF2-40B4-BE49-F238E27FC236}">
+                <a16:creationId xmlns:a16="http://schemas.microsoft.com/office/drawing/2014/main" id="{04E67804-07B9-4AD9-B183-A2401C17C76B}"/>
+              </a:ext>
+            </a:extLst>
+          </p:cNvPr>
+          <p:cNvSpPr/>
+          <p:nvPr/>
+        </p:nvSpPr>
+        <p:spPr>
+          <a:xfrm>
+            <a:off x="3506132" y="2093724"/>
+            <a:ext cx="1760527" cy="485809"/>
+          </a:xfrm>
+          <a:prstGeom prst="ellipse">
+            <a:avLst/>
+          </a:prstGeom>
+        </p:spPr>
+        <p:style>
+          <a:lnRef idx="2">
+            <a:schemeClr val="accent1">
+              <a:shade val="50000"/>
+            </a:schemeClr>
+          </a:lnRef>
+          <a:fillRef idx="1">
+            <a:schemeClr val="accent1"/>
+          </a:fillRef>
+          <a:effectRef idx="0">
+            <a:schemeClr val="accent1"/>
+          </a:effectRef>
+          <a:fontRef idx="minor">
+            <a:schemeClr val="lt1"/>
+          </a:fontRef>
+        </p:style>
+        <p:txBody>
+          <a:bodyPr rot="0" spcFirstLastPara="0" vertOverflow="overflow" horzOverflow="overflow" vert="horz" wrap="square" lIns="91440" tIns="45720" rIns="91440" bIns="45720" numCol="1" spcCol="0" rtlCol="0" fromWordArt="0" anchor="ctr" anchorCtr="0" forceAA="0" compatLnSpc="1">
+            <a:prstTxWarp prst="textNoShape">
+              <a:avLst/>
+            </a:prstTxWarp>
+            <a:noAutofit/>
+          </a:bodyPr>
+          <a:lstStyle/>
+          <a:p>
+            <a:pPr algn="ctr"/>
+            <a:r>
+              <a:rPr lang="he-IL" sz="1200" dirty="0"/>
+              <a:t>הזדהות במערכת</a:t>
+            </a:r>
+            <a:endParaRPr lang="en-US" sz="1200" dirty="0"/>
+          </a:p>
+        </p:txBody>
+      </p:sp>
+      <p:sp>
+        <p:nvSpPr>
+          <p:cNvPr id="66" name="Oval 65">
+            <a:extLst>
+              <a:ext uri="{FF2B5EF4-FFF2-40B4-BE49-F238E27FC236}">
+                <a16:creationId xmlns:a16="http://schemas.microsoft.com/office/drawing/2014/main" id="{BD5BB4E4-1C1F-4DBA-9617-2B2AB2D078A1}"/>
+              </a:ext>
+            </a:extLst>
+          </p:cNvPr>
+          <p:cNvSpPr/>
+          <p:nvPr/>
+        </p:nvSpPr>
+        <p:spPr>
+          <a:xfrm>
+            <a:off x="3506132" y="2648358"/>
+            <a:ext cx="1760527" cy="485809"/>
+          </a:xfrm>
+          <a:prstGeom prst="ellipse">
+            <a:avLst/>
+          </a:prstGeom>
+        </p:spPr>
+        <p:style>
+          <a:lnRef idx="2">
+            <a:schemeClr val="accent1">
+              <a:shade val="50000"/>
+            </a:schemeClr>
+          </a:lnRef>
+          <a:fillRef idx="1">
+            <a:schemeClr val="accent1"/>
+          </a:fillRef>
+          <a:effectRef idx="0">
+            <a:schemeClr val="accent1"/>
+          </a:effectRef>
+          <a:fontRef idx="minor">
+            <a:schemeClr val="lt1"/>
+          </a:fontRef>
+        </p:style>
+        <p:txBody>
+          <a:bodyPr rot="0" spcFirstLastPara="0" vertOverflow="overflow" horzOverflow="overflow" vert="horz" wrap="square" lIns="91440" tIns="45720" rIns="91440" bIns="45720" numCol="1" spcCol="0" rtlCol="0" fromWordArt="0" anchor="ctr" anchorCtr="0" forceAA="0" compatLnSpc="1">
+            <a:prstTxWarp prst="textNoShape">
+              <a:avLst/>
+            </a:prstTxWarp>
+            <a:noAutofit/>
+          </a:bodyPr>
+          <a:lstStyle/>
+          <a:p>
+            <a:pPr algn="ctr"/>
+            <a:r>
+              <a:rPr lang="he-IL" sz="1200" dirty="0"/>
+              <a:t>הזמנת שירותי חניה</a:t>
+            </a:r>
+            <a:endParaRPr lang="en-US" sz="1200" dirty="0"/>
+          </a:p>
+        </p:txBody>
+      </p:sp>
+      <p:sp>
+        <p:nvSpPr>
+          <p:cNvPr id="67" name="Oval 66">
+            <a:extLst>
+              <a:ext uri="{FF2B5EF4-FFF2-40B4-BE49-F238E27FC236}">
+                <a16:creationId xmlns:a16="http://schemas.microsoft.com/office/drawing/2014/main" id="{3D4DBC2E-F59D-49A0-8B4B-38264449B254}"/>
+              </a:ext>
+            </a:extLst>
+          </p:cNvPr>
+          <p:cNvSpPr/>
+          <p:nvPr/>
+        </p:nvSpPr>
+        <p:spPr>
+          <a:xfrm>
+            <a:off x="3506132" y="3214385"/>
+            <a:ext cx="1760527" cy="485809"/>
+          </a:xfrm>
+          <a:prstGeom prst="ellipse">
+            <a:avLst/>
+          </a:prstGeom>
+        </p:spPr>
+        <p:style>
+          <a:lnRef idx="2">
+            <a:schemeClr val="accent1">
+              <a:shade val="50000"/>
+            </a:schemeClr>
+          </a:lnRef>
+          <a:fillRef idx="1">
+            <a:schemeClr val="accent1"/>
+          </a:fillRef>
+          <a:effectRef idx="0">
+            <a:schemeClr val="accent1"/>
+          </a:effectRef>
+          <a:fontRef idx="minor">
+            <a:schemeClr val="lt1"/>
+          </a:fontRef>
+        </p:style>
+        <p:txBody>
+          <a:bodyPr rot="0" spcFirstLastPara="0" vertOverflow="overflow" horzOverflow="overflow" vert="horz" wrap="square" lIns="91440" tIns="45720" rIns="91440" bIns="45720" numCol="1" spcCol="0" rtlCol="0" fromWordArt="0" anchor="ctr" anchorCtr="0" forceAA="0" compatLnSpc="1">
+            <a:prstTxWarp prst="textNoShape">
+              <a:avLst/>
+            </a:prstTxWarp>
+            <a:noAutofit/>
+          </a:bodyPr>
+          <a:lstStyle/>
+          <a:p>
+            <a:pPr algn="ctr"/>
+            <a:r>
+              <a:rPr lang="he-IL" sz="1200" dirty="0"/>
+              <a:t>מעקב על מצב בקשה</a:t>
+            </a:r>
+            <a:endParaRPr lang="en-US" sz="1200" dirty="0"/>
+          </a:p>
+        </p:txBody>
+      </p:sp>
+      <p:sp>
+        <p:nvSpPr>
+          <p:cNvPr id="68" name="Oval 67">
+            <a:extLst>
+              <a:ext uri="{FF2B5EF4-FFF2-40B4-BE49-F238E27FC236}">
+                <a16:creationId xmlns:a16="http://schemas.microsoft.com/office/drawing/2014/main" id="{31563DCA-5C99-446A-B7D9-5567651EAD2E}"/>
+              </a:ext>
+            </a:extLst>
+          </p:cNvPr>
+          <p:cNvSpPr/>
+          <p:nvPr/>
+        </p:nvSpPr>
+        <p:spPr>
+          <a:xfrm>
+            <a:off x="3506131" y="3787235"/>
+            <a:ext cx="1760527" cy="485809"/>
+          </a:xfrm>
+          <a:prstGeom prst="ellipse">
+            <a:avLst/>
+          </a:prstGeom>
+        </p:spPr>
+        <p:style>
+          <a:lnRef idx="2">
+            <a:schemeClr val="accent1">
+              <a:shade val="50000"/>
+            </a:schemeClr>
+          </a:lnRef>
+          <a:fillRef idx="1">
+            <a:schemeClr val="accent1"/>
+          </a:fillRef>
+          <a:effectRef idx="0">
+            <a:schemeClr val="accent1"/>
+          </a:effectRef>
+          <a:fontRef idx="minor">
+            <a:schemeClr val="lt1"/>
+          </a:fontRef>
+        </p:style>
+        <p:txBody>
+          <a:bodyPr rot="0" spcFirstLastPara="0" vertOverflow="overflow" horzOverflow="overflow" vert="horz" wrap="square" lIns="91440" tIns="45720" rIns="91440" bIns="45720" numCol="1" spcCol="0" rtlCol="0" fromWordArt="0" anchor="ctr" anchorCtr="0" forceAA="0" compatLnSpc="1">
+            <a:prstTxWarp prst="textNoShape">
+              <a:avLst/>
+            </a:prstTxWarp>
+            <a:noAutofit/>
+          </a:bodyPr>
+          <a:lstStyle/>
+          <a:p>
+            <a:pPr algn="ctr"/>
+            <a:r>
+              <a:rPr lang="he-IL" sz="1200" dirty="0"/>
+              <a:t>הגשת תלונה</a:t>
+            </a:r>
+            <a:endParaRPr lang="en-US" sz="1200" dirty="0"/>
+          </a:p>
+        </p:txBody>
+      </p:sp>
+      <p:sp>
+        <p:nvSpPr>
+          <p:cNvPr id="69" name="Oval 68">
+            <a:extLst>
+              <a:ext uri="{FF2B5EF4-FFF2-40B4-BE49-F238E27FC236}">
+                <a16:creationId xmlns:a16="http://schemas.microsoft.com/office/drawing/2014/main" id="{D94EFC10-D0C9-4F84-AC45-DE1C0C713A9F}"/>
+              </a:ext>
+            </a:extLst>
+          </p:cNvPr>
+          <p:cNvSpPr/>
+          <p:nvPr/>
+        </p:nvSpPr>
+        <p:spPr>
+          <a:xfrm>
+            <a:off x="3506132" y="1516575"/>
+            <a:ext cx="1760527" cy="485809"/>
+          </a:xfrm>
+          <a:prstGeom prst="ellipse">
+            <a:avLst/>
+          </a:prstGeom>
+        </p:spPr>
+        <p:style>
+          <a:lnRef idx="2">
+            <a:schemeClr val="accent1">
+              <a:shade val="50000"/>
+            </a:schemeClr>
+          </a:lnRef>
+          <a:fillRef idx="1">
+            <a:schemeClr val="accent1"/>
+          </a:fillRef>
+          <a:effectRef idx="0">
+            <a:schemeClr val="accent1"/>
+          </a:effectRef>
+          <a:fontRef idx="minor">
+            <a:schemeClr val="lt1"/>
+          </a:fontRef>
+        </p:style>
+        <p:txBody>
+          <a:bodyPr rot="0" spcFirstLastPara="0" vertOverflow="overflow" horzOverflow="overflow" vert="horz" wrap="square" lIns="91440" tIns="45720" rIns="91440" bIns="45720" numCol="1" spcCol="0" rtlCol="0" fromWordArt="0" anchor="ctr" anchorCtr="0" forceAA="0" compatLnSpc="1">
+            <a:prstTxWarp prst="textNoShape">
+              <a:avLst/>
+            </a:prstTxWarp>
+            <a:noAutofit/>
+          </a:bodyPr>
+          <a:lstStyle/>
+          <a:p>
+            <a:pPr algn="ctr"/>
+            <a:r>
+              <a:rPr lang="he-IL" sz="1200" dirty="0"/>
+              <a:t>הרשמה ראשונית</a:t>
+            </a:r>
+            <a:endParaRPr lang="en-US" sz="1200" dirty="0"/>
+          </a:p>
+        </p:txBody>
+      </p:sp>
+      <p:sp>
+        <p:nvSpPr>
+          <p:cNvPr id="70" name="Oval 69">
+            <a:extLst>
+              <a:ext uri="{FF2B5EF4-FFF2-40B4-BE49-F238E27FC236}">
+                <a16:creationId xmlns:a16="http://schemas.microsoft.com/office/drawing/2014/main" id="{719E63A9-14C4-4C40-95F5-F897AC88BCE1}"/>
+              </a:ext>
+            </a:extLst>
+          </p:cNvPr>
+          <p:cNvSpPr/>
+          <p:nvPr/>
+        </p:nvSpPr>
+        <p:spPr>
+          <a:xfrm>
+            <a:off x="8404269" y="3881021"/>
+            <a:ext cx="1760527" cy="485809"/>
+          </a:xfrm>
+          <a:prstGeom prst="ellipse">
+            <a:avLst/>
+          </a:prstGeom>
+        </p:spPr>
+        <p:style>
+          <a:lnRef idx="2">
+            <a:schemeClr val="accent1">
+              <a:shade val="50000"/>
+            </a:schemeClr>
+          </a:lnRef>
+          <a:fillRef idx="1">
+            <a:schemeClr val="accent1"/>
+          </a:fillRef>
+          <a:effectRef idx="0">
+            <a:schemeClr val="accent1"/>
+          </a:effectRef>
+          <a:fontRef idx="minor">
+            <a:schemeClr val="lt1"/>
+          </a:fontRef>
+        </p:style>
+        <p:txBody>
+          <a:bodyPr rot="0" spcFirstLastPara="0" vertOverflow="overflow" horzOverflow="overflow" vert="horz" wrap="square" lIns="91440" tIns="45720" rIns="91440" bIns="45720" numCol="1" spcCol="0" rtlCol="0" fromWordArt="0" anchor="ctr" anchorCtr="0" forceAA="0" compatLnSpc="1">
+            <a:prstTxWarp prst="textNoShape">
+              <a:avLst/>
+            </a:prstTxWarp>
+            <a:noAutofit/>
+          </a:bodyPr>
+          <a:lstStyle/>
+          <a:p>
+            <a:pPr algn="ctr"/>
+            <a:r>
+              <a:rPr lang="he-IL" sz="1200" dirty="0"/>
+              <a:t>קבלת נתוני מיקום</a:t>
+            </a:r>
+            <a:endParaRPr lang="en-US" sz="1200" dirty="0"/>
+          </a:p>
+        </p:txBody>
+      </p:sp>
+      <p:sp>
+        <p:nvSpPr>
+          <p:cNvPr id="71" name="Oval 70">
+            <a:extLst>
+              <a:ext uri="{FF2B5EF4-FFF2-40B4-BE49-F238E27FC236}">
+                <a16:creationId xmlns:a16="http://schemas.microsoft.com/office/drawing/2014/main" id="{8DEF2398-5DAC-485D-B227-AFEF41504217}"/>
+              </a:ext>
+            </a:extLst>
+          </p:cNvPr>
+          <p:cNvSpPr/>
+          <p:nvPr/>
+        </p:nvSpPr>
+        <p:spPr>
+          <a:xfrm>
+            <a:off x="8418350" y="3320715"/>
+            <a:ext cx="1760527" cy="485809"/>
+          </a:xfrm>
+          <a:prstGeom prst="ellipse">
+            <a:avLst/>
+          </a:prstGeom>
+        </p:spPr>
+        <p:style>
+          <a:lnRef idx="2">
+            <a:schemeClr val="accent1">
+              <a:shade val="50000"/>
+            </a:schemeClr>
+          </a:lnRef>
+          <a:fillRef idx="1">
+            <a:schemeClr val="accent1"/>
+          </a:fillRef>
+          <a:effectRef idx="0">
+            <a:schemeClr val="accent1"/>
+          </a:effectRef>
+          <a:fontRef idx="minor">
+            <a:schemeClr val="lt1"/>
+          </a:fontRef>
+        </p:style>
+        <p:txBody>
+          <a:bodyPr rot="0" spcFirstLastPara="0" vertOverflow="overflow" horzOverflow="overflow" vert="horz" wrap="square" lIns="91440" tIns="45720" rIns="91440" bIns="45720" numCol="1" spcCol="0" rtlCol="0" fromWordArt="0" anchor="ctr" anchorCtr="0" forceAA="0" compatLnSpc="1">
+            <a:prstTxWarp prst="textNoShape">
+              <a:avLst/>
+            </a:prstTxWarp>
+            <a:noAutofit/>
+          </a:bodyPr>
+          <a:lstStyle/>
+          <a:p>
+            <a:pPr algn="ctr"/>
+            <a:r>
+              <a:rPr lang="he-IL" sz="1200" dirty="0"/>
+              <a:t>שינוע רכבים</a:t>
+            </a:r>
+            <a:endParaRPr lang="en-US" sz="1200" dirty="0"/>
+          </a:p>
+        </p:txBody>
+      </p:sp>
+      <p:sp>
+        <p:nvSpPr>
+          <p:cNvPr id="72" name="Oval 71">
+            <a:extLst>
+              <a:ext uri="{FF2B5EF4-FFF2-40B4-BE49-F238E27FC236}">
+                <a16:creationId xmlns:a16="http://schemas.microsoft.com/office/drawing/2014/main" id="{A25A6F8B-B0CE-45B2-B215-1F3F87496A9D}"/>
+              </a:ext>
+            </a:extLst>
+          </p:cNvPr>
+          <p:cNvSpPr/>
+          <p:nvPr/>
+        </p:nvSpPr>
+        <p:spPr>
+          <a:xfrm>
+            <a:off x="3506132" y="4352596"/>
+            <a:ext cx="1760527" cy="485809"/>
+          </a:xfrm>
+          <a:prstGeom prst="ellipse">
+            <a:avLst/>
+          </a:prstGeom>
+        </p:spPr>
+        <p:style>
+          <a:lnRef idx="2">
+            <a:schemeClr val="accent1">
+              <a:shade val="50000"/>
+            </a:schemeClr>
+          </a:lnRef>
+          <a:fillRef idx="1">
+            <a:schemeClr val="accent1"/>
+          </a:fillRef>
+          <a:effectRef idx="0">
+            <a:schemeClr val="accent1"/>
+          </a:effectRef>
+          <a:fontRef idx="minor">
+            <a:schemeClr val="lt1"/>
+          </a:fontRef>
+        </p:style>
+        <p:txBody>
+          <a:bodyPr rot="0" spcFirstLastPara="0" vertOverflow="overflow" horzOverflow="overflow" vert="horz" wrap="square" lIns="91440" tIns="45720" rIns="91440" bIns="45720" numCol="1" spcCol="0" rtlCol="0" fromWordArt="0" anchor="ctr" anchorCtr="0" forceAA="0" compatLnSpc="1">
+            <a:prstTxWarp prst="textNoShape">
+              <a:avLst/>
+            </a:prstTxWarp>
+            <a:noAutofit/>
+          </a:bodyPr>
+          <a:lstStyle/>
+          <a:p>
+            <a:pPr algn="ctr"/>
+            <a:r>
+              <a:rPr lang="he-IL" sz="1200" dirty="0"/>
+              <a:t>תשלום</a:t>
+            </a:r>
+            <a:endParaRPr lang="en-US" sz="1200" dirty="0"/>
+          </a:p>
+        </p:txBody>
+      </p:sp>
+      <p:sp>
+        <p:nvSpPr>
+          <p:cNvPr id="73" name="Oval 72">
+            <a:extLst>
+              <a:ext uri="{FF2B5EF4-FFF2-40B4-BE49-F238E27FC236}">
+                <a16:creationId xmlns:a16="http://schemas.microsoft.com/office/drawing/2014/main" id="{2A69E09E-2B6D-4BD9-933C-91F67986B3B8}"/>
+              </a:ext>
+            </a:extLst>
+          </p:cNvPr>
+          <p:cNvSpPr/>
+          <p:nvPr/>
+        </p:nvSpPr>
+        <p:spPr>
+          <a:xfrm>
+            <a:off x="3506131" y="4912902"/>
+            <a:ext cx="1760527" cy="485809"/>
+          </a:xfrm>
+          <a:prstGeom prst="ellipse">
+            <a:avLst/>
+          </a:prstGeom>
+        </p:spPr>
+        <p:style>
+          <a:lnRef idx="2">
+            <a:schemeClr val="accent1">
+              <a:shade val="50000"/>
+            </a:schemeClr>
+          </a:lnRef>
+          <a:fillRef idx="1">
+            <a:schemeClr val="accent1"/>
+          </a:fillRef>
+          <a:effectRef idx="0">
+            <a:schemeClr val="accent1"/>
+          </a:effectRef>
+          <a:fontRef idx="minor">
+            <a:schemeClr val="lt1"/>
+          </a:fontRef>
+        </p:style>
+        <p:txBody>
+          <a:bodyPr rot="0" spcFirstLastPara="0" vertOverflow="overflow" horzOverflow="overflow" vert="horz" wrap="square" lIns="91440" tIns="45720" rIns="91440" bIns="45720" numCol="1" spcCol="0" rtlCol="0" fromWordArt="0" anchor="ctr" anchorCtr="0" forceAA="0" compatLnSpc="1">
+            <a:prstTxWarp prst="textNoShape">
+              <a:avLst/>
+            </a:prstTxWarp>
+            <a:noAutofit/>
+          </a:bodyPr>
+          <a:lstStyle/>
+          <a:p>
+            <a:pPr algn="ctr"/>
+            <a:r>
+              <a:rPr lang="he-IL" sz="1200" dirty="0"/>
+              <a:t>ביטול הזמנה</a:t>
+            </a:r>
+            <a:endParaRPr lang="en-US" sz="1200" dirty="0"/>
+          </a:p>
+        </p:txBody>
+      </p:sp>
+      <p:sp>
+        <p:nvSpPr>
+          <p:cNvPr id="74" name="Oval 73">
+            <a:extLst>
+              <a:ext uri="{FF2B5EF4-FFF2-40B4-BE49-F238E27FC236}">
+                <a16:creationId xmlns:a16="http://schemas.microsoft.com/office/drawing/2014/main" id="{B216B5FE-CDB6-46DE-9BC7-69B69B6704E0}"/>
+              </a:ext>
+            </a:extLst>
+          </p:cNvPr>
+          <p:cNvSpPr/>
+          <p:nvPr/>
+        </p:nvSpPr>
+        <p:spPr>
+          <a:xfrm>
+            <a:off x="8413454" y="5017210"/>
+            <a:ext cx="1760527" cy="485809"/>
+          </a:xfrm>
+          <a:prstGeom prst="ellipse">
+            <a:avLst/>
+          </a:prstGeom>
+        </p:spPr>
+        <p:style>
+          <a:lnRef idx="2">
+            <a:schemeClr val="accent1">
+              <a:shade val="50000"/>
+            </a:schemeClr>
+          </a:lnRef>
+          <a:fillRef idx="1">
+            <a:schemeClr val="accent1"/>
+          </a:fillRef>
+          <a:effectRef idx="0">
+            <a:schemeClr val="accent1"/>
+          </a:effectRef>
+          <a:fontRef idx="minor">
+            <a:schemeClr val="lt1"/>
+          </a:fontRef>
+        </p:style>
+        <p:txBody>
+          <a:bodyPr rot="0" spcFirstLastPara="0" vertOverflow="overflow" horzOverflow="overflow" vert="horz" wrap="square" lIns="91440" tIns="45720" rIns="91440" bIns="45720" numCol="1" spcCol="0" rtlCol="0" fromWordArt="0" anchor="ctr" anchorCtr="0" forceAA="0" compatLnSpc="1">
+            <a:prstTxWarp prst="textNoShape">
+              <a:avLst/>
+            </a:prstTxWarp>
+            <a:noAutofit/>
+          </a:bodyPr>
+          <a:lstStyle/>
+          <a:p>
+            <a:pPr algn="ctr"/>
+            <a:r>
+              <a:rPr lang="he-IL" sz="1200" dirty="0"/>
+              <a:t>קבלת תמונת מצב עדכנית</a:t>
+            </a:r>
+            <a:endParaRPr lang="en-US" sz="1200" dirty="0"/>
+          </a:p>
+        </p:txBody>
+      </p:sp>
+      <p:sp>
+        <p:nvSpPr>
+          <p:cNvPr id="75" name="Oval 74">
+            <a:extLst>
+              <a:ext uri="{FF2B5EF4-FFF2-40B4-BE49-F238E27FC236}">
+                <a16:creationId xmlns:a16="http://schemas.microsoft.com/office/drawing/2014/main" id="{AFC7AF8E-7192-4D47-80FD-9DFCDB5E4025}"/>
+              </a:ext>
+            </a:extLst>
+          </p:cNvPr>
+          <p:cNvSpPr/>
+          <p:nvPr/>
+        </p:nvSpPr>
+        <p:spPr>
+          <a:xfrm>
+            <a:off x="8413455" y="5608903"/>
+            <a:ext cx="1760527" cy="485809"/>
+          </a:xfrm>
+          <a:prstGeom prst="ellipse">
+            <a:avLst/>
+          </a:prstGeom>
+        </p:spPr>
+        <p:style>
+          <a:lnRef idx="2">
+            <a:schemeClr val="accent1">
+              <a:shade val="50000"/>
+            </a:schemeClr>
+          </a:lnRef>
+          <a:fillRef idx="1">
+            <a:schemeClr val="accent1"/>
+          </a:fillRef>
+          <a:effectRef idx="0">
+            <a:schemeClr val="accent1"/>
+          </a:effectRef>
+          <a:fontRef idx="minor">
+            <a:schemeClr val="lt1"/>
+          </a:fontRef>
+        </p:style>
+        <p:txBody>
+          <a:bodyPr rot="0" spcFirstLastPara="0" vertOverflow="overflow" horzOverflow="overflow" vert="horz" wrap="square" lIns="91440" tIns="45720" rIns="91440" bIns="45720" numCol="1" spcCol="0" rtlCol="0" fromWordArt="0" anchor="ctr" anchorCtr="0" forceAA="0" compatLnSpc="1">
+            <a:prstTxWarp prst="textNoShape">
+              <a:avLst/>
+            </a:prstTxWarp>
+            <a:noAutofit/>
+          </a:bodyPr>
+          <a:lstStyle/>
+          <a:p>
+            <a:pPr algn="ctr"/>
+            <a:r>
+              <a:rPr lang="he-IL" sz="1200" dirty="0"/>
+              <a:t>קביעת תעריפים</a:t>
+            </a:r>
+            <a:endParaRPr lang="en-US" sz="1200" dirty="0"/>
+          </a:p>
+        </p:txBody>
+      </p:sp>
+    </p:spTree>
+    <p:extLst>
+      <p:ext uri="{BB962C8B-B14F-4D97-AF65-F5344CB8AC3E}">
+        <p14:creationId xmlns:p14="http://schemas.microsoft.com/office/powerpoint/2010/main" val="2653239845"/>
       </p:ext>
     </p:extLst>
   </p:cSld>
@@ -6507,24 +9068,4 @@
     </a:ext>
   </a:extLst>
 </a:theme>
-</file>
-
-<file path=ppt/webextensions/taskpanes.xml><?xml version="1.0" encoding="utf-8"?>
-<wetp:taskpanes xmlns:wetp="http://schemas.microsoft.com/office/webextensions/taskpanes/2010/11">
-  <wetp:taskpane dockstate="right" visibility="0" width="350" row="0">
-    <wetp:webextensionref xmlns:r="http://schemas.openxmlformats.org/officeDocument/2006/relationships" r:id="rId1"/>
-  </wetp:taskpane>
-</wetp:taskpanes>
-</file>
-
-<file path=ppt/webextensions/webextension1.xml><?xml version="1.0" encoding="utf-8"?>
-<we:webextension xmlns:we="http://schemas.microsoft.com/office/webextensions/webextension/2010/11" id="{8280F953-C1D2-FA4A-AB7C-2034B22A3B7C}">
-  <we:reference id="wa104381063" version="1.0.0.0" store="en-US" storeType="OMEX"/>
-  <we:alternateReferences>
-    <we:reference id="wa104381063" version="1.0.0.0" store="WA104381063" storeType="OMEX"/>
-  </we:alternateReferences>
-  <we:properties/>
-  <we:bindings/>
-  <we:snapshot xmlns:r="http://schemas.openxmlformats.org/officeDocument/2006/relationships"/>
-</we:webextension>
 </file>
--- a/use cases/use_case_diagram_system.pptx
+++ b/use cases/use_case_diagram_system.pptx
@@ -7,7 +7,7 @@
   <p:sldIdLst>
     <p:sldId id="257" r:id="rId2"/>
     <p:sldId id="256" r:id="rId3"/>
-    <p:sldId id="258" r:id="rId4"/>
+    <p:sldId id="259" r:id="rId4"/>
   </p:sldIdLst>
   <p:sldSz cx="12192000" cy="6858000"/>
   <p:notesSz cx="6858000" cy="9144000"/>
@@ -265,7 +265,7 @@
           <a:p>
             <a:fld id="{808C3DBF-4E85-4432-AFC9-4C85C7D0F8E2}" type="datetimeFigureOut">
               <a:rPr lang="en-US" smtClean="0"/>
-              <a:t>4/11/2018</a:t>
+              <a:t>4/12/2018</a:t>
             </a:fld>
             <a:endParaRPr lang="en-US"/>
           </a:p>
@@ -463,7 +463,7 @@
           <a:p>
             <a:fld id="{808C3DBF-4E85-4432-AFC9-4C85C7D0F8E2}" type="datetimeFigureOut">
               <a:rPr lang="en-US" smtClean="0"/>
-              <a:t>4/11/2018</a:t>
+              <a:t>4/12/2018</a:t>
             </a:fld>
             <a:endParaRPr lang="en-US"/>
           </a:p>
@@ -671,7 +671,7 @@
           <a:p>
             <a:fld id="{808C3DBF-4E85-4432-AFC9-4C85C7D0F8E2}" type="datetimeFigureOut">
               <a:rPr lang="en-US" smtClean="0"/>
-              <a:t>4/11/2018</a:t>
+              <a:t>4/12/2018</a:t>
             </a:fld>
             <a:endParaRPr lang="en-US"/>
           </a:p>
@@ -869,7 +869,7 @@
           <a:p>
             <a:fld id="{808C3DBF-4E85-4432-AFC9-4C85C7D0F8E2}" type="datetimeFigureOut">
               <a:rPr lang="en-US" smtClean="0"/>
-              <a:t>4/11/2018</a:t>
+              <a:t>4/12/2018</a:t>
             </a:fld>
             <a:endParaRPr lang="en-US"/>
           </a:p>
@@ -1144,7 +1144,7 @@
           <a:p>
             <a:fld id="{808C3DBF-4E85-4432-AFC9-4C85C7D0F8E2}" type="datetimeFigureOut">
               <a:rPr lang="en-US" smtClean="0"/>
-              <a:t>4/11/2018</a:t>
+              <a:t>4/12/2018</a:t>
             </a:fld>
             <a:endParaRPr lang="en-US"/>
           </a:p>
@@ -1409,7 +1409,7 @@
           <a:p>
             <a:fld id="{808C3DBF-4E85-4432-AFC9-4C85C7D0F8E2}" type="datetimeFigureOut">
               <a:rPr lang="en-US" smtClean="0"/>
-              <a:t>4/11/2018</a:t>
+              <a:t>4/12/2018</a:t>
             </a:fld>
             <a:endParaRPr lang="en-US"/>
           </a:p>
@@ -1821,7 +1821,7 @@
           <a:p>
             <a:fld id="{808C3DBF-4E85-4432-AFC9-4C85C7D0F8E2}" type="datetimeFigureOut">
               <a:rPr lang="en-US" smtClean="0"/>
-              <a:t>4/11/2018</a:t>
+              <a:t>4/12/2018</a:t>
             </a:fld>
             <a:endParaRPr lang="en-US"/>
           </a:p>
@@ -1962,7 +1962,7 @@
           <a:p>
             <a:fld id="{808C3DBF-4E85-4432-AFC9-4C85C7D0F8E2}" type="datetimeFigureOut">
               <a:rPr lang="en-US" smtClean="0"/>
-              <a:t>4/11/2018</a:t>
+              <a:t>4/12/2018</a:t>
             </a:fld>
             <a:endParaRPr lang="en-US"/>
           </a:p>
@@ -2075,7 +2075,7 @@
           <a:p>
             <a:fld id="{808C3DBF-4E85-4432-AFC9-4C85C7D0F8E2}" type="datetimeFigureOut">
               <a:rPr lang="en-US" smtClean="0"/>
-              <a:t>4/11/2018</a:t>
+              <a:t>4/12/2018</a:t>
             </a:fld>
             <a:endParaRPr lang="en-US"/>
           </a:p>
@@ -2386,7 +2386,7 @@
           <a:p>
             <a:fld id="{808C3DBF-4E85-4432-AFC9-4C85C7D0F8E2}" type="datetimeFigureOut">
               <a:rPr lang="en-US" smtClean="0"/>
-              <a:t>4/11/2018</a:t>
+              <a:t>4/12/2018</a:t>
             </a:fld>
             <a:endParaRPr lang="en-US"/>
           </a:p>
@@ -2674,7 +2674,7 @@
           <a:p>
             <a:fld id="{808C3DBF-4E85-4432-AFC9-4C85C7D0F8E2}" type="datetimeFigureOut">
               <a:rPr lang="en-US" smtClean="0"/>
-              <a:t>4/11/2018</a:t>
+              <a:t>4/12/2018</a:t>
             </a:fld>
             <a:endParaRPr lang="en-US"/>
           </a:p>
@@ -2915,7 +2915,7 @@
           <a:p>
             <a:fld id="{808C3DBF-4E85-4432-AFC9-4C85C7D0F8E2}" type="datetimeFigureOut">
               <a:rPr lang="en-US" smtClean="0"/>
-              <a:t>4/11/2018</a:t>
+              <a:t>4/12/2018</a:t>
             </a:fld>
             <a:endParaRPr lang="en-US"/>
           </a:p>
@@ -4264,7 +4264,7 @@
           <p:nvPr/>
         </p:nvPicPr>
         <p:blipFill>
-          <a:blip r:embed="rId2">
+          <a:blip r:embed="rId2" cstate="hqprint">
             <a:extLst>
               <a:ext uri="{28A0092B-C50C-407E-A947-70E740481C1C}">
                 <a14:useLocalDpi xmlns:a14="http://schemas.microsoft.com/office/drawing/2010/main" val="0"/>
@@ -4346,7 +4346,7 @@
           <p:nvPr/>
         </p:nvPicPr>
         <p:blipFill>
-          <a:blip r:embed="rId2">
+          <a:blip r:embed="rId2" cstate="hqprint">
             <a:extLst>
               <a:ext uri="{28A0092B-C50C-407E-A947-70E740481C1C}">
                 <a14:useLocalDpi xmlns:a14="http://schemas.microsoft.com/office/drawing/2010/main" val="0"/>
@@ -4428,7 +4428,7 @@
           <p:nvPr/>
         </p:nvPicPr>
         <p:blipFill>
-          <a:blip r:embed="rId2">
+          <a:blip r:embed="rId2" cstate="hqprint">
             <a:extLst>
               <a:ext uri="{28A0092B-C50C-407E-A947-70E740481C1C}">
                 <a14:useLocalDpi xmlns:a14="http://schemas.microsoft.com/office/drawing/2010/main" val="0"/>
@@ -4475,7 +4475,7 @@
           <p:nvPr/>
         </p:nvPicPr>
         <p:blipFill>
-          <a:blip r:embed="rId3">
+          <a:blip r:embed="rId3" cstate="hqprint">
             <a:extLst>
               <a:ext uri="{28A0092B-C50C-407E-A947-70E740481C1C}">
                 <a14:useLocalDpi xmlns:a14="http://schemas.microsoft.com/office/drawing/2010/main" val="0"/>
@@ -6223,10 +6223,10 @@
       </p:grpSpPr>
       <p:sp>
         <p:nvSpPr>
-          <p:cNvPr id="4" name="Rectangle 3">
-            <a:extLst>
-              <a:ext uri="{FF2B5EF4-FFF2-40B4-BE49-F238E27FC236}">
-                <a16:creationId xmlns:a16="http://schemas.microsoft.com/office/drawing/2014/main" id="{85221335-6918-47FB-A893-5790A1B77B83}"/>
+          <p:cNvPr id="5" name="Rectangle 4">
+            <a:extLst>
+              <a:ext uri="{FF2B5EF4-FFF2-40B4-BE49-F238E27FC236}">
+                <a16:creationId xmlns:a16="http://schemas.microsoft.com/office/drawing/2014/main" id="{0E4EEA44-4B0C-496F-9DDF-D91DC53FD1C8}"/>
               </a:ext>
             </a:extLst>
           </p:cNvPr>
@@ -6235,55 +6235,8 @@
         </p:nvSpPr>
         <p:spPr>
           <a:xfrm>
-            <a:off x="1353280" y="491827"/>
-            <a:ext cx="10611892" cy="6244253"/>
-          </a:xfrm>
-          <a:prstGeom prst="rect">
-            <a:avLst/>
-          </a:prstGeom>
-          <a:noFill/>
-        </p:spPr>
-        <p:style>
-          <a:lnRef idx="2">
-            <a:schemeClr val="accent1">
-              <a:shade val="50000"/>
-            </a:schemeClr>
-          </a:lnRef>
-          <a:fillRef idx="1">
-            <a:schemeClr val="accent1"/>
-          </a:fillRef>
-          <a:effectRef idx="0">
-            <a:schemeClr val="accent1"/>
-          </a:effectRef>
-          <a:fontRef idx="minor">
-            <a:schemeClr val="lt1"/>
-          </a:fontRef>
-        </p:style>
-        <p:txBody>
-          <a:bodyPr rtlCol="0" anchor="ctr"/>
-          <a:lstStyle/>
-          <a:p>
-            <a:pPr algn="ctr"/>
-            <a:endParaRPr lang="en-US"/>
-          </a:p>
-        </p:txBody>
-      </p:sp>
-      <p:sp>
-        <p:nvSpPr>
-          <p:cNvPr id="5" name="Rectangle 4">
-            <a:extLst>
-              <a:ext uri="{FF2B5EF4-FFF2-40B4-BE49-F238E27FC236}">
-                <a16:creationId xmlns:a16="http://schemas.microsoft.com/office/drawing/2014/main" id="{0E4EEA44-4B0C-496F-9DDF-D91DC53FD1C8}"/>
-              </a:ext>
-            </a:extLst>
-          </p:cNvPr>
-          <p:cNvSpPr/>
-          <p:nvPr/>
-        </p:nvSpPr>
-        <p:spPr>
-          <a:xfrm>
-            <a:off x="2389462" y="1126679"/>
-            <a:ext cx="8575474" cy="5399221"/>
+            <a:off x="1313923" y="886969"/>
+            <a:ext cx="9651013" cy="5638932"/>
           </a:xfrm>
           <a:prstGeom prst="rect">
             <a:avLst/>
@@ -6617,7 +6570,7 @@
         </p:nvSpPr>
         <p:spPr>
           <a:xfrm>
-            <a:off x="5997868" y="532278"/>
+            <a:off x="5952148" y="535473"/>
             <a:ext cx="4133461" cy="276999"/>
           </a:xfrm>
           <a:prstGeom prst="rect">
@@ -6631,10 +6584,18 @@
           </a:bodyPr>
           <a:lstStyle/>
           <a:p>
-            <a:pPr algn="r" rtl="1"/>
-            <a:r>
-              <a:rPr lang="he-IL" sz="1200" dirty="0"/>
-              <a:t>חניה בעיר – שירותי חניה למשתמשים ולבעלי עניין נוספים</a:t>
+            <a:pPr algn="ctr"/>
+            <a:r>
+              <a:rPr lang="en-US" sz="1200" dirty="0" smtClean="0"/>
+              <a:t>CPS</a:t>
+            </a:r>
+            <a:r>
+              <a:rPr lang="he-IL" sz="1200" dirty="0" smtClean="0"/>
+              <a:t> – </a:t>
+            </a:r>
+            <a:r>
+              <a:rPr lang="en-US" sz="1200" dirty="0" smtClean="0"/>
+              <a:t>Car Park System</a:t>
             </a:r>
             <a:endParaRPr lang="en-US" sz="1200" dirty="0"/>
           </a:p>
@@ -6676,294 +6637,6 @@
           </a:p>
         </p:txBody>
       </p:sp>
-      <p:grpSp>
-        <p:nvGrpSpPr>
-          <p:cNvPr id="23" name="Group 22">
-            <a:extLst>
-              <a:ext uri="{FF2B5EF4-FFF2-40B4-BE49-F238E27FC236}">
-                <a16:creationId xmlns:a16="http://schemas.microsoft.com/office/drawing/2014/main" id="{FD4F7540-1908-47CC-A01C-07E64D290CB8}"/>
-              </a:ext>
-            </a:extLst>
-          </p:cNvPr>
-          <p:cNvGrpSpPr/>
-          <p:nvPr/>
-        </p:nvGrpSpPr>
-        <p:grpSpPr>
-          <a:xfrm>
-            <a:off x="423325" y="3527867"/>
-            <a:ext cx="878757" cy="1470939"/>
-            <a:chOff x="166889" y="2680448"/>
-            <a:chExt cx="1064478" cy="1781815"/>
-          </a:xfrm>
-        </p:grpSpPr>
-        <p:grpSp>
-          <p:nvGrpSpPr>
-            <p:cNvPr id="24" name="Group 23">
-              <a:extLst>
-                <a:ext uri="{FF2B5EF4-FFF2-40B4-BE49-F238E27FC236}">
-                  <a16:creationId xmlns:a16="http://schemas.microsoft.com/office/drawing/2014/main" id="{99E4F5D8-716E-45E4-A8E5-31E555082776}"/>
-                </a:ext>
-              </a:extLst>
-            </p:cNvPr>
-            <p:cNvGrpSpPr/>
-            <p:nvPr/>
-          </p:nvGrpSpPr>
-          <p:grpSpPr>
-            <a:xfrm>
-              <a:off x="401999" y="2680448"/>
-              <a:ext cx="594257" cy="1320150"/>
-              <a:chOff x="1763484" y="989045"/>
-              <a:chExt cx="1474239" cy="3275045"/>
-            </a:xfrm>
-          </p:grpSpPr>
-          <p:sp>
-            <p:nvSpPr>
-              <p:cNvPr id="26" name="Oval 25">
-                <a:extLst>
-                  <a:ext uri="{FF2B5EF4-FFF2-40B4-BE49-F238E27FC236}">
-                    <a16:creationId xmlns:a16="http://schemas.microsoft.com/office/drawing/2014/main" id="{26105136-99B9-457E-BCF1-C497D9957198}"/>
-                  </a:ext>
-                </a:extLst>
-              </p:cNvPr>
-              <p:cNvSpPr/>
-              <p:nvPr/>
-            </p:nvSpPr>
-            <p:spPr>
-              <a:xfrm>
-                <a:off x="2034074" y="989045"/>
-                <a:ext cx="933061" cy="933061"/>
-              </a:xfrm>
-              <a:prstGeom prst="ellipse">
-                <a:avLst/>
-              </a:prstGeom>
-              <a:noFill/>
-              <a:ln w="19050"/>
-            </p:spPr>
-            <p:style>
-              <a:lnRef idx="2">
-                <a:schemeClr val="accent1">
-                  <a:shade val="50000"/>
-                </a:schemeClr>
-              </a:lnRef>
-              <a:fillRef idx="1">
-                <a:schemeClr val="accent1"/>
-              </a:fillRef>
-              <a:effectRef idx="0">
-                <a:schemeClr val="accent1"/>
-              </a:effectRef>
-              <a:fontRef idx="minor">
-                <a:schemeClr val="lt1"/>
-              </a:fontRef>
-            </p:style>
-            <p:txBody>
-              <a:bodyPr rtlCol="0" anchor="ctr"/>
-              <a:lstStyle/>
-              <a:p>
-                <a:pPr algn="ctr"/>
-                <a:endParaRPr lang="en-US">
-                  <a:solidFill>
-                    <a:schemeClr val="tx1"/>
-                  </a:solidFill>
-                </a:endParaRPr>
-              </a:p>
-            </p:txBody>
-          </p:sp>
-          <p:cxnSp>
-            <p:nvCxnSpPr>
-              <p:cNvPr id="27" name="Straight Connector 26">
-                <a:extLst>
-                  <a:ext uri="{FF2B5EF4-FFF2-40B4-BE49-F238E27FC236}">
-                    <a16:creationId xmlns:a16="http://schemas.microsoft.com/office/drawing/2014/main" id="{C9C3293E-4878-491A-AF5C-B224BFC739AA}"/>
-                  </a:ext>
-                </a:extLst>
-              </p:cNvPr>
-              <p:cNvCxnSpPr>
-                <a:cxnSpLocks/>
-                <a:stCxn id="26" idx="4"/>
-              </p:cNvCxnSpPr>
-              <p:nvPr/>
-            </p:nvCxnSpPr>
-            <p:spPr>
-              <a:xfrm>
-                <a:off x="2500605" y="1922106"/>
-                <a:ext cx="0" cy="1306286"/>
-              </a:xfrm>
-              <a:prstGeom prst="line">
-                <a:avLst/>
-              </a:prstGeom>
-              <a:ln w="19050"/>
-            </p:spPr>
-            <p:style>
-              <a:lnRef idx="1">
-                <a:schemeClr val="accent1"/>
-              </a:lnRef>
-              <a:fillRef idx="0">
-                <a:schemeClr val="accent1"/>
-              </a:fillRef>
-              <a:effectRef idx="0">
-                <a:schemeClr val="accent1"/>
-              </a:effectRef>
-              <a:fontRef idx="minor">
-                <a:schemeClr val="tx1"/>
-              </a:fontRef>
-            </p:style>
-          </p:cxnSp>
-          <p:cxnSp>
-            <p:nvCxnSpPr>
-              <p:cNvPr id="28" name="Straight Connector 27">
-                <a:extLst>
-                  <a:ext uri="{FF2B5EF4-FFF2-40B4-BE49-F238E27FC236}">
-                    <a16:creationId xmlns:a16="http://schemas.microsoft.com/office/drawing/2014/main" id="{5FD3520A-AD2D-417D-96B1-D778EDB5E4C2}"/>
-                  </a:ext>
-                </a:extLst>
-              </p:cNvPr>
-              <p:cNvCxnSpPr>
-                <a:cxnSpLocks/>
-              </p:cNvCxnSpPr>
-              <p:nvPr/>
-            </p:nvCxnSpPr>
-            <p:spPr>
-              <a:xfrm flipH="1">
-                <a:off x="1763485" y="3228392"/>
-                <a:ext cx="737118" cy="1035698"/>
-              </a:xfrm>
-              <a:prstGeom prst="line">
-                <a:avLst/>
-              </a:prstGeom>
-              <a:ln w="19050"/>
-            </p:spPr>
-            <p:style>
-              <a:lnRef idx="1">
-                <a:schemeClr val="accent1"/>
-              </a:lnRef>
-              <a:fillRef idx="0">
-                <a:schemeClr val="accent1"/>
-              </a:fillRef>
-              <a:effectRef idx="0">
-                <a:schemeClr val="accent1"/>
-              </a:effectRef>
-              <a:fontRef idx="minor">
-                <a:schemeClr val="tx1"/>
-              </a:fontRef>
-            </p:style>
-          </p:cxnSp>
-          <p:cxnSp>
-            <p:nvCxnSpPr>
-              <p:cNvPr id="29" name="Straight Connector 28">
-                <a:extLst>
-                  <a:ext uri="{FF2B5EF4-FFF2-40B4-BE49-F238E27FC236}">
-                    <a16:creationId xmlns:a16="http://schemas.microsoft.com/office/drawing/2014/main" id="{E756D745-46F1-476F-B9DA-48A1A975ECCA}"/>
-                  </a:ext>
-                </a:extLst>
-              </p:cNvPr>
-              <p:cNvCxnSpPr>
-                <a:cxnSpLocks/>
-              </p:cNvCxnSpPr>
-              <p:nvPr/>
-            </p:nvCxnSpPr>
-            <p:spPr>
-              <a:xfrm>
-                <a:off x="2500603" y="3228392"/>
-                <a:ext cx="737120" cy="1035698"/>
-              </a:xfrm>
-              <a:prstGeom prst="line">
-                <a:avLst/>
-              </a:prstGeom>
-              <a:ln w="19050"/>
-            </p:spPr>
-            <p:style>
-              <a:lnRef idx="1">
-                <a:schemeClr val="accent1"/>
-              </a:lnRef>
-              <a:fillRef idx="0">
-                <a:schemeClr val="accent1"/>
-              </a:fillRef>
-              <a:effectRef idx="0">
-                <a:schemeClr val="accent1"/>
-              </a:effectRef>
-              <a:fontRef idx="minor">
-                <a:schemeClr val="tx1"/>
-              </a:fontRef>
-            </p:style>
-          </p:cxnSp>
-          <p:cxnSp>
-            <p:nvCxnSpPr>
-              <p:cNvPr id="30" name="Straight Connector 29">
-                <a:extLst>
-                  <a:ext uri="{FF2B5EF4-FFF2-40B4-BE49-F238E27FC236}">
-                    <a16:creationId xmlns:a16="http://schemas.microsoft.com/office/drawing/2014/main" id="{BA4B07A5-144D-4BDE-BFFF-88A11BCD4598}"/>
-                  </a:ext>
-                </a:extLst>
-              </p:cNvPr>
-              <p:cNvCxnSpPr>
-                <a:cxnSpLocks/>
-              </p:cNvCxnSpPr>
-              <p:nvPr/>
-            </p:nvCxnSpPr>
-            <p:spPr>
-              <a:xfrm>
-                <a:off x="1763484" y="2416623"/>
-                <a:ext cx="1474239" cy="0"/>
-              </a:xfrm>
-              <a:prstGeom prst="line">
-                <a:avLst/>
-              </a:prstGeom>
-              <a:ln w="19050"/>
-            </p:spPr>
-            <p:style>
-              <a:lnRef idx="1">
-                <a:schemeClr val="accent1"/>
-              </a:lnRef>
-              <a:fillRef idx="0">
-                <a:schemeClr val="accent1"/>
-              </a:fillRef>
-              <a:effectRef idx="0">
-                <a:schemeClr val="accent1"/>
-              </a:effectRef>
-              <a:fontRef idx="minor">
-                <a:schemeClr val="tx1"/>
-              </a:fontRef>
-            </p:style>
-          </p:cxnSp>
-        </p:grpSp>
-        <p:sp>
-          <p:nvSpPr>
-            <p:cNvPr id="25" name="TextBox 24">
-              <a:extLst>
-                <a:ext uri="{FF2B5EF4-FFF2-40B4-BE49-F238E27FC236}">
-                  <a16:creationId xmlns:a16="http://schemas.microsoft.com/office/drawing/2014/main" id="{23F6418F-317B-404D-8309-019CAE7BDEDA}"/>
-                </a:ext>
-              </a:extLst>
-            </p:cNvPr>
-            <p:cNvSpPr txBox="1"/>
-            <p:nvPr/>
-          </p:nvSpPr>
-          <p:spPr>
-            <a:xfrm>
-              <a:off x="166889" y="4000598"/>
-              <a:ext cx="1064478" cy="461665"/>
-            </a:xfrm>
-            <a:prstGeom prst="rect">
-              <a:avLst/>
-            </a:prstGeom>
-            <a:noFill/>
-          </p:spPr>
-          <p:txBody>
-            <a:bodyPr wrap="square" rtlCol="0">
-              <a:spAutoFit/>
-            </a:bodyPr>
-            <a:lstStyle/>
-            <a:p>
-              <a:pPr algn="ctr"/>
-              <a:r>
-                <a:rPr lang="he-IL" sz="1200" dirty="0"/>
-                <a:t>מערכת ניהול פרטי עובדות</a:t>
-              </a:r>
-              <a:endParaRPr lang="en-US" dirty="0"/>
-            </a:p>
-          </p:txBody>
-        </p:sp>
-      </p:grpSp>
       <p:grpSp>
         <p:nvGrpSpPr>
           <p:cNvPr id="31" name="Group 30">
@@ -7849,7 +7522,7 @@
         </p:nvGrpSpPr>
         <p:grpSpPr>
           <a:xfrm>
-            <a:off x="1431993" y="5056118"/>
+            <a:off x="312522" y="4912902"/>
             <a:ext cx="878757" cy="1318492"/>
             <a:chOff x="166889" y="2680448"/>
             <a:chExt cx="1064478" cy="1597149"/>
@@ -8138,7 +7811,7 @@
         <p:spPr>
           <a:xfrm>
             <a:off x="165481" y="74344"/>
-            <a:ext cx="3262303" cy="369332"/>
+            <a:ext cx="3122458" cy="369332"/>
           </a:xfrm>
           <a:prstGeom prst="rect">
             <a:avLst/>
@@ -8151,8 +7824,12 @@
           <a:lstStyle/>
           <a:p>
             <a:r>
+              <a:rPr lang="en-US" dirty="0" smtClean="0"/>
+              <a:t>System </a:t>
+            </a:r>
+            <a:r>
               <a:rPr lang="en-US" dirty="0"/>
-              <a:t>Business Level Use Case Diagram</a:t>
+              <a:t>Level Use Case Diagram</a:t>
             </a:r>
           </a:p>
         </p:txBody>
@@ -8171,7 +7848,7 @@
         </p:nvSpPr>
         <p:spPr>
           <a:xfrm>
-            <a:off x="3506132" y="2093724"/>
+            <a:off x="1969940" y="2252621"/>
             <a:ext cx="1760527" cy="485809"/>
           </a:xfrm>
           <a:prstGeom prst="ellipse">
@@ -8226,7 +7903,7 @@
         </p:nvSpPr>
         <p:spPr>
           <a:xfrm>
-            <a:off x="3506132" y="2648358"/>
+            <a:off x="1969940" y="2807255"/>
             <a:ext cx="1760527" cy="485809"/>
           </a:xfrm>
           <a:prstGeom prst="ellipse">
@@ -8281,7 +7958,7 @@
         </p:nvSpPr>
         <p:spPr>
           <a:xfrm>
-            <a:off x="3506132" y="3214385"/>
+            <a:off x="1969940" y="3373282"/>
             <a:ext cx="1760527" cy="485809"/>
           </a:xfrm>
           <a:prstGeom prst="ellipse">
@@ -8324,10 +8001,10 @@
       </p:sp>
       <p:sp>
         <p:nvSpPr>
-          <p:cNvPr id="68" name="Oval 67">
-            <a:extLst>
-              <a:ext uri="{FF2B5EF4-FFF2-40B4-BE49-F238E27FC236}">
-                <a16:creationId xmlns:a16="http://schemas.microsoft.com/office/drawing/2014/main" id="{31563DCA-5C99-446A-B7D9-5567651EAD2E}"/>
+          <p:cNvPr id="69" name="Oval 68">
+            <a:extLst>
+              <a:ext uri="{FF2B5EF4-FFF2-40B4-BE49-F238E27FC236}">
+                <a16:creationId xmlns:a16="http://schemas.microsoft.com/office/drawing/2014/main" id="{D94EFC10-D0C9-4F84-AC45-DE1C0C713A9F}"/>
               </a:ext>
             </a:extLst>
           </p:cNvPr>
@@ -8336,7 +8013,7 @@
         </p:nvSpPr>
         <p:spPr>
           <a:xfrm>
-            <a:off x="3506131" y="3787235"/>
+            <a:off x="1969940" y="1675472"/>
             <a:ext cx="1760527" cy="485809"/>
           </a:xfrm>
           <a:prstGeom prst="ellipse">
@@ -8371,7 +8048,7 @@
             <a:pPr algn="ctr"/>
             <a:r>
               <a:rPr lang="he-IL" sz="1200" dirty="0"/>
-              <a:t>הגשת תלונה</a:t>
+              <a:t>הרשמה ראשונית</a:t>
             </a:r>
             <a:endParaRPr lang="en-US" sz="1200" dirty="0"/>
           </a:p>
@@ -8379,10 +8056,10 @@
       </p:sp>
       <p:sp>
         <p:nvSpPr>
-          <p:cNvPr id="69" name="Oval 68">
-            <a:extLst>
-              <a:ext uri="{FF2B5EF4-FFF2-40B4-BE49-F238E27FC236}">
-                <a16:creationId xmlns:a16="http://schemas.microsoft.com/office/drawing/2014/main" id="{D94EFC10-D0C9-4F84-AC45-DE1C0C713A9F}"/>
+          <p:cNvPr id="70" name="Oval 69">
+            <a:extLst>
+              <a:ext uri="{FF2B5EF4-FFF2-40B4-BE49-F238E27FC236}">
+                <a16:creationId xmlns:a16="http://schemas.microsoft.com/office/drawing/2014/main" id="{719E63A9-14C4-4C40-95F5-F897AC88BCE1}"/>
               </a:ext>
             </a:extLst>
           </p:cNvPr>
@@ -8391,7 +8068,7 @@
         </p:nvSpPr>
         <p:spPr>
           <a:xfrm>
-            <a:off x="3506132" y="1516575"/>
+            <a:off x="8540905" y="3690683"/>
             <a:ext cx="1760527" cy="485809"/>
           </a:xfrm>
           <a:prstGeom prst="ellipse">
@@ -8426,7 +8103,7 @@
             <a:pPr algn="ctr"/>
             <a:r>
               <a:rPr lang="he-IL" sz="1200" dirty="0"/>
-              <a:t>הרשמה ראשונית</a:t>
+              <a:t>קבלת נתוני מיקום</a:t>
             </a:r>
             <a:endParaRPr lang="en-US" sz="1200" dirty="0"/>
           </a:p>
@@ -8434,10 +8111,10 @@
       </p:sp>
       <p:sp>
         <p:nvSpPr>
-          <p:cNvPr id="70" name="Oval 69">
-            <a:extLst>
-              <a:ext uri="{FF2B5EF4-FFF2-40B4-BE49-F238E27FC236}">
-                <a16:creationId xmlns:a16="http://schemas.microsoft.com/office/drawing/2014/main" id="{719E63A9-14C4-4C40-95F5-F897AC88BCE1}"/>
+          <p:cNvPr id="71" name="Oval 70">
+            <a:extLst>
+              <a:ext uri="{FF2B5EF4-FFF2-40B4-BE49-F238E27FC236}">
+                <a16:creationId xmlns:a16="http://schemas.microsoft.com/office/drawing/2014/main" id="{8DEF2398-5DAC-485D-B227-AFEF41504217}"/>
               </a:ext>
             </a:extLst>
           </p:cNvPr>
@@ -8446,7 +8123,7 @@
         </p:nvSpPr>
         <p:spPr>
           <a:xfrm>
-            <a:off x="8404269" y="3881021"/>
+            <a:off x="8554986" y="3130377"/>
             <a:ext cx="1760527" cy="485809"/>
           </a:xfrm>
           <a:prstGeom prst="ellipse">
@@ -8481,7 +8158,7 @@
             <a:pPr algn="ctr"/>
             <a:r>
               <a:rPr lang="he-IL" sz="1200" dirty="0"/>
-              <a:t>קבלת נתוני מיקום</a:t>
+              <a:t>שינוע רכבים</a:t>
             </a:r>
             <a:endParaRPr lang="en-US" sz="1200" dirty="0"/>
           </a:p>
@@ -8489,10 +8166,10 @@
       </p:sp>
       <p:sp>
         <p:nvSpPr>
-          <p:cNvPr id="71" name="Oval 70">
-            <a:extLst>
-              <a:ext uri="{FF2B5EF4-FFF2-40B4-BE49-F238E27FC236}">
-                <a16:creationId xmlns:a16="http://schemas.microsoft.com/office/drawing/2014/main" id="{8DEF2398-5DAC-485D-B227-AFEF41504217}"/>
+          <p:cNvPr id="72" name="Oval 71">
+            <a:extLst>
+              <a:ext uri="{FF2B5EF4-FFF2-40B4-BE49-F238E27FC236}">
+                <a16:creationId xmlns:a16="http://schemas.microsoft.com/office/drawing/2014/main" id="{A25A6F8B-B0CE-45B2-B215-1F3F87496A9D}"/>
               </a:ext>
             </a:extLst>
           </p:cNvPr>
@@ -8501,7 +8178,7 @@
         </p:nvSpPr>
         <p:spPr>
           <a:xfrm>
-            <a:off x="8418350" y="3320715"/>
+            <a:off x="1969939" y="5312681"/>
             <a:ext cx="1760527" cy="485809"/>
           </a:xfrm>
           <a:prstGeom prst="ellipse">
@@ -8536,7 +8213,7 @@
             <a:pPr algn="ctr"/>
             <a:r>
               <a:rPr lang="he-IL" sz="1200" dirty="0"/>
-              <a:t>שינוע רכבים</a:t>
+              <a:t>תשלום</a:t>
             </a:r>
             <a:endParaRPr lang="en-US" sz="1200" dirty="0"/>
           </a:p>
@@ -8544,10 +8221,10 @@
       </p:sp>
       <p:sp>
         <p:nvSpPr>
-          <p:cNvPr id="72" name="Oval 71">
-            <a:extLst>
-              <a:ext uri="{FF2B5EF4-FFF2-40B4-BE49-F238E27FC236}">
-                <a16:creationId xmlns:a16="http://schemas.microsoft.com/office/drawing/2014/main" id="{A25A6F8B-B0CE-45B2-B215-1F3F87496A9D}"/>
+          <p:cNvPr id="73" name="Oval 72">
+            <a:extLst>
+              <a:ext uri="{FF2B5EF4-FFF2-40B4-BE49-F238E27FC236}">
+                <a16:creationId xmlns:a16="http://schemas.microsoft.com/office/drawing/2014/main" id="{2A69E09E-2B6D-4BD9-933C-91F67986B3B8}"/>
               </a:ext>
             </a:extLst>
           </p:cNvPr>
@@ -8556,7 +8233,7 @@
         </p:nvSpPr>
         <p:spPr>
           <a:xfrm>
-            <a:off x="3506132" y="4352596"/>
+            <a:off x="1969939" y="5941013"/>
             <a:ext cx="1760527" cy="485809"/>
           </a:xfrm>
           <a:prstGeom prst="ellipse">
@@ -8591,7 +8268,7 @@
             <a:pPr algn="ctr"/>
             <a:r>
               <a:rPr lang="he-IL" sz="1200" dirty="0"/>
-              <a:t>תשלום</a:t>
+              <a:t>ביטול הזמנה</a:t>
             </a:r>
             <a:endParaRPr lang="en-US" sz="1200" dirty="0"/>
           </a:p>
@@ -8599,10 +8276,10 @@
       </p:sp>
       <p:sp>
         <p:nvSpPr>
-          <p:cNvPr id="73" name="Oval 72">
-            <a:extLst>
-              <a:ext uri="{FF2B5EF4-FFF2-40B4-BE49-F238E27FC236}">
-                <a16:creationId xmlns:a16="http://schemas.microsoft.com/office/drawing/2014/main" id="{2A69E09E-2B6D-4BD9-933C-91F67986B3B8}"/>
+          <p:cNvPr id="74" name="Oval 73">
+            <a:extLst>
+              <a:ext uri="{FF2B5EF4-FFF2-40B4-BE49-F238E27FC236}">
+                <a16:creationId xmlns:a16="http://schemas.microsoft.com/office/drawing/2014/main" id="{B216B5FE-CDB6-46DE-9BC7-69B69B6704E0}"/>
               </a:ext>
             </a:extLst>
           </p:cNvPr>
@@ -8611,7 +8288,7 @@
         </p:nvSpPr>
         <p:spPr>
           <a:xfrm>
-            <a:off x="3506131" y="4912902"/>
+            <a:off x="8550090" y="4826872"/>
             <a:ext cx="1760527" cy="485809"/>
           </a:xfrm>
           <a:prstGeom prst="ellipse">
@@ -8646,7 +8323,7 @@
             <a:pPr algn="ctr"/>
             <a:r>
               <a:rPr lang="he-IL" sz="1200" dirty="0"/>
-              <a:t>ביטול הזמנה</a:t>
+              <a:t>קבלת תמונת מצב עדכנית</a:t>
             </a:r>
             <a:endParaRPr lang="en-US" sz="1200" dirty="0"/>
           </a:p>
@@ -8654,10 +8331,10 @@
       </p:sp>
       <p:sp>
         <p:nvSpPr>
-          <p:cNvPr id="74" name="Oval 73">
-            <a:extLst>
-              <a:ext uri="{FF2B5EF4-FFF2-40B4-BE49-F238E27FC236}">
-                <a16:creationId xmlns:a16="http://schemas.microsoft.com/office/drawing/2014/main" id="{B216B5FE-CDB6-46DE-9BC7-69B69B6704E0}"/>
+          <p:cNvPr id="75" name="Oval 74">
+            <a:extLst>
+              <a:ext uri="{FF2B5EF4-FFF2-40B4-BE49-F238E27FC236}">
+                <a16:creationId xmlns:a16="http://schemas.microsoft.com/office/drawing/2014/main" id="{AFC7AF8E-7192-4D47-80FD-9DFCDB5E4025}"/>
               </a:ext>
             </a:extLst>
           </p:cNvPr>
@@ -8666,7 +8343,7 @@
         </p:nvSpPr>
         <p:spPr>
           <a:xfrm>
-            <a:off x="8413454" y="5017210"/>
+            <a:off x="8615701" y="5941013"/>
             <a:ext cx="1760527" cy="485809"/>
           </a:xfrm>
           <a:prstGeom prst="ellipse">
@@ -8701,7 +8378,7 @@
             <a:pPr algn="ctr"/>
             <a:r>
               <a:rPr lang="he-IL" sz="1200" dirty="0"/>
-              <a:t>קבלת תמונת מצב עדכנית</a:t>
+              <a:t>קביעת תעריפים</a:t>
             </a:r>
             <a:endParaRPr lang="en-US" sz="1200" dirty="0"/>
           </a:p>
@@ -8709,10 +8386,10 @@
       </p:sp>
       <p:sp>
         <p:nvSpPr>
-          <p:cNvPr id="75" name="Oval 74">
-            <a:extLst>
-              <a:ext uri="{FF2B5EF4-FFF2-40B4-BE49-F238E27FC236}">
-                <a16:creationId xmlns:a16="http://schemas.microsoft.com/office/drawing/2014/main" id="{AFC7AF8E-7192-4D47-80FD-9DFCDB5E4025}"/>
+          <p:cNvPr id="76" name="Oval 75">
+            <a:extLst>
+              <a:ext uri="{FF2B5EF4-FFF2-40B4-BE49-F238E27FC236}">
+                <a16:creationId xmlns:a16="http://schemas.microsoft.com/office/drawing/2014/main" id="{D94EFC10-D0C9-4F84-AC45-DE1C0C713A9F}"/>
               </a:ext>
             </a:extLst>
           </p:cNvPr>
@@ -8721,7 +8398,7 @@
         </p:nvSpPr>
         <p:spPr>
           <a:xfrm>
-            <a:off x="8413455" y="5608903"/>
+            <a:off x="8574205" y="2531973"/>
             <a:ext cx="1760527" cy="485809"/>
           </a:xfrm>
           <a:prstGeom prst="ellipse">
@@ -8755,8 +8432,173 @@
           <a:p>
             <a:pPr algn="ctr"/>
             <a:r>
-              <a:rPr lang="he-IL" sz="1200" dirty="0"/>
-              <a:t>קביעת תעריפים</a:t>
+              <a:rPr lang="he-IL" sz="1200" dirty="0" smtClean="0"/>
+              <a:t>אתחול המערכת</a:t>
+            </a:r>
+            <a:endParaRPr lang="en-US" sz="1200" dirty="0"/>
+          </a:p>
+        </p:txBody>
+      </p:sp>
+      <p:sp>
+        <p:nvSpPr>
+          <p:cNvPr id="77" name="Oval 76">
+            <a:extLst>
+              <a:ext uri="{FF2B5EF4-FFF2-40B4-BE49-F238E27FC236}">
+                <a16:creationId xmlns:a16="http://schemas.microsoft.com/office/drawing/2014/main" id="{D94EFC10-D0C9-4F84-AC45-DE1C0C713A9F}"/>
+              </a:ext>
+            </a:extLst>
+          </p:cNvPr>
+          <p:cNvSpPr/>
+          <p:nvPr/>
+        </p:nvSpPr>
+        <p:spPr>
+          <a:xfrm>
+            <a:off x="8592130" y="4227676"/>
+            <a:ext cx="1760527" cy="485809"/>
+          </a:xfrm>
+          <a:prstGeom prst="ellipse">
+            <a:avLst/>
+          </a:prstGeom>
+        </p:spPr>
+        <p:style>
+          <a:lnRef idx="2">
+            <a:schemeClr val="accent1">
+              <a:shade val="50000"/>
+            </a:schemeClr>
+          </a:lnRef>
+          <a:fillRef idx="1">
+            <a:schemeClr val="accent1"/>
+          </a:fillRef>
+          <a:effectRef idx="0">
+            <a:schemeClr val="accent1"/>
+          </a:effectRef>
+          <a:fontRef idx="minor">
+            <a:schemeClr val="lt1"/>
+          </a:fontRef>
+        </p:style>
+        <p:txBody>
+          <a:bodyPr rot="0" spcFirstLastPara="0" vertOverflow="overflow" horzOverflow="overflow" vert="horz" wrap="square" lIns="91440" tIns="45720" rIns="91440" bIns="45720" numCol="1" spcCol="0" rtlCol="0" fromWordArt="0" anchor="ctr" anchorCtr="0" forceAA="0" compatLnSpc="1">
+            <a:prstTxWarp prst="textNoShape">
+              <a:avLst/>
+            </a:prstTxWarp>
+            <a:noAutofit/>
+          </a:bodyPr>
+          <a:lstStyle/>
+          <a:p>
+            <a:pPr algn="ctr"/>
+            <a:r>
+              <a:rPr lang="he-IL" sz="1200" dirty="0" smtClean="0"/>
+              <a:t>כיבוי המערכת</a:t>
+            </a:r>
+            <a:endParaRPr lang="en-US" sz="1200" dirty="0"/>
+          </a:p>
+        </p:txBody>
+      </p:sp>
+      <p:sp>
+        <p:nvSpPr>
+          <p:cNvPr id="78" name="Oval 77">
+            <a:extLst>
+              <a:ext uri="{FF2B5EF4-FFF2-40B4-BE49-F238E27FC236}">
+                <a16:creationId xmlns:a16="http://schemas.microsoft.com/office/drawing/2014/main" id="{AFC7AF8E-7192-4D47-80FD-9DFCDB5E4025}"/>
+              </a:ext>
+            </a:extLst>
+          </p:cNvPr>
+          <p:cNvSpPr/>
+          <p:nvPr/>
+        </p:nvSpPr>
+        <p:spPr>
+          <a:xfrm>
+            <a:off x="8615701" y="5403811"/>
+            <a:ext cx="1760527" cy="485809"/>
+          </a:xfrm>
+          <a:prstGeom prst="ellipse">
+            <a:avLst/>
+          </a:prstGeom>
+        </p:spPr>
+        <p:style>
+          <a:lnRef idx="2">
+            <a:schemeClr val="accent1">
+              <a:shade val="50000"/>
+            </a:schemeClr>
+          </a:lnRef>
+          <a:fillRef idx="1">
+            <a:schemeClr val="accent1"/>
+          </a:fillRef>
+          <a:effectRef idx="0">
+            <a:schemeClr val="accent1"/>
+          </a:effectRef>
+          <a:fontRef idx="minor">
+            <a:schemeClr val="lt1"/>
+          </a:fontRef>
+        </p:style>
+        <p:txBody>
+          <a:bodyPr rot="0" spcFirstLastPara="0" vertOverflow="overflow" horzOverflow="overflow" vert="horz" wrap="square" lIns="91440" tIns="45720" rIns="91440" bIns="45720" numCol="1" spcCol="0" rtlCol="0" fromWordArt="0" anchor="ctr" anchorCtr="0" forceAA="0" compatLnSpc="1">
+            <a:prstTxWarp prst="textNoShape">
+              <a:avLst/>
+            </a:prstTxWarp>
+            <a:noAutofit/>
+          </a:bodyPr>
+          <a:lstStyle/>
+          <a:p>
+            <a:pPr algn="ctr"/>
+            <a:r>
+              <a:rPr lang="he-IL" sz="1200" dirty="0" smtClean="0"/>
+              <a:t>הפקת דו"חות נוספים</a:t>
+            </a:r>
+            <a:endParaRPr lang="en-US" sz="1200" dirty="0"/>
+          </a:p>
+        </p:txBody>
+      </p:sp>
+      <p:sp>
+        <p:nvSpPr>
+          <p:cNvPr id="79" name="Oval 78">
+            <a:extLst>
+              <a:ext uri="{FF2B5EF4-FFF2-40B4-BE49-F238E27FC236}">
+                <a16:creationId xmlns:a16="http://schemas.microsoft.com/office/drawing/2014/main" id="{AFC7AF8E-7192-4D47-80FD-9DFCDB5E4025}"/>
+              </a:ext>
+            </a:extLst>
+          </p:cNvPr>
+          <p:cNvSpPr/>
+          <p:nvPr/>
+        </p:nvSpPr>
+        <p:spPr>
+          <a:xfrm>
+            <a:off x="1969939" y="3933587"/>
+            <a:ext cx="1760527" cy="485809"/>
+          </a:xfrm>
+          <a:prstGeom prst="ellipse">
+            <a:avLst/>
+          </a:prstGeom>
+        </p:spPr>
+        <p:style>
+          <a:lnRef idx="2">
+            <a:schemeClr val="accent1">
+              <a:shade val="50000"/>
+            </a:schemeClr>
+          </a:lnRef>
+          <a:fillRef idx="1">
+            <a:schemeClr val="accent1"/>
+          </a:fillRef>
+          <a:effectRef idx="0">
+            <a:schemeClr val="accent1"/>
+          </a:effectRef>
+          <a:fontRef idx="minor">
+            <a:schemeClr val="lt1"/>
+          </a:fontRef>
+        </p:style>
+        <p:txBody>
+          <a:bodyPr rot="0" spcFirstLastPara="0" vertOverflow="overflow" horzOverflow="overflow" vert="horz" wrap="square" lIns="91440" tIns="45720" rIns="91440" bIns="45720" numCol="1" spcCol="0" rtlCol="0" fromWordArt="0" anchor="ctr" anchorCtr="0" forceAA="0" compatLnSpc="1">
+            <a:prstTxWarp prst="textNoShape">
+              <a:avLst/>
+            </a:prstTxWarp>
+            <a:noAutofit/>
+          </a:bodyPr>
+          <a:lstStyle/>
+          <a:p>
+            <a:pPr algn="ctr"/>
+            <a:r>
+              <a:rPr lang="he-IL" sz="1200" dirty="0" smtClean="0"/>
+              <a:t>שליחת תזכורת להזמנה</a:t>
             </a:r>
             <a:endParaRPr lang="en-US" sz="1200" dirty="0"/>
           </a:p>
@@ -8765,7 +8607,7 @@
     </p:spTree>
     <p:extLst>
       <p:ext uri="{BB962C8B-B14F-4D97-AF65-F5344CB8AC3E}">
-        <p14:creationId xmlns:p14="http://schemas.microsoft.com/office/powerpoint/2010/main" val="2653239845"/>
+        <p14:creationId xmlns:p14="http://schemas.microsoft.com/office/powerpoint/2010/main" val="3635981640"/>
       </p:ext>
     </p:extLst>
   </p:cSld>

--- a/use cases/use_case_diagram_system.pptx
+++ b/use cases/use_case_diagram_system.pptx
@@ -112,10 +112,6 @@
     </p:ext>
   </p:extLst>
 </p:presentation>
-</file>
-
-<file path=ppt/revisionInfo.xml><?xml version="1.0" encoding="utf-8"?>
-<p1510:revInfo xmlns:a="http://schemas.openxmlformats.org/drawingml/2006/main" xmlns:r="http://schemas.openxmlformats.org/officeDocument/2006/relationships" xmlns:p1510="http://schemas.microsoft.com/office/powerpoint/2015/10/main"/>
 </file>
 
 <file path=ppt/slideLayouts/slideLayout1.xml><?xml version="1.0" encoding="utf-8"?>
@@ -6586,18 +6582,17 @@
           <a:p>
             <a:pPr algn="ctr"/>
             <a:r>
-              <a:rPr lang="en-US" sz="1200" dirty="0" smtClean="0"/>
+              <a:rPr lang="en-US" sz="1200" dirty="0"/>
               <a:t>CPS</a:t>
             </a:r>
             <a:r>
-              <a:rPr lang="he-IL" sz="1200" dirty="0" smtClean="0"/>
+              <a:rPr lang="he-IL" sz="1200" dirty="0"/>
               <a:t> – </a:t>
             </a:r>
             <a:r>
-              <a:rPr lang="en-US" sz="1200" dirty="0" smtClean="0"/>
+              <a:rPr lang="en-US" sz="1200" dirty="0"/>
               <a:t>Car Park System</a:t>
             </a:r>
-            <a:endParaRPr lang="en-US" sz="1200" dirty="0"/>
           </a:p>
         </p:txBody>
       </p:sp>
@@ -6651,7 +6646,7 @@
         </p:nvGrpSpPr>
         <p:grpSpPr>
           <a:xfrm>
-            <a:off x="10987545" y="1572416"/>
+            <a:off x="11313140" y="3042995"/>
             <a:ext cx="878757" cy="1318492"/>
             <a:chOff x="166889" y="2680448"/>
             <a:chExt cx="1064478" cy="1597149"/>
@@ -7234,7 +7229,7 @@
         </p:nvGrpSpPr>
         <p:grpSpPr>
           <a:xfrm>
-            <a:off x="11025676" y="3277009"/>
+            <a:off x="11306028" y="1375748"/>
             <a:ext cx="878757" cy="1318492"/>
             <a:chOff x="166889" y="2680448"/>
             <a:chExt cx="1064478" cy="1597149"/>
@@ -7824,12 +7819,8 @@
           <a:lstStyle/>
           <a:p>
             <a:r>
-              <a:rPr lang="en-US" dirty="0" smtClean="0"/>
-              <a:t>System </a:t>
-            </a:r>
-            <a:r>
               <a:rPr lang="en-US" dirty="0"/>
-              <a:t>Level Use Case Diagram</a:t>
+              <a:t>System Level Use Case Diagram</a:t>
             </a:r>
           </a:p>
         </p:txBody>
@@ -7848,7 +7839,7 @@
         </p:nvSpPr>
         <p:spPr>
           <a:xfrm>
-            <a:off x="1969940" y="2252621"/>
+            <a:off x="5724327" y="2169820"/>
             <a:ext cx="1760527" cy="485809"/>
           </a:xfrm>
           <a:prstGeom prst="ellipse">
@@ -7903,7 +7894,7 @@
         </p:nvSpPr>
         <p:spPr>
           <a:xfrm>
-            <a:off x="1969940" y="2807255"/>
+            <a:off x="2535699" y="2980295"/>
             <a:ext cx="1760527" cy="485809"/>
           </a:xfrm>
           <a:prstGeom prst="ellipse">
@@ -7958,7 +7949,7 @@
         </p:nvSpPr>
         <p:spPr>
           <a:xfrm>
-            <a:off x="1969940" y="3373282"/>
+            <a:off x="5724326" y="2902539"/>
             <a:ext cx="1760527" cy="485809"/>
           </a:xfrm>
           <a:prstGeom prst="ellipse">
@@ -8123,7 +8114,7 @@
         </p:nvSpPr>
         <p:spPr>
           <a:xfrm>
-            <a:off x="8554986" y="3130377"/>
+            <a:off x="8592130" y="1704806"/>
             <a:ext cx="1760527" cy="485809"/>
           </a:xfrm>
           <a:prstGeom prst="ellipse">
@@ -8178,7 +8169,7 @@
         </p:nvSpPr>
         <p:spPr>
           <a:xfrm>
-            <a:off x="1969939" y="5312681"/>
+            <a:off x="2474164" y="4099754"/>
             <a:ext cx="1760527" cy="485809"/>
           </a:xfrm>
           <a:prstGeom prst="ellipse">
@@ -8233,7 +8224,7 @@
         </p:nvSpPr>
         <p:spPr>
           <a:xfrm>
-            <a:off x="1969939" y="5941013"/>
+            <a:off x="2513279" y="4875799"/>
             <a:ext cx="1760527" cy="485809"/>
           </a:xfrm>
           <a:prstGeom prst="ellipse">
@@ -8432,7 +8423,7 @@
           <a:p>
             <a:pPr algn="ctr"/>
             <a:r>
-              <a:rPr lang="he-IL" sz="1200" dirty="0" smtClean="0"/>
+              <a:rPr lang="he-IL" sz="1200" dirty="0"/>
               <a:t>אתחול המערכת</a:t>
             </a:r>
             <a:endParaRPr lang="en-US" sz="1200" dirty="0"/>
@@ -8487,7 +8478,7 @@
           <a:p>
             <a:pPr algn="ctr"/>
             <a:r>
-              <a:rPr lang="he-IL" sz="1200" dirty="0" smtClean="0"/>
+              <a:rPr lang="he-IL" sz="1200" dirty="0"/>
               <a:t>כיבוי המערכת</a:t>
             </a:r>
             <a:endParaRPr lang="en-US" sz="1200" dirty="0"/>
@@ -8542,7 +8533,7 @@
           <a:p>
             <a:pPr algn="ctr"/>
             <a:r>
-              <a:rPr lang="he-IL" sz="1200" dirty="0" smtClean="0"/>
+              <a:rPr lang="he-IL" sz="1200" dirty="0"/>
               <a:t>הפקת דו"חות נוספים</a:t>
             </a:r>
             <a:endParaRPr lang="en-US" sz="1200" dirty="0"/>
@@ -8563,7 +8554,7 @@
         </p:nvSpPr>
         <p:spPr>
           <a:xfrm>
-            <a:off x="1969939" y="3933587"/>
+            <a:off x="5724326" y="3841374"/>
             <a:ext cx="1760527" cy="485809"/>
           </a:xfrm>
           <a:prstGeom prst="ellipse">
@@ -8597,13 +8588,785 @@
           <a:p>
             <a:pPr algn="ctr"/>
             <a:r>
-              <a:rPr lang="he-IL" sz="1200" dirty="0" smtClean="0"/>
+              <a:rPr lang="he-IL" sz="1200" dirty="0"/>
               <a:t>שליחת תזכורת להזמנה</a:t>
             </a:r>
             <a:endParaRPr lang="en-US" sz="1200" dirty="0"/>
           </a:p>
         </p:txBody>
       </p:sp>
+      <p:cxnSp>
+        <p:nvCxnSpPr>
+          <p:cNvPr id="3" name="מחבר חץ ישר 2">
+            <a:extLst>
+              <a:ext uri="{FF2B5EF4-FFF2-40B4-BE49-F238E27FC236}">
+                <a16:creationId xmlns:a16="http://schemas.microsoft.com/office/drawing/2014/main" id="{80D650B0-7A91-471F-9449-777764849414}"/>
+              </a:ext>
+            </a:extLst>
+          </p:cNvPr>
+          <p:cNvCxnSpPr>
+            <a:cxnSpLocks/>
+          </p:cNvCxnSpPr>
+          <p:nvPr/>
+        </p:nvCxnSpPr>
+        <p:spPr>
+          <a:xfrm flipV="1">
+            <a:off x="1223881" y="2047465"/>
+            <a:ext cx="616494" cy="718994"/>
+          </a:xfrm>
+          <a:prstGeom prst="straightConnector1">
+            <a:avLst/>
+          </a:prstGeom>
+          <a:ln>
+            <a:tailEnd type="triangle"/>
+          </a:ln>
+        </p:spPr>
+        <p:style>
+          <a:lnRef idx="1">
+            <a:schemeClr val="accent1"/>
+          </a:lnRef>
+          <a:fillRef idx="0">
+            <a:schemeClr val="accent1"/>
+          </a:fillRef>
+          <a:effectRef idx="0">
+            <a:schemeClr val="accent1"/>
+          </a:effectRef>
+          <a:fontRef idx="minor">
+            <a:schemeClr val="tx1"/>
+          </a:fontRef>
+        </p:style>
+      </p:cxnSp>
+      <p:cxnSp>
+        <p:nvCxnSpPr>
+          <p:cNvPr id="15" name="מחבר חץ ישר 14">
+            <a:extLst>
+              <a:ext uri="{FF2B5EF4-FFF2-40B4-BE49-F238E27FC236}">
+                <a16:creationId xmlns:a16="http://schemas.microsoft.com/office/drawing/2014/main" id="{B82652E9-214C-421C-87DF-8864BD3B55D6}"/>
+              </a:ext>
+            </a:extLst>
+          </p:cNvPr>
+          <p:cNvCxnSpPr/>
+          <p:nvPr/>
+        </p:nvCxnSpPr>
+        <p:spPr>
+          <a:xfrm>
+            <a:off x="1191279" y="2701318"/>
+            <a:ext cx="1141020" cy="429059"/>
+          </a:xfrm>
+          <a:prstGeom prst="straightConnector1">
+            <a:avLst/>
+          </a:prstGeom>
+          <a:ln>
+            <a:tailEnd type="triangle"/>
+          </a:ln>
+        </p:spPr>
+        <p:style>
+          <a:lnRef idx="1">
+            <a:schemeClr val="accent1"/>
+          </a:lnRef>
+          <a:fillRef idx="0">
+            <a:schemeClr val="accent1"/>
+          </a:fillRef>
+          <a:effectRef idx="0">
+            <a:schemeClr val="accent1"/>
+          </a:effectRef>
+          <a:fontRef idx="minor">
+            <a:schemeClr val="tx1"/>
+          </a:fontRef>
+        </p:style>
+      </p:cxnSp>
+      <p:cxnSp>
+        <p:nvCxnSpPr>
+          <p:cNvPr id="17" name="מחבר ישר 16">
+            <a:extLst>
+              <a:ext uri="{FF2B5EF4-FFF2-40B4-BE49-F238E27FC236}">
+                <a16:creationId xmlns:a16="http://schemas.microsoft.com/office/drawing/2014/main" id="{50B47B84-CD92-4D94-9BA8-AF71D1884BA7}"/>
+              </a:ext>
+            </a:extLst>
+          </p:cNvPr>
+          <p:cNvCxnSpPr>
+            <a:stCxn id="66" idx="6"/>
+            <a:endCxn id="65" idx="2"/>
+          </p:cNvCxnSpPr>
+          <p:nvPr/>
+        </p:nvCxnSpPr>
+        <p:spPr>
+          <a:xfrm flipV="1">
+            <a:off x="4296226" y="2412725"/>
+            <a:ext cx="1428101" cy="810475"/>
+          </a:xfrm>
+          <a:prstGeom prst="line">
+            <a:avLst/>
+          </a:prstGeom>
+          <a:ln w="9525" cap="flat" cmpd="sng" algn="ctr">
+            <a:solidFill>
+              <a:schemeClr val="accent1"/>
+            </a:solidFill>
+            <a:prstDash val="dash"/>
+            <a:round/>
+            <a:headEnd type="none" w="med" len="med"/>
+            <a:tailEnd type="none" w="med" len="med"/>
+          </a:ln>
+        </p:spPr>
+        <p:style>
+          <a:lnRef idx="0">
+            <a:scrgbClr r="0" g="0" b="0"/>
+          </a:lnRef>
+          <a:fillRef idx="0">
+            <a:scrgbClr r="0" g="0" b="0"/>
+          </a:fillRef>
+          <a:effectRef idx="0">
+            <a:scrgbClr r="0" g="0" b="0"/>
+          </a:effectRef>
+          <a:fontRef idx="minor">
+            <a:schemeClr val="tx1"/>
+          </a:fontRef>
+        </p:style>
+      </p:cxnSp>
+      <p:cxnSp>
+        <p:nvCxnSpPr>
+          <p:cNvPr id="19" name="מחבר ישר 18">
+            <a:extLst>
+              <a:ext uri="{FF2B5EF4-FFF2-40B4-BE49-F238E27FC236}">
+                <a16:creationId xmlns:a16="http://schemas.microsoft.com/office/drawing/2014/main" id="{D07A65B8-9F59-449F-8BDC-C127B185ADDE}"/>
+              </a:ext>
+            </a:extLst>
+          </p:cNvPr>
+          <p:cNvCxnSpPr/>
+          <p:nvPr/>
+        </p:nvCxnSpPr>
+        <p:spPr>
+          <a:xfrm flipV="1">
+            <a:off x="4375230" y="3160297"/>
+            <a:ext cx="1267428" cy="114336"/>
+          </a:xfrm>
+          <a:prstGeom prst="line">
+            <a:avLst/>
+          </a:prstGeom>
+          <a:ln w="9525" cap="flat" cmpd="sng" algn="ctr">
+            <a:solidFill>
+              <a:schemeClr val="accent1"/>
+            </a:solidFill>
+            <a:prstDash val="dash"/>
+            <a:round/>
+            <a:headEnd type="none" w="med" len="med"/>
+            <a:tailEnd type="none" w="med" len="med"/>
+          </a:ln>
+        </p:spPr>
+        <p:style>
+          <a:lnRef idx="0">
+            <a:scrgbClr r="0" g="0" b="0"/>
+          </a:lnRef>
+          <a:fillRef idx="0">
+            <a:scrgbClr r="0" g="0" b="0"/>
+          </a:fillRef>
+          <a:effectRef idx="0">
+            <a:scrgbClr r="0" g="0" b="0"/>
+          </a:effectRef>
+          <a:fontRef idx="minor">
+            <a:schemeClr val="tx1"/>
+          </a:fontRef>
+        </p:style>
+      </p:cxnSp>
+      <p:cxnSp>
+        <p:nvCxnSpPr>
+          <p:cNvPr id="21" name="מחבר ישר 20">
+            <a:extLst>
+              <a:ext uri="{FF2B5EF4-FFF2-40B4-BE49-F238E27FC236}">
+                <a16:creationId xmlns:a16="http://schemas.microsoft.com/office/drawing/2014/main" id="{CA37950C-AACF-4937-B980-98AB6C246E45}"/>
+              </a:ext>
+            </a:extLst>
+          </p:cNvPr>
+          <p:cNvCxnSpPr/>
+          <p:nvPr/>
+        </p:nvCxnSpPr>
+        <p:spPr>
+          <a:xfrm>
+            <a:off x="4375230" y="3373281"/>
+            <a:ext cx="1186405" cy="648905"/>
+          </a:xfrm>
+          <a:prstGeom prst="line">
+            <a:avLst/>
+          </a:prstGeom>
+          <a:ln w="9525" cap="flat" cmpd="sng" algn="ctr">
+            <a:solidFill>
+              <a:schemeClr val="accent1"/>
+            </a:solidFill>
+            <a:prstDash val="dash"/>
+            <a:round/>
+            <a:headEnd type="none" w="med" len="med"/>
+            <a:tailEnd type="none" w="med" len="med"/>
+          </a:ln>
+        </p:spPr>
+        <p:style>
+          <a:lnRef idx="0">
+            <a:scrgbClr r="0" g="0" b="0"/>
+          </a:lnRef>
+          <a:fillRef idx="0">
+            <a:scrgbClr r="0" g="0" b="0"/>
+          </a:fillRef>
+          <a:effectRef idx="0">
+            <a:scrgbClr r="0" g="0" b="0"/>
+          </a:effectRef>
+          <a:fontRef idx="minor">
+            <a:schemeClr val="tx1"/>
+          </a:fontRef>
+        </p:style>
+      </p:cxnSp>
+      <p:cxnSp>
+        <p:nvCxnSpPr>
+          <p:cNvPr id="24" name="מחבר חץ ישר 23">
+            <a:extLst>
+              <a:ext uri="{FF2B5EF4-FFF2-40B4-BE49-F238E27FC236}">
+                <a16:creationId xmlns:a16="http://schemas.microsoft.com/office/drawing/2014/main" id="{BECD76D7-04E1-4433-84F6-98F5EB5FCAF4}"/>
+              </a:ext>
+            </a:extLst>
+          </p:cNvPr>
+          <p:cNvCxnSpPr>
+            <a:cxnSpLocks/>
+          </p:cNvCxnSpPr>
+          <p:nvPr/>
+        </p:nvCxnSpPr>
+        <p:spPr>
+          <a:xfrm flipH="1">
+            <a:off x="3507718" y="3510325"/>
+            <a:ext cx="2365" cy="553819"/>
+          </a:xfrm>
+          <a:prstGeom prst="straightConnector1">
+            <a:avLst/>
+          </a:prstGeom>
+          <a:ln w="9525" cap="flat" cmpd="sng" algn="ctr">
+            <a:solidFill>
+              <a:schemeClr val="accent1"/>
+            </a:solidFill>
+            <a:prstDash val="dash"/>
+            <a:round/>
+            <a:headEnd type="none" w="med" len="med"/>
+            <a:tailEnd type="none" w="med" len="med"/>
+          </a:ln>
+        </p:spPr>
+        <p:style>
+          <a:lnRef idx="0">
+            <a:scrgbClr r="0" g="0" b="0"/>
+          </a:lnRef>
+          <a:fillRef idx="0">
+            <a:scrgbClr r="0" g="0" b="0"/>
+          </a:fillRef>
+          <a:effectRef idx="0">
+            <a:scrgbClr r="0" g="0" b="0"/>
+          </a:effectRef>
+          <a:fontRef idx="minor">
+            <a:schemeClr val="tx1"/>
+          </a:fontRef>
+        </p:style>
+      </p:cxnSp>
+      <p:cxnSp>
+        <p:nvCxnSpPr>
+          <p:cNvPr id="68" name="מחבר חץ ישר 67">
+            <a:extLst>
+              <a:ext uri="{FF2B5EF4-FFF2-40B4-BE49-F238E27FC236}">
+                <a16:creationId xmlns:a16="http://schemas.microsoft.com/office/drawing/2014/main" id="{93FB5C31-3745-49ED-AAFF-332A8921C1EE}"/>
+              </a:ext>
+            </a:extLst>
+          </p:cNvPr>
+          <p:cNvCxnSpPr>
+            <a:cxnSpLocks/>
+          </p:cNvCxnSpPr>
+          <p:nvPr/>
+        </p:nvCxnSpPr>
+        <p:spPr>
+          <a:xfrm>
+            <a:off x="1188872" y="2675270"/>
+            <a:ext cx="1265159" cy="2296851"/>
+          </a:xfrm>
+          <a:prstGeom prst="straightConnector1">
+            <a:avLst/>
+          </a:prstGeom>
+          <a:ln>
+            <a:tailEnd type="triangle"/>
+          </a:ln>
+        </p:spPr>
+        <p:style>
+          <a:lnRef idx="1">
+            <a:schemeClr val="accent1"/>
+          </a:lnRef>
+          <a:fillRef idx="0">
+            <a:schemeClr val="accent1"/>
+          </a:fillRef>
+          <a:effectRef idx="0">
+            <a:schemeClr val="accent1"/>
+          </a:effectRef>
+          <a:fontRef idx="minor">
+            <a:schemeClr val="tx1"/>
+          </a:fontRef>
+        </p:style>
+      </p:cxnSp>
+      <p:cxnSp>
+        <p:nvCxnSpPr>
+          <p:cNvPr id="85" name="מחבר ישר 84">
+            <a:extLst>
+              <a:ext uri="{FF2B5EF4-FFF2-40B4-BE49-F238E27FC236}">
+                <a16:creationId xmlns:a16="http://schemas.microsoft.com/office/drawing/2014/main" id="{FF1C401F-6BEC-405C-8AA5-48AF1CC383F2}"/>
+              </a:ext>
+            </a:extLst>
+          </p:cNvPr>
+          <p:cNvCxnSpPr>
+            <a:cxnSpLocks/>
+          </p:cNvCxnSpPr>
+          <p:nvPr/>
+        </p:nvCxnSpPr>
+        <p:spPr>
+          <a:xfrm flipH="1" flipV="1">
+            <a:off x="10470758" y="2790070"/>
+            <a:ext cx="1159116" cy="874654"/>
+          </a:xfrm>
+          <a:prstGeom prst="line">
+            <a:avLst/>
+          </a:prstGeom>
+          <a:ln w="9525" cap="flat" cmpd="sng" algn="ctr">
+            <a:solidFill>
+              <a:schemeClr val="accent1"/>
+            </a:solidFill>
+            <a:prstDash val="solid"/>
+            <a:round/>
+            <a:headEnd type="none" w="med" len="med"/>
+            <a:tailEnd type="arrow" w="med" len="med"/>
+          </a:ln>
+        </p:spPr>
+        <p:style>
+          <a:lnRef idx="0">
+            <a:scrgbClr r="0" g="0" b="0"/>
+          </a:lnRef>
+          <a:fillRef idx="0">
+            <a:scrgbClr r="0" g="0" b="0"/>
+          </a:fillRef>
+          <a:effectRef idx="0">
+            <a:scrgbClr r="0" g="0" b="0"/>
+          </a:effectRef>
+          <a:fontRef idx="minor">
+            <a:schemeClr val="tx1"/>
+          </a:fontRef>
+        </p:style>
+      </p:cxnSp>
+      <p:cxnSp>
+        <p:nvCxnSpPr>
+          <p:cNvPr id="89" name="מחבר חץ ישר 88">
+            <a:extLst>
+              <a:ext uri="{FF2B5EF4-FFF2-40B4-BE49-F238E27FC236}">
+                <a16:creationId xmlns:a16="http://schemas.microsoft.com/office/drawing/2014/main" id="{D2BE99B7-4AA5-430F-B478-7661D76C6C20}"/>
+              </a:ext>
+            </a:extLst>
+          </p:cNvPr>
+          <p:cNvCxnSpPr>
+            <a:cxnSpLocks/>
+            <a:endCxn id="74" idx="6"/>
+          </p:cNvCxnSpPr>
+          <p:nvPr/>
+        </p:nvCxnSpPr>
+        <p:spPr>
+          <a:xfrm flipH="1" flipV="1">
+            <a:off x="10310617" y="5069777"/>
+            <a:ext cx="817217" cy="654294"/>
+          </a:xfrm>
+          <a:prstGeom prst="straightConnector1">
+            <a:avLst/>
+          </a:prstGeom>
+          <a:ln>
+            <a:tailEnd type="triangle"/>
+          </a:ln>
+        </p:spPr>
+        <p:style>
+          <a:lnRef idx="1">
+            <a:schemeClr val="accent1"/>
+          </a:lnRef>
+          <a:fillRef idx="0">
+            <a:schemeClr val="accent1"/>
+          </a:fillRef>
+          <a:effectRef idx="0">
+            <a:schemeClr val="accent1"/>
+          </a:effectRef>
+          <a:fontRef idx="minor">
+            <a:schemeClr val="tx1"/>
+          </a:fontRef>
+        </p:style>
+      </p:cxnSp>
+      <p:cxnSp>
+        <p:nvCxnSpPr>
+          <p:cNvPr id="91" name="מחבר חץ ישר 90">
+            <a:extLst>
+              <a:ext uri="{FF2B5EF4-FFF2-40B4-BE49-F238E27FC236}">
+                <a16:creationId xmlns:a16="http://schemas.microsoft.com/office/drawing/2014/main" id="{E705F483-1055-4589-A50A-0E247DDC7213}"/>
+              </a:ext>
+            </a:extLst>
+          </p:cNvPr>
+          <p:cNvCxnSpPr>
+            <a:endCxn id="78" idx="6"/>
+          </p:cNvCxnSpPr>
+          <p:nvPr/>
+        </p:nvCxnSpPr>
+        <p:spPr>
+          <a:xfrm flipH="1" flipV="1">
+            <a:off x="10376228" y="5646716"/>
+            <a:ext cx="709250" cy="70582"/>
+          </a:xfrm>
+          <a:prstGeom prst="straightConnector1">
+            <a:avLst/>
+          </a:prstGeom>
+          <a:ln>
+            <a:tailEnd type="triangle"/>
+          </a:ln>
+        </p:spPr>
+        <p:style>
+          <a:lnRef idx="1">
+            <a:schemeClr val="accent1"/>
+          </a:lnRef>
+          <a:fillRef idx="0">
+            <a:schemeClr val="accent1"/>
+          </a:fillRef>
+          <a:effectRef idx="0">
+            <a:schemeClr val="accent1"/>
+          </a:effectRef>
+          <a:fontRef idx="minor">
+            <a:schemeClr val="tx1"/>
+          </a:fontRef>
+        </p:style>
+      </p:cxnSp>
+      <p:cxnSp>
+        <p:nvCxnSpPr>
+          <p:cNvPr id="93" name="מחבר חץ ישר 92">
+            <a:extLst>
+              <a:ext uri="{FF2B5EF4-FFF2-40B4-BE49-F238E27FC236}">
+                <a16:creationId xmlns:a16="http://schemas.microsoft.com/office/drawing/2014/main" id="{FA880C07-D1CA-4F56-8F5A-63F69A8F03DB}"/>
+              </a:ext>
+            </a:extLst>
+          </p:cNvPr>
+          <p:cNvCxnSpPr>
+            <a:cxnSpLocks/>
+            <a:endCxn id="75" idx="6"/>
+          </p:cNvCxnSpPr>
+          <p:nvPr/>
+        </p:nvCxnSpPr>
+        <p:spPr>
+          <a:xfrm flipH="1">
+            <a:off x="10376228" y="5764421"/>
+            <a:ext cx="782798" cy="419497"/>
+          </a:xfrm>
+          <a:prstGeom prst="straightConnector1">
+            <a:avLst/>
+          </a:prstGeom>
+          <a:ln>
+            <a:tailEnd type="triangle"/>
+          </a:ln>
+        </p:spPr>
+        <p:style>
+          <a:lnRef idx="1">
+            <a:schemeClr val="accent1"/>
+          </a:lnRef>
+          <a:fillRef idx="0">
+            <a:schemeClr val="accent1"/>
+          </a:fillRef>
+          <a:effectRef idx="0">
+            <a:schemeClr val="accent1"/>
+          </a:effectRef>
+          <a:fontRef idx="minor">
+            <a:schemeClr val="tx1"/>
+          </a:fontRef>
+        </p:style>
+      </p:cxnSp>
+      <p:cxnSp>
+        <p:nvCxnSpPr>
+          <p:cNvPr id="97" name="מחבר ישר 96">
+            <a:extLst>
+              <a:ext uri="{FF2B5EF4-FFF2-40B4-BE49-F238E27FC236}">
+                <a16:creationId xmlns:a16="http://schemas.microsoft.com/office/drawing/2014/main" id="{E19B8D57-F10A-464D-8146-DBC52A6DB4FC}"/>
+              </a:ext>
+            </a:extLst>
+          </p:cNvPr>
+          <p:cNvCxnSpPr>
+            <a:cxnSpLocks/>
+          </p:cNvCxnSpPr>
+          <p:nvPr/>
+        </p:nvCxnSpPr>
+        <p:spPr>
+          <a:xfrm flipH="1">
+            <a:off x="10546720" y="3656965"/>
+            <a:ext cx="1083155" cy="247180"/>
+          </a:xfrm>
+          <a:prstGeom prst="line">
+            <a:avLst/>
+          </a:prstGeom>
+          <a:ln w="9525" cap="flat" cmpd="sng" algn="ctr">
+            <a:solidFill>
+              <a:schemeClr val="accent5"/>
+            </a:solidFill>
+            <a:prstDash val="solid"/>
+            <a:round/>
+            <a:headEnd type="none" w="med" len="med"/>
+            <a:tailEnd type="arrow" w="med" len="med"/>
+          </a:ln>
+        </p:spPr>
+        <p:style>
+          <a:lnRef idx="0">
+            <a:scrgbClr r="0" g="0" b="0"/>
+          </a:lnRef>
+          <a:fillRef idx="0">
+            <a:scrgbClr r="0" g="0" b="0"/>
+          </a:fillRef>
+          <a:effectRef idx="0">
+            <a:scrgbClr r="0" g="0" b="0"/>
+          </a:effectRef>
+          <a:fontRef idx="minor">
+            <a:schemeClr val="tx1"/>
+          </a:fontRef>
+        </p:style>
+      </p:cxnSp>
+      <p:cxnSp>
+        <p:nvCxnSpPr>
+          <p:cNvPr id="102" name="מחבר ישר 101">
+            <a:extLst>
+              <a:ext uri="{FF2B5EF4-FFF2-40B4-BE49-F238E27FC236}">
+                <a16:creationId xmlns:a16="http://schemas.microsoft.com/office/drawing/2014/main" id="{ECB634CC-2486-4CE5-9D9B-69897CF3364F}"/>
+              </a:ext>
+            </a:extLst>
+          </p:cNvPr>
+          <p:cNvCxnSpPr>
+            <a:cxnSpLocks/>
+            <a:endCxn id="71" idx="6"/>
+          </p:cNvCxnSpPr>
+          <p:nvPr/>
+        </p:nvCxnSpPr>
+        <p:spPr>
+          <a:xfrm flipH="1">
+            <a:off x="10352657" y="1869231"/>
+            <a:ext cx="1082259" cy="78480"/>
+          </a:xfrm>
+          <a:prstGeom prst="line">
+            <a:avLst/>
+          </a:prstGeom>
+        </p:spPr>
+        <p:style>
+          <a:lnRef idx="1">
+            <a:schemeClr val="accent1"/>
+          </a:lnRef>
+          <a:fillRef idx="0">
+            <a:schemeClr val="accent1"/>
+          </a:fillRef>
+          <a:effectRef idx="0">
+            <a:schemeClr val="accent1"/>
+          </a:effectRef>
+          <a:fontRef idx="minor">
+            <a:schemeClr val="tx1"/>
+          </a:fontRef>
+        </p:style>
+      </p:cxnSp>
+      <p:cxnSp>
+        <p:nvCxnSpPr>
+          <p:cNvPr id="111" name="מחבר ישר 110">
+            <a:extLst>
+              <a:ext uri="{FF2B5EF4-FFF2-40B4-BE49-F238E27FC236}">
+                <a16:creationId xmlns:a16="http://schemas.microsoft.com/office/drawing/2014/main" id="{431CE17B-0177-4044-BB6B-1BB530311F17}"/>
+              </a:ext>
+            </a:extLst>
+          </p:cNvPr>
+          <p:cNvCxnSpPr>
+            <a:cxnSpLocks/>
+          </p:cNvCxnSpPr>
+          <p:nvPr/>
+        </p:nvCxnSpPr>
+        <p:spPr>
+          <a:xfrm flipH="1">
+            <a:off x="10504704" y="3670803"/>
+            <a:ext cx="1118058" cy="806657"/>
+          </a:xfrm>
+          <a:prstGeom prst="line">
+            <a:avLst/>
+          </a:prstGeom>
+          <a:ln w="9525" cap="flat" cmpd="sng" algn="ctr">
+            <a:solidFill>
+              <a:schemeClr val="accent5"/>
+            </a:solidFill>
+            <a:prstDash val="solid"/>
+            <a:round/>
+            <a:headEnd type="none" w="med" len="med"/>
+            <a:tailEnd type="arrow" w="med" len="med"/>
+          </a:ln>
+        </p:spPr>
+        <p:style>
+          <a:lnRef idx="0">
+            <a:scrgbClr r="0" g="0" b="0"/>
+          </a:lnRef>
+          <a:fillRef idx="0">
+            <a:scrgbClr r="0" g="0" b="0"/>
+          </a:fillRef>
+          <a:effectRef idx="0">
+            <a:scrgbClr r="0" g="0" b="0"/>
+          </a:effectRef>
+          <a:fontRef idx="minor">
+            <a:schemeClr val="tx1"/>
+          </a:fontRef>
+        </p:style>
+      </p:cxnSp>
+      <p:cxnSp>
+        <p:nvCxnSpPr>
+          <p:cNvPr id="114" name="מחבר ישר 113">
+            <a:extLst>
+              <a:ext uri="{FF2B5EF4-FFF2-40B4-BE49-F238E27FC236}">
+                <a16:creationId xmlns:a16="http://schemas.microsoft.com/office/drawing/2014/main" id="{2B14EE58-E95B-4EE7-A346-6EF9AC8219DE}"/>
+              </a:ext>
+            </a:extLst>
+          </p:cNvPr>
+          <p:cNvCxnSpPr>
+            <a:cxnSpLocks/>
+          </p:cNvCxnSpPr>
+          <p:nvPr/>
+        </p:nvCxnSpPr>
+        <p:spPr>
+          <a:xfrm flipH="1" flipV="1">
+            <a:off x="10466178" y="4585563"/>
+            <a:ext cx="645762" cy="1131387"/>
+          </a:xfrm>
+          <a:prstGeom prst="line">
+            <a:avLst/>
+          </a:prstGeom>
+          <a:ln w="9525" cap="flat" cmpd="sng" algn="ctr">
+            <a:solidFill>
+              <a:schemeClr val="accent5"/>
+            </a:solidFill>
+            <a:prstDash val="solid"/>
+            <a:round/>
+            <a:headEnd type="none" w="med" len="med"/>
+            <a:tailEnd type="arrow" w="med" len="med"/>
+          </a:ln>
+        </p:spPr>
+        <p:style>
+          <a:lnRef idx="0">
+            <a:scrgbClr r="0" g="0" b="0"/>
+          </a:lnRef>
+          <a:fillRef idx="0">
+            <a:scrgbClr r="0" g="0" b="0"/>
+          </a:fillRef>
+          <a:effectRef idx="0">
+            <a:scrgbClr r="0" g="0" b="0"/>
+          </a:effectRef>
+          <a:fontRef idx="minor">
+            <a:schemeClr val="tx1"/>
+          </a:fontRef>
+        </p:style>
+      </p:cxnSp>
+      <p:cxnSp>
+        <p:nvCxnSpPr>
+          <p:cNvPr id="125" name="מחבר ישר 124">
+            <a:extLst>
+              <a:ext uri="{FF2B5EF4-FFF2-40B4-BE49-F238E27FC236}">
+                <a16:creationId xmlns:a16="http://schemas.microsoft.com/office/drawing/2014/main" id="{01457FC8-66FD-4515-A148-4A5A3286E0A8}"/>
+              </a:ext>
+            </a:extLst>
+          </p:cNvPr>
+          <p:cNvCxnSpPr/>
+          <p:nvPr/>
+        </p:nvCxnSpPr>
+        <p:spPr>
+          <a:xfrm flipH="1">
+            <a:off x="10504704" y="5830401"/>
+            <a:ext cx="654322" cy="946576"/>
+          </a:xfrm>
+          <a:prstGeom prst="line">
+            <a:avLst/>
+          </a:prstGeom>
+        </p:spPr>
+        <p:style>
+          <a:lnRef idx="1">
+            <a:schemeClr val="accent1"/>
+          </a:lnRef>
+          <a:fillRef idx="0">
+            <a:schemeClr val="accent1"/>
+          </a:fillRef>
+          <a:effectRef idx="0">
+            <a:schemeClr val="accent1"/>
+          </a:effectRef>
+          <a:fontRef idx="minor">
+            <a:schemeClr val="tx1"/>
+          </a:fontRef>
+        </p:style>
+      </p:cxnSp>
+      <p:cxnSp>
+        <p:nvCxnSpPr>
+          <p:cNvPr id="129" name="מחבר ישר 128">
+            <a:extLst>
+              <a:ext uri="{FF2B5EF4-FFF2-40B4-BE49-F238E27FC236}">
+                <a16:creationId xmlns:a16="http://schemas.microsoft.com/office/drawing/2014/main" id="{8743A0C3-2E8A-4CBD-85B0-4957CB291E95}"/>
+              </a:ext>
+            </a:extLst>
+          </p:cNvPr>
+          <p:cNvCxnSpPr/>
+          <p:nvPr/>
+        </p:nvCxnSpPr>
+        <p:spPr>
+          <a:xfrm flipH="1" flipV="1">
+            <a:off x="7882357" y="6742255"/>
+            <a:ext cx="2630117" cy="40512"/>
+          </a:xfrm>
+          <a:prstGeom prst="line">
+            <a:avLst/>
+          </a:prstGeom>
+        </p:spPr>
+        <p:style>
+          <a:lnRef idx="1">
+            <a:schemeClr val="accent1"/>
+          </a:lnRef>
+          <a:fillRef idx="0">
+            <a:schemeClr val="accent1"/>
+          </a:fillRef>
+          <a:effectRef idx="0">
+            <a:schemeClr val="accent1"/>
+          </a:effectRef>
+          <a:fontRef idx="minor">
+            <a:schemeClr val="tx1"/>
+          </a:fontRef>
+        </p:style>
+      </p:cxnSp>
+      <p:cxnSp>
+        <p:nvCxnSpPr>
+          <p:cNvPr id="131" name="מחבר: מרפקי 130">
+            <a:extLst>
+              <a:ext uri="{FF2B5EF4-FFF2-40B4-BE49-F238E27FC236}">
+                <a16:creationId xmlns:a16="http://schemas.microsoft.com/office/drawing/2014/main" id="{08F033E5-8661-4FE2-AB11-373A3B4E7529}"/>
+              </a:ext>
+            </a:extLst>
+          </p:cNvPr>
+          <p:cNvCxnSpPr>
+            <a:cxnSpLocks/>
+            <a:endCxn id="76" idx="2"/>
+          </p:cNvCxnSpPr>
+          <p:nvPr/>
+        </p:nvCxnSpPr>
+        <p:spPr>
+          <a:xfrm rot="5400000" flipH="1" flipV="1">
+            <a:off x="6238241" y="4412645"/>
+            <a:ext cx="3973730" cy="698197"/>
+          </a:xfrm>
+          <a:prstGeom prst="bentConnector2">
+            <a:avLst/>
+          </a:prstGeom>
+          <a:ln>
+            <a:tailEnd type="triangle"/>
+          </a:ln>
+        </p:spPr>
+        <p:style>
+          <a:lnRef idx="1">
+            <a:schemeClr val="accent1"/>
+          </a:lnRef>
+          <a:fillRef idx="0">
+            <a:schemeClr val="accent1"/>
+          </a:fillRef>
+          <a:effectRef idx="0">
+            <a:schemeClr val="accent1"/>
+          </a:effectRef>
+          <a:fontRef idx="minor">
+            <a:schemeClr val="tx1"/>
+          </a:fontRef>
+        </p:style>
+      </p:cxnSp>
     </p:spTree>
     <p:extLst>
       <p:ext uri="{BB962C8B-B14F-4D97-AF65-F5344CB8AC3E}">

--- a/use cases/use_case_diagram_system.pptx
+++ b/use cases/use_case_diagram_system.pptx
@@ -261,7 +261,7 @@
           <a:p>
             <a:fld id="{808C3DBF-4E85-4432-AFC9-4C85C7D0F8E2}" type="datetimeFigureOut">
               <a:rPr lang="en-US" smtClean="0"/>
-              <a:t>4/12/2018</a:t>
+              <a:t>4/19/2018</a:t>
             </a:fld>
             <a:endParaRPr lang="en-US"/>
           </a:p>
@@ -459,7 +459,7 @@
           <a:p>
             <a:fld id="{808C3DBF-4E85-4432-AFC9-4C85C7D0F8E2}" type="datetimeFigureOut">
               <a:rPr lang="en-US" smtClean="0"/>
-              <a:t>4/12/2018</a:t>
+              <a:t>4/19/2018</a:t>
             </a:fld>
             <a:endParaRPr lang="en-US"/>
           </a:p>
@@ -667,7 +667,7 @@
           <a:p>
             <a:fld id="{808C3DBF-4E85-4432-AFC9-4C85C7D0F8E2}" type="datetimeFigureOut">
               <a:rPr lang="en-US" smtClean="0"/>
-              <a:t>4/12/2018</a:t>
+              <a:t>4/19/2018</a:t>
             </a:fld>
             <a:endParaRPr lang="en-US"/>
           </a:p>
@@ -865,7 +865,7 @@
           <a:p>
             <a:fld id="{808C3DBF-4E85-4432-AFC9-4C85C7D0F8E2}" type="datetimeFigureOut">
               <a:rPr lang="en-US" smtClean="0"/>
-              <a:t>4/12/2018</a:t>
+              <a:t>4/19/2018</a:t>
             </a:fld>
             <a:endParaRPr lang="en-US"/>
           </a:p>
@@ -1140,7 +1140,7 @@
           <a:p>
             <a:fld id="{808C3DBF-4E85-4432-AFC9-4C85C7D0F8E2}" type="datetimeFigureOut">
               <a:rPr lang="en-US" smtClean="0"/>
-              <a:t>4/12/2018</a:t>
+              <a:t>4/19/2018</a:t>
             </a:fld>
             <a:endParaRPr lang="en-US"/>
           </a:p>
@@ -1405,7 +1405,7 @@
           <a:p>
             <a:fld id="{808C3DBF-4E85-4432-AFC9-4C85C7D0F8E2}" type="datetimeFigureOut">
               <a:rPr lang="en-US" smtClean="0"/>
-              <a:t>4/12/2018</a:t>
+              <a:t>4/19/2018</a:t>
             </a:fld>
             <a:endParaRPr lang="en-US"/>
           </a:p>
@@ -1817,7 +1817,7 @@
           <a:p>
             <a:fld id="{808C3DBF-4E85-4432-AFC9-4C85C7D0F8E2}" type="datetimeFigureOut">
               <a:rPr lang="en-US" smtClean="0"/>
-              <a:t>4/12/2018</a:t>
+              <a:t>4/19/2018</a:t>
             </a:fld>
             <a:endParaRPr lang="en-US"/>
           </a:p>
@@ -1958,7 +1958,7 @@
           <a:p>
             <a:fld id="{808C3DBF-4E85-4432-AFC9-4C85C7D0F8E2}" type="datetimeFigureOut">
               <a:rPr lang="en-US" smtClean="0"/>
-              <a:t>4/12/2018</a:t>
+              <a:t>4/19/2018</a:t>
             </a:fld>
             <a:endParaRPr lang="en-US"/>
           </a:p>
@@ -2071,7 +2071,7 @@
           <a:p>
             <a:fld id="{808C3DBF-4E85-4432-AFC9-4C85C7D0F8E2}" type="datetimeFigureOut">
               <a:rPr lang="en-US" smtClean="0"/>
-              <a:t>4/12/2018</a:t>
+              <a:t>4/19/2018</a:t>
             </a:fld>
             <a:endParaRPr lang="en-US"/>
           </a:p>
@@ -2382,7 +2382,7 @@
           <a:p>
             <a:fld id="{808C3DBF-4E85-4432-AFC9-4C85C7D0F8E2}" type="datetimeFigureOut">
               <a:rPr lang="en-US" smtClean="0"/>
-              <a:t>4/12/2018</a:t>
+              <a:t>4/19/2018</a:t>
             </a:fld>
             <a:endParaRPr lang="en-US"/>
           </a:p>
@@ -2670,7 +2670,7 @@
           <a:p>
             <a:fld id="{808C3DBF-4E85-4432-AFC9-4C85C7D0F8E2}" type="datetimeFigureOut">
               <a:rPr lang="en-US" smtClean="0"/>
-              <a:t>4/12/2018</a:t>
+              <a:t>4/19/2018</a:t>
             </a:fld>
             <a:endParaRPr lang="en-US"/>
           </a:p>
@@ -2911,7 +2911,7 @@
           <a:p>
             <a:fld id="{808C3DBF-4E85-4432-AFC9-4C85C7D0F8E2}" type="datetimeFigureOut">
               <a:rPr lang="en-US" smtClean="0"/>
-              <a:t>4/12/2018</a:t>
+              <a:t>4/19/2018</a:t>
             </a:fld>
             <a:endParaRPr lang="en-US"/>
           </a:p>
@@ -8169,7 +8169,7 @@
         </p:nvSpPr>
         <p:spPr>
           <a:xfrm>
-            <a:off x="2474164" y="4099754"/>
+            <a:off x="2438720" y="4099754"/>
             <a:ext cx="1760527" cy="485809"/>
           </a:xfrm>
           <a:prstGeom prst="ellipse">
@@ -8224,7 +8224,7 @@
         </p:nvSpPr>
         <p:spPr>
           <a:xfrm>
-            <a:off x="2513279" y="4875799"/>
+            <a:off x="2389462" y="5599926"/>
             <a:ext cx="1760527" cy="485809"/>
           </a:xfrm>
           <a:prstGeom prst="ellipse">
@@ -8650,7 +8650,7 @@
         </p:nvCxnSpPr>
         <p:spPr>
           <a:xfrm>
-            <a:off x="1191279" y="2701318"/>
+            <a:off x="1234068" y="2779165"/>
             <a:ext cx="1141020" cy="429059"/>
           </a:xfrm>
           <a:prstGeom prst="straightConnector1">
@@ -8829,7 +8829,7 @@
         </p:nvCxnSpPr>
         <p:spPr>
           <a:xfrm flipH="1">
-            <a:off x="3507718" y="3510325"/>
+            <a:off x="3310801" y="3479855"/>
             <a:ext cx="2365" cy="553819"/>
           </a:xfrm>
           <a:prstGeom prst="straightConnector1">
@@ -8876,8 +8876,8 @@
         </p:nvCxnSpPr>
         <p:spPr>
           <a:xfrm>
-            <a:off x="1188872" y="2675270"/>
-            <a:ext cx="1265159" cy="2296851"/>
+            <a:off x="1222363" y="2743782"/>
+            <a:ext cx="1176855" cy="3006737"/>
           </a:xfrm>
           <a:prstGeom prst="straightConnector1">
             <a:avLst/>
@@ -9351,6 +9351,141 @@
           <a:ln>
             <a:tailEnd type="triangle"/>
           </a:ln>
+        </p:spPr>
+        <p:style>
+          <a:lnRef idx="1">
+            <a:schemeClr val="accent1"/>
+          </a:lnRef>
+          <a:fillRef idx="0">
+            <a:schemeClr val="accent1"/>
+          </a:fillRef>
+          <a:effectRef idx="0">
+            <a:schemeClr val="accent1"/>
+          </a:effectRef>
+          <a:fontRef idx="minor">
+            <a:schemeClr val="tx1"/>
+          </a:fontRef>
+        </p:style>
+      </p:cxnSp>
+      <p:sp>
+        <p:nvSpPr>
+          <p:cNvPr id="80" name="Oval 71">
+            <a:extLst>
+              <a:ext uri="{FF2B5EF4-FFF2-40B4-BE49-F238E27FC236}">
+                <a16:creationId xmlns:a16="http://schemas.microsoft.com/office/drawing/2014/main" id="{3D60D4CC-C645-47EC-8054-2632E7501AA4}"/>
+              </a:ext>
+            </a:extLst>
+          </p:cNvPr>
+          <p:cNvSpPr/>
+          <p:nvPr/>
+        </p:nvSpPr>
+        <p:spPr>
+          <a:xfrm>
+            <a:off x="2450713" y="4729216"/>
+            <a:ext cx="1760527" cy="485809"/>
+          </a:xfrm>
+          <a:prstGeom prst="ellipse">
+            <a:avLst/>
+          </a:prstGeom>
+        </p:spPr>
+        <p:style>
+          <a:lnRef idx="2">
+            <a:schemeClr val="accent1">
+              <a:shade val="50000"/>
+            </a:schemeClr>
+          </a:lnRef>
+          <a:fillRef idx="1">
+            <a:schemeClr val="accent1"/>
+          </a:fillRef>
+          <a:effectRef idx="0">
+            <a:schemeClr val="accent1"/>
+          </a:effectRef>
+          <a:fontRef idx="minor">
+            <a:schemeClr val="lt1"/>
+          </a:fontRef>
+        </p:style>
+        <p:txBody>
+          <a:bodyPr rot="0" spcFirstLastPara="0" vertOverflow="overflow" horzOverflow="overflow" vert="horz" wrap="square" lIns="91440" tIns="45720" rIns="91440" bIns="45720" numCol="1" spcCol="0" rtlCol="0" fromWordArt="0" anchor="ctr" anchorCtr="0" forceAA="0" compatLnSpc="1">
+            <a:prstTxWarp prst="textNoShape">
+              <a:avLst/>
+            </a:prstTxWarp>
+            <a:noAutofit/>
+          </a:bodyPr>
+          <a:lstStyle/>
+          <a:p>
+            <a:pPr algn="ctr"/>
+            <a:r>
+              <a:rPr lang="he-IL" sz="1200" dirty="0"/>
+              <a:t>הגשת תלונה</a:t>
+            </a:r>
+          </a:p>
+        </p:txBody>
+      </p:sp>
+      <p:cxnSp>
+        <p:nvCxnSpPr>
+          <p:cNvPr id="81" name="מחבר חץ ישר 80">
+            <a:extLst>
+              <a:ext uri="{FF2B5EF4-FFF2-40B4-BE49-F238E27FC236}">
+                <a16:creationId xmlns:a16="http://schemas.microsoft.com/office/drawing/2014/main" id="{05C80F69-DE1E-46F5-A3D5-0D0EF8E3BC70}"/>
+              </a:ext>
+            </a:extLst>
+          </p:cNvPr>
+          <p:cNvCxnSpPr>
+            <a:cxnSpLocks/>
+            <a:endCxn id="80" idx="2"/>
+          </p:cNvCxnSpPr>
+          <p:nvPr/>
+        </p:nvCxnSpPr>
+        <p:spPr>
+          <a:xfrm>
+            <a:off x="1256314" y="2817962"/>
+            <a:ext cx="1194399" cy="2154159"/>
+          </a:xfrm>
+          <a:prstGeom prst="straightConnector1">
+            <a:avLst/>
+          </a:prstGeom>
+          <a:ln>
+            <a:tailEnd type="triangle"/>
+          </a:ln>
+        </p:spPr>
+        <p:style>
+          <a:lnRef idx="1">
+            <a:schemeClr val="accent1"/>
+          </a:lnRef>
+          <a:fillRef idx="0">
+            <a:schemeClr val="accent1"/>
+          </a:fillRef>
+          <a:effectRef idx="0">
+            <a:schemeClr val="accent1"/>
+          </a:effectRef>
+          <a:fontRef idx="minor">
+            <a:schemeClr val="tx1"/>
+          </a:fontRef>
+        </p:style>
+      </p:cxnSp>
+      <p:cxnSp>
+        <p:nvCxnSpPr>
+          <p:cNvPr id="83" name="מחבר ישר 82">
+            <a:extLst>
+              <a:ext uri="{FF2B5EF4-FFF2-40B4-BE49-F238E27FC236}">
+                <a16:creationId xmlns:a16="http://schemas.microsoft.com/office/drawing/2014/main" id="{34BD3F5A-E2EC-4323-B810-0F894D68121C}"/>
+              </a:ext>
+            </a:extLst>
+          </p:cNvPr>
+          <p:cNvCxnSpPr>
+            <a:cxnSpLocks/>
+            <a:stCxn id="80" idx="2"/>
+          </p:cNvCxnSpPr>
+          <p:nvPr/>
+        </p:nvCxnSpPr>
+        <p:spPr>
+          <a:xfrm flipH="1">
+            <a:off x="1140411" y="4972121"/>
+            <a:ext cx="1310302" cy="475049"/>
+          </a:xfrm>
+          <a:prstGeom prst="line">
+            <a:avLst/>
+          </a:prstGeom>
         </p:spPr>
         <p:style>
           <a:lnRef idx="1">

--- a/use cases/use_case_diagram_system.pptx
+++ b/use cases/use_case_diagram_system.pptx
@@ -5,9 +5,7 @@
     <p:sldMasterId id="2147483648" r:id="rId1"/>
   </p:sldMasterIdLst>
   <p:sldIdLst>
-    <p:sldId id="257" r:id="rId2"/>
-    <p:sldId id="256" r:id="rId3"/>
-    <p:sldId id="259" r:id="rId4"/>
+    <p:sldId id="259" r:id="rId2"/>
   </p:sldIdLst>
   <p:sldSz cx="12192000" cy="6858000"/>
   <p:notesSz cx="6858000" cy="9144000"/>
@@ -261,7 +259,7 @@
           <a:p>
             <a:fld id="{808C3DBF-4E85-4432-AFC9-4C85C7D0F8E2}" type="datetimeFigureOut">
               <a:rPr lang="en-US" smtClean="0"/>
-              <a:t>4/19/2018</a:t>
+              <a:t>4/22/18</a:t>
             </a:fld>
             <a:endParaRPr lang="en-US"/>
           </a:p>
@@ -459,7 +457,7 @@
           <a:p>
             <a:fld id="{808C3DBF-4E85-4432-AFC9-4C85C7D0F8E2}" type="datetimeFigureOut">
               <a:rPr lang="en-US" smtClean="0"/>
-              <a:t>4/19/2018</a:t>
+              <a:t>4/22/18</a:t>
             </a:fld>
             <a:endParaRPr lang="en-US"/>
           </a:p>
@@ -667,7 +665,7 @@
           <a:p>
             <a:fld id="{808C3DBF-4E85-4432-AFC9-4C85C7D0F8E2}" type="datetimeFigureOut">
               <a:rPr lang="en-US" smtClean="0"/>
-              <a:t>4/19/2018</a:t>
+              <a:t>4/22/18</a:t>
             </a:fld>
             <a:endParaRPr lang="en-US"/>
           </a:p>
@@ -865,7 +863,7 @@
           <a:p>
             <a:fld id="{808C3DBF-4E85-4432-AFC9-4C85C7D0F8E2}" type="datetimeFigureOut">
               <a:rPr lang="en-US" smtClean="0"/>
-              <a:t>4/19/2018</a:t>
+              <a:t>4/22/18</a:t>
             </a:fld>
             <a:endParaRPr lang="en-US"/>
           </a:p>
@@ -1140,7 +1138,7 @@
           <a:p>
             <a:fld id="{808C3DBF-4E85-4432-AFC9-4C85C7D0F8E2}" type="datetimeFigureOut">
               <a:rPr lang="en-US" smtClean="0"/>
-              <a:t>4/19/2018</a:t>
+              <a:t>4/22/18</a:t>
             </a:fld>
             <a:endParaRPr lang="en-US"/>
           </a:p>
@@ -1405,7 +1403,7 @@
           <a:p>
             <a:fld id="{808C3DBF-4E85-4432-AFC9-4C85C7D0F8E2}" type="datetimeFigureOut">
               <a:rPr lang="en-US" smtClean="0"/>
-              <a:t>4/19/2018</a:t>
+              <a:t>4/22/18</a:t>
             </a:fld>
             <a:endParaRPr lang="en-US"/>
           </a:p>
@@ -1817,7 +1815,7 @@
           <a:p>
             <a:fld id="{808C3DBF-4E85-4432-AFC9-4C85C7D0F8E2}" type="datetimeFigureOut">
               <a:rPr lang="en-US" smtClean="0"/>
-              <a:t>4/19/2018</a:t>
+              <a:t>4/22/18</a:t>
             </a:fld>
             <a:endParaRPr lang="en-US"/>
           </a:p>
@@ -1958,7 +1956,7 @@
           <a:p>
             <a:fld id="{808C3DBF-4E85-4432-AFC9-4C85C7D0F8E2}" type="datetimeFigureOut">
               <a:rPr lang="en-US" smtClean="0"/>
-              <a:t>4/19/2018</a:t>
+              <a:t>4/22/18</a:t>
             </a:fld>
             <a:endParaRPr lang="en-US"/>
           </a:p>
@@ -2071,7 +2069,7 @@
           <a:p>
             <a:fld id="{808C3DBF-4E85-4432-AFC9-4C85C7D0F8E2}" type="datetimeFigureOut">
               <a:rPr lang="en-US" smtClean="0"/>
-              <a:t>4/19/2018</a:t>
+              <a:t>4/22/18</a:t>
             </a:fld>
             <a:endParaRPr lang="en-US"/>
           </a:p>
@@ -2382,7 +2380,7 @@
           <a:p>
             <a:fld id="{808C3DBF-4E85-4432-AFC9-4C85C7D0F8E2}" type="datetimeFigureOut">
               <a:rPr lang="en-US" smtClean="0"/>
-              <a:t>4/19/2018</a:t>
+              <a:t>4/22/18</a:t>
             </a:fld>
             <a:endParaRPr lang="en-US"/>
           </a:p>
@@ -2670,7 +2668,7 @@
           <a:p>
             <a:fld id="{808C3DBF-4E85-4432-AFC9-4C85C7D0F8E2}" type="datetimeFigureOut">
               <a:rPr lang="en-US" smtClean="0"/>
-              <a:t>4/19/2018</a:t>
+              <a:t>4/22/18</a:t>
             </a:fld>
             <a:endParaRPr lang="en-US"/>
           </a:p>
@@ -2911,7 +2909,7 @@
           <a:p>
             <a:fld id="{808C3DBF-4E85-4432-AFC9-4C85C7D0F8E2}" type="datetimeFigureOut">
               <a:rPr lang="en-US" smtClean="0"/>
-              <a:t>4/19/2018</a:t>
+              <a:t>4/22/18</a:t>
             </a:fld>
             <a:endParaRPr lang="en-US"/>
           </a:p>
@@ -3312,2895 +3310,6 @@
 </file>
 
 <file path=ppt/slides/slide1.xml><?xml version="1.0" encoding="utf-8"?>
-<p:sld xmlns:a="http://schemas.openxmlformats.org/drawingml/2006/main" xmlns:r="http://schemas.openxmlformats.org/officeDocument/2006/relationships" xmlns:p="http://schemas.openxmlformats.org/presentationml/2006/main">
-  <p:cSld>
-    <p:spTree>
-      <p:nvGrpSpPr>
-        <p:cNvPr id="1" name=""/>
-        <p:cNvGrpSpPr/>
-        <p:nvPr/>
-      </p:nvGrpSpPr>
-      <p:grpSpPr>
-        <a:xfrm>
-          <a:off x="0" y="0"/>
-          <a:ext cx="0" cy="0"/>
-          <a:chOff x="0" y="0"/>
-          <a:chExt cx="0" cy="0"/>
-        </a:xfrm>
-      </p:grpSpPr>
-      <p:sp>
-        <p:nvSpPr>
-          <p:cNvPr id="75" name="Rectangle: Rounded Corners 74">
-            <a:extLst>
-              <a:ext uri="{FF2B5EF4-FFF2-40B4-BE49-F238E27FC236}">
-                <a16:creationId xmlns:a16="http://schemas.microsoft.com/office/drawing/2014/main" id="{0CA1D288-C0A8-44FE-8FEA-38AE183BD19D}"/>
-              </a:ext>
-            </a:extLst>
-          </p:cNvPr>
-          <p:cNvSpPr/>
-          <p:nvPr/>
-        </p:nvSpPr>
-        <p:spPr>
-          <a:xfrm>
-            <a:off x="7528543" y="542457"/>
-            <a:ext cx="1212219" cy="475623"/>
-          </a:xfrm>
-          <a:prstGeom prst="roundRect">
-            <a:avLst/>
-          </a:prstGeom>
-          <a:solidFill>
-            <a:schemeClr val="bg1"/>
-          </a:solidFill>
-        </p:spPr>
-        <p:style>
-          <a:lnRef idx="2">
-            <a:schemeClr val="accent1">
-              <a:shade val="50000"/>
-            </a:schemeClr>
-          </a:lnRef>
-          <a:fillRef idx="1">
-            <a:schemeClr val="accent1"/>
-          </a:fillRef>
-          <a:effectRef idx="0">
-            <a:schemeClr val="accent1"/>
-          </a:effectRef>
-          <a:fontRef idx="minor">
-            <a:schemeClr val="lt1"/>
-          </a:fontRef>
-        </p:style>
-        <p:txBody>
-          <a:bodyPr rtlCol="0" anchor="ctr"/>
-          <a:lstStyle/>
-          <a:p>
-            <a:pPr algn="ctr"/>
-            <a:r>
-              <a:rPr lang="he-IL" dirty="0">
-                <a:solidFill>
-                  <a:schemeClr val="tx1"/>
-                </a:solidFill>
-              </a:rPr>
-              <a:t>חניונים</a:t>
-            </a:r>
-          </a:p>
-        </p:txBody>
-      </p:sp>
-      <p:sp>
-        <p:nvSpPr>
-          <p:cNvPr id="74" name="Rectangle: Rounded Corners 73">
-            <a:extLst>
-              <a:ext uri="{FF2B5EF4-FFF2-40B4-BE49-F238E27FC236}">
-                <a16:creationId xmlns:a16="http://schemas.microsoft.com/office/drawing/2014/main" id="{4F7EEAA5-BB86-4BF9-AA43-32CC07E2ABF9}"/>
-              </a:ext>
-            </a:extLst>
-          </p:cNvPr>
-          <p:cNvSpPr/>
-          <p:nvPr/>
-        </p:nvSpPr>
-        <p:spPr>
-          <a:xfrm>
-            <a:off x="7436792" y="616669"/>
-            <a:ext cx="1212219" cy="475623"/>
-          </a:xfrm>
-          <a:prstGeom prst="roundRect">
-            <a:avLst/>
-          </a:prstGeom>
-          <a:solidFill>
-            <a:schemeClr val="bg1"/>
-          </a:solidFill>
-        </p:spPr>
-        <p:style>
-          <a:lnRef idx="2">
-            <a:schemeClr val="accent1">
-              <a:shade val="50000"/>
-            </a:schemeClr>
-          </a:lnRef>
-          <a:fillRef idx="1">
-            <a:schemeClr val="accent1"/>
-          </a:fillRef>
-          <a:effectRef idx="0">
-            <a:schemeClr val="accent1"/>
-          </a:effectRef>
-          <a:fontRef idx="minor">
-            <a:schemeClr val="lt1"/>
-          </a:fontRef>
-        </p:style>
-        <p:txBody>
-          <a:bodyPr rtlCol="0" anchor="ctr"/>
-          <a:lstStyle/>
-          <a:p>
-            <a:pPr algn="ctr"/>
-            <a:r>
-              <a:rPr lang="he-IL" dirty="0">
-                <a:solidFill>
-                  <a:schemeClr val="tx1"/>
-                </a:solidFill>
-              </a:rPr>
-              <a:t>חניונים</a:t>
-            </a:r>
-          </a:p>
-        </p:txBody>
-      </p:sp>
-      <p:sp>
-        <p:nvSpPr>
-          <p:cNvPr id="4" name="Rectangle 3">
-            <a:extLst>
-              <a:ext uri="{FF2B5EF4-FFF2-40B4-BE49-F238E27FC236}">
-                <a16:creationId xmlns:a16="http://schemas.microsoft.com/office/drawing/2014/main" id="{1322D5D0-A732-4E4B-A1A4-7582648FAD8B}"/>
-              </a:ext>
-            </a:extLst>
-          </p:cNvPr>
-          <p:cNvSpPr/>
-          <p:nvPr/>
-        </p:nvSpPr>
-        <p:spPr>
-          <a:xfrm>
-            <a:off x="4795520" y="538480"/>
-            <a:ext cx="1859280" cy="1256047"/>
-          </a:xfrm>
-          <a:prstGeom prst="rect">
-            <a:avLst/>
-          </a:prstGeom>
-          <a:noFill/>
-        </p:spPr>
-        <p:style>
-          <a:lnRef idx="2">
-            <a:schemeClr val="accent1">
-              <a:shade val="50000"/>
-            </a:schemeClr>
-          </a:lnRef>
-          <a:fillRef idx="1">
-            <a:schemeClr val="accent1"/>
-          </a:fillRef>
-          <a:effectRef idx="0">
-            <a:schemeClr val="accent1"/>
-          </a:effectRef>
-          <a:fontRef idx="minor">
-            <a:schemeClr val="lt1"/>
-          </a:fontRef>
-        </p:style>
-        <p:txBody>
-          <a:bodyPr rtlCol="0" anchor="ctr"/>
-          <a:lstStyle/>
-          <a:p>
-            <a:pPr algn="ctr"/>
-            <a:r>
-              <a:rPr lang="he-IL" dirty="0">
-                <a:solidFill>
-                  <a:schemeClr val="tx1"/>
-                </a:solidFill>
-              </a:rPr>
-              <a:t>חניה בעיר</a:t>
-            </a:r>
-            <a:endParaRPr lang="en-US" dirty="0">
-              <a:solidFill>
-                <a:schemeClr val="tx1"/>
-              </a:solidFill>
-            </a:endParaRPr>
-          </a:p>
-        </p:txBody>
-      </p:sp>
-      <p:sp>
-        <p:nvSpPr>
-          <p:cNvPr id="5" name="Rectangle 4">
-            <a:extLst>
-              <a:ext uri="{FF2B5EF4-FFF2-40B4-BE49-F238E27FC236}">
-                <a16:creationId xmlns:a16="http://schemas.microsoft.com/office/drawing/2014/main" id="{8B7058C9-6978-40DF-9E84-832BF184F06A}"/>
-              </a:ext>
-            </a:extLst>
-          </p:cNvPr>
-          <p:cNvSpPr/>
-          <p:nvPr/>
-        </p:nvSpPr>
-        <p:spPr>
-          <a:xfrm>
-            <a:off x="3276600" y="2702560"/>
-            <a:ext cx="4897120" cy="3688080"/>
-          </a:xfrm>
-          <a:prstGeom prst="rect">
-            <a:avLst/>
-          </a:prstGeom>
-          <a:noFill/>
-        </p:spPr>
-        <p:style>
-          <a:lnRef idx="2">
-            <a:schemeClr val="accent1">
-              <a:shade val="50000"/>
-            </a:schemeClr>
-          </a:lnRef>
-          <a:fillRef idx="1">
-            <a:schemeClr val="accent1"/>
-          </a:fillRef>
-          <a:effectRef idx="0">
-            <a:schemeClr val="accent1"/>
-          </a:effectRef>
-          <a:fontRef idx="minor">
-            <a:schemeClr val="lt1"/>
-          </a:fontRef>
-        </p:style>
-        <p:txBody>
-          <a:bodyPr rtlCol="0" anchor="ctr"/>
-          <a:lstStyle/>
-          <a:p>
-            <a:pPr algn="ctr"/>
-            <a:endParaRPr lang="en-US" dirty="0">
-              <a:solidFill>
-                <a:schemeClr val="tx1"/>
-              </a:solidFill>
-            </a:endParaRPr>
-          </a:p>
-        </p:txBody>
-      </p:sp>
-      <p:sp>
-        <p:nvSpPr>
-          <p:cNvPr id="9" name="Rectangle: Rounded Corners 8">
-            <a:extLst>
-              <a:ext uri="{FF2B5EF4-FFF2-40B4-BE49-F238E27FC236}">
-                <a16:creationId xmlns:a16="http://schemas.microsoft.com/office/drawing/2014/main" id="{017879C7-B5FD-49F0-BBF8-A20D2B076983}"/>
-              </a:ext>
-            </a:extLst>
-          </p:cNvPr>
-          <p:cNvSpPr/>
-          <p:nvPr/>
-        </p:nvSpPr>
-        <p:spPr>
-          <a:xfrm>
-            <a:off x="7352661" y="690880"/>
-            <a:ext cx="1212219" cy="475623"/>
-          </a:xfrm>
-          <a:prstGeom prst="roundRect">
-            <a:avLst/>
-          </a:prstGeom>
-          <a:solidFill>
-            <a:schemeClr val="bg1"/>
-          </a:solidFill>
-        </p:spPr>
-        <p:style>
-          <a:lnRef idx="2">
-            <a:schemeClr val="accent1">
-              <a:shade val="50000"/>
-            </a:schemeClr>
-          </a:lnRef>
-          <a:fillRef idx="1">
-            <a:schemeClr val="accent1"/>
-          </a:fillRef>
-          <a:effectRef idx="0">
-            <a:schemeClr val="accent1"/>
-          </a:effectRef>
-          <a:fontRef idx="minor">
-            <a:schemeClr val="lt1"/>
-          </a:fontRef>
-        </p:style>
-        <p:txBody>
-          <a:bodyPr rtlCol="0" anchor="ctr"/>
-          <a:lstStyle/>
-          <a:p>
-            <a:pPr algn="ctr"/>
-            <a:r>
-              <a:rPr lang="he-IL" dirty="0">
-                <a:solidFill>
-                  <a:schemeClr val="tx1"/>
-                </a:solidFill>
-              </a:rPr>
-              <a:t>חניונים</a:t>
-            </a:r>
-          </a:p>
-        </p:txBody>
-      </p:sp>
-      <p:sp>
-        <p:nvSpPr>
-          <p:cNvPr id="10" name="Rectangle: Rounded Corners 9">
-            <a:extLst>
-              <a:ext uri="{FF2B5EF4-FFF2-40B4-BE49-F238E27FC236}">
-                <a16:creationId xmlns:a16="http://schemas.microsoft.com/office/drawing/2014/main" id="{1D30CD7D-6707-4BFD-B1D5-D6804C2E8D3E}"/>
-              </a:ext>
-            </a:extLst>
-          </p:cNvPr>
-          <p:cNvSpPr/>
-          <p:nvPr/>
-        </p:nvSpPr>
-        <p:spPr>
-          <a:xfrm>
-            <a:off x="4673600" y="3180914"/>
-            <a:ext cx="1212219" cy="737438"/>
-          </a:xfrm>
-          <a:prstGeom prst="roundRect">
-            <a:avLst/>
-          </a:prstGeom>
-          <a:noFill/>
-        </p:spPr>
-        <p:style>
-          <a:lnRef idx="2">
-            <a:schemeClr val="accent1">
-              <a:shade val="50000"/>
-            </a:schemeClr>
-          </a:lnRef>
-          <a:fillRef idx="1">
-            <a:schemeClr val="accent1"/>
-          </a:fillRef>
-          <a:effectRef idx="0">
-            <a:schemeClr val="accent1"/>
-          </a:effectRef>
-          <a:fontRef idx="minor">
-            <a:schemeClr val="lt1"/>
-          </a:fontRef>
-        </p:style>
-        <p:txBody>
-          <a:bodyPr rtlCol="0" anchor="ctr"/>
-          <a:lstStyle/>
-          <a:p>
-            <a:pPr algn="ctr"/>
-            <a:r>
-              <a:rPr lang="he-IL" dirty="0">
-                <a:solidFill>
-                  <a:schemeClr val="tx1"/>
-                </a:solidFill>
-              </a:rPr>
-              <a:t>מערכת </a:t>
-            </a:r>
-            <a:r>
-              <a:rPr lang="en-US" dirty="0">
-                <a:solidFill>
-                  <a:schemeClr val="tx1"/>
-                </a:solidFill>
-              </a:rPr>
-              <a:t>CPS</a:t>
-            </a:r>
-            <a:endParaRPr lang="he-IL" dirty="0">
-              <a:solidFill>
-                <a:schemeClr val="tx1"/>
-              </a:solidFill>
-            </a:endParaRPr>
-          </a:p>
-        </p:txBody>
-      </p:sp>
-      <p:sp>
-        <p:nvSpPr>
-          <p:cNvPr id="11" name="Rectangle: Rounded Corners 10">
-            <a:extLst>
-              <a:ext uri="{FF2B5EF4-FFF2-40B4-BE49-F238E27FC236}">
-                <a16:creationId xmlns:a16="http://schemas.microsoft.com/office/drawing/2014/main" id="{1F8306F2-DD6D-4DA6-ADE8-EF1E141064BC}"/>
-              </a:ext>
-            </a:extLst>
-          </p:cNvPr>
-          <p:cNvSpPr/>
-          <p:nvPr/>
-        </p:nvSpPr>
-        <p:spPr>
-          <a:xfrm>
-            <a:off x="6739759" y="3180914"/>
-            <a:ext cx="1212219" cy="737438"/>
-          </a:xfrm>
-          <a:prstGeom prst="roundRect">
-            <a:avLst/>
-          </a:prstGeom>
-          <a:noFill/>
-        </p:spPr>
-        <p:style>
-          <a:lnRef idx="2">
-            <a:schemeClr val="accent1">
-              <a:shade val="50000"/>
-            </a:schemeClr>
-          </a:lnRef>
-          <a:fillRef idx="1">
-            <a:schemeClr val="accent1"/>
-          </a:fillRef>
-          <a:effectRef idx="0">
-            <a:schemeClr val="accent1"/>
-          </a:effectRef>
-          <a:fontRef idx="minor">
-            <a:schemeClr val="lt1"/>
-          </a:fontRef>
-        </p:style>
-        <p:txBody>
-          <a:bodyPr rtlCol="0" anchor="ctr"/>
-          <a:lstStyle/>
-          <a:p>
-            <a:pPr algn="ctr"/>
-            <a:r>
-              <a:rPr lang="he-IL" dirty="0">
-                <a:solidFill>
-                  <a:schemeClr val="tx1"/>
-                </a:solidFill>
-              </a:rPr>
-              <a:t>אתר אינטרנט</a:t>
-            </a:r>
-          </a:p>
-        </p:txBody>
-      </p:sp>
-      <p:sp>
-        <p:nvSpPr>
-          <p:cNvPr id="15" name="Rectangle: Rounded Corners 14">
-            <a:extLst>
-              <a:ext uri="{FF2B5EF4-FFF2-40B4-BE49-F238E27FC236}">
-                <a16:creationId xmlns:a16="http://schemas.microsoft.com/office/drawing/2014/main" id="{19053A62-B285-448B-A506-876338916E8C}"/>
-              </a:ext>
-            </a:extLst>
-          </p:cNvPr>
-          <p:cNvSpPr/>
-          <p:nvPr/>
-        </p:nvSpPr>
-        <p:spPr>
-          <a:xfrm>
-            <a:off x="4453414" y="5126363"/>
-            <a:ext cx="1652590" cy="876356"/>
-          </a:xfrm>
-          <a:prstGeom prst="roundRect">
-            <a:avLst/>
-          </a:prstGeom>
-          <a:noFill/>
-        </p:spPr>
-        <p:style>
-          <a:lnRef idx="2">
-            <a:schemeClr val="accent1">
-              <a:shade val="50000"/>
-            </a:schemeClr>
-          </a:lnRef>
-          <a:fillRef idx="1">
-            <a:schemeClr val="accent1"/>
-          </a:fillRef>
-          <a:effectRef idx="0">
-            <a:schemeClr val="accent1"/>
-          </a:effectRef>
-          <a:fontRef idx="minor">
-            <a:schemeClr val="lt1"/>
-          </a:fontRef>
-        </p:style>
-        <p:txBody>
-          <a:bodyPr rtlCol="0" anchor="ctr"/>
-          <a:lstStyle/>
-          <a:p>
-            <a:pPr algn="ctr"/>
-            <a:r>
-              <a:rPr lang="he-IL" dirty="0">
-                <a:solidFill>
-                  <a:schemeClr val="tx1"/>
-                </a:solidFill>
-              </a:rPr>
-              <a:t>מערכת ניהול פרטי עובדות</a:t>
-            </a:r>
-          </a:p>
-        </p:txBody>
-      </p:sp>
-      <p:cxnSp>
-        <p:nvCxnSpPr>
-          <p:cNvPr id="21" name="Straight Connector 20">
-            <a:extLst>
-              <a:ext uri="{FF2B5EF4-FFF2-40B4-BE49-F238E27FC236}">
-                <a16:creationId xmlns:a16="http://schemas.microsoft.com/office/drawing/2014/main" id="{7B544733-7C60-478A-87F9-19C15751F4DA}"/>
-              </a:ext>
-            </a:extLst>
-          </p:cNvPr>
-          <p:cNvCxnSpPr>
-            <a:stCxn id="4" idx="3"/>
-            <a:endCxn id="9" idx="1"/>
-          </p:cNvCxnSpPr>
-          <p:nvPr/>
-        </p:nvCxnSpPr>
-        <p:spPr>
-          <a:xfrm flipV="1">
-            <a:off x="6654800" y="928692"/>
-            <a:ext cx="697861" cy="237812"/>
-          </a:xfrm>
-          <a:prstGeom prst="line">
-            <a:avLst/>
-          </a:prstGeom>
-        </p:spPr>
-        <p:style>
-          <a:lnRef idx="1">
-            <a:schemeClr val="accent1"/>
-          </a:lnRef>
-          <a:fillRef idx="0">
-            <a:schemeClr val="accent1"/>
-          </a:fillRef>
-          <a:effectRef idx="0">
-            <a:schemeClr val="accent1"/>
-          </a:effectRef>
-          <a:fontRef idx="minor">
-            <a:schemeClr val="tx1"/>
-          </a:fontRef>
-        </p:style>
-      </p:cxnSp>
-      <p:cxnSp>
-        <p:nvCxnSpPr>
-          <p:cNvPr id="23" name="Straight Connector 22">
-            <a:extLst>
-              <a:ext uri="{FF2B5EF4-FFF2-40B4-BE49-F238E27FC236}">
-                <a16:creationId xmlns:a16="http://schemas.microsoft.com/office/drawing/2014/main" id="{985C838E-142B-4C3B-80C9-C4CE4CCA7F23}"/>
-              </a:ext>
-            </a:extLst>
-          </p:cNvPr>
-          <p:cNvCxnSpPr>
-            <a:stCxn id="4" idx="1"/>
-          </p:cNvCxnSpPr>
-          <p:nvPr/>
-        </p:nvCxnSpPr>
-        <p:spPr>
-          <a:xfrm flipH="1" flipV="1">
-            <a:off x="4348101" y="1166503"/>
-            <a:ext cx="447419" cy="1"/>
-          </a:xfrm>
-          <a:prstGeom prst="line">
-            <a:avLst/>
-          </a:prstGeom>
-        </p:spPr>
-        <p:style>
-          <a:lnRef idx="1">
-            <a:schemeClr val="accent1"/>
-          </a:lnRef>
-          <a:fillRef idx="0">
-            <a:schemeClr val="accent1"/>
-          </a:fillRef>
-          <a:effectRef idx="0">
-            <a:schemeClr val="accent1"/>
-          </a:effectRef>
-          <a:fontRef idx="minor">
-            <a:schemeClr val="tx1"/>
-          </a:fontRef>
-        </p:style>
-      </p:cxnSp>
-      <p:cxnSp>
-        <p:nvCxnSpPr>
-          <p:cNvPr id="25" name="Straight Connector 24">
-            <a:extLst>
-              <a:ext uri="{FF2B5EF4-FFF2-40B4-BE49-F238E27FC236}">
-                <a16:creationId xmlns:a16="http://schemas.microsoft.com/office/drawing/2014/main" id="{B15FDA88-9207-4E1A-9073-1A40BE7151D5}"/>
-              </a:ext>
-            </a:extLst>
-          </p:cNvPr>
-          <p:cNvCxnSpPr>
-            <a:cxnSpLocks/>
-            <a:stCxn id="4" idx="3"/>
-          </p:cNvCxnSpPr>
-          <p:nvPr/>
-        </p:nvCxnSpPr>
-        <p:spPr>
-          <a:xfrm>
-            <a:off x="6654800" y="1166504"/>
-            <a:ext cx="893440" cy="479599"/>
-          </a:xfrm>
-          <a:prstGeom prst="line">
-            <a:avLst/>
-          </a:prstGeom>
-        </p:spPr>
-        <p:style>
-          <a:lnRef idx="1">
-            <a:schemeClr val="accent1"/>
-          </a:lnRef>
-          <a:fillRef idx="0">
-            <a:schemeClr val="accent1"/>
-          </a:fillRef>
-          <a:effectRef idx="0">
-            <a:schemeClr val="accent1"/>
-          </a:effectRef>
-          <a:fontRef idx="minor">
-            <a:schemeClr val="tx1"/>
-          </a:fontRef>
-        </p:style>
-      </p:cxnSp>
-      <p:cxnSp>
-        <p:nvCxnSpPr>
-          <p:cNvPr id="42" name="Straight Connector 41">
-            <a:extLst>
-              <a:ext uri="{FF2B5EF4-FFF2-40B4-BE49-F238E27FC236}">
-                <a16:creationId xmlns:a16="http://schemas.microsoft.com/office/drawing/2014/main" id="{90E5453F-445B-46BF-A158-06F7744EFDCD}"/>
-              </a:ext>
-            </a:extLst>
-          </p:cNvPr>
-          <p:cNvCxnSpPr/>
-          <p:nvPr/>
-        </p:nvCxnSpPr>
-        <p:spPr>
-          <a:xfrm flipH="1">
-            <a:off x="3276600" y="1794527"/>
-            <a:ext cx="1518920" cy="908033"/>
-          </a:xfrm>
-          <a:prstGeom prst="line">
-            <a:avLst/>
-          </a:prstGeom>
-          <a:ln>
-            <a:prstDash val="lgDash"/>
-          </a:ln>
-        </p:spPr>
-        <p:style>
-          <a:lnRef idx="1">
-            <a:schemeClr val="accent1"/>
-          </a:lnRef>
-          <a:fillRef idx="0">
-            <a:schemeClr val="accent1"/>
-          </a:fillRef>
-          <a:effectRef idx="0">
-            <a:schemeClr val="accent1"/>
-          </a:effectRef>
-          <a:fontRef idx="minor">
-            <a:schemeClr val="tx1"/>
-          </a:fontRef>
-        </p:style>
-      </p:cxnSp>
-      <p:cxnSp>
-        <p:nvCxnSpPr>
-          <p:cNvPr id="44" name="Straight Connector 43">
-            <a:extLst>
-              <a:ext uri="{FF2B5EF4-FFF2-40B4-BE49-F238E27FC236}">
-                <a16:creationId xmlns:a16="http://schemas.microsoft.com/office/drawing/2014/main" id="{4BC26EC4-CD9E-41D1-A083-29D7EC6EBBDB}"/>
-              </a:ext>
-            </a:extLst>
-          </p:cNvPr>
-          <p:cNvCxnSpPr/>
-          <p:nvPr/>
-        </p:nvCxnSpPr>
-        <p:spPr>
-          <a:xfrm>
-            <a:off x="6654800" y="1794527"/>
-            <a:ext cx="1518920" cy="908033"/>
-          </a:xfrm>
-          <a:prstGeom prst="line">
-            <a:avLst/>
-          </a:prstGeom>
-          <a:ln>
-            <a:prstDash val="lgDash"/>
-          </a:ln>
-        </p:spPr>
-        <p:style>
-          <a:lnRef idx="1">
-            <a:schemeClr val="accent1"/>
-          </a:lnRef>
-          <a:fillRef idx="0">
-            <a:schemeClr val="accent1"/>
-          </a:fillRef>
-          <a:effectRef idx="0">
-            <a:schemeClr val="accent1"/>
-          </a:effectRef>
-          <a:fontRef idx="minor">
-            <a:schemeClr val="tx1"/>
-          </a:fontRef>
-        </p:style>
-      </p:cxnSp>
-      <p:cxnSp>
-        <p:nvCxnSpPr>
-          <p:cNvPr id="82" name="Straight Connector 81">
-            <a:extLst>
-              <a:ext uri="{FF2B5EF4-FFF2-40B4-BE49-F238E27FC236}">
-                <a16:creationId xmlns:a16="http://schemas.microsoft.com/office/drawing/2014/main" id="{106C8F6A-D7F6-4A76-B27A-1C1E29C1F8C7}"/>
-              </a:ext>
-            </a:extLst>
-          </p:cNvPr>
-          <p:cNvCxnSpPr>
-            <a:cxnSpLocks/>
-            <a:stCxn id="10" idx="3"/>
-            <a:endCxn id="11" idx="1"/>
-          </p:cNvCxnSpPr>
-          <p:nvPr/>
-        </p:nvCxnSpPr>
-        <p:spPr>
-          <a:xfrm>
-            <a:off x="5885819" y="3549633"/>
-            <a:ext cx="853940" cy="0"/>
-          </a:xfrm>
-          <a:prstGeom prst="line">
-            <a:avLst/>
-          </a:prstGeom>
-        </p:spPr>
-        <p:style>
-          <a:lnRef idx="1">
-            <a:schemeClr val="accent1"/>
-          </a:lnRef>
-          <a:fillRef idx="0">
-            <a:schemeClr val="accent1"/>
-          </a:fillRef>
-          <a:effectRef idx="0">
-            <a:schemeClr val="accent1"/>
-          </a:effectRef>
-          <a:fontRef idx="minor">
-            <a:schemeClr val="tx1"/>
-          </a:fontRef>
-        </p:style>
-      </p:cxnSp>
-      <p:cxnSp>
-        <p:nvCxnSpPr>
-          <p:cNvPr id="86" name="Straight Connector 85">
-            <a:extLst>
-              <a:ext uri="{FF2B5EF4-FFF2-40B4-BE49-F238E27FC236}">
-                <a16:creationId xmlns:a16="http://schemas.microsoft.com/office/drawing/2014/main" id="{3BDCE5BD-9078-4841-9826-B52AF3E22E9B}"/>
-              </a:ext>
-            </a:extLst>
-          </p:cNvPr>
-          <p:cNvCxnSpPr>
-            <a:cxnSpLocks/>
-            <a:stCxn id="15" idx="3"/>
-          </p:cNvCxnSpPr>
-          <p:nvPr/>
-        </p:nvCxnSpPr>
-        <p:spPr>
-          <a:xfrm flipV="1">
-            <a:off x="6106004" y="4757600"/>
-            <a:ext cx="539810" cy="806941"/>
-          </a:xfrm>
-          <a:prstGeom prst="line">
-            <a:avLst/>
-          </a:prstGeom>
-        </p:spPr>
-        <p:style>
-          <a:lnRef idx="1">
-            <a:schemeClr val="accent1"/>
-          </a:lnRef>
-          <a:fillRef idx="0">
-            <a:schemeClr val="accent1"/>
-          </a:fillRef>
-          <a:effectRef idx="0">
-            <a:schemeClr val="accent1"/>
-          </a:effectRef>
-          <a:fontRef idx="minor">
-            <a:schemeClr val="tx1"/>
-          </a:fontRef>
-        </p:style>
-      </p:cxnSp>
-      <p:cxnSp>
-        <p:nvCxnSpPr>
-          <p:cNvPr id="88" name="Straight Connector 87">
-            <a:extLst>
-              <a:ext uri="{FF2B5EF4-FFF2-40B4-BE49-F238E27FC236}">
-                <a16:creationId xmlns:a16="http://schemas.microsoft.com/office/drawing/2014/main" id="{E18A69A8-E424-4E3D-ABEB-6B81578C0925}"/>
-              </a:ext>
-            </a:extLst>
-          </p:cNvPr>
-          <p:cNvCxnSpPr>
-            <a:stCxn id="10" idx="2"/>
-            <a:endCxn id="15" idx="0"/>
-          </p:cNvCxnSpPr>
-          <p:nvPr/>
-        </p:nvCxnSpPr>
-        <p:spPr>
-          <a:xfrm flipH="1">
-            <a:off x="5279709" y="3918352"/>
-            <a:ext cx="1" cy="1208011"/>
-          </a:xfrm>
-          <a:prstGeom prst="line">
-            <a:avLst/>
-          </a:prstGeom>
-        </p:spPr>
-        <p:style>
-          <a:lnRef idx="1">
-            <a:schemeClr val="accent1"/>
-          </a:lnRef>
-          <a:fillRef idx="0">
-            <a:schemeClr val="accent1"/>
-          </a:fillRef>
-          <a:effectRef idx="0">
-            <a:schemeClr val="accent1"/>
-          </a:effectRef>
-          <a:fontRef idx="minor">
-            <a:schemeClr val="tx1"/>
-          </a:fontRef>
-        </p:style>
-      </p:cxnSp>
-      <p:cxnSp>
-        <p:nvCxnSpPr>
-          <p:cNvPr id="103" name="Straight Connector 102">
-            <a:extLst>
-              <a:ext uri="{FF2B5EF4-FFF2-40B4-BE49-F238E27FC236}">
-                <a16:creationId xmlns:a16="http://schemas.microsoft.com/office/drawing/2014/main" id="{7FAC8785-4BB1-4259-A7F3-7AF70C333B93}"/>
-              </a:ext>
-            </a:extLst>
-          </p:cNvPr>
-          <p:cNvCxnSpPr>
-            <a:cxnSpLocks/>
-            <a:stCxn id="10" idx="1"/>
-          </p:cNvCxnSpPr>
-          <p:nvPr/>
-        </p:nvCxnSpPr>
-        <p:spPr>
-          <a:xfrm flipH="1">
-            <a:off x="3819660" y="3549633"/>
-            <a:ext cx="853940" cy="850626"/>
-          </a:xfrm>
-          <a:prstGeom prst="line">
-            <a:avLst/>
-          </a:prstGeom>
-        </p:spPr>
-        <p:style>
-          <a:lnRef idx="1">
-            <a:schemeClr val="accent1"/>
-          </a:lnRef>
-          <a:fillRef idx="0">
-            <a:schemeClr val="accent1"/>
-          </a:fillRef>
-          <a:effectRef idx="0">
-            <a:schemeClr val="accent1"/>
-          </a:effectRef>
-          <a:fontRef idx="minor">
-            <a:schemeClr val="tx1"/>
-          </a:fontRef>
-        </p:style>
-      </p:cxnSp>
-      <p:cxnSp>
-        <p:nvCxnSpPr>
-          <p:cNvPr id="105" name="Straight Connector 104">
-            <a:extLst>
-              <a:ext uri="{FF2B5EF4-FFF2-40B4-BE49-F238E27FC236}">
-                <a16:creationId xmlns:a16="http://schemas.microsoft.com/office/drawing/2014/main" id="{8380589A-8278-4EF2-98CD-6656D893F935}"/>
-              </a:ext>
-            </a:extLst>
-          </p:cNvPr>
-          <p:cNvCxnSpPr>
-            <a:cxnSpLocks/>
-            <a:endCxn id="15" idx="1"/>
-          </p:cNvCxnSpPr>
-          <p:nvPr/>
-        </p:nvCxnSpPr>
-        <p:spPr>
-          <a:xfrm>
-            <a:off x="3819660" y="4769591"/>
-            <a:ext cx="633754" cy="794950"/>
-          </a:xfrm>
-          <a:prstGeom prst="line">
-            <a:avLst/>
-          </a:prstGeom>
-        </p:spPr>
-        <p:style>
-          <a:lnRef idx="1">
-            <a:schemeClr val="accent1"/>
-          </a:lnRef>
-          <a:fillRef idx="0">
-            <a:schemeClr val="accent1"/>
-          </a:fillRef>
-          <a:effectRef idx="0">
-            <a:schemeClr val="accent1"/>
-          </a:effectRef>
-          <a:fontRef idx="minor">
-            <a:schemeClr val="tx1"/>
-          </a:fontRef>
-        </p:style>
-      </p:cxnSp>
-      <p:cxnSp>
-        <p:nvCxnSpPr>
-          <p:cNvPr id="107" name="Straight Connector 106">
-            <a:extLst>
-              <a:ext uri="{FF2B5EF4-FFF2-40B4-BE49-F238E27FC236}">
-                <a16:creationId xmlns:a16="http://schemas.microsoft.com/office/drawing/2014/main" id="{F8758519-E254-4655-AAB9-D6591C336F19}"/>
-              </a:ext>
-            </a:extLst>
-          </p:cNvPr>
-          <p:cNvCxnSpPr>
-            <a:cxnSpLocks/>
-            <a:stCxn id="10" idx="3"/>
-          </p:cNvCxnSpPr>
-          <p:nvPr/>
-        </p:nvCxnSpPr>
-        <p:spPr>
-          <a:xfrm>
-            <a:off x="5885819" y="3549633"/>
-            <a:ext cx="759995" cy="838635"/>
-          </a:xfrm>
-          <a:prstGeom prst="line">
-            <a:avLst/>
-          </a:prstGeom>
-        </p:spPr>
-        <p:style>
-          <a:lnRef idx="1">
-            <a:schemeClr val="accent1"/>
-          </a:lnRef>
-          <a:fillRef idx="0">
-            <a:schemeClr val="accent1"/>
-          </a:fillRef>
-          <a:effectRef idx="0">
-            <a:schemeClr val="accent1"/>
-          </a:effectRef>
-          <a:fontRef idx="minor">
-            <a:schemeClr val="tx1"/>
-          </a:fontRef>
-        </p:style>
-      </p:cxnSp>
-      <p:sp>
-        <p:nvSpPr>
-          <p:cNvPr id="124" name="TextBox 123">
-            <a:extLst>
-              <a:ext uri="{FF2B5EF4-FFF2-40B4-BE49-F238E27FC236}">
-                <a16:creationId xmlns:a16="http://schemas.microsoft.com/office/drawing/2014/main" id="{FC0BAA4C-B3E5-485E-9ACE-11DA8C31F906}"/>
-              </a:ext>
-            </a:extLst>
-          </p:cNvPr>
-          <p:cNvSpPr txBox="1"/>
-          <p:nvPr/>
-        </p:nvSpPr>
-        <p:spPr>
-          <a:xfrm>
-            <a:off x="8001626" y="1500243"/>
-            <a:ext cx="821059" cy="369332"/>
-          </a:xfrm>
-          <a:prstGeom prst="rect">
-            <a:avLst/>
-          </a:prstGeom>
-          <a:noFill/>
-        </p:spPr>
-        <p:txBody>
-          <a:bodyPr wrap="none" rtlCol="0">
-            <a:spAutoFit/>
-          </a:bodyPr>
-          <a:lstStyle/>
-          <a:p>
-            <a:r>
-              <a:rPr lang="he-IL" dirty="0"/>
-              <a:t>לקוחות</a:t>
-            </a:r>
-          </a:p>
-        </p:txBody>
-      </p:sp>
-      <p:pic>
-        <p:nvPicPr>
-          <p:cNvPr id="125" name="Picture 2" descr="Image result for users">
-            <a:extLst>
-              <a:ext uri="{FF2B5EF4-FFF2-40B4-BE49-F238E27FC236}">
-                <a16:creationId xmlns:a16="http://schemas.microsoft.com/office/drawing/2014/main" id="{B29C895E-E5F6-457C-8933-2531BF8CA9C3}"/>
-              </a:ext>
-            </a:extLst>
-          </p:cNvPr>
-          <p:cNvPicPr>
-            <a:picLocks noChangeAspect="1" noChangeArrowheads="1"/>
-          </p:cNvPicPr>
-          <p:nvPr/>
-        </p:nvPicPr>
-        <p:blipFill>
-          <a:blip r:embed="rId2" cstate="hqprint">
-            <a:extLst>
-              <a:ext uri="{28A0092B-C50C-407E-A947-70E740481C1C}">
-                <a14:useLocalDpi xmlns:a14="http://schemas.microsoft.com/office/drawing/2010/main" val="0"/>
-              </a:ext>
-            </a:extLst>
-          </a:blip>
-          <a:srcRect/>
-          <a:stretch>
-            <a:fillRect/>
-          </a:stretch>
-        </p:blipFill>
-        <p:spPr bwMode="auto">
-          <a:xfrm>
-            <a:off x="6379009" y="4269508"/>
-            <a:ext cx="551581" cy="630831"/>
-          </a:xfrm>
-          <a:prstGeom prst="rect">
-            <a:avLst/>
-          </a:prstGeom>
-          <a:noFill/>
-          <a:extLst>
-            <a:ext uri="{909E8E84-426E-40DD-AFC4-6F175D3DCCD1}">
-              <a14:hiddenFill xmlns:a14="http://schemas.microsoft.com/office/drawing/2010/main">
-                <a:solidFill>
-                  <a:srgbClr val="FFFFFF"/>
-                </a:solidFill>
-              </a14:hiddenFill>
-            </a:ext>
-          </a:extLst>
-        </p:spPr>
-      </p:pic>
-      <p:sp>
-        <p:nvSpPr>
-          <p:cNvPr id="129" name="TextBox 128">
-            <a:extLst>
-              <a:ext uri="{FF2B5EF4-FFF2-40B4-BE49-F238E27FC236}">
-                <a16:creationId xmlns:a16="http://schemas.microsoft.com/office/drawing/2014/main" id="{1EF8C442-78BA-49CA-A9A5-984871E90A08}"/>
-              </a:ext>
-            </a:extLst>
-          </p:cNvPr>
-          <p:cNvSpPr txBox="1"/>
-          <p:nvPr/>
-        </p:nvSpPr>
-        <p:spPr>
-          <a:xfrm>
-            <a:off x="6912618" y="4254008"/>
-            <a:ext cx="965356" cy="646331"/>
-          </a:xfrm>
-          <a:prstGeom prst="rect">
-            <a:avLst/>
-          </a:prstGeom>
-          <a:noFill/>
-        </p:spPr>
-        <p:txBody>
-          <a:bodyPr wrap="square" rtlCol="0">
-            <a:spAutoFit/>
-          </a:bodyPr>
-          <a:lstStyle/>
-          <a:p>
-            <a:r>
-              <a:rPr lang="he-IL" dirty="0"/>
-              <a:t>מנהלות חניונים</a:t>
-            </a:r>
-          </a:p>
-        </p:txBody>
-      </p:sp>
-      <p:pic>
-        <p:nvPicPr>
-          <p:cNvPr id="130" name="Picture 2" descr="Image result for users">
-            <a:extLst>
-              <a:ext uri="{FF2B5EF4-FFF2-40B4-BE49-F238E27FC236}">
-                <a16:creationId xmlns:a16="http://schemas.microsoft.com/office/drawing/2014/main" id="{9C392B1B-CA6D-42BA-8003-45CE425ED166}"/>
-              </a:ext>
-            </a:extLst>
-          </p:cNvPr>
-          <p:cNvPicPr>
-            <a:picLocks noChangeAspect="1" noChangeArrowheads="1"/>
-          </p:cNvPicPr>
-          <p:nvPr/>
-        </p:nvPicPr>
-        <p:blipFill>
-          <a:blip r:embed="rId2" cstate="hqprint">
-            <a:extLst>
-              <a:ext uri="{28A0092B-C50C-407E-A947-70E740481C1C}">
-                <a14:useLocalDpi xmlns:a14="http://schemas.microsoft.com/office/drawing/2010/main" val="0"/>
-              </a:ext>
-            </a:extLst>
-          </a:blip>
-          <a:srcRect/>
-          <a:stretch>
-            <a:fillRect/>
-          </a:stretch>
-        </p:blipFill>
-        <p:spPr bwMode="auto">
-          <a:xfrm>
-            <a:off x="3556342" y="4269508"/>
-            <a:ext cx="551581" cy="630831"/>
-          </a:xfrm>
-          <a:prstGeom prst="rect">
-            <a:avLst/>
-          </a:prstGeom>
-          <a:noFill/>
-          <a:extLst>
-            <a:ext uri="{909E8E84-426E-40DD-AFC4-6F175D3DCCD1}">
-              <a14:hiddenFill xmlns:a14="http://schemas.microsoft.com/office/drawing/2010/main">
-                <a:solidFill>
-                  <a:srgbClr val="FFFFFF"/>
-                </a:solidFill>
-              </a14:hiddenFill>
-            </a:ext>
-          </a:extLst>
-        </p:spPr>
-      </p:pic>
-      <p:sp>
-        <p:nvSpPr>
-          <p:cNvPr id="131" name="TextBox 130">
-            <a:extLst>
-              <a:ext uri="{FF2B5EF4-FFF2-40B4-BE49-F238E27FC236}">
-                <a16:creationId xmlns:a16="http://schemas.microsoft.com/office/drawing/2014/main" id="{3A593558-F10C-49E3-9ADA-277CDA594BC1}"/>
-              </a:ext>
-            </a:extLst>
-          </p:cNvPr>
-          <p:cNvSpPr txBox="1"/>
-          <p:nvPr/>
-        </p:nvSpPr>
-        <p:spPr>
-          <a:xfrm>
-            <a:off x="4098643" y="4388268"/>
-            <a:ext cx="813043" cy="369332"/>
-          </a:xfrm>
-          <a:prstGeom prst="rect">
-            <a:avLst/>
-          </a:prstGeom>
-          <a:noFill/>
-        </p:spPr>
-        <p:txBody>
-          <a:bodyPr wrap="none" rtlCol="0">
-            <a:spAutoFit/>
-          </a:bodyPr>
-          <a:lstStyle/>
-          <a:p>
-            <a:r>
-              <a:rPr lang="he-IL" dirty="0"/>
-              <a:t>עובדות</a:t>
-            </a:r>
-          </a:p>
-        </p:txBody>
-      </p:sp>
-      <p:pic>
-        <p:nvPicPr>
-          <p:cNvPr id="140" name="Picture 2" descr="Image result for users">
-            <a:extLst>
-              <a:ext uri="{FF2B5EF4-FFF2-40B4-BE49-F238E27FC236}">
-                <a16:creationId xmlns:a16="http://schemas.microsoft.com/office/drawing/2014/main" id="{432E3C36-FED1-4D7B-8D78-EC9BB72C3760}"/>
-              </a:ext>
-            </a:extLst>
-          </p:cNvPr>
-          <p:cNvPicPr>
-            <a:picLocks noChangeAspect="1" noChangeArrowheads="1"/>
-          </p:cNvPicPr>
-          <p:nvPr/>
-        </p:nvPicPr>
-        <p:blipFill>
-          <a:blip r:embed="rId2" cstate="hqprint">
-            <a:extLst>
-              <a:ext uri="{28A0092B-C50C-407E-A947-70E740481C1C}">
-                <a14:useLocalDpi xmlns:a14="http://schemas.microsoft.com/office/drawing/2010/main" val="0"/>
-              </a:ext>
-            </a:extLst>
-          </a:blip>
-          <a:srcRect/>
-          <a:stretch>
-            <a:fillRect/>
-          </a:stretch>
-        </p:blipFill>
-        <p:spPr bwMode="auto">
-          <a:xfrm>
-            <a:off x="7450045" y="1404900"/>
-            <a:ext cx="551581" cy="630831"/>
-          </a:xfrm>
-          <a:prstGeom prst="rect">
-            <a:avLst/>
-          </a:prstGeom>
-          <a:noFill/>
-          <a:extLst>
-            <a:ext uri="{909E8E84-426E-40DD-AFC4-6F175D3DCCD1}">
-              <a14:hiddenFill xmlns:a14="http://schemas.microsoft.com/office/drawing/2010/main">
-                <a:solidFill>
-                  <a:srgbClr val="FFFFFF"/>
-                </a:solidFill>
-              </a14:hiddenFill>
-            </a:ext>
-          </a:extLst>
-        </p:spPr>
-      </p:pic>
-      <p:pic>
-        <p:nvPicPr>
-          <p:cNvPr id="1031" name="Picture 6" descr="Image result for user">
-            <a:extLst>
-              <a:ext uri="{FF2B5EF4-FFF2-40B4-BE49-F238E27FC236}">
-                <a16:creationId xmlns:a16="http://schemas.microsoft.com/office/drawing/2014/main" id="{EF7B53A0-C020-4D77-B795-6013E3C0566C}"/>
-              </a:ext>
-            </a:extLst>
-          </p:cNvPr>
-          <p:cNvPicPr>
-            <a:picLocks noChangeAspect="1" noChangeArrowheads="1"/>
-          </p:cNvPicPr>
-          <p:nvPr/>
-        </p:nvPicPr>
-        <p:blipFill>
-          <a:blip r:embed="rId3" cstate="hqprint">
-            <a:extLst>
-              <a:ext uri="{28A0092B-C50C-407E-A947-70E740481C1C}">
-                <a14:useLocalDpi xmlns:a14="http://schemas.microsoft.com/office/drawing/2010/main" val="0"/>
-              </a:ext>
-            </a:extLst>
-          </a:blip>
-          <a:srcRect/>
-          <a:stretch>
-            <a:fillRect/>
-          </a:stretch>
-        </p:blipFill>
-        <p:spPr bwMode="auto">
-          <a:xfrm>
-            <a:off x="4011014" y="866683"/>
-            <a:ext cx="386883" cy="594429"/>
-          </a:xfrm>
-          <a:prstGeom prst="rect">
-            <a:avLst/>
-          </a:prstGeom>
-          <a:noFill/>
-          <a:extLst>
-            <a:ext uri="{909E8E84-426E-40DD-AFC4-6F175D3DCCD1}">
-              <a14:hiddenFill xmlns:a14="http://schemas.microsoft.com/office/drawing/2010/main">
-                <a:solidFill>
-                  <a:srgbClr val="FFFFFF"/>
-                </a:solidFill>
-              </a14:hiddenFill>
-            </a:ext>
-          </a:extLst>
-        </p:spPr>
-      </p:pic>
-      <p:sp>
-        <p:nvSpPr>
-          <p:cNvPr id="143" name="TextBox 142">
-            <a:extLst>
-              <a:ext uri="{FF2B5EF4-FFF2-40B4-BE49-F238E27FC236}">
-                <a16:creationId xmlns:a16="http://schemas.microsoft.com/office/drawing/2014/main" id="{A9D28CA4-F33E-4BFA-B0EE-9C97C6191D79}"/>
-              </a:ext>
-            </a:extLst>
-          </p:cNvPr>
-          <p:cNvSpPr txBox="1"/>
-          <p:nvPr/>
-        </p:nvSpPr>
-        <p:spPr>
-          <a:xfrm>
-            <a:off x="3087238" y="840731"/>
-            <a:ext cx="948822" cy="646331"/>
-          </a:xfrm>
-          <a:prstGeom prst="rect">
-            <a:avLst/>
-          </a:prstGeom>
-          <a:noFill/>
-        </p:spPr>
-        <p:txBody>
-          <a:bodyPr wrap="square" rtlCol="0">
-            <a:spAutoFit/>
-          </a:bodyPr>
-          <a:lstStyle/>
-          <a:p>
-            <a:pPr algn="ctr"/>
-            <a:r>
-              <a:rPr lang="he-IL" dirty="0"/>
-              <a:t>מנהלת הרשת</a:t>
-            </a:r>
-          </a:p>
-        </p:txBody>
-      </p:sp>
-    </p:spTree>
-    <p:extLst>
-      <p:ext uri="{BB962C8B-B14F-4D97-AF65-F5344CB8AC3E}">
-        <p14:creationId xmlns:p14="http://schemas.microsoft.com/office/powerpoint/2010/main" val="2092963246"/>
-      </p:ext>
-    </p:extLst>
-  </p:cSld>
-  <p:clrMapOvr>
-    <a:masterClrMapping/>
-  </p:clrMapOvr>
-</p:sld>
-</file>
-
-<file path=ppt/slides/slide2.xml><?xml version="1.0" encoding="utf-8"?>
-<p:sld xmlns:a="http://schemas.openxmlformats.org/drawingml/2006/main" xmlns:r="http://schemas.openxmlformats.org/officeDocument/2006/relationships" xmlns:p="http://schemas.openxmlformats.org/presentationml/2006/main">
-  <p:cSld>
-    <p:spTree>
-      <p:nvGrpSpPr>
-        <p:cNvPr id="1" name=""/>
-        <p:cNvGrpSpPr/>
-        <p:nvPr/>
-      </p:nvGrpSpPr>
-      <p:grpSpPr>
-        <a:xfrm>
-          <a:off x="0" y="0"/>
-          <a:ext cx="0" cy="0"/>
-          <a:chOff x="0" y="0"/>
-          <a:chExt cx="0" cy="0"/>
-        </a:xfrm>
-      </p:grpSpPr>
-      <p:grpSp>
-        <p:nvGrpSpPr>
-          <p:cNvPr id="18" name="Group 17">
-            <a:extLst>
-              <a:ext uri="{FF2B5EF4-FFF2-40B4-BE49-F238E27FC236}">
-                <a16:creationId xmlns:a16="http://schemas.microsoft.com/office/drawing/2014/main" id="{DAD24C13-C526-49A0-A9AF-7CDD3FD98AEB}"/>
-              </a:ext>
-            </a:extLst>
-          </p:cNvPr>
-          <p:cNvGrpSpPr/>
-          <p:nvPr/>
-        </p:nvGrpSpPr>
-        <p:grpSpPr>
-          <a:xfrm>
-            <a:off x="394788" y="2089313"/>
-            <a:ext cx="844222" cy="1875451"/>
-            <a:chOff x="1763484" y="989045"/>
-            <a:chExt cx="1474239" cy="3275045"/>
-          </a:xfrm>
-        </p:grpSpPr>
-        <p:sp>
-          <p:nvSpPr>
-            <p:cNvPr id="4" name="Oval 3">
-              <a:extLst>
-                <a:ext uri="{FF2B5EF4-FFF2-40B4-BE49-F238E27FC236}">
-                  <a16:creationId xmlns:a16="http://schemas.microsoft.com/office/drawing/2014/main" id="{31ECE892-9C56-4934-9CD1-4B9E50949F7B}"/>
-                </a:ext>
-              </a:extLst>
-            </p:cNvPr>
-            <p:cNvSpPr/>
-            <p:nvPr/>
-          </p:nvSpPr>
-          <p:spPr>
-            <a:xfrm>
-              <a:off x="2034074" y="989045"/>
-              <a:ext cx="933061" cy="933061"/>
-            </a:xfrm>
-            <a:prstGeom prst="ellipse">
-              <a:avLst/>
-            </a:prstGeom>
-            <a:noFill/>
-            <a:ln w="19050"/>
-          </p:spPr>
-          <p:style>
-            <a:lnRef idx="2">
-              <a:schemeClr val="accent1">
-                <a:shade val="50000"/>
-              </a:schemeClr>
-            </a:lnRef>
-            <a:fillRef idx="1">
-              <a:schemeClr val="accent1"/>
-            </a:fillRef>
-            <a:effectRef idx="0">
-              <a:schemeClr val="accent1"/>
-            </a:effectRef>
-            <a:fontRef idx="minor">
-              <a:schemeClr val="lt1"/>
-            </a:fontRef>
-          </p:style>
-          <p:txBody>
-            <a:bodyPr rtlCol="0" anchor="ctr"/>
-            <a:lstStyle/>
-            <a:p>
-              <a:pPr algn="ctr"/>
-              <a:endParaRPr lang="en-US">
-                <a:solidFill>
-                  <a:schemeClr val="tx1"/>
-                </a:solidFill>
-              </a:endParaRPr>
-            </a:p>
-          </p:txBody>
-        </p:sp>
-        <p:cxnSp>
-          <p:nvCxnSpPr>
-            <p:cNvPr id="6" name="Straight Connector 5">
-              <a:extLst>
-                <a:ext uri="{FF2B5EF4-FFF2-40B4-BE49-F238E27FC236}">
-                  <a16:creationId xmlns:a16="http://schemas.microsoft.com/office/drawing/2014/main" id="{B8EC415C-4309-4E51-9FA2-454B943C0B4D}"/>
-                </a:ext>
-              </a:extLst>
-            </p:cNvPr>
-            <p:cNvCxnSpPr>
-              <a:cxnSpLocks/>
-              <a:stCxn id="4" idx="4"/>
-            </p:cNvCxnSpPr>
-            <p:nvPr/>
-          </p:nvCxnSpPr>
-          <p:spPr>
-            <a:xfrm>
-              <a:off x="2500605" y="1922106"/>
-              <a:ext cx="0" cy="1306286"/>
-            </a:xfrm>
-            <a:prstGeom prst="line">
-              <a:avLst/>
-            </a:prstGeom>
-            <a:ln w="19050"/>
-          </p:spPr>
-          <p:style>
-            <a:lnRef idx="1">
-              <a:schemeClr val="accent1"/>
-            </a:lnRef>
-            <a:fillRef idx="0">
-              <a:schemeClr val="accent1"/>
-            </a:fillRef>
-            <a:effectRef idx="0">
-              <a:schemeClr val="accent1"/>
-            </a:effectRef>
-            <a:fontRef idx="minor">
-              <a:schemeClr val="tx1"/>
-            </a:fontRef>
-          </p:style>
-        </p:cxnSp>
-        <p:cxnSp>
-          <p:nvCxnSpPr>
-            <p:cNvPr id="10" name="Straight Connector 9">
-              <a:extLst>
-                <a:ext uri="{FF2B5EF4-FFF2-40B4-BE49-F238E27FC236}">
-                  <a16:creationId xmlns:a16="http://schemas.microsoft.com/office/drawing/2014/main" id="{3544F51D-351A-4E16-8D4B-5F12569551E9}"/>
-                </a:ext>
-              </a:extLst>
-            </p:cNvPr>
-            <p:cNvCxnSpPr>
-              <a:cxnSpLocks/>
-            </p:cNvCxnSpPr>
-            <p:nvPr/>
-          </p:nvCxnSpPr>
-          <p:spPr>
-            <a:xfrm flipH="1">
-              <a:off x="1763485" y="3228392"/>
-              <a:ext cx="737118" cy="1035698"/>
-            </a:xfrm>
-            <a:prstGeom prst="line">
-              <a:avLst/>
-            </a:prstGeom>
-            <a:ln w="19050"/>
-          </p:spPr>
-          <p:style>
-            <a:lnRef idx="1">
-              <a:schemeClr val="accent1"/>
-            </a:lnRef>
-            <a:fillRef idx="0">
-              <a:schemeClr val="accent1"/>
-            </a:fillRef>
-            <a:effectRef idx="0">
-              <a:schemeClr val="accent1"/>
-            </a:effectRef>
-            <a:fontRef idx="minor">
-              <a:schemeClr val="tx1"/>
-            </a:fontRef>
-          </p:style>
-        </p:cxnSp>
-        <p:cxnSp>
-          <p:nvCxnSpPr>
-            <p:cNvPr id="12" name="Straight Connector 11">
-              <a:extLst>
-                <a:ext uri="{FF2B5EF4-FFF2-40B4-BE49-F238E27FC236}">
-                  <a16:creationId xmlns:a16="http://schemas.microsoft.com/office/drawing/2014/main" id="{89CC822C-6FE2-4B57-ADEC-7FEF3A349084}"/>
-                </a:ext>
-              </a:extLst>
-            </p:cNvPr>
-            <p:cNvCxnSpPr>
-              <a:cxnSpLocks/>
-            </p:cNvCxnSpPr>
-            <p:nvPr/>
-          </p:nvCxnSpPr>
-          <p:spPr>
-            <a:xfrm>
-              <a:off x="2500603" y="3228392"/>
-              <a:ext cx="737120" cy="1035698"/>
-            </a:xfrm>
-            <a:prstGeom prst="line">
-              <a:avLst/>
-            </a:prstGeom>
-            <a:ln w="19050"/>
-          </p:spPr>
-          <p:style>
-            <a:lnRef idx="1">
-              <a:schemeClr val="accent1"/>
-            </a:lnRef>
-            <a:fillRef idx="0">
-              <a:schemeClr val="accent1"/>
-            </a:fillRef>
-            <a:effectRef idx="0">
-              <a:schemeClr val="accent1"/>
-            </a:effectRef>
-            <a:fontRef idx="minor">
-              <a:schemeClr val="tx1"/>
-            </a:fontRef>
-          </p:style>
-        </p:cxnSp>
-        <p:cxnSp>
-          <p:nvCxnSpPr>
-            <p:cNvPr id="14" name="Straight Connector 13">
-              <a:extLst>
-                <a:ext uri="{FF2B5EF4-FFF2-40B4-BE49-F238E27FC236}">
-                  <a16:creationId xmlns:a16="http://schemas.microsoft.com/office/drawing/2014/main" id="{C3AC21BA-0C0B-4B82-8982-ABBFC34B01D8}"/>
-                </a:ext>
-              </a:extLst>
-            </p:cNvPr>
-            <p:cNvCxnSpPr>
-              <a:cxnSpLocks/>
-            </p:cNvCxnSpPr>
-            <p:nvPr/>
-          </p:nvCxnSpPr>
-          <p:spPr>
-            <a:xfrm>
-              <a:off x="1763484" y="2416623"/>
-              <a:ext cx="1474239" cy="0"/>
-            </a:xfrm>
-            <a:prstGeom prst="line">
-              <a:avLst/>
-            </a:prstGeom>
-            <a:ln w="19050"/>
-          </p:spPr>
-          <p:style>
-            <a:lnRef idx="1">
-              <a:schemeClr val="accent1"/>
-            </a:lnRef>
-            <a:fillRef idx="0">
-              <a:schemeClr val="accent1"/>
-            </a:fillRef>
-            <a:effectRef idx="0">
-              <a:schemeClr val="accent1"/>
-            </a:effectRef>
-            <a:fontRef idx="minor">
-              <a:schemeClr val="tx1"/>
-            </a:fontRef>
-          </p:style>
-        </p:cxnSp>
-      </p:grpSp>
-      <p:sp>
-        <p:nvSpPr>
-          <p:cNvPr id="22" name="TextBox 21">
-            <a:extLst>
-              <a:ext uri="{FF2B5EF4-FFF2-40B4-BE49-F238E27FC236}">
-                <a16:creationId xmlns:a16="http://schemas.microsoft.com/office/drawing/2014/main" id="{61813AE3-9D2D-4C3A-9FF8-322AB916B0FF}"/>
-              </a:ext>
-            </a:extLst>
-          </p:cNvPr>
-          <p:cNvSpPr txBox="1"/>
-          <p:nvPr/>
-        </p:nvSpPr>
-        <p:spPr>
-          <a:xfrm>
-            <a:off x="73899" y="4162926"/>
-            <a:ext cx="1486000" cy="369332"/>
-          </a:xfrm>
-          <a:prstGeom prst="rect">
-            <a:avLst/>
-          </a:prstGeom>
-          <a:noFill/>
-        </p:spPr>
-        <p:txBody>
-          <a:bodyPr wrap="square" rtlCol="0">
-            <a:spAutoFit/>
-          </a:bodyPr>
-          <a:lstStyle/>
-          <a:p>
-            <a:r>
-              <a:rPr lang="en-US" dirty="0"/>
-              <a:t>Administrator</a:t>
-            </a:r>
-          </a:p>
-        </p:txBody>
-      </p:sp>
-      <p:sp>
-        <p:nvSpPr>
-          <p:cNvPr id="23" name="Oval 22">
-            <a:extLst>
-              <a:ext uri="{FF2B5EF4-FFF2-40B4-BE49-F238E27FC236}">
-                <a16:creationId xmlns:a16="http://schemas.microsoft.com/office/drawing/2014/main" id="{3D6ACE74-3008-461A-B55E-D91549ADDBFA}"/>
-              </a:ext>
-            </a:extLst>
-          </p:cNvPr>
-          <p:cNvSpPr/>
-          <p:nvPr/>
-        </p:nvSpPr>
-        <p:spPr>
-          <a:xfrm>
-            <a:off x="2976155" y="223863"/>
-            <a:ext cx="2464525" cy="826234"/>
-          </a:xfrm>
-          <a:prstGeom prst="ellipse">
-            <a:avLst/>
-          </a:prstGeom>
-          <a:noFill/>
-          <a:ln w="19050"/>
-        </p:spPr>
-        <p:style>
-          <a:lnRef idx="2">
-            <a:schemeClr val="accent1">
-              <a:shade val="50000"/>
-            </a:schemeClr>
-          </a:lnRef>
-          <a:fillRef idx="1">
-            <a:schemeClr val="accent1"/>
-          </a:fillRef>
-          <a:effectRef idx="0">
-            <a:schemeClr val="accent1"/>
-          </a:effectRef>
-          <a:fontRef idx="minor">
-            <a:schemeClr val="lt1"/>
-          </a:fontRef>
-        </p:style>
-        <p:txBody>
-          <a:bodyPr rtlCol="0" anchor="ctr"/>
-          <a:lstStyle/>
-          <a:p>
-            <a:pPr algn="ctr"/>
-            <a:r>
-              <a:rPr lang="he-IL" sz="1600" dirty="0">
-                <a:solidFill>
-                  <a:schemeClr val="tx1"/>
-                </a:solidFill>
-              </a:rPr>
-              <a:t>הרשמה כמשתמשי מערכת</a:t>
-            </a:r>
-            <a:endParaRPr lang="en-US" sz="1600" dirty="0">
-              <a:solidFill>
-                <a:schemeClr val="tx1"/>
-              </a:solidFill>
-            </a:endParaRPr>
-          </a:p>
-        </p:txBody>
-      </p:sp>
-      <p:sp>
-        <p:nvSpPr>
-          <p:cNvPr id="24" name="Oval 23">
-            <a:extLst>
-              <a:ext uri="{FF2B5EF4-FFF2-40B4-BE49-F238E27FC236}">
-                <a16:creationId xmlns:a16="http://schemas.microsoft.com/office/drawing/2014/main" id="{5EFCBAD1-92BD-4614-B29A-7986098407B9}"/>
-              </a:ext>
-            </a:extLst>
-          </p:cNvPr>
-          <p:cNvSpPr/>
-          <p:nvPr/>
-        </p:nvSpPr>
-        <p:spPr>
-          <a:xfrm>
-            <a:off x="2976155" y="1156588"/>
-            <a:ext cx="2464525" cy="826234"/>
-          </a:xfrm>
-          <a:prstGeom prst="ellipse">
-            <a:avLst/>
-          </a:prstGeom>
-          <a:noFill/>
-          <a:ln w="19050"/>
-        </p:spPr>
-        <p:style>
-          <a:lnRef idx="2">
-            <a:schemeClr val="accent1">
-              <a:shade val="50000"/>
-            </a:schemeClr>
-          </a:lnRef>
-          <a:fillRef idx="1">
-            <a:schemeClr val="accent1"/>
-          </a:fillRef>
-          <a:effectRef idx="0">
-            <a:schemeClr val="accent1"/>
-          </a:effectRef>
-          <a:fontRef idx="minor">
-            <a:schemeClr val="lt1"/>
-          </a:fontRef>
-        </p:style>
-        <p:txBody>
-          <a:bodyPr rtlCol="0" anchor="ctr"/>
-          <a:lstStyle/>
-          <a:p>
-            <a:pPr algn="ctr"/>
-            <a:r>
-              <a:rPr lang="he-IL" sz="1600" dirty="0">
-                <a:solidFill>
-                  <a:schemeClr val="tx1"/>
-                </a:solidFill>
-              </a:rPr>
-              <a:t>קביעת תעריפים ועדכונם במערכת</a:t>
-            </a:r>
-            <a:endParaRPr lang="en-US" sz="1600" dirty="0">
-              <a:solidFill>
-                <a:schemeClr val="tx1"/>
-              </a:solidFill>
-            </a:endParaRPr>
-          </a:p>
-        </p:txBody>
-      </p:sp>
-      <p:sp>
-        <p:nvSpPr>
-          <p:cNvPr id="25" name="Oval 24">
-            <a:extLst>
-              <a:ext uri="{FF2B5EF4-FFF2-40B4-BE49-F238E27FC236}">
-                <a16:creationId xmlns:a16="http://schemas.microsoft.com/office/drawing/2014/main" id="{10B17985-D386-4420-A7BA-E2ADEF84064E}"/>
-              </a:ext>
-            </a:extLst>
-          </p:cNvPr>
-          <p:cNvSpPr/>
-          <p:nvPr/>
-        </p:nvSpPr>
-        <p:spPr>
-          <a:xfrm>
-            <a:off x="2976156" y="2089313"/>
-            <a:ext cx="2464525" cy="826234"/>
-          </a:xfrm>
-          <a:prstGeom prst="ellipse">
-            <a:avLst/>
-          </a:prstGeom>
-          <a:noFill/>
-          <a:ln w="19050"/>
-        </p:spPr>
-        <p:style>
-          <a:lnRef idx="2">
-            <a:schemeClr val="accent1">
-              <a:shade val="50000"/>
-            </a:schemeClr>
-          </a:lnRef>
-          <a:fillRef idx="1">
-            <a:schemeClr val="accent1"/>
-          </a:fillRef>
-          <a:effectRef idx="0">
-            <a:schemeClr val="accent1"/>
-          </a:effectRef>
-          <a:fontRef idx="minor">
-            <a:schemeClr val="lt1"/>
-          </a:fontRef>
-        </p:style>
-        <p:txBody>
-          <a:bodyPr rtlCol="0" anchor="ctr"/>
-          <a:lstStyle/>
-          <a:p>
-            <a:pPr algn="ctr"/>
-            <a:r>
-              <a:rPr lang="he-IL" sz="1600" dirty="0">
-                <a:solidFill>
-                  <a:schemeClr val="tx1"/>
-                </a:solidFill>
-              </a:rPr>
-              <a:t>הנפקת דו"ח תמונת מצב</a:t>
-            </a:r>
-            <a:endParaRPr lang="en-US" sz="1600" dirty="0">
-              <a:solidFill>
-                <a:schemeClr val="tx1"/>
-              </a:solidFill>
-            </a:endParaRPr>
-          </a:p>
-        </p:txBody>
-      </p:sp>
-      <p:sp>
-        <p:nvSpPr>
-          <p:cNvPr id="26" name="Oval 25">
-            <a:extLst>
-              <a:ext uri="{FF2B5EF4-FFF2-40B4-BE49-F238E27FC236}">
-                <a16:creationId xmlns:a16="http://schemas.microsoft.com/office/drawing/2014/main" id="{F12C4930-4AE8-4EDB-9529-3DA193C5D3F1}"/>
-              </a:ext>
-            </a:extLst>
-          </p:cNvPr>
-          <p:cNvSpPr/>
-          <p:nvPr/>
-        </p:nvSpPr>
-        <p:spPr>
-          <a:xfrm>
-            <a:off x="2976155" y="3022038"/>
-            <a:ext cx="2464525" cy="826234"/>
-          </a:xfrm>
-          <a:prstGeom prst="ellipse">
-            <a:avLst/>
-          </a:prstGeom>
-          <a:noFill/>
-          <a:ln w="19050"/>
-        </p:spPr>
-        <p:style>
-          <a:lnRef idx="2">
-            <a:schemeClr val="accent1">
-              <a:shade val="50000"/>
-            </a:schemeClr>
-          </a:lnRef>
-          <a:fillRef idx="1">
-            <a:schemeClr val="accent1"/>
-          </a:fillRef>
-          <a:effectRef idx="0">
-            <a:schemeClr val="accent1"/>
-          </a:effectRef>
-          <a:fontRef idx="minor">
-            <a:schemeClr val="lt1"/>
-          </a:fontRef>
-        </p:style>
-        <p:txBody>
-          <a:bodyPr rot="0" spcFirstLastPara="0" vertOverflow="overflow" horzOverflow="overflow" vert="horz" wrap="square" lIns="91440" tIns="45720" rIns="91440" bIns="45720" numCol="1" spcCol="0" rtlCol="0" fromWordArt="0" anchor="ctr" anchorCtr="0" forceAA="0" compatLnSpc="1">
-            <a:prstTxWarp prst="textNoShape">
-              <a:avLst/>
-            </a:prstTxWarp>
-            <a:noAutofit/>
-          </a:bodyPr>
-          <a:lstStyle/>
-          <a:p>
-            <a:pPr algn="ctr"/>
-            <a:r>
-              <a:rPr lang="he-IL" sz="1600" dirty="0">
-                <a:solidFill>
-                  <a:schemeClr val="tx1"/>
-                </a:solidFill>
-              </a:rPr>
-              <a:t>רישום מתקנים/מקומות חניה מושבתים</a:t>
-            </a:r>
-            <a:endParaRPr lang="en-US" sz="1600" dirty="0">
-              <a:solidFill>
-                <a:schemeClr val="tx1"/>
-              </a:solidFill>
-            </a:endParaRPr>
-          </a:p>
-        </p:txBody>
-      </p:sp>
-      <p:sp>
-        <p:nvSpPr>
-          <p:cNvPr id="30" name="Oval 29">
-            <a:extLst>
-              <a:ext uri="{FF2B5EF4-FFF2-40B4-BE49-F238E27FC236}">
-                <a16:creationId xmlns:a16="http://schemas.microsoft.com/office/drawing/2014/main" id="{8378904E-0C52-4FBB-B5EB-72D6947AC76D}"/>
-              </a:ext>
-            </a:extLst>
-          </p:cNvPr>
-          <p:cNvSpPr/>
-          <p:nvPr/>
-        </p:nvSpPr>
-        <p:spPr>
-          <a:xfrm>
-            <a:off x="2976155" y="3954763"/>
-            <a:ext cx="2464525" cy="826234"/>
-          </a:xfrm>
-          <a:prstGeom prst="ellipse">
-            <a:avLst/>
-          </a:prstGeom>
-          <a:noFill/>
-          <a:ln w="19050"/>
-        </p:spPr>
-        <p:style>
-          <a:lnRef idx="2">
-            <a:schemeClr val="accent1">
-              <a:shade val="50000"/>
-            </a:schemeClr>
-          </a:lnRef>
-          <a:fillRef idx="1">
-            <a:schemeClr val="accent1"/>
-          </a:fillRef>
-          <a:effectRef idx="0">
-            <a:schemeClr val="accent1"/>
-          </a:effectRef>
-          <a:fontRef idx="minor">
-            <a:schemeClr val="lt1"/>
-          </a:fontRef>
-        </p:style>
-        <p:txBody>
-          <a:bodyPr rtlCol="0" anchor="ctr"/>
-          <a:lstStyle/>
-          <a:p>
-            <a:pPr algn="ctr"/>
-            <a:r>
-              <a:rPr lang="he-IL" sz="1600" dirty="0">
-                <a:solidFill>
-                  <a:schemeClr val="tx1"/>
-                </a:solidFill>
-              </a:rPr>
-              <a:t>הפניה לחניון אלטרנטיבי</a:t>
-            </a:r>
-            <a:endParaRPr lang="en-US" sz="1600" dirty="0">
-              <a:solidFill>
-                <a:schemeClr val="tx1"/>
-              </a:solidFill>
-            </a:endParaRPr>
-          </a:p>
-        </p:txBody>
-      </p:sp>
-      <p:sp>
-        <p:nvSpPr>
-          <p:cNvPr id="31" name="Oval 30">
-            <a:extLst>
-              <a:ext uri="{FF2B5EF4-FFF2-40B4-BE49-F238E27FC236}">
-                <a16:creationId xmlns:a16="http://schemas.microsoft.com/office/drawing/2014/main" id="{2277AF84-69E5-469F-B6F2-73B76FA3B5AB}"/>
-              </a:ext>
-            </a:extLst>
-          </p:cNvPr>
-          <p:cNvSpPr/>
-          <p:nvPr/>
-        </p:nvSpPr>
-        <p:spPr>
-          <a:xfrm>
-            <a:off x="2976156" y="4887488"/>
-            <a:ext cx="2464525" cy="826234"/>
-          </a:xfrm>
-          <a:prstGeom prst="ellipse">
-            <a:avLst/>
-          </a:prstGeom>
-          <a:noFill/>
-          <a:ln w="19050"/>
-        </p:spPr>
-        <p:style>
-          <a:lnRef idx="2">
-            <a:schemeClr val="accent1">
-              <a:shade val="50000"/>
-            </a:schemeClr>
-          </a:lnRef>
-          <a:fillRef idx="1">
-            <a:schemeClr val="accent1"/>
-          </a:fillRef>
-          <a:effectRef idx="0">
-            <a:schemeClr val="accent1"/>
-          </a:effectRef>
-          <a:fontRef idx="minor">
-            <a:schemeClr val="lt1"/>
-          </a:fontRef>
-        </p:style>
-        <p:txBody>
-          <a:bodyPr rtlCol="0" anchor="ctr"/>
-          <a:lstStyle/>
-          <a:p>
-            <a:pPr algn="ctr"/>
-            <a:r>
-              <a:rPr lang="he-IL" sz="1600" dirty="0">
-                <a:solidFill>
-                  <a:schemeClr val="tx1"/>
-                </a:solidFill>
-              </a:rPr>
-              <a:t>אתחול המערכת</a:t>
-            </a:r>
-            <a:endParaRPr lang="en-US" sz="1600" dirty="0">
-              <a:solidFill>
-                <a:schemeClr val="tx1"/>
-              </a:solidFill>
-            </a:endParaRPr>
-          </a:p>
-        </p:txBody>
-      </p:sp>
-      <p:sp>
-        <p:nvSpPr>
-          <p:cNvPr id="32" name="Oval 31">
-            <a:extLst>
-              <a:ext uri="{FF2B5EF4-FFF2-40B4-BE49-F238E27FC236}">
-                <a16:creationId xmlns:a16="http://schemas.microsoft.com/office/drawing/2014/main" id="{C79244D2-C66F-477F-9F6A-27D04051C2F4}"/>
-              </a:ext>
-            </a:extLst>
-          </p:cNvPr>
-          <p:cNvSpPr/>
-          <p:nvPr/>
-        </p:nvSpPr>
-        <p:spPr>
-          <a:xfrm>
-            <a:off x="2976155" y="5820213"/>
-            <a:ext cx="2464525" cy="826234"/>
-          </a:xfrm>
-          <a:prstGeom prst="ellipse">
-            <a:avLst/>
-          </a:prstGeom>
-          <a:noFill/>
-          <a:ln w="19050"/>
-        </p:spPr>
-        <p:style>
-          <a:lnRef idx="2">
-            <a:schemeClr val="accent1">
-              <a:shade val="50000"/>
-            </a:schemeClr>
-          </a:lnRef>
-          <a:fillRef idx="1">
-            <a:schemeClr val="accent1"/>
-          </a:fillRef>
-          <a:effectRef idx="0">
-            <a:schemeClr val="accent1"/>
-          </a:effectRef>
-          <a:fontRef idx="minor">
-            <a:schemeClr val="lt1"/>
-          </a:fontRef>
-        </p:style>
-        <p:txBody>
-          <a:bodyPr rtlCol="0" anchor="ctr"/>
-          <a:lstStyle/>
-          <a:p>
-            <a:pPr algn="ctr"/>
-            <a:r>
-              <a:rPr lang="he-IL" sz="1600" dirty="0">
-                <a:solidFill>
-                  <a:schemeClr val="tx1"/>
-                </a:solidFill>
-              </a:rPr>
-              <a:t>שמירת מקומות חניה</a:t>
-            </a:r>
-            <a:endParaRPr lang="en-US" sz="1600" dirty="0">
-              <a:solidFill>
-                <a:schemeClr val="tx1"/>
-              </a:solidFill>
-            </a:endParaRPr>
-          </a:p>
-        </p:txBody>
-      </p:sp>
-      <p:grpSp>
-        <p:nvGrpSpPr>
-          <p:cNvPr id="33" name="Group 32">
-            <a:extLst>
-              <a:ext uri="{FF2B5EF4-FFF2-40B4-BE49-F238E27FC236}">
-                <a16:creationId xmlns:a16="http://schemas.microsoft.com/office/drawing/2014/main" id="{4CD04697-FB7C-4877-BBF7-5021E18A663E}"/>
-              </a:ext>
-            </a:extLst>
-          </p:cNvPr>
-          <p:cNvGrpSpPr/>
-          <p:nvPr/>
-        </p:nvGrpSpPr>
-        <p:grpSpPr>
-          <a:xfrm>
-            <a:off x="11032308" y="2089313"/>
-            <a:ext cx="844222" cy="1875451"/>
-            <a:chOff x="1763484" y="989045"/>
-            <a:chExt cx="1474239" cy="3275045"/>
-          </a:xfrm>
-        </p:grpSpPr>
-        <p:sp>
-          <p:nvSpPr>
-            <p:cNvPr id="34" name="Oval 33">
-              <a:extLst>
-                <a:ext uri="{FF2B5EF4-FFF2-40B4-BE49-F238E27FC236}">
-                  <a16:creationId xmlns:a16="http://schemas.microsoft.com/office/drawing/2014/main" id="{F211E7F4-4F22-41A7-ADAF-C82BDBC74575}"/>
-                </a:ext>
-              </a:extLst>
-            </p:cNvPr>
-            <p:cNvSpPr/>
-            <p:nvPr/>
-          </p:nvSpPr>
-          <p:spPr>
-            <a:xfrm>
-              <a:off x="2034074" y="989045"/>
-              <a:ext cx="933061" cy="933061"/>
-            </a:xfrm>
-            <a:prstGeom prst="ellipse">
-              <a:avLst/>
-            </a:prstGeom>
-            <a:noFill/>
-            <a:ln w="19050"/>
-          </p:spPr>
-          <p:style>
-            <a:lnRef idx="2">
-              <a:schemeClr val="accent1">
-                <a:shade val="50000"/>
-              </a:schemeClr>
-            </a:lnRef>
-            <a:fillRef idx="1">
-              <a:schemeClr val="accent1"/>
-            </a:fillRef>
-            <a:effectRef idx="0">
-              <a:schemeClr val="accent1"/>
-            </a:effectRef>
-            <a:fontRef idx="minor">
-              <a:schemeClr val="lt1"/>
-            </a:fontRef>
-          </p:style>
-          <p:txBody>
-            <a:bodyPr rtlCol="0" anchor="ctr"/>
-            <a:lstStyle/>
-            <a:p>
-              <a:pPr algn="ctr"/>
-              <a:endParaRPr lang="en-US">
-                <a:solidFill>
-                  <a:schemeClr val="tx1"/>
-                </a:solidFill>
-              </a:endParaRPr>
-            </a:p>
-          </p:txBody>
-        </p:sp>
-        <p:cxnSp>
-          <p:nvCxnSpPr>
-            <p:cNvPr id="35" name="Straight Connector 34">
-              <a:extLst>
-                <a:ext uri="{FF2B5EF4-FFF2-40B4-BE49-F238E27FC236}">
-                  <a16:creationId xmlns:a16="http://schemas.microsoft.com/office/drawing/2014/main" id="{047B8698-8265-4D52-9A8E-51F9172ED3EC}"/>
-                </a:ext>
-              </a:extLst>
-            </p:cNvPr>
-            <p:cNvCxnSpPr>
-              <a:cxnSpLocks/>
-              <a:stCxn id="34" idx="4"/>
-            </p:cNvCxnSpPr>
-            <p:nvPr/>
-          </p:nvCxnSpPr>
-          <p:spPr>
-            <a:xfrm>
-              <a:off x="2500605" y="1922106"/>
-              <a:ext cx="0" cy="1306286"/>
-            </a:xfrm>
-            <a:prstGeom prst="line">
-              <a:avLst/>
-            </a:prstGeom>
-            <a:ln w="19050"/>
-          </p:spPr>
-          <p:style>
-            <a:lnRef idx="1">
-              <a:schemeClr val="accent1"/>
-            </a:lnRef>
-            <a:fillRef idx="0">
-              <a:schemeClr val="accent1"/>
-            </a:fillRef>
-            <a:effectRef idx="0">
-              <a:schemeClr val="accent1"/>
-            </a:effectRef>
-            <a:fontRef idx="minor">
-              <a:schemeClr val="tx1"/>
-            </a:fontRef>
-          </p:style>
-        </p:cxnSp>
-        <p:cxnSp>
-          <p:nvCxnSpPr>
-            <p:cNvPr id="36" name="Straight Connector 35">
-              <a:extLst>
-                <a:ext uri="{FF2B5EF4-FFF2-40B4-BE49-F238E27FC236}">
-                  <a16:creationId xmlns:a16="http://schemas.microsoft.com/office/drawing/2014/main" id="{A924B83C-165F-432A-8ADB-3977884B6C94}"/>
-                </a:ext>
-              </a:extLst>
-            </p:cNvPr>
-            <p:cNvCxnSpPr>
-              <a:cxnSpLocks/>
-            </p:cNvCxnSpPr>
-            <p:nvPr/>
-          </p:nvCxnSpPr>
-          <p:spPr>
-            <a:xfrm flipH="1">
-              <a:off x="1763485" y="3228392"/>
-              <a:ext cx="737118" cy="1035698"/>
-            </a:xfrm>
-            <a:prstGeom prst="line">
-              <a:avLst/>
-            </a:prstGeom>
-            <a:ln w="19050"/>
-          </p:spPr>
-          <p:style>
-            <a:lnRef idx="1">
-              <a:schemeClr val="accent1"/>
-            </a:lnRef>
-            <a:fillRef idx="0">
-              <a:schemeClr val="accent1"/>
-            </a:fillRef>
-            <a:effectRef idx="0">
-              <a:schemeClr val="accent1"/>
-            </a:effectRef>
-            <a:fontRef idx="minor">
-              <a:schemeClr val="tx1"/>
-            </a:fontRef>
-          </p:style>
-        </p:cxnSp>
-        <p:cxnSp>
-          <p:nvCxnSpPr>
-            <p:cNvPr id="37" name="Straight Connector 36">
-              <a:extLst>
-                <a:ext uri="{FF2B5EF4-FFF2-40B4-BE49-F238E27FC236}">
-                  <a16:creationId xmlns:a16="http://schemas.microsoft.com/office/drawing/2014/main" id="{71123D99-C7B4-49FB-8A28-8F7C8F0AAE70}"/>
-                </a:ext>
-              </a:extLst>
-            </p:cNvPr>
-            <p:cNvCxnSpPr>
-              <a:cxnSpLocks/>
-            </p:cNvCxnSpPr>
-            <p:nvPr/>
-          </p:nvCxnSpPr>
-          <p:spPr>
-            <a:xfrm>
-              <a:off x="2500603" y="3228392"/>
-              <a:ext cx="737120" cy="1035698"/>
-            </a:xfrm>
-            <a:prstGeom prst="line">
-              <a:avLst/>
-            </a:prstGeom>
-            <a:ln w="19050"/>
-          </p:spPr>
-          <p:style>
-            <a:lnRef idx="1">
-              <a:schemeClr val="accent1"/>
-            </a:lnRef>
-            <a:fillRef idx="0">
-              <a:schemeClr val="accent1"/>
-            </a:fillRef>
-            <a:effectRef idx="0">
-              <a:schemeClr val="accent1"/>
-            </a:effectRef>
-            <a:fontRef idx="minor">
-              <a:schemeClr val="tx1"/>
-            </a:fontRef>
-          </p:style>
-        </p:cxnSp>
-        <p:cxnSp>
-          <p:nvCxnSpPr>
-            <p:cNvPr id="38" name="Straight Connector 37">
-              <a:extLst>
-                <a:ext uri="{FF2B5EF4-FFF2-40B4-BE49-F238E27FC236}">
-                  <a16:creationId xmlns:a16="http://schemas.microsoft.com/office/drawing/2014/main" id="{44D86F00-5987-48E6-83D1-C115F03EB2E5}"/>
-                </a:ext>
-              </a:extLst>
-            </p:cNvPr>
-            <p:cNvCxnSpPr>
-              <a:cxnSpLocks/>
-            </p:cNvCxnSpPr>
-            <p:nvPr/>
-          </p:nvCxnSpPr>
-          <p:spPr>
-            <a:xfrm>
-              <a:off x="1763484" y="2416623"/>
-              <a:ext cx="1474239" cy="0"/>
-            </a:xfrm>
-            <a:prstGeom prst="line">
-              <a:avLst/>
-            </a:prstGeom>
-            <a:ln w="19050"/>
-          </p:spPr>
-          <p:style>
-            <a:lnRef idx="1">
-              <a:schemeClr val="accent1"/>
-            </a:lnRef>
-            <a:fillRef idx="0">
-              <a:schemeClr val="accent1"/>
-            </a:fillRef>
-            <a:effectRef idx="0">
-              <a:schemeClr val="accent1"/>
-            </a:effectRef>
-            <a:fontRef idx="minor">
-              <a:schemeClr val="tx1"/>
-            </a:fontRef>
-          </p:style>
-        </p:cxnSp>
-      </p:grpSp>
-      <p:sp>
-        <p:nvSpPr>
-          <p:cNvPr id="39" name="TextBox 38">
-            <a:extLst>
-              <a:ext uri="{FF2B5EF4-FFF2-40B4-BE49-F238E27FC236}">
-                <a16:creationId xmlns:a16="http://schemas.microsoft.com/office/drawing/2014/main" id="{315A7FE3-8801-4FB4-96E9-94D0EBC4E511}"/>
-              </a:ext>
-            </a:extLst>
-          </p:cNvPr>
-          <p:cNvSpPr txBox="1"/>
-          <p:nvPr/>
-        </p:nvSpPr>
-        <p:spPr>
-          <a:xfrm>
-            <a:off x="10871863" y="4183214"/>
-            <a:ext cx="1165111" cy="369332"/>
-          </a:xfrm>
-          <a:prstGeom prst="rect">
-            <a:avLst/>
-          </a:prstGeom>
-          <a:noFill/>
-        </p:spPr>
-        <p:txBody>
-          <a:bodyPr wrap="square" rtlCol="0">
-            <a:spAutoFit/>
-          </a:bodyPr>
-          <a:lstStyle/>
-          <a:p>
-            <a:r>
-              <a:rPr lang="en-US" dirty="0"/>
-              <a:t>Customer</a:t>
-            </a:r>
-          </a:p>
-        </p:txBody>
-      </p:sp>
-      <p:sp>
-        <p:nvSpPr>
-          <p:cNvPr id="40" name="Oval 39">
-            <a:extLst>
-              <a:ext uri="{FF2B5EF4-FFF2-40B4-BE49-F238E27FC236}">
-                <a16:creationId xmlns:a16="http://schemas.microsoft.com/office/drawing/2014/main" id="{9552CC5E-76A5-46B6-AC8E-7A9C693A4CFD}"/>
-              </a:ext>
-            </a:extLst>
-          </p:cNvPr>
-          <p:cNvSpPr/>
-          <p:nvPr/>
-        </p:nvSpPr>
-        <p:spPr>
-          <a:xfrm>
-            <a:off x="7318280" y="1569705"/>
-            <a:ext cx="2464525" cy="826234"/>
-          </a:xfrm>
-          <a:prstGeom prst="ellipse">
-            <a:avLst/>
-          </a:prstGeom>
-          <a:noFill/>
-          <a:ln w="19050"/>
-        </p:spPr>
-        <p:style>
-          <a:lnRef idx="2">
-            <a:schemeClr val="accent1">
-              <a:shade val="50000"/>
-            </a:schemeClr>
-          </a:lnRef>
-          <a:fillRef idx="1">
-            <a:schemeClr val="accent1"/>
-          </a:fillRef>
-          <a:effectRef idx="0">
-            <a:schemeClr val="accent1"/>
-          </a:effectRef>
-          <a:fontRef idx="minor">
-            <a:schemeClr val="lt1"/>
-          </a:fontRef>
-        </p:style>
-        <p:txBody>
-          <a:bodyPr rtlCol="0" anchor="ctr"/>
-          <a:lstStyle/>
-          <a:p>
-            <a:pPr algn="ctr"/>
-            <a:r>
-              <a:rPr lang="he-IL" sz="1600" dirty="0">
-                <a:solidFill>
-                  <a:schemeClr val="tx1"/>
-                </a:solidFill>
-              </a:rPr>
-              <a:t>הזדהות במערכת</a:t>
-            </a:r>
-            <a:endParaRPr lang="en-US" sz="1600" dirty="0">
-              <a:solidFill>
-                <a:schemeClr val="tx1"/>
-              </a:solidFill>
-            </a:endParaRPr>
-          </a:p>
-        </p:txBody>
-      </p:sp>
-      <p:sp>
-        <p:nvSpPr>
-          <p:cNvPr id="41" name="Oval 40">
-            <a:extLst>
-              <a:ext uri="{FF2B5EF4-FFF2-40B4-BE49-F238E27FC236}">
-                <a16:creationId xmlns:a16="http://schemas.microsoft.com/office/drawing/2014/main" id="{67AB4161-3E09-43A8-B2CD-043805E8DBA7}"/>
-              </a:ext>
-            </a:extLst>
-          </p:cNvPr>
-          <p:cNvSpPr/>
-          <p:nvPr/>
-        </p:nvSpPr>
-        <p:spPr>
-          <a:xfrm>
-            <a:off x="7318280" y="2502430"/>
-            <a:ext cx="2464525" cy="826234"/>
-          </a:xfrm>
-          <a:prstGeom prst="ellipse">
-            <a:avLst/>
-          </a:prstGeom>
-          <a:noFill/>
-          <a:ln w="19050"/>
-        </p:spPr>
-        <p:style>
-          <a:lnRef idx="2">
-            <a:schemeClr val="accent1">
-              <a:shade val="50000"/>
-            </a:schemeClr>
-          </a:lnRef>
-          <a:fillRef idx="1">
-            <a:schemeClr val="accent1"/>
-          </a:fillRef>
-          <a:effectRef idx="0">
-            <a:schemeClr val="accent1"/>
-          </a:effectRef>
-          <a:fontRef idx="minor">
-            <a:schemeClr val="lt1"/>
-          </a:fontRef>
-        </p:style>
-        <p:txBody>
-          <a:bodyPr rtlCol="0" anchor="ctr"/>
-          <a:lstStyle/>
-          <a:p>
-            <a:pPr algn="ctr"/>
-            <a:r>
-              <a:rPr lang="he-IL" sz="1600" dirty="0">
-                <a:solidFill>
-                  <a:schemeClr val="tx1"/>
-                </a:solidFill>
-              </a:rPr>
-              <a:t>הזמנת שירותי חניה</a:t>
-            </a:r>
-            <a:endParaRPr lang="en-US" sz="1600" dirty="0">
-              <a:solidFill>
-                <a:schemeClr val="tx1"/>
-              </a:solidFill>
-            </a:endParaRPr>
-          </a:p>
-        </p:txBody>
-      </p:sp>
-      <p:sp>
-        <p:nvSpPr>
-          <p:cNvPr id="42" name="Oval 41">
-            <a:extLst>
-              <a:ext uri="{FF2B5EF4-FFF2-40B4-BE49-F238E27FC236}">
-                <a16:creationId xmlns:a16="http://schemas.microsoft.com/office/drawing/2014/main" id="{A3747C0C-0182-4CF1-AE3B-A9DCF3AD76C0}"/>
-              </a:ext>
-            </a:extLst>
-          </p:cNvPr>
-          <p:cNvSpPr/>
-          <p:nvPr/>
-        </p:nvSpPr>
-        <p:spPr>
-          <a:xfrm>
-            <a:off x="7318281" y="3435155"/>
-            <a:ext cx="2464525" cy="826234"/>
-          </a:xfrm>
-          <a:prstGeom prst="ellipse">
-            <a:avLst/>
-          </a:prstGeom>
-          <a:noFill/>
-          <a:ln w="19050"/>
-        </p:spPr>
-        <p:style>
-          <a:lnRef idx="2">
-            <a:schemeClr val="accent1">
-              <a:shade val="50000"/>
-            </a:schemeClr>
-          </a:lnRef>
-          <a:fillRef idx="1">
-            <a:schemeClr val="accent1"/>
-          </a:fillRef>
-          <a:effectRef idx="0">
-            <a:schemeClr val="accent1"/>
-          </a:effectRef>
-          <a:fontRef idx="minor">
-            <a:schemeClr val="lt1"/>
-          </a:fontRef>
-        </p:style>
-        <p:txBody>
-          <a:bodyPr rtlCol="0" anchor="ctr"/>
-          <a:lstStyle/>
-          <a:p>
-            <a:pPr algn="ctr"/>
-            <a:r>
-              <a:rPr lang="he-IL" sz="1600" dirty="0">
-                <a:solidFill>
-                  <a:schemeClr val="tx1"/>
-                </a:solidFill>
-              </a:rPr>
-              <a:t>מעקב על מצב בקשה</a:t>
-            </a:r>
-            <a:endParaRPr lang="en-US" sz="1600" dirty="0">
-              <a:solidFill>
-                <a:schemeClr val="tx1"/>
-              </a:solidFill>
-            </a:endParaRPr>
-          </a:p>
-        </p:txBody>
-      </p:sp>
-      <p:sp>
-        <p:nvSpPr>
-          <p:cNvPr id="43" name="Oval 42">
-            <a:extLst>
-              <a:ext uri="{FF2B5EF4-FFF2-40B4-BE49-F238E27FC236}">
-                <a16:creationId xmlns:a16="http://schemas.microsoft.com/office/drawing/2014/main" id="{3D149B52-5895-423A-BD19-010BFA27B380}"/>
-              </a:ext>
-            </a:extLst>
-          </p:cNvPr>
-          <p:cNvSpPr/>
-          <p:nvPr/>
-        </p:nvSpPr>
-        <p:spPr>
-          <a:xfrm>
-            <a:off x="7318280" y="4367880"/>
-            <a:ext cx="2464525" cy="826234"/>
-          </a:xfrm>
-          <a:prstGeom prst="ellipse">
-            <a:avLst/>
-          </a:prstGeom>
-          <a:noFill/>
-          <a:ln w="19050"/>
-        </p:spPr>
-        <p:style>
-          <a:lnRef idx="2">
-            <a:schemeClr val="accent1">
-              <a:shade val="50000"/>
-            </a:schemeClr>
-          </a:lnRef>
-          <a:fillRef idx="1">
-            <a:schemeClr val="accent1"/>
-          </a:fillRef>
-          <a:effectRef idx="0">
-            <a:schemeClr val="accent1"/>
-          </a:effectRef>
-          <a:fontRef idx="minor">
-            <a:schemeClr val="lt1"/>
-          </a:fontRef>
-        </p:style>
-        <p:txBody>
-          <a:bodyPr rot="0" spcFirstLastPara="0" vertOverflow="overflow" horzOverflow="overflow" vert="horz" wrap="square" lIns="91440" tIns="45720" rIns="91440" bIns="45720" numCol="1" spcCol="0" rtlCol="0" fromWordArt="0" anchor="ctr" anchorCtr="0" forceAA="0" compatLnSpc="1">
-            <a:prstTxWarp prst="textNoShape">
-              <a:avLst/>
-            </a:prstTxWarp>
-            <a:noAutofit/>
-          </a:bodyPr>
-          <a:lstStyle/>
-          <a:p>
-            <a:pPr algn="ctr"/>
-            <a:r>
-              <a:rPr lang="he-IL" sz="1600" dirty="0">
-                <a:solidFill>
-                  <a:schemeClr val="tx1"/>
-                </a:solidFill>
-              </a:rPr>
-              <a:t>הגשת תלונה</a:t>
-            </a:r>
-            <a:endParaRPr lang="en-US" sz="1600" dirty="0">
-              <a:solidFill>
-                <a:schemeClr val="tx1"/>
-              </a:solidFill>
-            </a:endParaRPr>
-          </a:p>
-        </p:txBody>
-      </p:sp>
-      <p:cxnSp>
-        <p:nvCxnSpPr>
-          <p:cNvPr id="45" name="Straight Connector 44">
-            <a:extLst>
-              <a:ext uri="{FF2B5EF4-FFF2-40B4-BE49-F238E27FC236}">
-                <a16:creationId xmlns:a16="http://schemas.microsoft.com/office/drawing/2014/main" id="{130D4541-4500-4303-B97B-7D8C3FED57E0}"/>
-              </a:ext>
-            </a:extLst>
-          </p:cNvPr>
-          <p:cNvCxnSpPr>
-            <a:cxnSpLocks/>
-            <a:endCxn id="23" idx="2"/>
-          </p:cNvCxnSpPr>
-          <p:nvPr/>
-        </p:nvCxnSpPr>
-        <p:spPr>
-          <a:xfrm flipV="1">
-            <a:off x="1589583" y="636980"/>
-            <a:ext cx="1386572" cy="1719751"/>
-          </a:xfrm>
-          <a:prstGeom prst="line">
-            <a:avLst/>
-          </a:prstGeom>
-        </p:spPr>
-        <p:style>
-          <a:lnRef idx="1">
-            <a:schemeClr val="accent1"/>
-          </a:lnRef>
-          <a:fillRef idx="0">
-            <a:schemeClr val="accent1"/>
-          </a:fillRef>
-          <a:effectRef idx="0">
-            <a:schemeClr val="accent1"/>
-          </a:effectRef>
-          <a:fontRef idx="minor">
-            <a:schemeClr val="tx1"/>
-          </a:fontRef>
-        </p:style>
-      </p:cxnSp>
-      <p:cxnSp>
-        <p:nvCxnSpPr>
-          <p:cNvPr id="47" name="Straight Connector 46">
-            <a:extLst>
-              <a:ext uri="{FF2B5EF4-FFF2-40B4-BE49-F238E27FC236}">
-                <a16:creationId xmlns:a16="http://schemas.microsoft.com/office/drawing/2014/main" id="{B9C35E75-7508-4BCC-BC07-8F17AD97E3BC}"/>
-              </a:ext>
-            </a:extLst>
-          </p:cNvPr>
-          <p:cNvCxnSpPr>
-            <a:cxnSpLocks/>
-            <a:endCxn id="24" idx="2"/>
-          </p:cNvCxnSpPr>
-          <p:nvPr/>
-        </p:nvCxnSpPr>
-        <p:spPr>
-          <a:xfrm flipV="1">
-            <a:off x="1589584" y="1569705"/>
-            <a:ext cx="1386571" cy="1114492"/>
-          </a:xfrm>
-          <a:prstGeom prst="line">
-            <a:avLst/>
-          </a:prstGeom>
-        </p:spPr>
-        <p:style>
-          <a:lnRef idx="1">
-            <a:schemeClr val="accent1"/>
-          </a:lnRef>
-          <a:fillRef idx="0">
-            <a:schemeClr val="accent1"/>
-          </a:fillRef>
-          <a:effectRef idx="0">
-            <a:schemeClr val="accent1"/>
-          </a:effectRef>
-          <a:fontRef idx="minor">
-            <a:schemeClr val="tx1"/>
-          </a:fontRef>
-        </p:style>
-      </p:cxnSp>
-      <p:cxnSp>
-        <p:nvCxnSpPr>
-          <p:cNvPr id="49" name="Straight Connector 48">
-            <a:extLst>
-              <a:ext uri="{FF2B5EF4-FFF2-40B4-BE49-F238E27FC236}">
-                <a16:creationId xmlns:a16="http://schemas.microsoft.com/office/drawing/2014/main" id="{80CB6942-C5F2-4436-B0F2-AF8EDE4E1B07}"/>
-              </a:ext>
-            </a:extLst>
-          </p:cNvPr>
-          <p:cNvCxnSpPr>
-            <a:endCxn id="25" idx="2"/>
-          </p:cNvCxnSpPr>
-          <p:nvPr/>
-        </p:nvCxnSpPr>
-        <p:spPr>
-          <a:xfrm flipV="1">
-            <a:off x="1589585" y="2502430"/>
-            <a:ext cx="1386571" cy="461997"/>
-          </a:xfrm>
-          <a:prstGeom prst="line">
-            <a:avLst/>
-          </a:prstGeom>
-        </p:spPr>
-        <p:style>
-          <a:lnRef idx="1">
-            <a:schemeClr val="accent1"/>
-          </a:lnRef>
-          <a:fillRef idx="0">
-            <a:schemeClr val="accent1"/>
-          </a:fillRef>
-          <a:effectRef idx="0">
-            <a:schemeClr val="accent1"/>
-          </a:effectRef>
-          <a:fontRef idx="minor">
-            <a:schemeClr val="tx1"/>
-          </a:fontRef>
-        </p:style>
-      </p:cxnSp>
-      <p:cxnSp>
-        <p:nvCxnSpPr>
-          <p:cNvPr id="51" name="Straight Connector 50">
-            <a:extLst>
-              <a:ext uri="{FF2B5EF4-FFF2-40B4-BE49-F238E27FC236}">
-                <a16:creationId xmlns:a16="http://schemas.microsoft.com/office/drawing/2014/main" id="{E6E0BED2-958E-4B98-B940-A02BCF290085}"/>
-              </a:ext>
-            </a:extLst>
-          </p:cNvPr>
-          <p:cNvCxnSpPr>
-            <a:endCxn id="26" idx="2"/>
-          </p:cNvCxnSpPr>
-          <p:nvPr/>
-        </p:nvCxnSpPr>
-        <p:spPr>
-          <a:xfrm>
-            <a:off x="1594892" y="3303872"/>
-            <a:ext cx="1381263" cy="131283"/>
-          </a:xfrm>
-          <a:prstGeom prst="line">
-            <a:avLst/>
-          </a:prstGeom>
-        </p:spPr>
-        <p:style>
-          <a:lnRef idx="1">
-            <a:schemeClr val="accent1"/>
-          </a:lnRef>
-          <a:fillRef idx="0">
-            <a:schemeClr val="accent1"/>
-          </a:fillRef>
-          <a:effectRef idx="0">
-            <a:schemeClr val="accent1"/>
-          </a:effectRef>
-          <a:fontRef idx="minor">
-            <a:schemeClr val="tx1"/>
-          </a:fontRef>
-        </p:style>
-      </p:cxnSp>
-      <p:cxnSp>
-        <p:nvCxnSpPr>
-          <p:cNvPr id="53" name="Straight Connector 52">
-            <a:extLst>
-              <a:ext uri="{FF2B5EF4-FFF2-40B4-BE49-F238E27FC236}">
-                <a16:creationId xmlns:a16="http://schemas.microsoft.com/office/drawing/2014/main" id="{22318DB8-288D-4D6F-A790-A61AB1B932FB}"/>
-              </a:ext>
-            </a:extLst>
-          </p:cNvPr>
-          <p:cNvCxnSpPr>
-            <a:endCxn id="30" idx="2"/>
-          </p:cNvCxnSpPr>
-          <p:nvPr/>
-        </p:nvCxnSpPr>
-        <p:spPr>
-          <a:xfrm>
-            <a:off x="1597545" y="3606482"/>
-            <a:ext cx="1378610" cy="761398"/>
-          </a:xfrm>
-          <a:prstGeom prst="line">
-            <a:avLst/>
-          </a:prstGeom>
-        </p:spPr>
-        <p:style>
-          <a:lnRef idx="1">
-            <a:schemeClr val="accent1"/>
-          </a:lnRef>
-          <a:fillRef idx="0">
-            <a:schemeClr val="accent1"/>
-          </a:fillRef>
-          <a:effectRef idx="0">
-            <a:schemeClr val="accent1"/>
-          </a:effectRef>
-          <a:fontRef idx="minor">
-            <a:schemeClr val="tx1"/>
-          </a:fontRef>
-        </p:style>
-      </p:cxnSp>
-      <p:cxnSp>
-        <p:nvCxnSpPr>
-          <p:cNvPr id="55" name="Straight Connector 54">
-            <a:extLst>
-              <a:ext uri="{FF2B5EF4-FFF2-40B4-BE49-F238E27FC236}">
-                <a16:creationId xmlns:a16="http://schemas.microsoft.com/office/drawing/2014/main" id="{BC167039-A387-43A1-A6A6-353E4F0F6529}"/>
-              </a:ext>
-            </a:extLst>
-          </p:cNvPr>
-          <p:cNvCxnSpPr/>
-          <p:nvPr/>
-        </p:nvCxnSpPr>
-        <p:spPr>
-          <a:xfrm>
-            <a:off x="1598871" y="3848272"/>
-            <a:ext cx="1377284" cy="1345842"/>
-          </a:xfrm>
-          <a:prstGeom prst="line">
-            <a:avLst/>
-          </a:prstGeom>
-        </p:spPr>
-        <p:style>
-          <a:lnRef idx="1">
-            <a:schemeClr val="accent1"/>
-          </a:lnRef>
-          <a:fillRef idx="0">
-            <a:schemeClr val="accent1"/>
-          </a:fillRef>
-          <a:effectRef idx="0">
-            <a:schemeClr val="accent1"/>
-          </a:effectRef>
-          <a:fontRef idx="minor">
-            <a:schemeClr val="tx1"/>
-          </a:fontRef>
-        </p:style>
-      </p:cxnSp>
-      <p:cxnSp>
-        <p:nvCxnSpPr>
-          <p:cNvPr id="57" name="Straight Connector 56">
-            <a:extLst>
-              <a:ext uri="{FF2B5EF4-FFF2-40B4-BE49-F238E27FC236}">
-                <a16:creationId xmlns:a16="http://schemas.microsoft.com/office/drawing/2014/main" id="{865386DD-4FBE-4394-AE40-EF21F5447C2C}"/>
-              </a:ext>
-            </a:extLst>
-          </p:cNvPr>
-          <p:cNvCxnSpPr>
-            <a:endCxn id="32" idx="2"/>
-          </p:cNvCxnSpPr>
-          <p:nvPr/>
-        </p:nvCxnSpPr>
-        <p:spPr>
-          <a:xfrm>
-            <a:off x="1597544" y="4130106"/>
-            <a:ext cx="1378611" cy="2103224"/>
-          </a:xfrm>
-          <a:prstGeom prst="line">
-            <a:avLst/>
-          </a:prstGeom>
-        </p:spPr>
-        <p:style>
-          <a:lnRef idx="1">
-            <a:schemeClr val="accent1"/>
-          </a:lnRef>
-          <a:fillRef idx="0">
-            <a:schemeClr val="accent1"/>
-          </a:fillRef>
-          <a:effectRef idx="0">
-            <a:schemeClr val="accent1"/>
-          </a:effectRef>
-          <a:fontRef idx="minor">
-            <a:schemeClr val="tx1"/>
-          </a:fontRef>
-        </p:style>
-      </p:cxnSp>
-      <p:cxnSp>
-        <p:nvCxnSpPr>
-          <p:cNvPr id="64" name="Straight Connector 63">
-            <a:extLst>
-              <a:ext uri="{FF2B5EF4-FFF2-40B4-BE49-F238E27FC236}">
-                <a16:creationId xmlns:a16="http://schemas.microsoft.com/office/drawing/2014/main" id="{CA55CB32-662E-45CF-91A4-F2B66298F504}"/>
-              </a:ext>
-            </a:extLst>
-          </p:cNvPr>
-          <p:cNvCxnSpPr>
-            <a:endCxn id="40" idx="6"/>
-          </p:cNvCxnSpPr>
-          <p:nvPr/>
-        </p:nvCxnSpPr>
-        <p:spPr>
-          <a:xfrm flipH="1" flipV="1">
-            <a:off x="9782805" y="1982822"/>
-            <a:ext cx="1168223" cy="701375"/>
-          </a:xfrm>
-          <a:prstGeom prst="line">
-            <a:avLst/>
-          </a:prstGeom>
-        </p:spPr>
-        <p:style>
-          <a:lnRef idx="1">
-            <a:schemeClr val="accent1"/>
-          </a:lnRef>
-          <a:fillRef idx="0">
-            <a:schemeClr val="accent1"/>
-          </a:fillRef>
-          <a:effectRef idx="0">
-            <a:schemeClr val="accent1"/>
-          </a:effectRef>
-          <a:fontRef idx="minor">
-            <a:schemeClr val="tx1"/>
-          </a:fontRef>
-        </p:style>
-      </p:cxnSp>
-      <p:cxnSp>
-        <p:nvCxnSpPr>
-          <p:cNvPr id="66" name="Straight Connector 65">
-            <a:extLst>
-              <a:ext uri="{FF2B5EF4-FFF2-40B4-BE49-F238E27FC236}">
-                <a16:creationId xmlns:a16="http://schemas.microsoft.com/office/drawing/2014/main" id="{D936EE4B-BA42-4FDE-989F-F7189A10A2C1}"/>
-              </a:ext>
-            </a:extLst>
-          </p:cNvPr>
-          <p:cNvCxnSpPr>
-            <a:endCxn id="41" idx="6"/>
-          </p:cNvCxnSpPr>
-          <p:nvPr/>
-        </p:nvCxnSpPr>
-        <p:spPr>
-          <a:xfrm flipH="1" flipV="1">
-            <a:off x="9782805" y="2915547"/>
-            <a:ext cx="1139803" cy="160188"/>
-          </a:xfrm>
-          <a:prstGeom prst="line">
-            <a:avLst/>
-          </a:prstGeom>
-        </p:spPr>
-        <p:style>
-          <a:lnRef idx="1">
-            <a:schemeClr val="accent1"/>
-          </a:lnRef>
-          <a:fillRef idx="0">
-            <a:schemeClr val="accent1"/>
-          </a:fillRef>
-          <a:effectRef idx="0">
-            <a:schemeClr val="accent1"/>
-          </a:effectRef>
-          <a:fontRef idx="minor">
-            <a:schemeClr val="tx1"/>
-          </a:fontRef>
-        </p:style>
-      </p:cxnSp>
-      <p:cxnSp>
-        <p:nvCxnSpPr>
-          <p:cNvPr id="68" name="Straight Connector 67">
-            <a:extLst>
-              <a:ext uri="{FF2B5EF4-FFF2-40B4-BE49-F238E27FC236}">
-                <a16:creationId xmlns:a16="http://schemas.microsoft.com/office/drawing/2014/main" id="{D1DDAC99-4A54-43C4-81C1-907C224E75F0}"/>
-              </a:ext>
-            </a:extLst>
-          </p:cNvPr>
-          <p:cNvCxnSpPr>
-            <a:endCxn id="42" idx="6"/>
-          </p:cNvCxnSpPr>
-          <p:nvPr/>
-        </p:nvCxnSpPr>
-        <p:spPr>
-          <a:xfrm flipH="1">
-            <a:off x="9782806" y="3353611"/>
-            <a:ext cx="1154012" cy="494661"/>
-          </a:xfrm>
-          <a:prstGeom prst="line">
-            <a:avLst/>
-          </a:prstGeom>
-        </p:spPr>
-        <p:style>
-          <a:lnRef idx="1">
-            <a:schemeClr val="accent1"/>
-          </a:lnRef>
-          <a:fillRef idx="0">
-            <a:schemeClr val="accent1"/>
-          </a:fillRef>
-          <a:effectRef idx="0">
-            <a:schemeClr val="accent1"/>
-          </a:effectRef>
-          <a:fontRef idx="minor">
-            <a:schemeClr val="tx1"/>
-          </a:fontRef>
-        </p:style>
-      </p:cxnSp>
-      <p:cxnSp>
-        <p:nvCxnSpPr>
-          <p:cNvPr id="70" name="Straight Connector 69">
-            <a:extLst>
-              <a:ext uri="{FF2B5EF4-FFF2-40B4-BE49-F238E27FC236}">
-                <a16:creationId xmlns:a16="http://schemas.microsoft.com/office/drawing/2014/main" id="{0E6343C5-D77D-40E2-8441-F41A0B4A59D2}"/>
-              </a:ext>
-            </a:extLst>
-          </p:cNvPr>
-          <p:cNvCxnSpPr>
-            <a:endCxn id="43" idx="6"/>
-          </p:cNvCxnSpPr>
-          <p:nvPr/>
-        </p:nvCxnSpPr>
-        <p:spPr>
-          <a:xfrm flipH="1">
-            <a:off x="9782805" y="3688084"/>
-            <a:ext cx="1139803" cy="1092913"/>
-          </a:xfrm>
-          <a:prstGeom prst="line">
-            <a:avLst/>
-          </a:prstGeom>
-        </p:spPr>
-        <p:style>
-          <a:lnRef idx="1">
-            <a:schemeClr val="accent1"/>
-          </a:lnRef>
-          <a:fillRef idx="0">
-            <a:schemeClr val="accent1"/>
-          </a:fillRef>
-          <a:effectRef idx="0">
-            <a:schemeClr val="accent1"/>
-          </a:effectRef>
-          <a:fontRef idx="minor">
-            <a:schemeClr val="tx1"/>
-          </a:fontRef>
-        </p:style>
-      </p:cxnSp>
-    </p:spTree>
-    <p:extLst>
-      <p:ext uri="{BB962C8B-B14F-4D97-AF65-F5344CB8AC3E}">
-        <p14:creationId xmlns:p14="http://schemas.microsoft.com/office/powerpoint/2010/main" val="2922493363"/>
-      </p:ext>
-    </p:extLst>
-  </p:cSld>
-  <p:clrMapOvr>
-    <a:masterClrMapping/>
-  </p:clrMapOvr>
-</p:sld>
-</file>
-
-<file path=ppt/slides/slide3.xml><?xml version="1.0" encoding="utf-8"?>
 <p:sld xmlns:a="http://schemas.openxmlformats.org/drawingml/2006/main" xmlns:r="http://schemas.openxmlformats.org/officeDocument/2006/relationships" xmlns:p="http://schemas.openxmlformats.org/presentationml/2006/main">
   <p:cSld>
     <p:spTree>
